--- a/SPHERO.pptx
+++ b/SPHERO.pptx
@@ -7,6 +7,12 @@
   <p:sldIdLst>
     <p:sldId id="256" r:id="rId2"/>
     <p:sldId id="257" r:id="rId3"/>
+    <p:sldId id="258" r:id="rId4"/>
+    <p:sldId id="262" r:id="rId5"/>
+    <p:sldId id="263" r:id="rId6"/>
+    <p:sldId id="259" r:id="rId7"/>
+    <p:sldId id="260" r:id="rId8"/>
+    <p:sldId id="261" r:id="rId9"/>
   </p:sldIdLst>
   <p:sldSz cx="12192000" cy="6858000"/>
   <p:notesSz cx="6858000" cy="9144000"/>
@@ -105,6 +111,11 @@
       </a:defRPr>
     </a:lvl9pPr>
   </p:defaultTextStyle>
+  <p:extLst>
+    <p:ext uri="{EFAFB233-063F-42B5-8137-9DF3F51BA10A}">
+      <p15:sldGuideLst xmlns:p15="http://schemas.microsoft.com/office/powerpoint/2012/main"/>
+    </p:ext>
+  </p:extLst>
 </p:presentation>
 </file>
 
@@ -297,7 +308,7 @@
             <a:fld id="{B61BEF0D-F0BB-DE4B-95CE-6DB70DBA9567}" type="datetimeFigureOut">
               <a:rPr lang="en-US" dirty="0"/>
               <a:pPr/>
-              <a:t>11/10/2018</a:t>
+              <a:t>11/17/2018</a:t>
             </a:fld>
             <a:endParaRPr lang="en-US" dirty="0"/>
           </a:p>
@@ -632,7 +643,7 @@
             <a:fld id="{B61BEF0D-F0BB-DE4B-95CE-6DB70DBA9567}" type="datetimeFigureOut">
               <a:rPr lang="en-US" dirty="0"/>
               <a:pPr/>
-              <a:t>11/10/2018</a:t>
+              <a:t>11/17/2018</a:t>
             </a:fld>
             <a:endParaRPr lang="en-US" dirty="0"/>
           </a:p>
@@ -1030,7 +1041,7 @@
             <a:fld id="{B61BEF0D-F0BB-DE4B-95CE-6DB70DBA9567}" type="datetimeFigureOut">
               <a:rPr lang="en-US" dirty="0"/>
               <a:pPr/>
-              <a:t>11/10/2018</a:t>
+              <a:t>11/17/2018</a:t>
             </a:fld>
             <a:endParaRPr lang="en-US" dirty="0"/>
           </a:p>
@@ -1363,7 +1374,7 @@
             <a:fld id="{B61BEF0D-F0BB-DE4B-95CE-6DB70DBA9567}" type="datetimeFigureOut">
               <a:rPr lang="en-US" dirty="0"/>
               <a:pPr/>
-              <a:t>11/10/2018</a:t>
+              <a:t>11/17/2018</a:t>
             </a:fld>
             <a:endParaRPr lang="en-US" dirty="0"/>
           </a:p>
@@ -1680,7 +1691,7 @@
             <a:fld id="{B61BEF0D-F0BB-DE4B-95CE-6DB70DBA9567}" type="datetimeFigureOut">
               <a:rPr lang="en-US" dirty="0"/>
               <a:pPr/>
-              <a:t>11/10/2018</a:t>
+              <a:t>11/17/2018</a:t>
             </a:fld>
             <a:endParaRPr lang="en-US" dirty="0"/>
           </a:p>
@@ -2073,7 +2084,7 @@
             <a:fld id="{B61BEF0D-F0BB-DE4B-95CE-6DB70DBA9567}" type="datetimeFigureOut">
               <a:rPr lang="en-US" dirty="0"/>
               <a:pPr/>
-              <a:t>11/10/2018</a:t>
+              <a:t>11/17/2018</a:t>
             </a:fld>
             <a:endParaRPr lang="en-US" dirty="0"/>
           </a:p>
@@ -2327,7 +2338,7 @@
             <a:fld id="{B61BEF0D-F0BB-DE4B-95CE-6DB70DBA9567}" type="datetimeFigureOut">
               <a:rPr lang="en-US" dirty="0"/>
               <a:pPr/>
-              <a:t>11/10/2018</a:t>
+              <a:t>11/17/2018</a:t>
             </a:fld>
             <a:endParaRPr lang="en-US" dirty="0"/>
           </a:p>
@@ -2586,7 +2597,7 @@
             <a:fld id="{B61BEF0D-F0BB-DE4B-95CE-6DB70DBA9567}" type="datetimeFigureOut">
               <a:rPr lang="en-US" dirty="0"/>
               <a:pPr/>
-              <a:t>11/10/2018</a:t>
+              <a:t>11/17/2018</a:t>
             </a:fld>
             <a:endParaRPr lang="en-US" dirty="0"/>
           </a:p>
@@ -2845,7 +2856,7 @@
             <a:fld id="{B61BEF0D-F0BB-DE4B-95CE-6DB70DBA9567}" type="datetimeFigureOut">
               <a:rPr lang="en-US" dirty="0"/>
               <a:pPr/>
-              <a:t>11/10/2018</a:t>
+              <a:t>11/17/2018</a:t>
             </a:fld>
             <a:endParaRPr lang="en-US" dirty="0"/>
           </a:p>
@@ -3171,7 +3182,7 @@
             <a:fld id="{B61BEF0D-F0BB-DE4B-95CE-6DB70DBA9567}" type="datetimeFigureOut">
               <a:rPr lang="en-US" dirty="0"/>
               <a:pPr/>
-              <a:t>11/10/2018</a:t>
+              <a:t>11/17/2018</a:t>
             </a:fld>
             <a:endParaRPr lang="en-US" dirty="0"/>
           </a:p>
@@ -3491,7 +3502,7 @@
             <a:fld id="{B61BEF0D-F0BB-DE4B-95CE-6DB70DBA9567}" type="datetimeFigureOut">
               <a:rPr lang="en-US" dirty="0"/>
               <a:pPr/>
-              <a:t>11/10/2018</a:t>
+              <a:t>11/17/2018</a:t>
             </a:fld>
             <a:endParaRPr lang="en-US" dirty="0"/>
           </a:p>
@@ -3945,7 +3956,7 @@
             <a:fld id="{B61BEF0D-F0BB-DE4B-95CE-6DB70DBA9567}" type="datetimeFigureOut">
               <a:rPr lang="en-US" dirty="0"/>
               <a:pPr/>
-              <a:t>11/10/2018</a:t>
+              <a:t>11/17/2018</a:t>
             </a:fld>
             <a:endParaRPr lang="en-US" dirty="0"/>
           </a:p>
@@ -4147,7 +4158,7 @@
             <a:fld id="{B61BEF0D-F0BB-DE4B-95CE-6DB70DBA9567}" type="datetimeFigureOut">
               <a:rPr lang="en-US" dirty="0"/>
               <a:pPr/>
-              <a:t>11/10/2018</a:t>
+              <a:t>11/17/2018</a:t>
             </a:fld>
             <a:endParaRPr lang="en-US" dirty="0"/>
           </a:p>
@@ -4321,7 +4332,7 @@
             <a:fld id="{B61BEF0D-F0BB-DE4B-95CE-6DB70DBA9567}" type="datetimeFigureOut">
               <a:rPr lang="en-US" dirty="0"/>
               <a:pPr/>
-              <a:t>11/10/2018</a:t>
+              <a:t>11/17/2018</a:t>
             </a:fld>
             <a:endParaRPr lang="en-US" dirty="0"/>
           </a:p>
@@ -4651,7 +4662,7 @@
             <a:fld id="{B61BEF0D-F0BB-DE4B-95CE-6DB70DBA9567}" type="datetimeFigureOut">
               <a:rPr lang="en-US" dirty="0"/>
               <a:pPr/>
-              <a:t>11/10/2018</a:t>
+              <a:t>11/17/2018</a:t>
             </a:fld>
             <a:endParaRPr lang="en-US" dirty="0"/>
           </a:p>
@@ -4993,7 +5004,7 @@
             <a:fld id="{B61BEF0D-F0BB-DE4B-95CE-6DB70DBA9567}" type="datetimeFigureOut">
               <a:rPr lang="en-US" dirty="0"/>
               <a:pPr/>
-              <a:t>11/10/2018</a:t>
+              <a:t>11/17/2018</a:t>
             </a:fld>
             <a:endParaRPr lang="en-US" dirty="0"/>
           </a:p>
@@ -7107,7 +7118,7 @@
             <a:fld id="{B61BEF0D-F0BB-DE4B-95CE-6DB70DBA9567}" type="datetimeFigureOut">
               <a:rPr lang="en-US" dirty="0"/>
               <a:pPr/>
-              <a:t>11/10/2018</a:t>
+              <a:t>11/17/2018</a:t>
             </a:fld>
             <a:endParaRPr lang="en-US" dirty="0"/>
           </a:p>
@@ -7633,7 +7644,7 @@
         </p:nvSpPr>
         <p:spPr>
           <a:xfrm>
-            <a:off x="3879675" y="1941342"/>
+            <a:off x="2659756" y="1559002"/>
             <a:ext cx="4870430" cy="1221880"/>
           </a:xfrm>
         </p:spPr>
@@ -7663,7 +7674,7 @@
         </p:nvSpPr>
         <p:spPr>
           <a:xfrm>
-            <a:off x="4053304" y="3163222"/>
+            <a:off x="2841424" y="2741443"/>
             <a:ext cx="2597048" cy="457200"/>
           </a:xfrm>
         </p:spPr>
@@ -7674,14 +7685,22 @@
           <a:lstStyle/>
           <a:p>
             <a:r>
-              <a:rPr lang="en-US" sz="2000" dirty="0" err="1" smtClean="0"/>
-              <a:t>Async</a:t>
-            </a:r>
-            <a:r>
-              <a:rPr lang="en-US" sz="2000" dirty="0" smtClean="0"/>
-              <a:t> and await</a:t>
-            </a:r>
-            <a:endParaRPr lang="en-US" sz="2000" dirty="0"/>
+              <a:rPr lang="en-US" sz="2000" dirty="0" smtClean="0">
+                <a:solidFill>
+                  <a:schemeClr val="accent5">
+                    <a:lumMod val="75000"/>
+                  </a:schemeClr>
+                </a:solidFill>
+              </a:rPr>
+              <a:t>Async and await</a:t>
+            </a:r>
+            <a:endParaRPr lang="en-US" sz="2000" dirty="0">
+              <a:solidFill>
+                <a:schemeClr val="accent5">
+                  <a:lumMod val="75000"/>
+                </a:schemeClr>
+              </a:solidFill>
+            </a:endParaRPr>
           </a:p>
         </p:txBody>
       </p:sp>
@@ -7712,7 +7731,7 @@
         </p:blipFill>
         <p:spPr>
           <a:xfrm>
-            <a:off x="7530235" y="590843"/>
+            <a:off x="8496887" y="517742"/>
             <a:ext cx="3456634" cy="5748160"/>
           </a:xfrm>
           <a:prstGeom prst="rect">
@@ -7737,6 +7756,306 @@
           </a:sp3d>
         </p:spPr>
       </p:pic>
+      <p:sp>
+        <p:nvSpPr>
+          <p:cNvPr id="5" name="Title 1"/>
+          <p:cNvSpPr txBox="1">
+            <a:spLocks/>
+          </p:cNvSpPr>
+          <p:nvPr/>
+        </p:nvSpPr>
+        <p:spPr>
+          <a:xfrm>
+            <a:off x="5592261" y="3163222"/>
+            <a:ext cx="2904626" cy="1221880"/>
+          </a:xfrm>
+          <a:prstGeom prst="rect">
+            <a:avLst/>
+          </a:prstGeom>
+        </p:spPr>
+        <p:txBody>
+          <a:bodyPr vert="horz" lIns="91440" tIns="45720" rIns="91440" bIns="45720" rtlCol="0" anchor="b">
+            <a:normAutofit/>
+          </a:bodyPr>
+          <a:lstStyle>
+            <a:lvl1pPr algn="l" defTabSz="457200" rtl="0" eaLnBrk="1" latinLnBrk="0" hangingPunct="1">
+              <a:spcBef>
+                <a:spcPct val="0"/>
+              </a:spcBef>
+              <a:buNone/>
+              <a:defRPr sz="5400" kern="1200">
+                <a:solidFill>
+                  <a:schemeClr val="tx1">
+                    <a:lumMod val="85000"/>
+                    <a:lumOff val="15000"/>
+                  </a:schemeClr>
+                </a:solidFill>
+                <a:latin typeface="+mj-lt"/>
+                <a:ea typeface="+mj-ea"/>
+                <a:cs typeface="+mj-cs"/>
+              </a:defRPr>
+            </a:lvl1pPr>
+            <a:lvl2pPr eaLnBrk="1" hangingPunct="1">
+              <a:defRPr>
+                <a:solidFill>
+                  <a:schemeClr val="tx2"/>
+                </a:solidFill>
+              </a:defRPr>
+            </a:lvl2pPr>
+            <a:lvl3pPr eaLnBrk="1" hangingPunct="1">
+              <a:defRPr>
+                <a:solidFill>
+                  <a:schemeClr val="tx2"/>
+                </a:solidFill>
+              </a:defRPr>
+            </a:lvl3pPr>
+            <a:lvl4pPr eaLnBrk="1" hangingPunct="1">
+              <a:defRPr>
+                <a:solidFill>
+                  <a:schemeClr val="tx2"/>
+                </a:solidFill>
+              </a:defRPr>
+            </a:lvl4pPr>
+            <a:lvl5pPr eaLnBrk="1" hangingPunct="1">
+              <a:defRPr>
+                <a:solidFill>
+                  <a:schemeClr val="tx2"/>
+                </a:solidFill>
+              </a:defRPr>
+            </a:lvl5pPr>
+            <a:lvl6pPr eaLnBrk="1" hangingPunct="1">
+              <a:defRPr>
+                <a:solidFill>
+                  <a:schemeClr val="tx2"/>
+                </a:solidFill>
+              </a:defRPr>
+            </a:lvl6pPr>
+            <a:lvl7pPr eaLnBrk="1" hangingPunct="1">
+              <a:defRPr>
+                <a:solidFill>
+                  <a:schemeClr val="tx2"/>
+                </a:solidFill>
+              </a:defRPr>
+            </a:lvl7pPr>
+            <a:lvl8pPr eaLnBrk="1" hangingPunct="1">
+              <a:defRPr>
+                <a:solidFill>
+                  <a:schemeClr val="tx2"/>
+                </a:solidFill>
+              </a:defRPr>
+            </a:lvl8pPr>
+            <a:lvl9pPr eaLnBrk="1" hangingPunct="1">
+              <a:defRPr>
+                <a:solidFill>
+                  <a:schemeClr val="tx2"/>
+                </a:solidFill>
+              </a:defRPr>
+            </a:lvl9pPr>
+          </a:lstStyle>
+          <a:p>
+            <a:r>
+              <a:rPr lang="en-US" sz="2400" dirty="0" smtClean="0">
+                <a:solidFill>
+                  <a:schemeClr val="accent2"/>
+                </a:solidFill>
+                <a:latin typeface="Arial Rounded MT Bold" panose="020F0704030504030204" pitchFamily="34" charset="0"/>
+              </a:rPr>
+              <a:t>Presented by</a:t>
+            </a:r>
+            <a:endParaRPr lang="en-US" sz="2400" dirty="0">
+              <a:solidFill>
+                <a:schemeClr val="accent2"/>
+              </a:solidFill>
+              <a:latin typeface="Arial Rounded MT Bold" panose="020F0704030504030204" pitchFamily="34" charset="0"/>
+            </a:endParaRPr>
+          </a:p>
+        </p:txBody>
+      </p:sp>
+      <p:sp>
+        <p:nvSpPr>
+          <p:cNvPr id="6" name="Title 1"/>
+          <p:cNvSpPr txBox="1">
+            <a:spLocks/>
+          </p:cNvSpPr>
+          <p:nvPr/>
+        </p:nvSpPr>
+        <p:spPr>
+          <a:xfrm>
+            <a:off x="5592261" y="4385102"/>
+            <a:ext cx="3875850" cy="2034540"/>
+          </a:xfrm>
+          <a:prstGeom prst="rect">
+            <a:avLst/>
+          </a:prstGeom>
+        </p:spPr>
+        <p:txBody>
+          <a:bodyPr vert="horz" lIns="91440" tIns="45720" rIns="91440" bIns="45720" rtlCol="0" anchor="b">
+            <a:normAutofit/>
+          </a:bodyPr>
+          <a:lstStyle>
+            <a:lvl1pPr algn="l" defTabSz="457200" rtl="0" eaLnBrk="1" latinLnBrk="0" hangingPunct="1">
+              <a:spcBef>
+                <a:spcPct val="0"/>
+              </a:spcBef>
+              <a:buNone/>
+              <a:defRPr sz="5400" kern="1200">
+                <a:solidFill>
+                  <a:schemeClr val="tx1">
+                    <a:lumMod val="85000"/>
+                    <a:lumOff val="15000"/>
+                  </a:schemeClr>
+                </a:solidFill>
+                <a:latin typeface="+mj-lt"/>
+                <a:ea typeface="+mj-ea"/>
+                <a:cs typeface="+mj-cs"/>
+              </a:defRPr>
+            </a:lvl1pPr>
+            <a:lvl2pPr eaLnBrk="1" hangingPunct="1">
+              <a:defRPr>
+                <a:solidFill>
+                  <a:schemeClr val="tx2"/>
+                </a:solidFill>
+              </a:defRPr>
+            </a:lvl2pPr>
+            <a:lvl3pPr eaLnBrk="1" hangingPunct="1">
+              <a:defRPr>
+                <a:solidFill>
+                  <a:schemeClr val="tx2"/>
+                </a:solidFill>
+              </a:defRPr>
+            </a:lvl3pPr>
+            <a:lvl4pPr eaLnBrk="1" hangingPunct="1">
+              <a:defRPr>
+                <a:solidFill>
+                  <a:schemeClr val="tx2"/>
+                </a:solidFill>
+              </a:defRPr>
+            </a:lvl4pPr>
+            <a:lvl5pPr eaLnBrk="1" hangingPunct="1">
+              <a:defRPr>
+                <a:solidFill>
+                  <a:schemeClr val="tx2"/>
+                </a:solidFill>
+              </a:defRPr>
+            </a:lvl5pPr>
+            <a:lvl6pPr eaLnBrk="1" hangingPunct="1">
+              <a:defRPr>
+                <a:solidFill>
+                  <a:schemeClr val="tx2"/>
+                </a:solidFill>
+              </a:defRPr>
+            </a:lvl6pPr>
+            <a:lvl7pPr eaLnBrk="1" hangingPunct="1">
+              <a:defRPr>
+                <a:solidFill>
+                  <a:schemeClr val="tx2"/>
+                </a:solidFill>
+              </a:defRPr>
+            </a:lvl7pPr>
+            <a:lvl8pPr eaLnBrk="1" hangingPunct="1">
+              <a:defRPr>
+                <a:solidFill>
+                  <a:schemeClr val="tx2"/>
+                </a:solidFill>
+              </a:defRPr>
+            </a:lvl8pPr>
+            <a:lvl9pPr eaLnBrk="1" hangingPunct="1">
+              <a:defRPr>
+                <a:solidFill>
+                  <a:schemeClr val="tx2"/>
+                </a:solidFill>
+              </a:defRPr>
+            </a:lvl9pPr>
+          </a:lstStyle>
+          <a:p>
+            <a:r>
+              <a:rPr lang="en-US" sz="2000" dirty="0" smtClean="0">
+                <a:solidFill>
+                  <a:schemeClr val="tx1">
+                    <a:lumMod val="75000"/>
+                    <a:lumOff val="25000"/>
+                  </a:schemeClr>
+                </a:solidFill>
+                <a:latin typeface="Arial" panose="020B0604020202020204" pitchFamily="34" charset="0"/>
+                <a:cs typeface="Arial" panose="020B0604020202020204" pitchFamily="34" charset="0"/>
+              </a:rPr>
+              <a:t>Ankit Prakash</a:t>
+            </a:r>
+          </a:p>
+          <a:p>
+            <a:r>
+              <a:rPr lang="en-US" sz="2000" dirty="0" smtClean="0">
+                <a:solidFill>
+                  <a:schemeClr val="tx1">
+                    <a:lumMod val="75000"/>
+                    <a:lumOff val="25000"/>
+                  </a:schemeClr>
+                </a:solidFill>
+                <a:latin typeface="Arial" panose="020B0604020202020204" pitchFamily="34" charset="0"/>
+                <a:cs typeface="Arial" panose="020B0604020202020204" pitchFamily="34" charset="0"/>
+              </a:rPr>
+              <a:t>Rahul Reddy Dayam</a:t>
+            </a:r>
+          </a:p>
+          <a:p>
+            <a:r>
+              <a:rPr lang="en-US" sz="2000" dirty="0" smtClean="0">
+                <a:solidFill>
+                  <a:schemeClr val="tx1">
+                    <a:lumMod val="75000"/>
+                    <a:lumOff val="25000"/>
+                  </a:schemeClr>
+                </a:solidFill>
+                <a:latin typeface="Arial" panose="020B0604020202020204" pitchFamily="34" charset="0"/>
+                <a:cs typeface="Arial" panose="020B0604020202020204" pitchFamily="34" charset="0"/>
+              </a:rPr>
+              <a:t>Venkat Akhil Pendem</a:t>
+            </a:r>
+          </a:p>
+          <a:p>
+            <a:r>
+              <a:rPr lang="en-US" sz="2000" dirty="0" smtClean="0">
+                <a:solidFill>
+                  <a:schemeClr val="tx1">
+                    <a:lumMod val="75000"/>
+                    <a:lumOff val="25000"/>
+                  </a:schemeClr>
+                </a:solidFill>
+                <a:latin typeface="Arial" panose="020B0604020202020204" pitchFamily="34" charset="0"/>
+                <a:cs typeface="Arial" panose="020B0604020202020204" pitchFamily="34" charset="0"/>
+              </a:rPr>
+              <a:t>Ramesh Nutulapathi</a:t>
+            </a:r>
+          </a:p>
+          <a:p>
+            <a:r>
+              <a:rPr lang="en-US" sz="2000" dirty="0" smtClean="0">
+                <a:solidFill>
+                  <a:schemeClr val="tx1">
+                    <a:lumMod val="75000"/>
+                    <a:lumOff val="25000"/>
+                  </a:schemeClr>
+                </a:solidFill>
+                <a:latin typeface="Arial" panose="020B0604020202020204" pitchFamily="34" charset="0"/>
+                <a:cs typeface="Arial" panose="020B0604020202020204" pitchFamily="34" charset="0"/>
+              </a:rPr>
+              <a:t>Keerthi Sree Kukunoor</a:t>
+            </a:r>
+          </a:p>
+          <a:p>
+            <a:endParaRPr lang="en-US" sz="2000" dirty="0">
+              <a:solidFill>
+                <a:schemeClr val="tx1">
+                  <a:lumMod val="75000"/>
+                  <a:lumOff val="25000"/>
+                </a:schemeClr>
+              </a:solidFill>
+              <a:latin typeface="Arial" panose="020B0604020202020204" pitchFamily="34" charset="0"/>
+              <a:cs typeface="Arial" panose="020B0604020202020204" pitchFamily="34" charset="0"/>
+            </a:endParaRPr>
+          </a:p>
+        </p:txBody>
+      </p:sp>
     </p:spTree>
     <p:extLst>
       <p:ext uri="{BB962C8B-B14F-4D97-AF65-F5344CB8AC3E}">
@@ -7759,9 +8078,6 @@
                     <p:cTn id="3" fill="hold">
                       <p:stCondLst>
                         <p:cond delay="indefinite"/>
-                        <p:cond evt="onBegin" delay="0">
-                          <p:tn val="2"/>
-                        </p:cond>
                       </p:stCondLst>
                       <p:childTnLst>
                         <p:par>
@@ -7771,14 +8087,139 @@
                             </p:stCondLst>
                             <p:childTnLst>
                               <p:par>
-                                <p:cTn id="5" presetID="1" presetClass="mediacall" presetSubtype="0" fill="hold" nodeType="afterEffect">
+                                <p:cTn id="5" presetID="10" presetClass="entr" presetSubtype="0" fill="hold" grpId="0" nodeType="clickEffect">
+                                  <p:stCondLst>
+                                    <p:cond delay="0"/>
+                                  </p:stCondLst>
+                                  <p:childTnLst>
+                                    <p:set>
+                                      <p:cBhvr>
+                                        <p:cTn id="6" dur="1" fill="hold">
+                                          <p:stCondLst>
+                                            <p:cond delay="0"/>
+                                          </p:stCondLst>
+                                        </p:cTn>
+                                        <p:tgtEl>
+                                          <p:spTgt spid="6"/>
+                                        </p:tgtEl>
+                                        <p:attrNameLst>
+                                          <p:attrName>style.visibility</p:attrName>
+                                        </p:attrNameLst>
+                                      </p:cBhvr>
+                                      <p:to>
+                                        <p:strVal val="visible"/>
+                                      </p:to>
+                                    </p:set>
+                                    <p:animEffect transition="in" filter="fade">
+                                      <p:cBhvr>
+                                        <p:cTn id="7" dur="500"/>
+                                        <p:tgtEl>
+                                          <p:spTgt spid="6"/>
+                                        </p:tgtEl>
+                                      </p:cBhvr>
+                                    </p:animEffect>
+                                  </p:childTnLst>
+                                </p:cTn>
+                              </p:par>
+                              <p:par>
+                                <p:cTn id="8" presetID="42" presetClass="entr" presetSubtype="0" fill="hold" grpId="0" nodeType="withEffect">
+                                  <p:stCondLst>
+                                    <p:cond delay="0"/>
+                                  </p:stCondLst>
+                                  <p:childTnLst>
+                                    <p:set>
+                                      <p:cBhvr>
+                                        <p:cTn id="9" dur="1" fill="hold">
+                                          <p:stCondLst>
+                                            <p:cond delay="0"/>
+                                          </p:stCondLst>
+                                        </p:cTn>
+                                        <p:tgtEl>
+                                          <p:spTgt spid="5"/>
+                                        </p:tgtEl>
+                                        <p:attrNameLst>
+                                          <p:attrName>style.visibility</p:attrName>
+                                        </p:attrNameLst>
+                                      </p:cBhvr>
+                                      <p:to>
+                                        <p:strVal val="visible"/>
+                                      </p:to>
+                                    </p:set>
+                                    <p:animEffect transition="in" filter="fade">
+                                      <p:cBhvr>
+                                        <p:cTn id="10" dur="1000"/>
+                                        <p:tgtEl>
+                                          <p:spTgt spid="5"/>
+                                        </p:tgtEl>
+                                      </p:cBhvr>
+                                    </p:animEffect>
+                                    <p:anim calcmode="lin" valueType="num">
+                                      <p:cBhvr>
+                                        <p:cTn id="11" dur="1000" fill="hold"/>
+                                        <p:tgtEl>
+                                          <p:spTgt spid="5"/>
+                                        </p:tgtEl>
+                                        <p:attrNameLst>
+                                          <p:attrName>ppt_x</p:attrName>
+                                        </p:attrNameLst>
+                                      </p:cBhvr>
+                                      <p:tavLst>
+                                        <p:tav tm="0">
+                                          <p:val>
+                                            <p:strVal val="#ppt_x"/>
+                                          </p:val>
+                                        </p:tav>
+                                        <p:tav tm="100000">
+                                          <p:val>
+                                            <p:strVal val="#ppt_x"/>
+                                          </p:val>
+                                        </p:tav>
+                                      </p:tavLst>
+                                    </p:anim>
+                                    <p:anim calcmode="lin" valueType="num">
+                                      <p:cBhvr>
+                                        <p:cTn id="12" dur="1000" fill="hold"/>
+                                        <p:tgtEl>
+                                          <p:spTgt spid="5"/>
+                                        </p:tgtEl>
+                                        <p:attrNameLst>
+                                          <p:attrName>ppt_y</p:attrName>
+                                        </p:attrNameLst>
+                                      </p:cBhvr>
+                                      <p:tavLst>
+                                        <p:tav tm="0">
+                                          <p:val>
+                                            <p:strVal val="#ppt_y+.1"/>
+                                          </p:val>
+                                        </p:tav>
+                                        <p:tav tm="100000">
+                                          <p:val>
+                                            <p:strVal val="#ppt_y"/>
+                                          </p:val>
+                                        </p:tav>
+                                      </p:tavLst>
+                                    </p:anim>
+                                  </p:childTnLst>
+                                </p:cTn>
+                              </p:par>
+                            </p:childTnLst>
+                          </p:cTn>
+                        </p:par>
+                        <p:par>
+                          <p:cTn id="13" fill="hold">
+                            <p:stCondLst>
+                              <p:cond delay="1000"/>
+                            </p:stCondLst>
+                            <p:childTnLst>
+                              <p:par>
+                                <p:cTn id="14" presetID="1" presetClass="mediacall" presetSubtype="0" fill="hold" nodeType="afterEffect">
                                   <p:stCondLst>
                                     <p:cond delay="0"/>
                                   </p:stCondLst>
                                   <p:childTnLst>
                                     <p:cmd type="call" cmd="playFrom(0.0)">
                                       <p:cBhvr>
-                                        <p:cTn id="6" dur="2700" fill="hold"/>
+                                        <p:cTn id="15" dur="2700" fill="hold"/>
                                         <p:tgtEl>
                                           <p:spTgt spid="4"/>
                                         </p:tgtEl>
@@ -7812,7 +8253,7 @@
             </p:seq>
             <p:video>
               <p:cMediaNode vol="80000">
-                <p:cTn id="7" fill="hold" display="0">
+                <p:cTn id="16" fill="hold" display="0">
                   <p:stCondLst>
                     <p:cond delay="indefinite"/>
                   </p:stCondLst>
@@ -7822,68 +8263,14 @@
                 </p:tgtEl>
               </p:cMediaNode>
             </p:video>
-            <p:seq concurrent="1" nextAc="seek">
-              <p:cTn id="8" restart="whenNotActive" fill="hold" evtFilter="cancelBubble" nodeType="interactiveSeq">
-                <p:stCondLst>
-                  <p:cond evt="onClick" delay="0">
-                    <p:tgtEl>
-                      <p:spTgt spid="4"/>
-                    </p:tgtEl>
-                  </p:cond>
-                </p:stCondLst>
-                <p:endSync evt="end" delay="0">
-                  <p:rtn val="all"/>
-                </p:endSync>
-                <p:childTnLst>
-                  <p:par>
-                    <p:cTn id="9" fill="hold">
-                      <p:stCondLst>
-                        <p:cond delay="0"/>
-                      </p:stCondLst>
-                      <p:childTnLst>
-                        <p:par>
-                          <p:cTn id="10" fill="hold">
-                            <p:stCondLst>
-                              <p:cond delay="0"/>
-                            </p:stCondLst>
-                            <p:childTnLst>
-                              <p:par>
-                                <p:cTn id="11" presetID="2" presetClass="mediacall" presetSubtype="0" fill="hold" nodeType="clickEffect">
-                                  <p:stCondLst>
-                                    <p:cond delay="0"/>
-                                  </p:stCondLst>
-                                  <p:childTnLst>
-                                    <p:cmd type="call" cmd="togglePause">
-                                      <p:cBhvr>
-                                        <p:cTn id="12" dur="1" fill="hold"/>
-                                        <p:tgtEl>
-                                          <p:spTgt spid="4"/>
-                                        </p:tgtEl>
-                                      </p:cBhvr>
-                                    </p:cmd>
-                                  </p:childTnLst>
-                                </p:cTn>
-                              </p:par>
-                            </p:childTnLst>
-                          </p:cTn>
-                        </p:par>
-                      </p:childTnLst>
-                    </p:cTn>
-                  </p:par>
-                </p:childTnLst>
-              </p:cTn>
-              <p:nextCondLst>
-                <p:cond evt="onClick" delay="0">
-                  <p:tgtEl>
-                    <p:spTgt spid="4"/>
-                  </p:tgtEl>
-                </p:cond>
-              </p:nextCondLst>
-            </p:seq>
           </p:childTnLst>
         </p:cTn>
       </p:par>
     </p:tnLst>
+    <p:bldLst>
+      <p:bldP spid="5" grpId="0"/>
+      <p:bldP spid="6" grpId="0"/>
+    </p:bldLst>
   </p:timing>
 </p:sld>
 </file>
@@ -8213,6 +8600,1956 @@
     <p:extLst>
       <p:ext uri="{BB962C8B-B14F-4D97-AF65-F5344CB8AC3E}">
         <p14:creationId xmlns:p14="http://schemas.microsoft.com/office/powerpoint/2010/main" val="728004329"/>
+      </p:ext>
+    </p:extLst>
+  </p:cSld>
+  <p:clrMapOvr>
+    <a:masterClrMapping/>
+  </p:clrMapOvr>
+  <p:timing>
+    <p:tnLst>
+      <p:par>
+        <p:cTn id="1" dur="indefinite" restart="never" nodeType="tmRoot"/>
+      </p:par>
+    </p:tnLst>
+  </p:timing>
+</p:sld>
+</file>
+
+<file path=ppt/slides/slide3.xml><?xml version="1.0" encoding="utf-8"?>
+<p:sld xmlns:a="http://schemas.openxmlformats.org/drawingml/2006/main" xmlns:r="http://schemas.openxmlformats.org/officeDocument/2006/relationships" xmlns:p="http://schemas.openxmlformats.org/presentationml/2006/main">
+  <p:cSld>
+    <p:spTree>
+      <p:nvGrpSpPr>
+        <p:cNvPr id="1" name=""/>
+        <p:cNvGrpSpPr/>
+        <p:nvPr/>
+      </p:nvGrpSpPr>
+      <p:grpSpPr>
+        <a:xfrm>
+          <a:off x="0" y="0"/>
+          <a:ext cx="0" cy="0"/>
+          <a:chOff x="0" y="0"/>
+          <a:chExt cx="0" cy="0"/>
+        </a:xfrm>
+      </p:grpSpPr>
+      <p:sp>
+        <p:nvSpPr>
+          <p:cNvPr id="4" name="Title 3"/>
+          <p:cNvSpPr>
+            <a:spLocks noGrp="1"/>
+          </p:cNvSpPr>
+          <p:nvPr>
+            <p:ph type="title"/>
+          </p:nvPr>
+        </p:nvSpPr>
+        <p:spPr>
+          <a:xfrm>
+            <a:off x="2410044" y="2466978"/>
+            <a:ext cx="8911687" cy="1280890"/>
+          </a:xfrm>
+        </p:spPr>
+        <p:txBody>
+          <a:bodyPr>
+            <a:normAutofit/>
+          </a:bodyPr>
+          <a:lstStyle/>
+          <a:p>
+            <a:pPr algn="ctr"/>
+            <a:r>
+              <a:rPr lang="en-US" sz="6600" dirty="0" smtClean="0"/>
+              <a:t>ASYNC &amp; AWAIT</a:t>
+            </a:r>
+            <a:endParaRPr lang="en-US" sz="6600" dirty="0"/>
+          </a:p>
+        </p:txBody>
+      </p:sp>
+    </p:spTree>
+    <p:extLst>
+      <p:ext uri="{BB962C8B-B14F-4D97-AF65-F5344CB8AC3E}">
+        <p14:creationId xmlns:p14="http://schemas.microsoft.com/office/powerpoint/2010/main" val="1615858169"/>
+      </p:ext>
+    </p:extLst>
+  </p:cSld>
+  <p:clrMapOvr>
+    <a:masterClrMapping/>
+  </p:clrMapOvr>
+  <p:timing>
+    <p:tnLst>
+      <p:par>
+        <p:cTn id="1" dur="indefinite" restart="never" nodeType="tmRoot"/>
+      </p:par>
+    </p:tnLst>
+  </p:timing>
+</p:sld>
+</file>
+
+<file path=ppt/slides/slide4.xml><?xml version="1.0" encoding="utf-8"?>
+<p:sld xmlns:a="http://schemas.openxmlformats.org/drawingml/2006/main" xmlns:r="http://schemas.openxmlformats.org/officeDocument/2006/relationships" xmlns:p="http://schemas.openxmlformats.org/presentationml/2006/main">
+  <p:cSld>
+    <p:spTree>
+      <p:nvGrpSpPr>
+        <p:cNvPr id="1" name=""/>
+        <p:cNvGrpSpPr/>
+        <p:nvPr/>
+      </p:nvGrpSpPr>
+      <p:grpSpPr>
+        <a:xfrm>
+          <a:off x="0" y="0"/>
+          <a:ext cx="0" cy="0"/>
+          <a:chOff x="0" y="0"/>
+          <a:chExt cx="0" cy="0"/>
+        </a:xfrm>
+      </p:grpSpPr>
+      <p:sp>
+        <p:nvSpPr>
+          <p:cNvPr id="2" name="Title 1"/>
+          <p:cNvSpPr>
+            <a:spLocks noGrp="1"/>
+          </p:cNvSpPr>
+          <p:nvPr>
+            <p:ph type="title"/>
+          </p:nvPr>
+        </p:nvSpPr>
+        <p:spPr>
+          <a:xfrm>
+            <a:off x="2711645" y="3001551"/>
+            <a:ext cx="9203690" cy="824862"/>
+          </a:xfrm>
+        </p:spPr>
+        <p:txBody>
+          <a:bodyPr>
+            <a:noAutofit/>
+          </a:bodyPr>
+          <a:lstStyle/>
+          <a:p>
+            <a:r>
+              <a:rPr lang="en-US" sz="2800" dirty="0"/>
+              <a:t>Before</a:t>
+            </a:r>
+            <a:r>
+              <a:rPr lang="en-US" sz="2800" dirty="0"/>
+              <a:t> jumping directly to Async consider this</a:t>
+            </a:r>
+            <a:r>
+              <a:rPr lang="en-US" sz="2800" dirty="0" smtClean="0"/>
+              <a:t/>
+            </a:r>
+            <a:br>
+              <a:rPr lang="en-US" sz="2800" dirty="0" smtClean="0"/>
+            </a:br>
+            <a:endParaRPr lang="en-US" sz="2800" dirty="0"/>
+          </a:p>
+        </p:txBody>
+      </p:sp>
+      <p:sp>
+        <p:nvSpPr>
+          <p:cNvPr id="3" name="Rectangle 2"/>
+          <p:cNvSpPr/>
+          <p:nvPr/>
+        </p:nvSpPr>
+        <p:spPr>
+          <a:xfrm>
+            <a:off x="2711645" y="4234376"/>
+            <a:ext cx="8332764" cy="1323439"/>
+          </a:xfrm>
+          <a:prstGeom prst="rect">
+            <a:avLst/>
+          </a:prstGeom>
+        </p:spPr>
+        <p:txBody>
+          <a:bodyPr wrap="square">
+            <a:spAutoFit/>
+          </a:bodyPr>
+          <a:lstStyle/>
+          <a:p>
+            <a:r>
+              <a:rPr lang="en-US" sz="2000" dirty="0">
+                <a:solidFill>
+                  <a:schemeClr val="bg2">
+                    <a:lumMod val="50000"/>
+                  </a:schemeClr>
+                </a:solidFill>
+                <a:latin typeface="+mj-lt"/>
+                <a:ea typeface="+mj-ea"/>
+                <a:cs typeface="+mj-cs"/>
+              </a:rPr>
+              <a:t>Suppose if we want to do a task after completing a different task or if we want to perform tasks one after </a:t>
+            </a:r>
+            <a:r>
+              <a:rPr lang="en-US" sz="2000" dirty="0" smtClean="0">
+                <a:solidFill>
+                  <a:schemeClr val="bg2">
+                    <a:lumMod val="50000"/>
+                  </a:schemeClr>
+                </a:solidFill>
+                <a:latin typeface="+mj-lt"/>
+                <a:ea typeface="+mj-ea"/>
+                <a:cs typeface="+mj-cs"/>
+              </a:rPr>
+              <a:t>the other </a:t>
+            </a:r>
+            <a:r>
+              <a:rPr lang="en-US" sz="2000" dirty="0">
+                <a:solidFill>
+                  <a:schemeClr val="bg2">
+                    <a:lumMod val="50000"/>
+                  </a:schemeClr>
+                </a:solidFill>
+                <a:latin typeface="+mj-lt"/>
+                <a:ea typeface="+mj-ea"/>
+                <a:cs typeface="+mj-cs"/>
+              </a:rPr>
+              <a:t>and not simultaneously</a:t>
+            </a:r>
+            <a:r>
+              <a:rPr lang="en-US" sz="2000" dirty="0" smtClean="0">
+                <a:solidFill>
+                  <a:schemeClr val="bg2">
+                    <a:lumMod val="50000"/>
+                  </a:schemeClr>
+                </a:solidFill>
+                <a:latin typeface="+mj-lt"/>
+                <a:ea typeface="+mj-ea"/>
+                <a:cs typeface="+mj-cs"/>
+              </a:rPr>
+              <a:t>. How will you achieve this without using Async function.</a:t>
+            </a:r>
+            <a:endParaRPr lang="en-US" sz="2000" dirty="0">
+              <a:solidFill>
+                <a:schemeClr val="bg2">
+                  <a:lumMod val="50000"/>
+                </a:schemeClr>
+              </a:solidFill>
+              <a:latin typeface="+mj-lt"/>
+              <a:ea typeface="+mj-ea"/>
+              <a:cs typeface="+mj-cs"/>
+            </a:endParaRPr>
+          </a:p>
+        </p:txBody>
+      </p:sp>
+    </p:spTree>
+    <p:extLst>
+      <p:ext uri="{BB962C8B-B14F-4D97-AF65-F5344CB8AC3E}">
+        <p14:creationId xmlns:p14="http://schemas.microsoft.com/office/powerpoint/2010/main" val="2046703434"/>
+      </p:ext>
+    </p:extLst>
+  </p:cSld>
+  <p:clrMapOvr>
+    <a:masterClrMapping/>
+  </p:clrMapOvr>
+  <p:timing>
+    <p:tnLst>
+      <p:par>
+        <p:cTn id="1" dur="indefinite" restart="never" nodeType="tmRoot"/>
+      </p:par>
+    </p:tnLst>
+  </p:timing>
+</p:sld>
+</file>
+
+<file path=ppt/slides/slide5.xml><?xml version="1.0" encoding="utf-8"?>
+<p:sld xmlns:a="http://schemas.openxmlformats.org/drawingml/2006/main" xmlns:r="http://schemas.openxmlformats.org/officeDocument/2006/relationships" xmlns:p="http://schemas.openxmlformats.org/presentationml/2006/main">
+  <p:cSld>
+    <p:spTree>
+      <p:nvGrpSpPr>
+        <p:cNvPr id="1" name=""/>
+        <p:cNvGrpSpPr/>
+        <p:nvPr/>
+      </p:nvGrpSpPr>
+      <p:grpSpPr>
+        <a:xfrm>
+          <a:off x="0" y="0"/>
+          <a:ext cx="0" cy="0"/>
+          <a:chOff x="0" y="0"/>
+          <a:chExt cx="0" cy="0"/>
+        </a:xfrm>
+      </p:grpSpPr>
+      <p:sp>
+        <p:nvSpPr>
+          <p:cNvPr id="2" name="Title 1"/>
+          <p:cNvSpPr>
+            <a:spLocks noGrp="1"/>
+          </p:cNvSpPr>
+          <p:nvPr>
+            <p:ph type="title"/>
+          </p:nvPr>
+        </p:nvSpPr>
+        <p:spPr>
+          <a:xfrm>
+            <a:off x="2592924" y="360692"/>
+            <a:ext cx="8911687" cy="778791"/>
+          </a:xfrm>
+        </p:spPr>
+        <p:txBody>
+          <a:bodyPr/>
+          <a:lstStyle/>
+          <a:p>
+            <a:r>
+              <a:rPr lang="en-US" dirty="0" smtClean="0"/>
+              <a:t>CALLBACKS</a:t>
+            </a:r>
+            <a:endParaRPr lang="en-US" dirty="0"/>
+          </a:p>
+        </p:txBody>
+      </p:sp>
+      <p:sp>
+        <p:nvSpPr>
+          <p:cNvPr id="3" name="Rectangle 2"/>
+          <p:cNvSpPr/>
+          <p:nvPr/>
+        </p:nvSpPr>
+        <p:spPr>
+          <a:xfrm>
+            <a:off x="2592924" y="1139483"/>
+            <a:ext cx="6377354" cy="1200329"/>
+          </a:xfrm>
+          <a:prstGeom prst="rect">
+            <a:avLst/>
+          </a:prstGeom>
+          <a:solidFill>
+            <a:schemeClr val="bg1"/>
+          </a:solidFill>
+          <a:ln>
+            <a:noFill/>
+          </a:ln>
+        </p:spPr>
+        <p:txBody>
+          <a:bodyPr wrap="square">
+            <a:spAutoFit/>
+          </a:bodyPr>
+          <a:lstStyle/>
+          <a:p>
+            <a:r>
+              <a:rPr lang="en-US" b="1" dirty="0" err="1">
+                <a:solidFill>
+                  <a:srgbClr val="804000"/>
+                </a:solidFill>
+                <a:highlight>
+                  <a:srgbClr val="FFFFFF"/>
+                </a:highlight>
+                <a:latin typeface="Courier New" panose="02070309020205020404" pitchFamily="49" charset="0"/>
+                <a:ea typeface="Tahoma" panose="020B0604030504040204" pitchFamily="34" charset="0"/>
+                <a:cs typeface="Courier New" panose="02070309020205020404" pitchFamily="49" charset="0"/>
+              </a:rPr>
+              <a:t>setTimeout</a:t>
+            </a:r>
+            <a:r>
+              <a:rPr lang="en-US" b="1" dirty="0">
+                <a:solidFill>
+                  <a:srgbClr val="000080"/>
+                </a:solidFill>
+                <a:highlight>
+                  <a:srgbClr val="FFFFFF"/>
+                </a:highlight>
+                <a:latin typeface="Courier New" panose="02070309020205020404" pitchFamily="49" charset="0"/>
+                <a:ea typeface="Tahoma" panose="020B0604030504040204" pitchFamily="34" charset="0"/>
+                <a:cs typeface="Courier New" panose="02070309020205020404" pitchFamily="49" charset="0"/>
+              </a:rPr>
+              <a:t>(</a:t>
+            </a:r>
+            <a:r>
+              <a:rPr lang="en-US" b="1" dirty="0">
+                <a:solidFill>
+                  <a:srgbClr val="0000FF"/>
+                </a:solidFill>
+                <a:highlight>
+                  <a:srgbClr val="FFFFFF"/>
+                </a:highlight>
+                <a:latin typeface="Courier New" panose="02070309020205020404" pitchFamily="49" charset="0"/>
+                <a:ea typeface="Tahoma" panose="020B0604030504040204" pitchFamily="34" charset="0"/>
+                <a:cs typeface="Courier New" panose="02070309020205020404" pitchFamily="49" charset="0"/>
+              </a:rPr>
+              <a:t>function</a:t>
+            </a:r>
+            <a:r>
+              <a:rPr lang="en-US" b="1" dirty="0">
+                <a:solidFill>
+                  <a:srgbClr val="000080"/>
+                </a:solidFill>
+                <a:highlight>
+                  <a:srgbClr val="FFFFFF"/>
+                </a:highlight>
+                <a:latin typeface="Courier New" panose="02070309020205020404" pitchFamily="49" charset="0"/>
+                <a:ea typeface="Tahoma" panose="020B0604030504040204" pitchFamily="34" charset="0"/>
+                <a:cs typeface="Courier New" panose="02070309020205020404" pitchFamily="49" charset="0"/>
+              </a:rPr>
+              <a:t>()</a:t>
+            </a:r>
+            <a:r>
+              <a:rPr lang="en-US" dirty="0">
+                <a:solidFill>
+                  <a:srgbClr val="000000"/>
+                </a:solidFill>
+                <a:highlight>
+                  <a:srgbClr val="FFFFFF"/>
+                </a:highlight>
+                <a:latin typeface="Courier New" panose="02070309020205020404" pitchFamily="49" charset="0"/>
+                <a:ea typeface="Tahoma" panose="020B0604030504040204" pitchFamily="34" charset="0"/>
+                <a:cs typeface="Courier New" panose="02070309020205020404" pitchFamily="49" charset="0"/>
+              </a:rPr>
+              <a:t> </a:t>
+            </a:r>
+            <a:r>
+              <a:rPr lang="en-US" b="1" dirty="0">
+                <a:solidFill>
+                  <a:srgbClr val="000080"/>
+                </a:solidFill>
+                <a:highlight>
+                  <a:srgbClr val="FFFFFF"/>
+                </a:highlight>
+                <a:latin typeface="Courier New" panose="02070309020205020404" pitchFamily="49" charset="0"/>
+                <a:ea typeface="Tahoma" panose="020B0604030504040204" pitchFamily="34" charset="0"/>
+                <a:cs typeface="Courier New" panose="02070309020205020404" pitchFamily="49" charset="0"/>
+              </a:rPr>
+              <a:t>{</a:t>
+            </a:r>
+            <a:endParaRPr lang="en-US" dirty="0">
+              <a:solidFill>
+                <a:srgbClr val="000000"/>
+              </a:solidFill>
+              <a:highlight>
+                <a:srgbClr val="FFFFFF"/>
+              </a:highlight>
+              <a:latin typeface="Courier New" panose="02070309020205020404" pitchFamily="49" charset="0"/>
+              <a:ea typeface="Tahoma" panose="020B0604030504040204" pitchFamily="34" charset="0"/>
+              <a:cs typeface="Courier New" panose="02070309020205020404" pitchFamily="49" charset="0"/>
+            </a:endParaRPr>
+          </a:p>
+          <a:p>
+            <a:r>
+              <a:rPr lang="en-US" dirty="0">
+                <a:solidFill>
+                  <a:srgbClr val="000000"/>
+                </a:solidFill>
+                <a:highlight>
+                  <a:srgbClr val="FFFFFF"/>
+                </a:highlight>
+                <a:latin typeface="Courier New" panose="02070309020205020404" pitchFamily="49" charset="0"/>
+                <a:ea typeface="Tahoma" panose="020B0604030504040204" pitchFamily="34" charset="0"/>
+                <a:cs typeface="Courier New" panose="02070309020205020404" pitchFamily="49" charset="0"/>
+              </a:rPr>
+              <a:t>  console</a:t>
+            </a:r>
+            <a:r>
+              <a:rPr lang="en-US" b="1" dirty="0">
+                <a:solidFill>
+                  <a:srgbClr val="000080"/>
+                </a:solidFill>
+                <a:highlight>
+                  <a:srgbClr val="FFFFFF"/>
+                </a:highlight>
+                <a:latin typeface="Courier New" panose="02070309020205020404" pitchFamily="49" charset="0"/>
+                <a:ea typeface="Tahoma" panose="020B0604030504040204" pitchFamily="34" charset="0"/>
+                <a:cs typeface="Courier New" panose="02070309020205020404" pitchFamily="49" charset="0"/>
+              </a:rPr>
+              <a:t>.</a:t>
+            </a:r>
+            <a:r>
+              <a:rPr lang="en-US" dirty="0">
+                <a:solidFill>
+                  <a:srgbClr val="000000"/>
+                </a:solidFill>
+                <a:highlight>
+                  <a:srgbClr val="FFFFFF"/>
+                </a:highlight>
+                <a:latin typeface="Courier New" panose="02070309020205020404" pitchFamily="49" charset="0"/>
+                <a:ea typeface="Tahoma" panose="020B0604030504040204" pitchFamily="34" charset="0"/>
+                <a:cs typeface="Courier New" panose="02070309020205020404" pitchFamily="49" charset="0"/>
+              </a:rPr>
+              <a:t>log</a:t>
+            </a:r>
+            <a:r>
+              <a:rPr lang="en-US" b="1" dirty="0">
+                <a:solidFill>
+                  <a:srgbClr val="000080"/>
+                </a:solidFill>
+                <a:highlight>
+                  <a:srgbClr val="FFFFFF"/>
+                </a:highlight>
+                <a:latin typeface="Courier New" panose="02070309020205020404" pitchFamily="49" charset="0"/>
+                <a:ea typeface="Tahoma" panose="020B0604030504040204" pitchFamily="34" charset="0"/>
+                <a:cs typeface="Courier New" panose="02070309020205020404" pitchFamily="49" charset="0"/>
+              </a:rPr>
+              <a:t>(</a:t>
+            </a:r>
+            <a:r>
+              <a:rPr lang="en-US" dirty="0">
+                <a:solidFill>
+                  <a:srgbClr val="808080"/>
+                </a:solidFill>
+                <a:highlight>
+                  <a:srgbClr val="FFFFFF"/>
+                </a:highlight>
+                <a:latin typeface="Courier New" panose="02070309020205020404" pitchFamily="49" charset="0"/>
+                <a:ea typeface="Tahoma" panose="020B0604030504040204" pitchFamily="34" charset="0"/>
+                <a:cs typeface="Courier New" panose="02070309020205020404" pitchFamily="49" charset="0"/>
+              </a:rPr>
+              <a:t>'This runs after 5 seconds'</a:t>
+            </a:r>
+            <a:r>
+              <a:rPr lang="en-US" b="1" dirty="0">
+                <a:solidFill>
+                  <a:srgbClr val="000080"/>
+                </a:solidFill>
+                <a:highlight>
+                  <a:srgbClr val="FFFFFF"/>
+                </a:highlight>
+                <a:latin typeface="Courier New" panose="02070309020205020404" pitchFamily="49" charset="0"/>
+                <a:ea typeface="Tahoma" panose="020B0604030504040204" pitchFamily="34" charset="0"/>
+                <a:cs typeface="Courier New" panose="02070309020205020404" pitchFamily="49" charset="0"/>
+              </a:rPr>
+              <a:t>);</a:t>
+            </a:r>
+            <a:endParaRPr lang="en-US" dirty="0">
+              <a:solidFill>
+                <a:srgbClr val="000000"/>
+              </a:solidFill>
+              <a:highlight>
+                <a:srgbClr val="FFFFFF"/>
+              </a:highlight>
+              <a:latin typeface="Courier New" panose="02070309020205020404" pitchFamily="49" charset="0"/>
+              <a:ea typeface="Tahoma" panose="020B0604030504040204" pitchFamily="34" charset="0"/>
+              <a:cs typeface="Courier New" panose="02070309020205020404" pitchFamily="49" charset="0"/>
+            </a:endParaRPr>
+          </a:p>
+          <a:p>
+            <a:r>
+              <a:rPr lang="en-US" b="1" dirty="0">
+                <a:solidFill>
+                  <a:srgbClr val="000080"/>
+                </a:solidFill>
+                <a:highlight>
+                  <a:srgbClr val="FFFFFF"/>
+                </a:highlight>
+                <a:latin typeface="Courier New" panose="02070309020205020404" pitchFamily="49" charset="0"/>
+                <a:ea typeface="Tahoma" panose="020B0604030504040204" pitchFamily="34" charset="0"/>
+                <a:cs typeface="Courier New" panose="02070309020205020404" pitchFamily="49" charset="0"/>
+              </a:rPr>
+              <a:t>},</a:t>
+            </a:r>
+            <a:r>
+              <a:rPr lang="en-US" dirty="0">
+                <a:solidFill>
+                  <a:srgbClr val="000000"/>
+                </a:solidFill>
+                <a:highlight>
+                  <a:srgbClr val="FFFFFF"/>
+                </a:highlight>
+                <a:latin typeface="Courier New" panose="02070309020205020404" pitchFamily="49" charset="0"/>
+                <a:ea typeface="Tahoma" panose="020B0604030504040204" pitchFamily="34" charset="0"/>
+                <a:cs typeface="Courier New" panose="02070309020205020404" pitchFamily="49" charset="0"/>
+              </a:rPr>
+              <a:t> </a:t>
+            </a:r>
+            <a:r>
+              <a:rPr lang="en-US" dirty="0">
+                <a:solidFill>
+                  <a:srgbClr val="FF8000"/>
+                </a:solidFill>
+                <a:highlight>
+                  <a:srgbClr val="FFFFFF"/>
+                </a:highlight>
+                <a:latin typeface="Courier New" panose="02070309020205020404" pitchFamily="49" charset="0"/>
+                <a:ea typeface="Tahoma" panose="020B0604030504040204" pitchFamily="34" charset="0"/>
+                <a:cs typeface="Courier New" panose="02070309020205020404" pitchFamily="49" charset="0"/>
+              </a:rPr>
+              <a:t>5000</a:t>
+            </a:r>
+            <a:r>
+              <a:rPr lang="en-US" b="1" dirty="0">
+                <a:solidFill>
+                  <a:srgbClr val="000080"/>
+                </a:solidFill>
+                <a:highlight>
+                  <a:srgbClr val="FFFFFF"/>
+                </a:highlight>
+                <a:latin typeface="Courier New" panose="02070309020205020404" pitchFamily="49" charset="0"/>
+                <a:ea typeface="Tahoma" panose="020B0604030504040204" pitchFamily="34" charset="0"/>
+                <a:cs typeface="Courier New" panose="02070309020205020404" pitchFamily="49" charset="0"/>
+              </a:rPr>
+              <a:t>);</a:t>
+            </a:r>
+            <a:endParaRPr lang="en-US" dirty="0">
+              <a:solidFill>
+                <a:srgbClr val="000000"/>
+              </a:solidFill>
+              <a:highlight>
+                <a:srgbClr val="FFFFFF"/>
+              </a:highlight>
+              <a:latin typeface="Courier New" panose="02070309020205020404" pitchFamily="49" charset="0"/>
+              <a:ea typeface="Tahoma" panose="020B0604030504040204" pitchFamily="34" charset="0"/>
+              <a:cs typeface="Courier New" panose="02070309020205020404" pitchFamily="49" charset="0"/>
+            </a:endParaRPr>
+          </a:p>
+          <a:p>
+            <a:r>
+              <a:rPr lang="en-US" dirty="0">
+                <a:solidFill>
+                  <a:srgbClr val="000000"/>
+                </a:solidFill>
+                <a:highlight>
+                  <a:srgbClr val="FFFFFF"/>
+                </a:highlight>
+                <a:latin typeface="Courier New" panose="02070309020205020404" pitchFamily="49" charset="0"/>
+                <a:ea typeface="Tahoma" panose="020B0604030504040204" pitchFamily="34" charset="0"/>
+                <a:cs typeface="Courier New" panose="02070309020205020404" pitchFamily="49" charset="0"/>
+              </a:rPr>
+              <a:t>console</a:t>
+            </a:r>
+            <a:r>
+              <a:rPr lang="en-US" b="1" dirty="0">
+                <a:solidFill>
+                  <a:srgbClr val="000080"/>
+                </a:solidFill>
+                <a:highlight>
+                  <a:srgbClr val="FFFFFF"/>
+                </a:highlight>
+                <a:latin typeface="Courier New" panose="02070309020205020404" pitchFamily="49" charset="0"/>
+                <a:ea typeface="Tahoma" panose="020B0604030504040204" pitchFamily="34" charset="0"/>
+                <a:cs typeface="Courier New" panose="02070309020205020404" pitchFamily="49" charset="0"/>
+              </a:rPr>
+              <a:t>.</a:t>
+            </a:r>
+            <a:r>
+              <a:rPr lang="en-US" dirty="0">
+                <a:solidFill>
+                  <a:srgbClr val="000000"/>
+                </a:solidFill>
+                <a:highlight>
+                  <a:srgbClr val="FFFFFF"/>
+                </a:highlight>
+                <a:latin typeface="Courier New" panose="02070309020205020404" pitchFamily="49" charset="0"/>
+                <a:ea typeface="Tahoma" panose="020B0604030504040204" pitchFamily="34" charset="0"/>
+                <a:cs typeface="Courier New" panose="02070309020205020404" pitchFamily="49" charset="0"/>
+              </a:rPr>
+              <a:t>log</a:t>
+            </a:r>
+            <a:r>
+              <a:rPr lang="en-US" b="1" dirty="0">
+                <a:solidFill>
+                  <a:srgbClr val="000080"/>
+                </a:solidFill>
+                <a:highlight>
+                  <a:srgbClr val="FFFFFF"/>
+                </a:highlight>
+                <a:latin typeface="Courier New" panose="02070309020205020404" pitchFamily="49" charset="0"/>
+                <a:ea typeface="Tahoma" panose="020B0604030504040204" pitchFamily="34" charset="0"/>
+                <a:cs typeface="Courier New" panose="02070309020205020404" pitchFamily="49" charset="0"/>
+              </a:rPr>
+              <a:t>(</a:t>
+            </a:r>
+            <a:r>
+              <a:rPr lang="en-US" dirty="0">
+                <a:solidFill>
+                  <a:srgbClr val="808080"/>
+                </a:solidFill>
+                <a:highlight>
+                  <a:srgbClr val="FFFFFF"/>
+                </a:highlight>
+                <a:latin typeface="Courier New" panose="02070309020205020404" pitchFamily="49" charset="0"/>
+                <a:ea typeface="Tahoma" panose="020B0604030504040204" pitchFamily="34" charset="0"/>
+                <a:cs typeface="Courier New" panose="02070309020205020404" pitchFamily="49" charset="0"/>
+              </a:rPr>
+              <a:t>'This runs first'</a:t>
+            </a:r>
+            <a:r>
+              <a:rPr lang="en-US" b="1" dirty="0">
+                <a:solidFill>
+                  <a:srgbClr val="000080"/>
+                </a:solidFill>
+                <a:highlight>
+                  <a:srgbClr val="FFFFFF"/>
+                </a:highlight>
+                <a:latin typeface="Courier New" panose="02070309020205020404" pitchFamily="49" charset="0"/>
+                <a:ea typeface="Tahoma" panose="020B0604030504040204" pitchFamily="34" charset="0"/>
+                <a:cs typeface="Courier New" panose="02070309020205020404" pitchFamily="49" charset="0"/>
+              </a:rPr>
+              <a:t>);</a:t>
+            </a:r>
+            <a:endParaRPr lang="en-US" dirty="0">
+              <a:latin typeface="Courier New" panose="02070309020205020404" pitchFamily="49" charset="0"/>
+              <a:ea typeface="Tahoma" panose="020B0604030504040204" pitchFamily="34" charset="0"/>
+              <a:cs typeface="Courier New" panose="02070309020205020404" pitchFamily="49" charset="0"/>
+            </a:endParaRPr>
+          </a:p>
+        </p:txBody>
+      </p:sp>
+      <p:sp>
+        <p:nvSpPr>
+          <p:cNvPr id="4" name="Rectangle 3"/>
+          <p:cNvSpPr/>
+          <p:nvPr/>
+        </p:nvSpPr>
+        <p:spPr>
+          <a:xfrm>
+            <a:off x="2466315" y="2607490"/>
+            <a:ext cx="8332764" cy="369332"/>
+          </a:xfrm>
+          <a:prstGeom prst="rect">
+            <a:avLst/>
+          </a:prstGeom>
+        </p:spPr>
+        <p:txBody>
+          <a:bodyPr wrap="square">
+            <a:spAutoFit/>
+          </a:bodyPr>
+          <a:lstStyle/>
+          <a:p>
+            <a:r>
+              <a:rPr lang="en-US" dirty="0"/>
+              <a:t>But if we want to do things sequentially that is one after another</a:t>
+            </a:r>
+            <a:endParaRPr lang="en-US" sz="2000" dirty="0">
+              <a:solidFill>
+                <a:schemeClr val="bg2">
+                  <a:lumMod val="50000"/>
+                </a:schemeClr>
+              </a:solidFill>
+              <a:latin typeface="+mj-lt"/>
+              <a:ea typeface="+mj-ea"/>
+              <a:cs typeface="+mj-cs"/>
+            </a:endParaRPr>
+          </a:p>
+        </p:txBody>
+      </p:sp>
+      <p:sp>
+        <p:nvSpPr>
+          <p:cNvPr id="5" name="Rectangle 4"/>
+          <p:cNvSpPr/>
+          <p:nvPr/>
+        </p:nvSpPr>
+        <p:spPr>
+          <a:xfrm>
+            <a:off x="2592924" y="3244500"/>
+            <a:ext cx="6096000" cy="2585323"/>
+          </a:xfrm>
+          <a:prstGeom prst="rect">
+            <a:avLst/>
+          </a:prstGeom>
+          <a:solidFill>
+            <a:schemeClr val="bg1"/>
+          </a:solidFill>
+        </p:spPr>
+        <p:txBody>
+          <a:bodyPr>
+            <a:spAutoFit/>
+          </a:bodyPr>
+          <a:lstStyle/>
+          <a:p>
+            <a:r>
+              <a:rPr lang="en-US" dirty="0" err="1">
+                <a:solidFill>
+                  <a:srgbClr val="000000"/>
+                </a:solidFill>
+                <a:highlight>
+                  <a:srgbClr val="FFFFFF"/>
+                </a:highlight>
+              </a:rPr>
+              <a:t>doThingOne</a:t>
+            </a:r>
+            <a:r>
+              <a:rPr lang="en-US" b="1" dirty="0">
+                <a:solidFill>
+                  <a:srgbClr val="000080"/>
+                </a:solidFill>
+                <a:highlight>
+                  <a:srgbClr val="FFFFFF"/>
+                </a:highlight>
+              </a:rPr>
+              <a:t>(</a:t>
+            </a:r>
+            <a:r>
+              <a:rPr lang="en-US" b="1" dirty="0">
+                <a:solidFill>
+                  <a:srgbClr val="0000FF"/>
+                </a:solidFill>
+                <a:highlight>
+                  <a:srgbClr val="FFFFFF"/>
+                </a:highlight>
+              </a:rPr>
+              <a:t>function</a:t>
+            </a:r>
+            <a:r>
+              <a:rPr lang="en-US" b="1" dirty="0">
+                <a:solidFill>
+                  <a:srgbClr val="000080"/>
+                </a:solidFill>
+                <a:highlight>
+                  <a:srgbClr val="FFFFFF"/>
+                </a:highlight>
+              </a:rPr>
+              <a:t>()</a:t>
+            </a:r>
+            <a:r>
+              <a:rPr lang="en-US" dirty="0">
+                <a:solidFill>
+                  <a:srgbClr val="000000"/>
+                </a:solidFill>
+                <a:highlight>
+                  <a:srgbClr val="FFFFFF"/>
+                </a:highlight>
+              </a:rPr>
+              <a:t> </a:t>
+            </a:r>
+            <a:r>
+              <a:rPr lang="en-US" b="1" dirty="0">
+                <a:solidFill>
+                  <a:srgbClr val="000080"/>
+                </a:solidFill>
+                <a:highlight>
+                  <a:srgbClr val="FFFFFF"/>
+                </a:highlight>
+              </a:rPr>
+              <a:t>{</a:t>
+            </a:r>
+            <a:endParaRPr lang="en-US" dirty="0">
+              <a:solidFill>
+                <a:srgbClr val="000000"/>
+              </a:solidFill>
+              <a:highlight>
+                <a:srgbClr val="FFFFFF"/>
+              </a:highlight>
+            </a:endParaRPr>
+          </a:p>
+          <a:p>
+            <a:r>
+              <a:rPr lang="en-US" dirty="0">
+                <a:solidFill>
+                  <a:srgbClr val="000000"/>
+                </a:solidFill>
+                <a:highlight>
+                  <a:srgbClr val="FFFFFF"/>
+                </a:highlight>
+              </a:rPr>
+              <a:t>  </a:t>
+            </a:r>
+            <a:r>
+              <a:rPr lang="en-US" dirty="0" err="1">
+                <a:solidFill>
+                  <a:srgbClr val="000000"/>
+                </a:solidFill>
+                <a:highlight>
+                  <a:srgbClr val="FFFFFF"/>
+                </a:highlight>
+              </a:rPr>
+              <a:t>doThingTwo</a:t>
+            </a:r>
+            <a:r>
+              <a:rPr lang="en-US" b="1" dirty="0">
+                <a:solidFill>
+                  <a:srgbClr val="000080"/>
+                </a:solidFill>
+                <a:highlight>
+                  <a:srgbClr val="FFFFFF"/>
+                </a:highlight>
+              </a:rPr>
+              <a:t>(</a:t>
+            </a:r>
+            <a:r>
+              <a:rPr lang="en-US" b="1" dirty="0">
+                <a:solidFill>
+                  <a:srgbClr val="0000FF"/>
+                </a:solidFill>
+                <a:highlight>
+                  <a:srgbClr val="FFFFFF"/>
+                </a:highlight>
+              </a:rPr>
+              <a:t>function</a:t>
+            </a:r>
+            <a:r>
+              <a:rPr lang="en-US" b="1" dirty="0">
+                <a:solidFill>
+                  <a:srgbClr val="000080"/>
+                </a:solidFill>
+                <a:highlight>
+                  <a:srgbClr val="FFFFFF"/>
+                </a:highlight>
+              </a:rPr>
+              <a:t>()</a:t>
+            </a:r>
+            <a:r>
+              <a:rPr lang="en-US" dirty="0">
+                <a:solidFill>
+                  <a:srgbClr val="000000"/>
+                </a:solidFill>
+                <a:highlight>
+                  <a:srgbClr val="FFFFFF"/>
+                </a:highlight>
+              </a:rPr>
+              <a:t> </a:t>
+            </a:r>
+            <a:r>
+              <a:rPr lang="en-US" b="1" dirty="0">
+                <a:solidFill>
+                  <a:srgbClr val="000080"/>
+                </a:solidFill>
+                <a:highlight>
+                  <a:srgbClr val="FFFFFF"/>
+                </a:highlight>
+              </a:rPr>
+              <a:t>{</a:t>
+            </a:r>
+            <a:endParaRPr lang="en-US" dirty="0">
+              <a:solidFill>
+                <a:srgbClr val="000000"/>
+              </a:solidFill>
+              <a:highlight>
+                <a:srgbClr val="FFFFFF"/>
+              </a:highlight>
+            </a:endParaRPr>
+          </a:p>
+          <a:p>
+            <a:r>
+              <a:rPr lang="en-US" dirty="0">
+                <a:solidFill>
+                  <a:srgbClr val="000000"/>
+                </a:solidFill>
+                <a:highlight>
+                  <a:srgbClr val="FFFFFF"/>
+                </a:highlight>
+              </a:rPr>
+              <a:t>    </a:t>
+            </a:r>
+            <a:r>
+              <a:rPr lang="en-US" dirty="0" err="1">
+                <a:solidFill>
+                  <a:srgbClr val="000000"/>
+                </a:solidFill>
+                <a:highlight>
+                  <a:srgbClr val="FFFFFF"/>
+                </a:highlight>
+              </a:rPr>
+              <a:t>doThingThree</a:t>
+            </a:r>
+            <a:r>
+              <a:rPr lang="en-US" b="1" dirty="0">
+                <a:solidFill>
+                  <a:srgbClr val="000080"/>
+                </a:solidFill>
+                <a:highlight>
+                  <a:srgbClr val="FFFFFF"/>
+                </a:highlight>
+              </a:rPr>
+              <a:t>(</a:t>
+            </a:r>
+            <a:r>
+              <a:rPr lang="en-US" b="1" dirty="0">
+                <a:solidFill>
+                  <a:srgbClr val="0000FF"/>
+                </a:solidFill>
+                <a:highlight>
+                  <a:srgbClr val="FFFFFF"/>
+                </a:highlight>
+              </a:rPr>
+              <a:t>function</a:t>
+            </a:r>
+            <a:r>
+              <a:rPr lang="en-US" b="1" dirty="0">
+                <a:solidFill>
+                  <a:srgbClr val="000080"/>
+                </a:solidFill>
+                <a:highlight>
+                  <a:srgbClr val="FFFFFF"/>
+                </a:highlight>
+              </a:rPr>
+              <a:t>()</a:t>
+            </a:r>
+            <a:r>
+              <a:rPr lang="en-US" dirty="0">
+                <a:solidFill>
+                  <a:srgbClr val="000000"/>
+                </a:solidFill>
+                <a:highlight>
+                  <a:srgbClr val="FFFFFF"/>
+                </a:highlight>
+              </a:rPr>
+              <a:t> </a:t>
+            </a:r>
+            <a:r>
+              <a:rPr lang="en-US" b="1" dirty="0">
+                <a:solidFill>
+                  <a:srgbClr val="000080"/>
+                </a:solidFill>
+                <a:highlight>
+                  <a:srgbClr val="FFFFFF"/>
+                </a:highlight>
+              </a:rPr>
+              <a:t>{</a:t>
+            </a:r>
+            <a:endParaRPr lang="en-US" dirty="0">
+              <a:solidFill>
+                <a:srgbClr val="000000"/>
+              </a:solidFill>
+              <a:highlight>
+                <a:srgbClr val="FFFFFF"/>
+              </a:highlight>
+            </a:endParaRPr>
+          </a:p>
+          <a:p>
+            <a:r>
+              <a:rPr lang="en-US" dirty="0">
+                <a:solidFill>
+                  <a:srgbClr val="000000"/>
+                </a:solidFill>
+                <a:highlight>
+                  <a:srgbClr val="FFFFFF"/>
+                </a:highlight>
+              </a:rPr>
+              <a:t>      </a:t>
+            </a:r>
+            <a:r>
+              <a:rPr lang="en-US" dirty="0" err="1">
+                <a:solidFill>
+                  <a:srgbClr val="000000"/>
+                </a:solidFill>
+                <a:highlight>
+                  <a:srgbClr val="FFFFFF"/>
+                </a:highlight>
+              </a:rPr>
+              <a:t>doThingFour</a:t>
+            </a:r>
+            <a:r>
+              <a:rPr lang="en-US" b="1" dirty="0">
+                <a:solidFill>
+                  <a:srgbClr val="000080"/>
+                </a:solidFill>
+                <a:highlight>
+                  <a:srgbClr val="FFFFFF"/>
+                </a:highlight>
+              </a:rPr>
+              <a:t>(</a:t>
+            </a:r>
+            <a:r>
+              <a:rPr lang="en-US" b="1" dirty="0">
+                <a:solidFill>
+                  <a:srgbClr val="0000FF"/>
+                </a:solidFill>
+                <a:highlight>
+                  <a:srgbClr val="FFFFFF"/>
+                </a:highlight>
+              </a:rPr>
+              <a:t>function</a:t>
+            </a:r>
+            <a:r>
+              <a:rPr lang="en-US" b="1" dirty="0">
+                <a:solidFill>
+                  <a:srgbClr val="000080"/>
+                </a:solidFill>
+                <a:highlight>
+                  <a:srgbClr val="FFFFFF"/>
+                </a:highlight>
+              </a:rPr>
+              <a:t>()</a:t>
+            </a:r>
+            <a:r>
+              <a:rPr lang="en-US" dirty="0">
+                <a:solidFill>
+                  <a:srgbClr val="000000"/>
+                </a:solidFill>
+                <a:highlight>
+                  <a:srgbClr val="FFFFFF"/>
+                </a:highlight>
+              </a:rPr>
+              <a:t> </a:t>
+            </a:r>
+            <a:r>
+              <a:rPr lang="en-US" b="1" dirty="0">
+                <a:solidFill>
+                  <a:srgbClr val="000080"/>
+                </a:solidFill>
+                <a:highlight>
+                  <a:srgbClr val="FFFFFF"/>
+                </a:highlight>
+              </a:rPr>
+              <a:t>{</a:t>
+            </a:r>
+            <a:endParaRPr lang="en-US" dirty="0">
+              <a:solidFill>
+                <a:srgbClr val="000000"/>
+              </a:solidFill>
+              <a:highlight>
+                <a:srgbClr val="FFFFFF"/>
+              </a:highlight>
+            </a:endParaRPr>
+          </a:p>
+          <a:p>
+            <a:r>
+              <a:rPr lang="en-US" dirty="0">
+                <a:solidFill>
+                  <a:srgbClr val="000000"/>
+                </a:solidFill>
+                <a:highlight>
+                  <a:srgbClr val="FFFFFF"/>
+                </a:highlight>
+              </a:rPr>
+              <a:t>        </a:t>
+            </a:r>
+            <a:r>
+              <a:rPr lang="en-US" dirty="0">
+                <a:solidFill>
+                  <a:srgbClr val="008000"/>
+                </a:solidFill>
+                <a:highlight>
+                  <a:srgbClr val="FFFFFF"/>
+                </a:highlight>
+              </a:rPr>
+              <a:t>// What the hell?</a:t>
+            </a:r>
+          </a:p>
+          <a:p>
+            <a:r>
+              <a:rPr lang="en-US" dirty="0">
+                <a:solidFill>
+                  <a:srgbClr val="000000"/>
+                </a:solidFill>
+                <a:highlight>
+                  <a:srgbClr val="FFFFFF"/>
+                </a:highlight>
+              </a:rPr>
+              <a:t>      </a:t>
+            </a:r>
+            <a:r>
+              <a:rPr lang="en-US" b="1" dirty="0">
+                <a:solidFill>
+                  <a:srgbClr val="000080"/>
+                </a:solidFill>
+                <a:highlight>
+                  <a:srgbClr val="FFFFFF"/>
+                </a:highlight>
+              </a:rPr>
+              <a:t>});</a:t>
+            </a:r>
+            <a:endParaRPr lang="en-US" dirty="0">
+              <a:solidFill>
+                <a:srgbClr val="000000"/>
+              </a:solidFill>
+              <a:highlight>
+                <a:srgbClr val="FFFFFF"/>
+              </a:highlight>
+            </a:endParaRPr>
+          </a:p>
+          <a:p>
+            <a:r>
+              <a:rPr lang="en-US" dirty="0">
+                <a:solidFill>
+                  <a:srgbClr val="000000"/>
+                </a:solidFill>
+                <a:highlight>
+                  <a:srgbClr val="FFFFFF"/>
+                </a:highlight>
+              </a:rPr>
+              <a:t>    </a:t>
+            </a:r>
+            <a:r>
+              <a:rPr lang="en-US" b="1" dirty="0">
+                <a:solidFill>
+                  <a:srgbClr val="000080"/>
+                </a:solidFill>
+                <a:highlight>
+                  <a:srgbClr val="FFFFFF"/>
+                </a:highlight>
+              </a:rPr>
+              <a:t>});</a:t>
+            </a:r>
+            <a:endParaRPr lang="en-US" dirty="0">
+              <a:solidFill>
+                <a:srgbClr val="000000"/>
+              </a:solidFill>
+              <a:highlight>
+                <a:srgbClr val="FFFFFF"/>
+              </a:highlight>
+            </a:endParaRPr>
+          </a:p>
+          <a:p>
+            <a:r>
+              <a:rPr lang="en-US" dirty="0">
+                <a:solidFill>
+                  <a:srgbClr val="000000"/>
+                </a:solidFill>
+                <a:highlight>
+                  <a:srgbClr val="FFFFFF"/>
+                </a:highlight>
+              </a:rPr>
+              <a:t>  </a:t>
+            </a:r>
+            <a:r>
+              <a:rPr lang="en-US" b="1" dirty="0">
+                <a:solidFill>
+                  <a:srgbClr val="000080"/>
+                </a:solidFill>
+                <a:highlight>
+                  <a:srgbClr val="FFFFFF"/>
+                </a:highlight>
+              </a:rPr>
+              <a:t>});</a:t>
+            </a:r>
+            <a:endParaRPr lang="en-US" dirty="0">
+              <a:solidFill>
+                <a:srgbClr val="000000"/>
+              </a:solidFill>
+              <a:highlight>
+                <a:srgbClr val="FFFFFF"/>
+              </a:highlight>
+            </a:endParaRPr>
+          </a:p>
+          <a:p>
+            <a:r>
+              <a:rPr lang="en-US" b="1" dirty="0">
+                <a:solidFill>
+                  <a:srgbClr val="000080"/>
+                </a:solidFill>
+                <a:highlight>
+                  <a:srgbClr val="FFFFFF"/>
+                </a:highlight>
+              </a:rPr>
+              <a:t>});</a:t>
+            </a:r>
+            <a:endParaRPr lang="en-US" dirty="0"/>
+          </a:p>
+        </p:txBody>
+      </p:sp>
+      <p:sp>
+        <p:nvSpPr>
+          <p:cNvPr id="6" name="Rectangle 5"/>
+          <p:cNvSpPr/>
+          <p:nvPr/>
+        </p:nvSpPr>
+        <p:spPr>
+          <a:xfrm>
+            <a:off x="2466315" y="6174592"/>
+            <a:ext cx="8332764" cy="369332"/>
+          </a:xfrm>
+          <a:prstGeom prst="rect">
+            <a:avLst/>
+          </a:prstGeom>
+        </p:spPr>
+        <p:txBody>
+          <a:bodyPr wrap="square">
+            <a:spAutoFit/>
+          </a:bodyPr>
+          <a:lstStyle/>
+          <a:p>
+            <a:r>
+              <a:rPr lang="en-US" dirty="0"/>
+              <a:t>This is called Callback hell.</a:t>
+            </a:r>
+            <a:endParaRPr lang="en-US" sz="2000" dirty="0">
+              <a:solidFill>
+                <a:schemeClr val="bg2">
+                  <a:lumMod val="50000"/>
+                </a:schemeClr>
+              </a:solidFill>
+              <a:latin typeface="+mj-lt"/>
+              <a:ea typeface="+mj-ea"/>
+              <a:cs typeface="+mj-cs"/>
+            </a:endParaRPr>
+          </a:p>
+        </p:txBody>
+      </p:sp>
+    </p:spTree>
+    <p:extLst>
+      <p:ext uri="{BB962C8B-B14F-4D97-AF65-F5344CB8AC3E}">
+        <p14:creationId xmlns:p14="http://schemas.microsoft.com/office/powerpoint/2010/main" val="3664715192"/>
+      </p:ext>
+    </p:extLst>
+  </p:cSld>
+  <p:clrMapOvr>
+    <a:masterClrMapping/>
+  </p:clrMapOvr>
+  <p:timing>
+    <p:tnLst>
+      <p:par>
+        <p:cTn id="1" dur="indefinite" restart="never" nodeType="tmRoot"/>
+      </p:par>
+    </p:tnLst>
+  </p:timing>
+</p:sld>
+</file>
+
+<file path=ppt/slides/slide6.xml><?xml version="1.0" encoding="utf-8"?>
+<p:sld xmlns:a="http://schemas.openxmlformats.org/drawingml/2006/main" xmlns:r="http://schemas.openxmlformats.org/officeDocument/2006/relationships" xmlns:p="http://schemas.openxmlformats.org/presentationml/2006/main">
+  <p:cSld>
+    <p:spTree>
+      <p:nvGrpSpPr>
+        <p:cNvPr id="1" name=""/>
+        <p:cNvGrpSpPr/>
+        <p:nvPr/>
+      </p:nvGrpSpPr>
+      <p:grpSpPr>
+        <a:xfrm>
+          <a:off x="0" y="0"/>
+          <a:ext cx="0" cy="0"/>
+          <a:chOff x="0" y="0"/>
+          <a:chExt cx="0" cy="0"/>
+        </a:xfrm>
+      </p:grpSpPr>
+      <p:sp>
+        <p:nvSpPr>
+          <p:cNvPr id="2" name="Title 1"/>
+          <p:cNvSpPr>
+            <a:spLocks noGrp="1"/>
+          </p:cNvSpPr>
+          <p:nvPr>
+            <p:ph type="title"/>
+          </p:nvPr>
+        </p:nvSpPr>
+        <p:spPr>
+          <a:xfrm>
+            <a:off x="3175327" y="2640923"/>
+            <a:ext cx="7572390" cy="1280890"/>
+          </a:xfrm>
+        </p:spPr>
+        <p:txBody>
+          <a:bodyPr>
+            <a:normAutofit/>
+          </a:bodyPr>
+          <a:lstStyle/>
+          <a:p>
+            <a:r>
+              <a:rPr lang="en-US" dirty="0" smtClean="0"/>
+              <a:t>What is an Async function?</a:t>
+            </a:r>
+            <a:endParaRPr lang="en-US" dirty="0"/>
+          </a:p>
+        </p:txBody>
+      </p:sp>
+      <p:sp>
+        <p:nvSpPr>
+          <p:cNvPr id="3" name="Rectangle 2"/>
+          <p:cNvSpPr/>
+          <p:nvPr/>
+        </p:nvSpPr>
+        <p:spPr>
+          <a:xfrm>
+            <a:off x="3553600" y="3063685"/>
+            <a:ext cx="3827417" cy="858128"/>
+          </a:xfrm>
+          <a:prstGeom prst="rect">
+            <a:avLst/>
+          </a:prstGeom>
+          <a:noFill/>
+          <a:ln>
+            <a:noFill/>
+          </a:ln>
+        </p:spPr>
+        <p:style>
+          <a:lnRef idx="2">
+            <a:schemeClr val="accent1">
+              <a:shade val="50000"/>
+            </a:schemeClr>
+          </a:lnRef>
+          <a:fillRef idx="1">
+            <a:schemeClr val="accent1"/>
+          </a:fillRef>
+          <a:effectRef idx="0">
+            <a:schemeClr val="accent1"/>
+          </a:effectRef>
+          <a:fontRef idx="minor">
+            <a:schemeClr val="lt1"/>
+          </a:fontRef>
+        </p:style>
+        <p:txBody>
+          <a:bodyPr rtlCol="0" anchor="ctr"/>
+          <a:lstStyle/>
+          <a:p>
+            <a:pPr algn="ctr"/>
+            <a:endParaRPr lang="en-US"/>
+          </a:p>
+        </p:txBody>
+      </p:sp>
+      <p:sp>
+        <p:nvSpPr>
+          <p:cNvPr id="4" name="Title 1"/>
+          <p:cNvSpPr txBox="1">
+            <a:spLocks/>
+          </p:cNvSpPr>
+          <p:nvPr/>
+        </p:nvSpPr>
+        <p:spPr>
+          <a:xfrm>
+            <a:off x="2606992" y="2211859"/>
+            <a:ext cx="8911687" cy="1280890"/>
+          </a:xfrm>
+          <a:prstGeom prst="rect">
+            <a:avLst/>
+          </a:prstGeom>
+        </p:spPr>
+        <p:txBody>
+          <a:bodyPr vert="horz" lIns="91440" tIns="45720" rIns="91440" bIns="45720" rtlCol="0" anchor="t">
+            <a:normAutofit/>
+          </a:bodyPr>
+          <a:lstStyle>
+            <a:lvl1pPr algn="l" defTabSz="457200" rtl="0" eaLnBrk="1" latinLnBrk="0" hangingPunct="1">
+              <a:spcBef>
+                <a:spcPct val="0"/>
+              </a:spcBef>
+              <a:buNone/>
+              <a:defRPr sz="3600" kern="1200">
+                <a:solidFill>
+                  <a:schemeClr val="tx1">
+                    <a:lumMod val="85000"/>
+                    <a:lumOff val="15000"/>
+                  </a:schemeClr>
+                </a:solidFill>
+                <a:latin typeface="+mj-lt"/>
+                <a:ea typeface="+mj-ea"/>
+                <a:cs typeface="+mj-cs"/>
+              </a:defRPr>
+            </a:lvl1pPr>
+            <a:lvl2pPr eaLnBrk="1" hangingPunct="1">
+              <a:defRPr>
+                <a:solidFill>
+                  <a:schemeClr val="tx2"/>
+                </a:solidFill>
+              </a:defRPr>
+            </a:lvl2pPr>
+            <a:lvl3pPr eaLnBrk="1" hangingPunct="1">
+              <a:defRPr>
+                <a:solidFill>
+                  <a:schemeClr val="tx2"/>
+                </a:solidFill>
+              </a:defRPr>
+            </a:lvl3pPr>
+            <a:lvl4pPr eaLnBrk="1" hangingPunct="1">
+              <a:defRPr>
+                <a:solidFill>
+                  <a:schemeClr val="tx2"/>
+                </a:solidFill>
+              </a:defRPr>
+            </a:lvl4pPr>
+            <a:lvl5pPr eaLnBrk="1" hangingPunct="1">
+              <a:defRPr>
+                <a:solidFill>
+                  <a:schemeClr val="tx2"/>
+                </a:solidFill>
+              </a:defRPr>
+            </a:lvl5pPr>
+            <a:lvl6pPr eaLnBrk="1" hangingPunct="1">
+              <a:defRPr>
+                <a:solidFill>
+                  <a:schemeClr val="tx2"/>
+                </a:solidFill>
+              </a:defRPr>
+            </a:lvl6pPr>
+            <a:lvl7pPr eaLnBrk="1" hangingPunct="1">
+              <a:defRPr>
+                <a:solidFill>
+                  <a:schemeClr val="tx2"/>
+                </a:solidFill>
+              </a:defRPr>
+            </a:lvl7pPr>
+            <a:lvl8pPr eaLnBrk="1" hangingPunct="1">
+              <a:defRPr>
+                <a:solidFill>
+                  <a:schemeClr val="tx2"/>
+                </a:solidFill>
+              </a:defRPr>
+            </a:lvl8pPr>
+            <a:lvl9pPr eaLnBrk="1" hangingPunct="1">
+              <a:defRPr>
+                <a:solidFill>
+                  <a:schemeClr val="tx2"/>
+                </a:solidFill>
+              </a:defRPr>
+            </a:lvl9pPr>
+          </a:lstStyle>
+          <a:p>
+            <a:r>
+              <a:rPr lang="en-US" sz="1800" dirty="0" smtClean="0">
+                <a:solidFill>
+                  <a:schemeClr val="tx2">
+                    <a:lumMod val="60000"/>
+                    <a:lumOff val="40000"/>
+                  </a:schemeClr>
+                </a:solidFill>
+              </a:rPr>
+              <a:t>        </a:t>
+            </a:r>
+            <a:endParaRPr lang="en-US" sz="2400" dirty="0">
+              <a:solidFill>
+                <a:schemeClr val="tx2">
+                  <a:lumMod val="50000"/>
+                </a:schemeClr>
+              </a:solidFill>
+            </a:endParaRPr>
+          </a:p>
+        </p:txBody>
+      </p:sp>
+      <p:sp>
+        <p:nvSpPr>
+          <p:cNvPr id="5" name="Title 1"/>
+          <p:cNvSpPr txBox="1">
+            <a:spLocks/>
+          </p:cNvSpPr>
+          <p:nvPr/>
+        </p:nvSpPr>
+        <p:spPr>
+          <a:xfrm>
+            <a:off x="3175327" y="3492749"/>
+            <a:ext cx="7572390" cy="2893983"/>
+          </a:xfrm>
+          <a:prstGeom prst="rect">
+            <a:avLst/>
+          </a:prstGeom>
+        </p:spPr>
+        <p:txBody>
+          <a:bodyPr vert="horz" lIns="91440" tIns="45720" rIns="91440" bIns="45720" rtlCol="0" anchor="t">
+            <a:normAutofit/>
+          </a:bodyPr>
+          <a:lstStyle>
+            <a:lvl1pPr algn="l" defTabSz="457200" rtl="0" eaLnBrk="1" latinLnBrk="0" hangingPunct="1">
+              <a:spcBef>
+                <a:spcPct val="0"/>
+              </a:spcBef>
+              <a:buNone/>
+              <a:defRPr sz="3600" kern="1200">
+                <a:solidFill>
+                  <a:schemeClr val="tx1">
+                    <a:lumMod val="85000"/>
+                    <a:lumOff val="15000"/>
+                  </a:schemeClr>
+                </a:solidFill>
+                <a:latin typeface="+mj-lt"/>
+                <a:ea typeface="+mj-ea"/>
+                <a:cs typeface="+mj-cs"/>
+              </a:defRPr>
+            </a:lvl1pPr>
+            <a:lvl2pPr eaLnBrk="1" hangingPunct="1">
+              <a:defRPr>
+                <a:solidFill>
+                  <a:schemeClr val="tx2"/>
+                </a:solidFill>
+              </a:defRPr>
+            </a:lvl2pPr>
+            <a:lvl3pPr eaLnBrk="1" hangingPunct="1">
+              <a:defRPr>
+                <a:solidFill>
+                  <a:schemeClr val="tx2"/>
+                </a:solidFill>
+              </a:defRPr>
+            </a:lvl3pPr>
+            <a:lvl4pPr eaLnBrk="1" hangingPunct="1">
+              <a:defRPr>
+                <a:solidFill>
+                  <a:schemeClr val="tx2"/>
+                </a:solidFill>
+              </a:defRPr>
+            </a:lvl4pPr>
+            <a:lvl5pPr eaLnBrk="1" hangingPunct="1">
+              <a:defRPr>
+                <a:solidFill>
+                  <a:schemeClr val="tx2"/>
+                </a:solidFill>
+              </a:defRPr>
+            </a:lvl5pPr>
+            <a:lvl6pPr eaLnBrk="1" hangingPunct="1">
+              <a:defRPr>
+                <a:solidFill>
+                  <a:schemeClr val="tx2"/>
+                </a:solidFill>
+              </a:defRPr>
+            </a:lvl6pPr>
+            <a:lvl7pPr eaLnBrk="1" hangingPunct="1">
+              <a:defRPr>
+                <a:solidFill>
+                  <a:schemeClr val="tx2"/>
+                </a:solidFill>
+              </a:defRPr>
+            </a:lvl7pPr>
+            <a:lvl8pPr eaLnBrk="1" hangingPunct="1">
+              <a:defRPr>
+                <a:solidFill>
+                  <a:schemeClr val="tx2"/>
+                </a:solidFill>
+              </a:defRPr>
+            </a:lvl8pPr>
+            <a:lvl9pPr eaLnBrk="1" hangingPunct="1">
+              <a:defRPr>
+                <a:solidFill>
+                  <a:schemeClr val="tx2"/>
+                </a:solidFill>
+              </a:defRPr>
+            </a:lvl9pPr>
+          </a:lstStyle>
+          <a:p>
+            <a:r>
+              <a:rPr lang="en-US" sz="2800" dirty="0">
+                <a:solidFill>
+                  <a:schemeClr val="bg2">
+                    <a:lumMod val="50000"/>
+                  </a:schemeClr>
+                </a:solidFill>
+              </a:rPr>
+              <a:t>An asynchronous function is a function which operates </a:t>
+            </a:r>
+            <a:r>
+              <a:rPr lang="en-US" sz="2800" dirty="0" smtClean="0">
+                <a:solidFill>
+                  <a:schemeClr val="bg2">
+                    <a:lumMod val="50000"/>
+                  </a:schemeClr>
+                </a:solidFill>
+              </a:rPr>
+              <a:t>asynchronously </a:t>
+            </a:r>
+            <a:r>
+              <a:rPr lang="en-US" sz="2800" dirty="0">
+                <a:solidFill>
+                  <a:schemeClr val="bg2">
+                    <a:lumMod val="50000"/>
+                  </a:schemeClr>
+                </a:solidFill>
+              </a:rPr>
+              <a:t>via the event loop, </a:t>
+            </a:r>
+            <a:r>
+              <a:rPr lang="en-US" sz="2800" dirty="0" smtClean="0">
+                <a:solidFill>
+                  <a:schemeClr val="bg2">
+                    <a:lumMod val="50000"/>
+                  </a:schemeClr>
+                </a:solidFill>
+              </a:rPr>
+              <a:t>using </a:t>
+            </a:r>
+            <a:r>
+              <a:rPr lang="en-US" sz="2800" dirty="0">
+                <a:solidFill>
+                  <a:schemeClr val="bg2">
+                    <a:lumMod val="50000"/>
+                  </a:schemeClr>
+                </a:solidFill>
+              </a:rPr>
+              <a:t>an implicit Promise to return its </a:t>
+            </a:r>
+            <a:r>
+              <a:rPr lang="en-US" sz="2800" dirty="0" smtClean="0">
+                <a:solidFill>
+                  <a:schemeClr val="bg2">
+                    <a:lumMod val="50000"/>
+                  </a:schemeClr>
+                </a:solidFill>
+              </a:rPr>
+              <a:t>result.</a:t>
+            </a:r>
+            <a:endParaRPr lang="en-US" sz="2800" dirty="0">
+              <a:solidFill>
+                <a:schemeClr val="bg2">
+                  <a:lumMod val="50000"/>
+                </a:schemeClr>
+              </a:solidFill>
+            </a:endParaRPr>
+          </a:p>
+        </p:txBody>
+      </p:sp>
+    </p:spTree>
+    <p:extLst>
+      <p:ext uri="{BB962C8B-B14F-4D97-AF65-F5344CB8AC3E}">
+        <p14:creationId xmlns:p14="http://schemas.microsoft.com/office/powerpoint/2010/main" val="2037983751"/>
+      </p:ext>
+    </p:extLst>
+  </p:cSld>
+  <p:clrMapOvr>
+    <a:masterClrMapping/>
+  </p:clrMapOvr>
+  <p:timing>
+    <p:tnLst>
+      <p:par>
+        <p:cTn id="1" dur="indefinite" restart="never" nodeType="tmRoot">
+          <p:childTnLst>
+            <p:seq concurrent="1" nextAc="seek">
+              <p:cTn id="2" dur="indefinite" nodeType="mainSeq">
+                <p:childTnLst>
+                  <p:par>
+                    <p:cTn id="3" fill="hold">
+                      <p:stCondLst>
+                        <p:cond delay="indefinite"/>
+                      </p:stCondLst>
+                      <p:childTnLst>
+                        <p:par>
+                          <p:cTn id="4" fill="hold">
+                            <p:stCondLst>
+                              <p:cond delay="0"/>
+                            </p:stCondLst>
+                            <p:childTnLst>
+                              <p:par>
+                                <p:cTn id="5" presetID="26" presetClass="emph" presetSubtype="0" fill="hold" grpId="0" nodeType="clickEffect">
+                                  <p:stCondLst>
+                                    <p:cond delay="0"/>
+                                  </p:stCondLst>
+                                  <p:childTnLst>
+                                    <p:animEffect transition="out" filter="fade">
+                                      <p:cBhvr>
+                                        <p:cTn id="6" dur="500" tmFilter="0, 0; .2, .5; .8, .5; 1, 0"/>
+                                        <p:tgtEl>
+                                          <p:spTgt spid="2"/>
+                                        </p:tgtEl>
+                                      </p:cBhvr>
+                                    </p:animEffect>
+                                    <p:animScale>
+                                      <p:cBhvr>
+                                        <p:cTn id="7" dur="250" autoRev="1" fill="hold"/>
+                                        <p:tgtEl>
+                                          <p:spTgt spid="2"/>
+                                        </p:tgtEl>
+                                      </p:cBhvr>
+                                      <p:by x="105000" y="105000"/>
+                                    </p:animScale>
+                                  </p:childTnLst>
+                                </p:cTn>
+                              </p:par>
+                            </p:childTnLst>
+                          </p:cTn>
+                        </p:par>
+                      </p:childTnLst>
+                    </p:cTn>
+                  </p:par>
+                  <p:par>
+                    <p:cTn id="8" fill="hold">
+                      <p:stCondLst>
+                        <p:cond delay="indefinite"/>
+                      </p:stCondLst>
+                      <p:childTnLst>
+                        <p:par>
+                          <p:cTn id="9" fill="hold">
+                            <p:stCondLst>
+                              <p:cond delay="0"/>
+                            </p:stCondLst>
+                            <p:childTnLst>
+                              <p:par>
+                                <p:cTn id="10" presetID="53" presetClass="entr" presetSubtype="16" fill="hold" nodeType="clickEffect">
+                                  <p:stCondLst>
+                                    <p:cond delay="0"/>
+                                  </p:stCondLst>
+                                  <p:childTnLst>
+                                    <p:set>
+                                      <p:cBhvr>
+                                        <p:cTn id="11" dur="1" fill="hold">
+                                          <p:stCondLst>
+                                            <p:cond delay="0"/>
+                                          </p:stCondLst>
+                                        </p:cTn>
+                                        <p:tgtEl>
+                                          <p:spTgt spid="5">
+                                            <p:txEl>
+                                              <p:pRg st="0" end="0"/>
+                                            </p:txEl>
+                                          </p:spTgt>
+                                        </p:tgtEl>
+                                        <p:attrNameLst>
+                                          <p:attrName>style.visibility</p:attrName>
+                                        </p:attrNameLst>
+                                      </p:cBhvr>
+                                      <p:to>
+                                        <p:strVal val="visible"/>
+                                      </p:to>
+                                    </p:set>
+                                    <p:anim calcmode="lin" valueType="num">
+                                      <p:cBhvr>
+                                        <p:cTn id="12" dur="500" fill="hold"/>
+                                        <p:tgtEl>
+                                          <p:spTgt spid="5">
+                                            <p:txEl>
+                                              <p:pRg st="0" end="0"/>
+                                            </p:txEl>
+                                          </p:spTgt>
+                                        </p:tgtEl>
+                                        <p:attrNameLst>
+                                          <p:attrName>ppt_w</p:attrName>
+                                        </p:attrNameLst>
+                                      </p:cBhvr>
+                                      <p:tavLst>
+                                        <p:tav tm="0">
+                                          <p:val>
+                                            <p:fltVal val="0"/>
+                                          </p:val>
+                                        </p:tav>
+                                        <p:tav tm="100000">
+                                          <p:val>
+                                            <p:strVal val="#ppt_w"/>
+                                          </p:val>
+                                        </p:tav>
+                                      </p:tavLst>
+                                    </p:anim>
+                                    <p:anim calcmode="lin" valueType="num">
+                                      <p:cBhvr>
+                                        <p:cTn id="13" dur="500" fill="hold"/>
+                                        <p:tgtEl>
+                                          <p:spTgt spid="5">
+                                            <p:txEl>
+                                              <p:pRg st="0" end="0"/>
+                                            </p:txEl>
+                                          </p:spTgt>
+                                        </p:tgtEl>
+                                        <p:attrNameLst>
+                                          <p:attrName>ppt_h</p:attrName>
+                                        </p:attrNameLst>
+                                      </p:cBhvr>
+                                      <p:tavLst>
+                                        <p:tav tm="0">
+                                          <p:val>
+                                            <p:fltVal val="0"/>
+                                          </p:val>
+                                        </p:tav>
+                                        <p:tav tm="100000">
+                                          <p:val>
+                                            <p:strVal val="#ppt_h"/>
+                                          </p:val>
+                                        </p:tav>
+                                      </p:tavLst>
+                                    </p:anim>
+                                    <p:animEffect transition="in" filter="fade">
+                                      <p:cBhvr>
+                                        <p:cTn id="14" dur="500"/>
+                                        <p:tgtEl>
+                                          <p:spTgt spid="5">
+                                            <p:txEl>
+                                              <p:pRg st="0" end="0"/>
+                                            </p:txEl>
+                                          </p:spTgt>
+                                        </p:tgtEl>
+                                      </p:cBhvr>
+                                    </p:animEffect>
+                                  </p:childTnLst>
+                                </p:cTn>
+                              </p:par>
+                            </p:childTnLst>
+                          </p:cTn>
+                        </p:par>
+                      </p:childTnLst>
+                    </p:cTn>
+                  </p:par>
+                </p:childTnLst>
+              </p:cTn>
+              <p:prevCondLst>
+                <p:cond evt="onPrev" delay="0">
+                  <p:tgtEl>
+                    <p:sldTgt/>
+                  </p:tgtEl>
+                </p:cond>
+              </p:prevCondLst>
+              <p:nextCondLst>
+                <p:cond evt="onNext" delay="0">
+                  <p:tgtEl>
+                    <p:sldTgt/>
+                  </p:tgtEl>
+                </p:cond>
+              </p:nextCondLst>
+            </p:seq>
+          </p:childTnLst>
+        </p:cTn>
+      </p:par>
+    </p:tnLst>
+    <p:bldLst>
+      <p:bldP spid="2" grpId="0"/>
+    </p:bldLst>
+  </p:timing>
+</p:sld>
+</file>
+
+<file path=ppt/slides/slide7.xml><?xml version="1.0" encoding="utf-8"?>
+<p:sld xmlns:a="http://schemas.openxmlformats.org/drawingml/2006/main" xmlns:r="http://schemas.openxmlformats.org/officeDocument/2006/relationships" xmlns:p="http://schemas.openxmlformats.org/presentationml/2006/main">
+  <p:cSld>
+    <p:spTree>
+      <p:nvGrpSpPr>
+        <p:cNvPr id="1" name=""/>
+        <p:cNvGrpSpPr/>
+        <p:nvPr/>
+      </p:nvGrpSpPr>
+      <p:grpSpPr>
+        <a:xfrm>
+          <a:off x="0" y="0"/>
+          <a:ext cx="0" cy="0"/>
+          <a:chOff x="0" y="0"/>
+          <a:chExt cx="0" cy="0"/>
+        </a:xfrm>
+      </p:grpSpPr>
+      <p:sp>
+        <p:nvSpPr>
+          <p:cNvPr id="2" name="Title 1"/>
+          <p:cNvSpPr>
+            <a:spLocks noGrp="1"/>
+          </p:cNvSpPr>
+          <p:nvPr>
+            <p:ph type="title"/>
+          </p:nvPr>
+        </p:nvSpPr>
+        <p:spPr/>
+        <p:txBody>
+          <a:bodyPr>
+            <a:normAutofit/>
+          </a:bodyPr>
+          <a:lstStyle/>
+          <a:p>
+            <a:r>
+              <a:rPr lang="en" dirty="0" smtClean="0"/>
+              <a:t>Understanding a Promise</a:t>
+            </a:r>
+            <a:endParaRPr lang="en" dirty="0"/>
+          </a:p>
+        </p:txBody>
+      </p:sp>
+    </p:spTree>
+    <p:extLst>
+      <p:ext uri="{BB962C8B-B14F-4D97-AF65-F5344CB8AC3E}">
+        <p14:creationId xmlns:p14="http://schemas.microsoft.com/office/powerpoint/2010/main" val="92806219"/>
+      </p:ext>
+    </p:extLst>
+  </p:cSld>
+  <p:clrMapOvr>
+    <a:masterClrMapping/>
+  </p:clrMapOvr>
+  <p:timing>
+    <p:tnLst>
+      <p:par>
+        <p:cTn id="1" dur="indefinite" restart="never" nodeType="tmRoot"/>
+      </p:par>
+    </p:tnLst>
+  </p:timing>
+</p:sld>
+</file>
+
+<file path=ppt/slides/slide8.xml><?xml version="1.0" encoding="utf-8"?>
+<p:sld xmlns:a="http://schemas.openxmlformats.org/drawingml/2006/main" xmlns:r="http://schemas.openxmlformats.org/officeDocument/2006/relationships" xmlns:p="http://schemas.openxmlformats.org/presentationml/2006/main">
+  <p:cSld>
+    <p:spTree>
+      <p:nvGrpSpPr>
+        <p:cNvPr id="1" name=""/>
+        <p:cNvGrpSpPr/>
+        <p:nvPr/>
+      </p:nvGrpSpPr>
+      <p:grpSpPr>
+        <a:xfrm>
+          <a:off x="0" y="0"/>
+          <a:ext cx="0" cy="0"/>
+          <a:chOff x="0" y="0"/>
+          <a:chExt cx="0" cy="0"/>
+        </a:xfrm>
+      </p:grpSpPr>
+      <p:sp>
+        <p:nvSpPr>
+          <p:cNvPr id="2" name="Title 1"/>
+          <p:cNvSpPr>
+            <a:spLocks noGrp="1"/>
+          </p:cNvSpPr>
+          <p:nvPr>
+            <p:ph type="title"/>
+          </p:nvPr>
+        </p:nvSpPr>
+        <p:spPr/>
+        <p:txBody>
+          <a:bodyPr/>
+          <a:lstStyle/>
+          <a:p>
+            <a:endParaRPr lang="en-US" dirty="0"/>
+          </a:p>
+        </p:txBody>
+      </p:sp>
+    </p:spTree>
+    <p:extLst>
+      <p:ext uri="{BB962C8B-B14F-4D97-AF65-F5344CB8AC3E}">
+        <p14:creationId xmlns:p14="http://schemas.microsoft.com/office/powerpoint/2010/main" val="3991154328"/>
       </p:ext>
     </p:extLst>
   </p:cSld>

--- a/SPHERO.pptx
+++ b/SPHERO.pptx
@@ -4,15 +4,22 @@
   <p:sldMasterIdLst>
     <p:sldMasterId id="2147483648" r:id="rId1"/>
   </p:sldMasterIdLst>
+  <p:notesMasterIdLst>
+    <p:notesMasterId r:id="rId14"/>
+  </p:notesMasterIdLst>
   <p:sldIdLst>
     <p:sldId id="256" r:id="rId2"/>
     <p:sldId id="257" r:id="rId3"/>
     <p:sldId id="258" r:id="rId4"/>
     <p:sldId id="262" r:id="rId5"/>
     <p:sldId id="263" r:id="rId6"/>
-    <p:sldId id="259" r:id="rId7"/>
-    <p:sldId id="260" r:id="rId8"/>
-    <p:sldId id="261" r:id="rId9"/>
+    <p:sldId id="260" r:id="rId7"/>
+    <p:sldId id="261" r:id="rId8"/>
+    <p:sldId id="264" r:id="rId9"/>
+    <p:sldId id="259" r:id="rId10"/>
+    <p:sldId id="266" r:id="rId11"/>
+    <p:sldId id="265" r:id="rId12"/>
+    <p:sldId id="267" r:id="rId13"/>
   </p:sldIdLst>
   <p:sldSz cx="12192000" cy="6858000"/>
   <p:notesSz cx="6858000" cy="9144000"/>
@@ -117,6 +124,562 @@
     </p:ext>
   </p:extLst>
 </p:presentation>
+</file>
+
+<file path=ppt/notesMasters/notesMaster1.xml><?xml version="1.0" encoding="utf-8"?>
+<p:notesMaster xmlns:a="http://schemas.openxmlformats.org/drawingml/2006/main" xmlns:r="http://schemas.openxmlformats.org/officeDocument/2006/relationships" xmlns:p="http://schemas.openxmlformats.org/presentationml/2006/main">
+  <p:cSld>
+    <p:bg>
+      <p:bgRef idx="1001">
+        <a:schemeClr val="bg1"/>
+      </p:bgRef>
+    </p:bg>
+    <p:spTree>
+      <p:nvGrpSpPr>
+        <p:cNvPr id="1" name=""/>
+        <p:cNvGrpSpPr/>
+        <p:nvPr/>
+      </p:nvGrpSpPr>
+      <p:grpSpPr>
+        <a:xfrm>
+          <a:off x="0" y="0"/>
+          <a:ext cx="0" cy="0"/>
+          <a:chOff x="0" y="0"/>
+          <a:chExt cx="0" cy="0"/>
+        </a:xfrm>
+      </p:grpSpPr>
+      <p:sp>
+        <p:nvSpPr>
+          <p:cNvPr id="2" name="Header Placeholder 1"/>
+          <p:cNvSpPr>
+            <a:spLocks noGrp="1"/>
+          </p:cNvSpPr>
+          <p:nvPr>
+            <p:ph type="hdr" sz="quarter"/>
+          </p:nvPr>
+        </p:nvSpPr>
+        <p:spPr>
+          <a:xfrm>
+            <a:off x="0" y="0"/>
+            <a:ext cx="2971800" cy="458788"/>
+          </a:xfrm>
+          <a:prstGeom prst="rect">
+            <a:avLst/>
+          </a:prstGeom>
+        </p:spPr>
+        <p:txBody>
+          <a:bodyPr vert="horz" lIns="91440" tIns="45720" rIns="91440" bIns="45720" rtlCol="0"/>
+          <a:lstStyle>
+            <a:lvl1pPr algn="l">
+              <a:defRPr sz="1200"/>
+            </a:lvl1pPr>
+          </a:lstStyle>
+          <a:p>
+            <a:endParaRPr lang="en-US"/>
+          </a:p>
+        </p:txBody>
+      </p:sp>
+      <p:sp>
+        <p:nvSpPr>
+          <p:cNvPr id="3" name="Date Placeholder 2"/>
+          <p:cNvSpPr>
+            <a:spLocks noGrp="1"/>
+          </p:cNvSpPr>
+          <p:nvPr>
+            <p:ph type="dt" idx="1"/>
+          </p:nvPr>
+        </p:nvSpPr>
+        <p:spPr>
+          <a:xfrm>
+            <a:off x="3884613" y="0"/>
+            <a:ext cx="2971800" cy="458788"/>
+          </a:xfrm>
+          <a:prstGeom prst="rect">
+            <a:avLst/>
+          </a:prstGeom>
+        </p:spPr>
+        <p:txBody>
+          <a:bodyPr vert="horz" lIns="91440" tIns="45720" rIns="91440" bIns="45720" rtlCol="0"/>
+          <a:lstStyle>
+            <a:lvl1pPr algn="r">
+              <a:defRPr sz="1200"/>
+            </a:lvl1pPr>
+          </a:lstStyle>
+          <a:p>
+            <a:fld id="{DE306475-00F1-4600-84BC-27AF2CEBFC86}" type="datetimeFigureOut">
+              <a:rPr lang="en-US" smtClean="0"/>
+              <a:t>11/18/2018</a:t>
+            </a:fld>
+            <a:endParaRPr lang="en-US"/>
+          </a:p>
+        </p:txBody>
+      </p:sp>
+      <p:sp>
+        <p:nvSpPr>
+          <p:cNvPr id="4" name="Slide Image Placeholder 3"/>
+          <p:cNvSpPr>
+            <a:spLocks noGrp="1" noRot="1" noChangeAspect="1"/>
+          </p:cNvSpPr>
+          <p:nvPr>
+            <p:ph type="sldImg" idx="2"/>
+          </p:nvPr>
+        </p:nvSpPr>
+        <p:spPr>
+          <a:xfrm>
+            <a:off x="685800" y="1143000"/>
+            <a:ext cx="5486400" cy="3086100"/>
+          </a:xfrm>
+          <a:prstGeom prst="rect">
+            <a:avLst/>
+          </a:prstGeom>
+          <a:noFill/>
+          <a:ln w="12700">
+            <a:solidFill>
+              <a:prstClr val="black"/>
+            </a:solidFill>
+          </a:ln>
+        </p:spPr>
+        <p:txBody>
+          <a:bodyPr vert="horz" lIns="91440" tIns="45720" rIns="91440" bIns="45720" rtlCol="0" anchor="ctr"/>
+          <a:lstStyle/>
+          <a:p>
+            <a:endParaRPr lang="en-US"/>
+          </a:p>
+        </p:txBody>
+      </p:sp>
+      <p:sp>
+        <p:nvSpPr>
+          <p:cNvPr id="5" name="Notes Placeholder 4"/>
+          <p:cNvSpPr>
+            <a:spLocks noGrp="1"/>
+          </p:cNvSpPr>
+          <p:nvPr>
+            <p:ph type="body" sz="quarter" idx="3"/>
+          </p:nvPr>
+        </p:nvSpPr>
+        <p:spPr>
+          <a:xfrm>
+            <a:off x="685800" y="4400550"/>
+            <a:ext cx="5486400" cy="3600450"/>
+          </a:xfrm>
+          <a:prstGeom prst="rect">
+            <a:avLst/>
+          </a:prstGeom>
+        </p:spPr>
+        <p:txBody>
+          <a:bodyPr vert="horz" lIns="91440" tIns="45720" rIns="91440" bIns="45720" rtlCol="0"/>
+          <a:lstStyle/>
+          <a:p>
+            <a:pPr lvl="0"/>
+            <a:r>
+              <a:rPr lang="en-US" smtClean="0"/>
+              <a:t>Edit Master text styles</a:t>
+            </a:r>
+          </a:p>
+          <a:p>
+            <a:pPr lvl="1"/>
+            <a:r>
+              <a:rPr lang="en-US" smtClean="0"/>
+              <a:t>Second level</a:t>
+            </a:r>
+          </a:p>
+          <a:p>
+            <a:pPr lvl="2"/>
+            <a:r>
+              <a:rPr lang="en-US" smtClean="0"/>
+              <a:t>Third level</a:t>
+            </a:r>
+          </a:p>
+          <a:p>
+            <a:pPr lvl="3"/>
+            <a:r>
+              <a:rPr lang="en-US" smtClean="0"/>
+              <a:t>Fourth level</a:t>
+            </a:r>
+          </a:p>
+          <a:p>
+            <a:pPr lvl="4"/>
+            <a:r>
+              <a:rPr lang="en-US" smtClean="0"/>
+              <a:t>Fifth level</a:t>
+            </a:r>
+            <a:endParaRPr lang="en-US"/>
+          </a:p>
+        </p:txBody>
+      </p:sp>
+      <p:sp>
+        <p:nvSpPr>
+          <p:cNvPr id="6" name="Footer Placeholder 5"/>
+          <p:cNvSpPr>
+            <a:spLocks noGrp="1"/>
+          </p:cNvSpPr>
+          <p:nvPr>
+            <p:ph type="ftr" sz="quarter" idx="4"/>
+          </p:nvPr>
+        </p:nvSpPr>
+        <p:spPr>
+          <a:xfrm>
+            <a:off x="0" y="8685213"/>
+            <a:ext cx="2971800" cy="458787"/>
+          </a:xfrm>
+          <a:prstGeom prst="rect">
+            <a:avLst/>
+          </a:prstGeom>
+        </p:spPr>
+        <p:txBody>
+          <a:bodyPr vert="horz" lIns="91440" tIns="45720" rIns="91440" bIns="45720" rtlCol="0" anchor="b"/>
+          <a:lstStyle>
+            <a:lvl1pPr algn="l">
+              <a:defRPr sz="1200"/>
+            </a:lvl1pPr>
+          </a:lstStyle>
+          <a:p>
+            <a:endParaRPr lang="en-US"/>
+          </a:p>
+        </p:txBody>
+      </p:sp>
+      <p:sp>
+        <p:nvSpPr>
+          <p:cNvPr id="7" name="Slide Number Placeholder 6"/>
+          <p:cNvSpPr>
+            <a:spLocks noGrp="1"/>
+          </p:cNvSpPr>
+          <p:nvPr>
+            <p:ph type="sldNum" sz="quarter" idx="5"/>
+          </p:nvPr>
+        </p:nvSpPr>
+        <p:spPr>
+          <a:xfrm>
+            <a:off x="3884613" y="8685213"/>
+            <a:ext cx="2971800" cy="458787"/>
+          </a:xfrm>
+          <a:prstGeom prst="rect">
+            <a:avLst/>
+          </a:prstGeom>
+        </p:spPr>
+        <p:txBody>
+          <a:bodyPr vert="horz" lIns="91440" tIns="45720" rIns="91440" bIns="45720" rtlCol="0" anchor="b"/>
+          <a:lstStyle>
+            <a:lvl1pPr algn="r">
+              <a:defRPr sz="1200"/>
+            </a:lvl1pPr>
+          </a:lstStyle>
+          <a:p>
+            <a:fld id="{6325D3C0-0187-453F-9B07-A41F08DD8B7E}" type="slidenum">
+              <a:rPr lang="en-US" smtClean="0"/>
+              <a:t>‹#›</a:t>
+            </a:fld>
+            <a:endParaRPr lang="en-US"/>
+          </a:p>
+        </p:txBody>
+      </p:sp>
+    </p:spTree>
+    <p:extLst>
+      <p:ext uri="{BB962C8B-B14F-4D97-AF65-F5344CB8AC3E}">
+        <p14:creationId xmlns:p14="http://schemas.microsoft.com/office/powerpoint/2010/main" val="2937604058"/>
+      </p:ext>
+    </p:extLst>
+  </p:cSld>
+  <p:clrMap bg1="lt1" tx1="dk1" bg2="lt2" tx2="dk2" accent1="accent1" accent2="accent2" accent3="accent3" accent4="accent4" accent5="accent5" accent6="accent6" hlink="hlink" folHlink="folHlink"/>
+  <p:notesStyle>
+    <a:lvl1pPr marL="0" algn="l" defTabSz="914400" rtl="0" eaLnBrk="1" latinLnBrk="0" hangingPunct="1">
+      <a:defRPr sz="1200" kern="1200">
+        <a:solidFill>
+          <a:schemeClr val="tx1"/>
+        </a:solidFill>
+        <a:latin typeface="+mn-lt"/>
+        <a:ea typeface="+mn-ea"/>
+        <a:cs typeface="+mn-cs"/>
+      </a:defRPr>
+    </a:lvl1pPr>
+    <a:lvl2pPr marL="457200" algn="l" defTabSz="914400" rtl="0" eaLnBrk="1" latinLnBrk="0" hangingPunct="1">
+      <a:defRPr sz="1200" kern="1200">
+        <a:solidFill>
+          <a:schemeClr val="tx1"/>
+        </a:solidFill>
+        <a:latin typeface="+mn-lt"/>
+        <a:ea typeface="+mn-ea"/>
+        <a:cs typeface="+mn-cs"/>
+      </a:defRPr>
+    </a:lvl2pPr>
+    <a:lvl3pPr marL="914400" algn="l" defTabSz="914400" rtl="0" eaLnBrk="1" latinLnBrk="0" hangingPunct="1">
+      <a:defRPr sz="1200" kern="1200">
+        <a:solidFill>
+          <a:schemeClr val="tx1"/>
+        </a:solidFill>
+        <a:latin typeface="+mn-lt"/>
+        <a:ea typeface="+mn-ea"/>
+        <a:cs typeface="+mn-cs"/>
+      </a:defRPr>
+    </a:lvl3pPr>
+    <a:lvl4pPr marL="1371600" algn="l" defTabSz="914400" rtl="0" eaLnBrk="1" latinLnBrk="0" hangingPunct="1">
+      <a:defRPr sz="1200" kern="1200">
+        <a:solidFill>
+          <a:schemeClr val="tx1"/>
+        </a:solidFill>
+        <a:latin typeface="+mn-lt"/>
+        <a:ea typeface="+mn-ea"/>
+        <a:cs typeface="+mn-cs"/>
+      </a:defRPr>
+    </a:lvl4pPr>
+    <a:lvl5pPr marL="1828800" algn="l" defTabSz="914400" rtl="0" eaLnBrk="1" latinLnBrk="0" hangingPunct="1">
+      <a:defRPr sz="1200" kern="1200">
+        <a:solidFill>
+          <a:schemeClr val="tx1"/>
+        </a:solidFill>
+        <a:latin typeface="+mn-lt"/>
+        <a:ea typeface="+mn-ea"/>
+        <a:cs typeface="+mn-cs"/>
+      </a:defRPr>
+    </a:lvl5pPr>
+    <a:lvl6pPr marL="2286000" algn="l" defTabSz="914400" rtl="0" eaLnBrk="1" latinLnBrk="0" hangingPunct="1">
+      <a:defRPr sz="1200" kern="1200">
+        <a:solidFill>
+          <a:schemeClr val="tx1"/>
+        </a:solidFill>
+        <a:latin typeface="+mn-lt"/>
+        <a:ea typeface="+mn-ea"/>
+        <a:cs typeface="+mn-cs"/>
+      </a:defRPr>
+    </a:lvl6pPr>
+    <a:lvl7pPr marL="2743200" algn="l" defTabSz="914400" rtl="0" eaLnBrk="1" latinLnBrk="0" hangingPunct="1">
+      <a:defRPr sz="1200" kern="1200">
+        <a:solidFill>
+          <a:schemeClr val="tx1"/>
+        </a:solidFill>
+        <a:latin typeface="+mn-lt"/>
+        <a:ea typeface="+mn-ea"/>
+        <a:cs typeface="+mn-cs"/>
+      </a:defRPr>
+    </a:lvl7pPr>
+    <a:lvl8pPr marL="3200400" algn="l" defTabSz="914400" rtl="0" eaLnBrk="1" latinLnBrk="0" hangingPunct="1">
+      <a:defRPr sz="1200" kern="1200">
+        <a:solidFill>
+          <a:schemeClr val="tx1"/>
+        </a:solidFill>
+        <a:latin typeface="+mn-lt"/>
+        <a:ea typeface="+mn-ea"/>
+        <a:cs typeface="+mn-cs"/>
+      </a:defRPr>
+    </a:lvl8pPr>
+    <a:lvl9pPr marL="3657600" algn="l" defTabSz="914400" rtl="0" eaLnBrk="1" latinLnBrk="0" hangingPunct="1">
+      <a:defRPr sz="1200" kern="1200">
+        <a:solidFill>
+          <a:schemeClr val="tx1"/>
+        </a:solidFill>
+        <a:latin typeface="+mn-lt"/>
+        <a:ea typeface="+mn-ea"/>
+        <a:cs typeface="+mn-cs"/>
+      </a:defRPr>
+    </a:lvl9pPr>
+  </p:notesStyle>
+</p:notesMaster>
+</file>
+
+<file path=ppt/notesSlides/notesSlide1.xml><?xml version="1.0" encoding="utf-8"?>
+<p:notes xmlns:a="http://schemas.openxmlformats.org/drawingml/2006/main" xmlns:r="http://schemas.openxmlformats.org/officeDocument/2006/relationships" xmlns:p="http://schemas.openxmlformats.org/presentationml/2006/main">
+  <p:cSld>
+    <p:spTree>
+      <p:nvGrpSpPr>
+        <p:cNvPr id="1" name=""/>
+        <p:cNvGrpSpPr/>
+        <p:nvPr/>
+      </p:nvGrpSpPr>
+      <p:grpSpPr>
+        <a:xfrm>
+          <a:off x="0" y="0"/>
+          <a:ext cx="0" cy="0"/>
+          <a:chOff x="0" y="0"/>
+          <a:chExt cx="0" cy="0"/>
+        </a:xfrm>
+      </p:grpSpPr>
+      <p:sp>
+        <p:nvSpPr>
+          <p:cNvPr id="2" name="Slide Image Placeholder 1"/>
+          <p:cNvSpPr>
+            <a:spLocks noGrp="1" noRot="1" noChangeAspect="1"/>
+          </p:cNvSpPr>
+          <p:nvPr>
+            <p:ph type="sldImg"/>
+          </p:nvPr>
+        </p:nvSpPr>
+        <p:spPr/>
+      </p:sp>
+      <p:sp>
+        <p:nvSpPr>
+          <p:cNvPr id="3" name="Notes Placeholder 2"/>
+          <p:cNvSpPr>
+            <a:spLocks noGrp="1"/>
+          </p:cNvSpPr>
+          <p:nvPr>
+            <p:ph type="body" idx="1"/>
+          </p:nvPr>
+        </p:nvSpPr>
+        <p:spPr/>
+        <p:txBody>
+          <a:bodyPr/>
+          <a:lstStyle/>
+          <a:p>
+            <a:r>
+              <a:rPr lang="en-US" sz="1200" b="0" i="0" kern="1200" dirty="0" smtClean="0">
+                <a:solidFill>
+                  <a:schemeClr val="tx1"/>
+                </a:solidFill>
+                <a:effectLst/>
+                <a:latin typeface="+mn-lt"/>
+                <a:ea typeface="+mn-ea"/>
+                <a:cs typeface="+mn-cs"/>
+              </a:rPr>
+              <a:t>Imagine that you’re a top singer, and fans ask day and night for your upcoming single.</a:t>
+            </a:r>
+          </a:p>
+          <a:p>
+            <a:r>
+              <a:rPr lang="en-US" sz="1200" b="0" i="0" kern="1200" dirty="0" smtClean="0">
+                <a:solidFill>
+                  <a:schemeClr val="tx1"/>
+                </a:solidFill>
+                <a:effectLst/>
+                <a:latin typeface="+mn-lt"/>
+                <a:ea typeface="+mn-ea"/>
+                <a:cs typeface="+mn-cs"/>
+              </a:rPr>
+              <a:t>To get some relief, you promise to send it to them when it’s published. You give your fans a list to which they can subscribe for updates. They can fill in their email addresses, so that when the song becomes available, all subscribed parties instantly receive it. And even if something goes very wrong, say, if plans to publish the song are cancelled, they will still be notified.</a:t>
+            </a:r>
+          </a:p>
+          <a:p>
+            <a:r>
+              <a:rPr lang="en-US" sz="1200" b="0" i="0" kern="1200" dirty="0" smtClean="0">
+                <a:solidFill>
+                  <a:schemeClr val="tx1"/>
+                </a:solidFill>
+                <a:effectLst/>
+                <a:latin typeface="+mn-lt"/>
+                <a:ea typeface="+mn-ea"/>
+                <a:cs typeface="+mn-cs"/>
+              </a:rPr>
+              <a:t>Everyone is happy, because the people don’t crowd you any more, and fans, because they won’t miss the single.</a:t>
+            </a:r>
+          </a:p>
+          <a:p>
+            <a:r>
+              <a:rPr lang="en-US" sz="1200" b="0" i="0" kern="1200" dirty="0" smtClean="0">
+                <a:solidFill>
+                  <a:schemeClr val="tx1"/>
+                </a:solidFill>
+                <a:effectLst/>
+                <a:latin typeface="+mn-lt"/>
+                <a:ea typeface="+mn-ea"/>
+                <a:cs typeface="+mn-cs"/>
+              </a:rPr>
+              <a:t>This is a real-life analogy for things we often have in programming:</a:t>
+            </a:r>
+          </a:p>
+          <a:p>
+            <a:r>
+              <a:rPr lang="en-US" sz="1200" b="0" i="0" kern="1200" dirty="0" smtClean="0">
+                <a:solidFill>
+                  <a:schemeClr val="tx1"/>
+                </a:solidFill>
+                <a:effectLst/>
+                <a:latin typeface="+mn-lt"/>
+                <a:ea typeface="+mn-ea"/>
+                <a:cs typeface="+mn-cs"/>
+              </a:rPr>
+              <a:t>A “producing code” that does something and takes time. For instance, the code loads a remote script. That’s a “singer”.</a:t>
+            </a:r>
+          </a:p>
+          <a:p>
+            <a:r>
+              <a:rPr lang="en-US" sz="1200" b="0" i="0" kern="1200" dirty="0" smtClean="0">
+                <a:solidFill>
+                  <a:schemeClr val="tx1"/>
+                </a:solidFill>
+                <a:effectLst/>
+                <a:latin typeface="+mn-lt"/>
+                <a:ea typeface="+mn-ea"/>
+                <a:cs typeface="+mn-cs"/>
+              </a:rPr>
+              <a:t>A “consuming code” that wants the result of the “producing code” once it’s ready. Many functions may need that result. These are the “fans”.</a:t>
+            </a:r>
+          </a:p>
+          <a:p>
+            <a:r>
+              <a:rPr lang="en-US" sz="1200" b="0" i="0" kern="1200" dirty="0" smtClean="0">
+                <a:solidFill>
+                  <a:schemeClr val="tx1"/>
+                </a:solidFill>
+                <a:effectLst/>
+                <a:latin typeface="+mn-lt"/>
+                <a:ea typeface="+mn-ea"/>
+                <a:cs typeface="+mn-cs"/>
+              </a:rPr>
+              <a:t>A </a:t>
+            </a:r>
+            <a:r>
+              <a:rPr lang="en-US" sz="1200" b="0" i="1" kern="1200" dirty="0" smtClean="0">
+                <a:solidFill>
+                  <a:schemeClr val="tx1"/>
+                </a:solidFill>
+                <a:effectLst/>
+                <a:latin typeface="+mn-lt"/>
+                <a:ea typeface="+mn-ea"/>
+                <a:cs typeface="+mn-cs"/>
+              </a:rPr>
+              <a:t>promise</a:t>
+            </a:r>
+            <a:r>
+              <a:rPr lang="en-US" sz="1200" b="0" i="0" kern="1200" dirty="0" smtClean="0">
+                <a:solidFill>
+                  <a:schemeClr val="tx1"/>
+                </a:solidFill>
+                <a:effectLst/>
+                <a:latin typeface="+mn-lt"/>
+                <a:ea typeface="+mn-ea"/>
+                <a:cs typeface="+mn-cs"/>
+              </a:rPr>
+              <a:t> is a special JavaScript object that links the “producing code” and the “consuming code” together. In terms of our analogy: this is the “subscription list”. The “producing code” takes whatever time it needs to produce the promised result, and the “promise” makes that result available to all of the subscribed code when it’s ready.</a:t>
+            </a:r>
+          </a:p>
+          <a:p>
+            <a:endParaRPr lang="en-US" dirty="0"/>
+          </a:p>
+        </p:txBody>
+      </p:sp>
+      <p:sp>
+        <p:nvSpPr>
+          <p:cNvPr id="4" name="Slide Number Placeholder 3"/>
+          <p:cNvSpPr>
+            <a:spLocks noGrp="1"/>
+          </p:cNvSpPr>
+          <p:nvPr>
+            <p:ph type="sldNum" sz="quarter" idx="10"/>
+          </p:nvPr>
+        </p:nvSpPr>
+        <p:spPr/>
+        <p:txBody>
+          <a:bodyPr/>
+          <a:lstStyle/>
+          <a:p>
+            <a:fld id="{6325D3C0-0187-453F-9B07-A41F08DD8B7E}" type="slidenum">
+              <a:rPr lang="en-US" smtClean="0"/>
+              <a:t>7</a:t>
+            </a:fld>
+            <a:endParaRPr lang="en-US"/>
+          </a:p>
+        </p:txBody>
+      </p:sp>
+    </p:spTree>
+    <p:extLst>
+      <p:ext uri="{BB962C8B-B14F-4D97-AF65-F5344CB8AC3E}">
+        <p14:creationId xmlns:p14="http://schemas.microsoft.com/office/powerpoint/2010/main" val="2262733839"/>
+      </p:ext>
+    </p:extLst>
+  </p:cSld>
+  <p:clrMapOvr>
+    <a:masterClrMapping/>
+  </p:clrMapOvr>
+</p:notes>
 </file>
 
 <file path=ppt/slideLayouts/slideLayout1.xml><?xml version="1.0" encoding="utf-8"?>
@@ -8275,6 +8838,2644 @@
 </p:sld>
 </file>
 
+<file path=ppt/slides/slide10.xml><?xml version="1.0" encoding="utf-8"?>
+<p:sld xmlns:a="http://schemas.openxmlformats.org/drawingml/2006/main" xmlns:r="http://schemas.openxmlformats.org/officeDocument/2006/relationships" xmlns:p="http://schemas.openxmlformats.org/presentationml/2006/main">
+  <p:cSld>
+    <p:spTree>
+      <p:nvGrpSpPr>
+        <p:cNvPr id="1" name=""/>
+        <p:cNvGrpSpPr/>
+        <p:nvPr/>
+      </p:nvGrpSpPr>
+      <p:grpSpPr>
+        <a:xfrm>
+          <a:off x="0" y="0"/>
+          <a:ext cx="0" cy="0"/>
+          <a:chOff x="0" y="0"/>
+          <a:chExt cx="0" cy="0"/>
+        </a:xfrm>
+      </p:grpSpPr>
+      <p:sp>
+        <p:nvSpPr>
+          <p:cNvPr id="3" name="Rectangle 2"/>
+          <p:cNvSpPr/>
+          <p:nvPr/>
+        </p:nvSpPr>
+        <p:spPr>
+          <a:xfrm>
+            <a:off x="2960913" y="1967583"/>
+            <a:ext cx="7257143" cy="3693319"/>
+          </a:xfrm>
+          <a:prstGeom prst="rect">
+            <a:avLst/>
+          </a:prstGeom>
+          <a:solidFill>
+            <a:schemeClr val="bg1"/>
+          </a:solidFill>
+        </p:spPr>
+        <p:txBody>
+          <a:bodyPr wrap="square">
+            <a:spAutoFit/>
+          </a:bodyPr>
+          <a:lstStyle/>
+          <a:p>
+            <a:r>
+              <a:rPr lang="en-US" dirty="0">
+                <a:solidFill>
+                  <a:srgbClr val="000000"/>
+                </a:solidFill>
+                <a:highlight>
+                  <a:srgbClr val="FFFFFF"/>
+                </a:highlight>
+                <a:latin typeface="Courier New" panose="02070309020205020404" pitchFamily="49" charset="0"/>
+                <a:cs typeface="Courier New" panose="02070309020205020404" pitchFamily="49" charset="0"/>
+              </a:rPr>
+              <a:t> </a:t>
+            </a:r>
+            <a:r>
+              <a:rPr lang="en-US" dirty="0">
+                <a:solidFill>
+                  <a:srgbClr val="008000"/>
+                </a:solidFill>
+                <a:highlight>
+                  <a:srgbClr val="FFFFFF"/>
+                </a:highlight>
+                <a:latin typeface="Courier New" panose="02070309020205020404" pitchFamily="49" charset="0"/>
+                <a:cs typeface="Courier New" panose="02070309020205020404" pitchFamily="49" charset="0"/>
+              </a:rPr>
+              <a:t>// Some random </a:t>
+            </a:r>
+            <a:r>
+              <a:rPr lang="en-US" dirty="0" err="1">
+                <a:solidFill>
+                  <a:srgbClr val="008000"/>
+                </a:solidFill>
+                <a:highlight>
+                  <a:srgbClr val="FFFFFF"/>
+                </a:highlight>
+                <a:latin typeface="Courier New" panose="02070309020205020404" pitchFamily="49" charset="0"/>
+                <a:cs typeface="Courier New" panose="02070309020205020404" pitchFamily="49" charset="0"/>
+              </a:rPr>
+              <a:t>async</a:t>
+            </a:r>
+            <a:r>
+              <a:rPr lang="en-US" dirty="0">
+                <a:solidFill>
+                  <a:srgbClr val="008000"/>
+                </a:solidFill>
+                <a:highlight>
+                  <a:srgbClr val="FFFFFF"/>
+                </a:highlight>
+                <a:latin typeface="Courier New" panose="02070309020205020404" pitchFamily="49" charset="0"/>
+                <a:cs typeface="Courier New" panose="02070309020205020404" pitchFamily="49" charset="0"/>
+              </a:rPr>
+              <a:t> functions that deal with value</a:t>
+            </a:r>
+          </a:p>
+          <a:p>
+            <a:r>
+              <a:rPr lang="en-US" b="1" dirty="0" err="1">
+                <a:solidFill>
+                  <a:srgbClr val="0000FF"/>
+                </a:solidFill>
+                <a:highlight>
+                  <a:srgbClr val="FFFFFF"/>
+                </a:highlight>
+                <a:latin typeface="Courier New" panose="02070309020205020404" pitchFamily="49" charset="0"/>
+                <a:cs typeface="Courier New" panose="02070309020205020404" pitchFamily="49" charset="0"/>
+              </a:rPr>
+              <a:t>async</a:t>
+            </a:r>
+            <a:r>
+              <a:rPr lang="en-US" dirty="0">
+                <a:solidFill>
+                  <a:srgbClr val="000000"/>
+                </a:solidFill>
+                <a:highlight>
+                  <a:srgbClr val="FFFFFF"/>
+                </a:highlight>
+                <a:latin typeface="Courier New" panose="02070309020205020404" pitchFamily="49" charset="0"/>
+                <a:cs typeface="Courier New" panose="02070309020205020404" pitchFamily="49" charset="0"/>
+              </a:rPr>
+              <a:t> </a:t>
+            </a:r>
+            <a:r>
+              <a:rPr lang="en-US" b="1" dirty="0">
+                <a:solidFill>
+                  <a:srgbClr val="0000FF"/>
+                </a:solidFill>
+                <a:highlight>
+                  <a:srgbClr val="FFFFFF"/>
+                </a:highlight>
+                <a:latin typeface="Courier New" panose="02070309020205020404" pitchFamily="49" charset="0"/>
+                <a:cs typeface="Courier New" panose="02070309020205020404" pitchFamily="49" charset="0"/>
+              </a:rPr>
+              <a:t>function</a:t>
+            </a:r>
+            <a:r>
+              <a:rPr lang="en-US" dirty="0">
+                <a:solidFill>
+                  <a:srgbClr val="000000"/>
+                </a:solidFill>
+                <a:highlight>
+                  <a:srgbClr val="FFFFFF"/>
+                </a:highlight>
+                <a:latin typeface="Courier New" panose="02070309020205020404" pitchFamily="49" charset="0"/>
+                <a:cs typeface="Courier New" panose="02070309020205020404" pitchFamily="49" charset="0"/>
+              </a:rPr>
+              <a:t> </a:t>
+            </a:r>
+            <a:r>
+              <a:rPr lang="en-US" dirty="0" err="1">
+                <a:solidFill>
+                  <a:srgbClr val="000000"/>
+                </a:solidFill>
+                <a:highlight>
+                  <a:srgbClr val="FFFFFF"/>
+                </a:highlight>
+                <a:latin typeface="Courier New" panose="02070309020205020404" pitchFamily="49" charset="0"/>
+                <a:cs typeface="Courier New" panose="02070309020205020404" pitchFamily="49" charset="0"/>
+              </a:rPr>
+              <a:t>thingOne</a:t>
+            </a:r>
+            <a:r>
+              <a:rPr lang="en-US" b="1" dirty="0">
+                <a:solidFill>
+                  <a:srgbClr val="000080"/>
+                </a:solidFill>
+                <a:highlight>
+                  <a:srgbClr val="FFFFFF"/>
+                </a:highlight>
+                <a:latin typeface="Courier New" panose="02070309020205020404" pitchFamily="49" charset="0"/>
+                <a:cs typeface="Courier New" panose="02070309020205020404" pitchFamily="49" charset="0"/>
+              </a:rPr>
+              <a:t>()</a:t>
+            </a:r>
+            <a:r>
+              <a:rPr lang="en-US" dirty="0">
+                <a:solidFill>
+                  <a:srgbClr val="000000"/>
+                </a:solidFill>
+                <a:highlight>
+                  <a:srgbClr val="FFFFFF"/>
+                </a:highlight>
+                <a:latin typeface="Courier New" panose="02070309020205020404" pitchFamily="49" charset="0"/>
+                <a:cs typeface="Courier New" panose="02070309020205020404" pitchFamily="49" charset="0"/>
+              </a:rPr>
+              <a:t> </a:t>
+            </a:r>
+            <a:r>
+              <a:rPr lang="en-US" b="1" dirty="0">
+                <a:solidFill>
+                  <a:srgbClr val="000080"/>
+                </a:solidFill>
+                <a:highlight>
+                  <a:srgbClr val="FFFFFF"/>
+                </a:highlight>
+                <a:latin typeface="Courier New" panose="02070309020205020404" pitchFamily="49" charset="0"/>
+                <a:cs typeface="Courier New" panose="02070309020205020404" pitchFamily="49" charset="0"/>
+              </a:rPr>
+              <a:t>{</a:t>
+            </a:r>
+            <a:r>
+              <a:rPr lang="en-US" dirty="0">
+                <a:solidFill>
+                  <a:srgbClr val="000000"/>
+                </a:solidFill>
+                <a:highlight>
+                  <a:srgbClr val="FFFFFF"/>
+                </a:highlight>
+                <a:latin typeface="Courier New" panose="02070309020205020404" pitchFamily="49" charset="0"/>
+                <a:cs typeface="Courier New" panose="02070309020205020404" pitchFamily="49" charset="0"/>
+              </a:rPr>
+              <a:t> </a:t>
+            </a:r>
+            <a:r>
+              <a:rPr lang="en-US" b="1" dirty="0">
+                <a:solidFill>
+                  <a:srgbClr val="000080"/>
+                </a:solidFill>
+                <a:highlight>
+                  <a:srgbClr val="FFFFFF"/>
+                </a:highlight>
+                <a:latin typeface="Courier New" panose="02070309020205020404" pitchFamily="49" charset="0"/>
+                <a:cs typeface="Courier New" panose="02070309020205020404" pitchFamily="49" charset="0"/>
+              </a:rPr>
+              <a:t>...</a:t>
+            </a:r>
+            <a:r>
+              <a:rPr lang="en-US" dirty="0">
+                <a:solidFill>
+                  <a:srgbClr val="000000"/>
+                </a:solidFill>
+                <a:highlight>
+                  <a:srgbClr val="FFFFFF"/>
+                </a:highlight>
+                <a:latin typeface="Courier New" panose="02070309020205020404" pitchFamily="49" charset="0"/>
+                <a:cs typeface="Courier New" panose="02070309020205020404" pitchFamily="49" charset="0"/>
+              </a:rPr>
+              <a:t> </a:t>
+            </a:r>
+            <a:r>
+              <a:rPr lang="en-US" b="1" dirty="0">
+                <a:solidFill>
+                  <a:srgbClr val="000080"/>
+                </a:solidFill>
+                <a:highlight>
+                  <a:srgbClr val="FFFFFF"/>
+                </a:highlight>
+                <a:latin typeface="Courier New" panose="02070309020205020404" pitchFamily="49" charset="0"/>
+                <a:cs typeface="Courier New" panose="02070309020205020404" pitchFamily="49" charset="0"/>
+              </a:rPr>
+              <a:t>}</a:t>
+            </a:r>
+            <a:endParaRPr lang="en-US" dirty="0">
+              <a:solidFill>
+                <a:srgbClr val="000000"/>
+              </a:solidFill>
+              <a:highlight>
+                <a:srgbClr val="FFFFFF"/>
+              </a:highlight>
+              <a:latin typeface="Courier New" panose="02070309020205020404" pitchFamily="49" charset="0"/>
+              <a:cs typeface="Courier New" panose="02070309020205020404" pitchFamily="49" charset="0"/>
+            </a:endParaRPr>
+          </a:p>
+          <a:p>
+            <a:r>
+              <a:rPr lang="en-US" b="1" dirty="0" err="1">
+                <a:solidFill>
+                  <a:srgbClr val="0000FF"/>
+                </a:solidFill>
+                <a:highlight>
+                  <a:srgbClr val="FFFFFF"/>
+                </a:highlight>
+                <a:latin typeface="Courier New" panose="02070309020205020404" pitchFamily="49" charset="0"/>
+                <a:cs typeface="Courier New" panose="02070309020205020404" pitchFamily="49" charset="0"/>
+              </a:rPr>
+              <a:t>async</a:t>
+            </a:r>
+            <a:r>
+              <a:rPr lang="en-US" dirty="0">
+                <a:solidFill>
+                  <a:srgbClr val="000000"/>
+                </a:solidFill>
+                <a:highlight>
+                  <a:srgbClr val="FFFFFF"/>
+                </a:highlight>
+                <a:latin typeface="Courier New" panose="02070309020205020404" pitchFamily="49" charset="0"/>
+                <a:cs typeface="Courier New" panose="02070309020205020404" pitchFamily="49" charset="0"/>
+              </a:rPr>
+              <a:t> </a:t>
+            </a:r>
+            <a:r>
+              <a:rPr lang="en-US" b="1" dirty="0">
+                <a:solidFill>
+                  <a:srgbClr val="0000FF"/>
+                </a:solidFill>
+                <a:highlight>
+                  <a:srgbClr val="FFFFFF"/>
+                </a:highlight>
+                <a:latin typeface="Courier New" panose="02070309020205020404" pitchFamily="49" charset="0"/>
+                <a:cs typeface="Courier New" panose="02070309020205020404" pitchFamily="49" charset="0"/>
+              </a:rPr>
+              <a:t>function</a:t>
+            </a:r>
+            <a:r>
+              <a:rPr lang="en-US" dirty="0">
+                <a:solidFill>
+                  <a:srgbClr val="000000"/>
+                </a:solidFill>
+                <a:highlight>
+                  <a:srgbClr val="FFFFFF"/>
+                </a:highlight>
+                <a:latin typeface="Courier New" panose="02070309020205020404" pitchFamily="49" charset="0"/>
+                <a:cs typeface="Courier New" panose="02070309020205020404" pitchFamily="49" charset="0"/>
+              </a:rPr>
+              <a:t> </a:t>
+            </a:r>
+            <a:r>
+              <a:rPr lang="en-US" dirty="0" err="1">
+                <a:solidFill>
+                  <a:srgbClr val="000000"/>
+                </a:solidFill>
+                <a:highlight>
+                  <a:srgbClr val="FFFFFF"/>
+                </a:highlight>
+                <a:latin typeface="Courier New" panose="02070309020205020404" pitchFamily="49" charset="0"/>
+                <a:cs typeface="Courier New" panose="02070309020205020404" pitchFamily="49" charset="0"/>
+              </a:rPr>
+              <a:t>thingTwo</a:t>
+            </a:r>
+            <a:r>
+              <a:rPr lang="en-US" b="1" dirty="0">
+                <a:solidFill>
+                  <a:srgbClr val="000080"/>
+                </a:solidFill>
+                <a:highlight>
+                  <a:srgbClr val="FFFFFF"/>
+                </a:highlight>
+                <a:latin typeface="Courier New" panose="02070309020205020404" pitchFamily="49" charset="0"/>
+                <a:cs typeface="Courier New" panose="02070309020205020404" pitchFamily="49" charset="0"/>
+              </a:rPr>
+              <a:t>(</a:t>
+            </a:r>
+            <a:r>
+              <a:rPr lang="en-US" dirty="0">
+                <a:solidFill>
+                  <a:srgbClr val="000000"/>
+                </a:solidFill>
+                <a:highlight>
+                  <a:srgbClr val="FFFFFF"/>
+                </a:highlight>
+                <a:latin typeface="Courier New" panose="02070309020205020404" pitchFamily="49" charset="0"/>
+                <a:cs typeface="Courier New" panose="02070309020205020404" pitchFamily="49" charset="0"/>
+              </a:rPr>
+              <a:t>value</a:t>
+            </a:r>
+            <a:r>
+              <a:rPr lang="en-US" b="1" dirty="0">
+                <a:solidFill>
+                  <a:srgbClr val="000080"/>
+                </a:solidFill>
+                <a:highlight>
+                  <a:srgbClr val="FFFFFF"/>
+                </a:highlight>
+                <a:latin typeface="Courier New" panose="02070309020205020404" pitchFamily="49" charset="0"/>
+                <a:cs typeface="Courier New" panose="02070309020205020404" pitchFamily="49" charset="0"/>
+              </a:rPr>
+              <a:t>)</a:t>
+            </a:r>
+            <a:r>
+              <a:rPr lang="en-US" dirty="0">
+                <a:solidFill>
+                  <a:srgbClr val="000000"/>
+                </a:solidFill>
+                <a:highlight>
+                  <a:srgbClr val="FFFFFF"/>
+                </a:highlight>
+                <a:latin typeface="Courier New" panose="02070309020205020404" pitchFamily="49" charset="0"/>
+                <a:cs typeface="Courier New" panose="02070309020205020404" pitchFamily="49" charset="0"/>
+              </a:rPr>
+              <a:t> </a:t>
+            </a:r>
+            <a:r>
+              <a:rPr lang="en-US" b="1" dirty="0">
+                <a:solidFill>
+                  <a:srgbClr val="000080"/>
+                </a:solidFill>
+                <a:highlight>
+                  <a:srgbClr val="FFFFFF"/>
+                </a:highlight>
+                <a:latin typeface="Courier New" panose="02070309020205020404" pitchFamily="49" charset="0"/>
+                <a:cs typeface="Courier New" panose="02070309020205020404" pitchFamily="49" charset="0"/>
+              </a:rPr>
+              <a:t>{</a:t>
+            </a:r>
+            <a:r>
+              <a:rPr lang="en-US" dirty="0">
+                <a:solidFill>
+                  <a:srgbClr val="000000"/>
+                </a:solidFill>
+                <a:highlight>
+                  <a:srgbClr val="FFFFFF"/>
+                </a:highlight>
+                <a:latin typeface="Courier New" panose="02070309020205020404" pitchFamily="49" charset="0"/>
+                <a:cs typeface="Courier New" panose="02070309020205020404" pitchFamily="49" charset="0"/>
+              </a:rPr>
+              <a:t> </a:t>
+            </a:r>
+            <a:r>
+              <a:rPr lang="en-US" b="1" dirty="0">
+                <a:solidFill>
+                  <a:srgbClr val="000080"/>
+                </a:solidFill>
+                <a:highlight>
+                  <a:srgbClr val="FFFFFF"/>
+                </a:highlight>
+                <a:latin typeface="Courier New" panose="02070309020205020404" pitchFamily="49" charset="0"/>
+                <a:cs typeface="Courier New" panose="02070309020205020404" pitchFamily="49" charset="0"/>
+              </a:rPr>
+              <a:t>...</a:t>
+            </a:r>
+            <a:r>
+              <a:rPr lang="en-US" dirty="0">
+                <a:solidFill>
+                  <a:srgbClr val="000000"/>
+                </a:solidFill>
+                <a:highlight>
+                  <a:srgbClr val="FFFFFF"/>
+                </a:highlight>
+                <a:latin typeface="Courier New" panose="02070309020205020404" pitchFamily="49" charset="0"/>
+                <a:cs typeface="Courier New" panose="02070309020205020404" pitchFamily="49" charset="0"/>
+              </a:rPr>
+              <a:t> </a:t>
+            </a:r>
+            <a:r>
+              <a:rPr lang="en-US" b="1" dirty="0">
+                <a:solidFill>
+                  <a:srgbClr val="000080"/>
+                </a:solidFill>
+                <a:highlight>
+                  <a:srgbClr val="FFFFFF"/>
+                </a:highlight>
+                <a:latin typeface="Courier New" panose="02070309020205020404" pitchFamily="49" charset="0"/>
+                <a:cs typeface="Courier New" panose="02070309020205020404" pitchFamily="49" charset="0"/>
+              </a:rPr>
+              <a:t>}</a:t>
+            </a:r>
+            <a:endParaRPr lang="en-US" dirty="0">
+              <a:solidFill>
+                <a:srgbClr val="000000"/>
+              </a:solidFill>
+              <a:highlight>
+                <a:srgbClr val="FFFFFF"/>
+              </a:highlight>
+              <a:latin typeface="Courier New" panose="02070309020205020404" pitchFamily="49" charset="0"/>
+              <a:cs typeface="Courier New" panose="02070309020205020404" pitchFamily="49" charset="0"/>
+            </a:endParaRPr>
+          </a:p>
+          <a:p>
+            <a:r>
+              <a:rPr lang="en-US" b="1" dirty="0" err="1">
+                <a:solidFill>
+                  <a:srgbClr val="0000FF"/>
+                </a:solidFill>
+                <a:highlight>
+                  <a:srgbClr val="FFFFFF"/>
+                </a:highlight>
+                <a:latin typeface="Courier New" panose="02070309020205020404" pitchFamily="49" charset="0"/>
+                <a:cs typeface="Courier New" panose="02070309020205020404" pitchFamily="49" charset="0"/>
+              </a:rPr>
+              <a:t>async</a:t>
+            </a:r>
+            <a:r>
+              <a:rPr lang="en-US" dirty="0">
+                <a:solidFill>
+                  <a:srgbClr val="000000"/>
+                </a:solidFill>
+                <a:highlight>
+                  <a:srgbClr val="FFFFFF"/>
+                </a:highlight>
+                <a:latin typeface="Courier New" panose="02070309020205020404" pitchFamily="49" charset="0"/>
+                <a:cs typeface="Courier New" panose="02070309020205020404" pitchFamily="49" charset="0"/>
+              </a:rPr>
+              <a:t> </a:t>
+            </a:r>
+            <a:r>
+              <a:rPr lang="en-US" b="1" dirty="0">
+                <a:solidFill>
+                  <a:srgbClr val="0000FF"/>
+                </a:solidFill>
+                <a:highlight>
+                  <a:srgbClr val="FFFFFF"/>
+                </a:highlight>
+                <a:latin typeface="Courier New" panose="02070309020205020404" pitchFamily="49" charset="0"/>
+                <a:cs typeface="Courier New" panose="02070309020205020404" pitchFamily="49" charset="0"/>
+              </a:rPr>
+              <a:t>function</a:t>
+            </a:r>
+            <a:r>
+              <a:rPr lang="en-US" dirty="0">
+                <a:solidFill>
+                  <a:srgbClr val="000000"/>
+                </a:solidFill>
+                <a:highlight>
+                  <a:srgbClr val="FFFFFF"/>
+                </a:highlight>
+                <a:latin typeface="Courier New" panose="02070309020205020404" pitchFamily="49" charset="0"/>
+                <a:cs typeface="Courier New" panose="02070309020205020404" pitchFamily="49" charset="0"/>
+              </a:rPr>
+              <a:t> </a:t>
+            </a:r>
+            <a:r>
+              <a:rPr lang="en-US" dirty="0" err="1">
+                <a:solidFill>
+                  <a:srgbClr val="000000"/>
+                </a:solidFill>
+                <a:highlight>
+                  <a:srgbClr val="FFFFFF"/>
+                </a:highlight>
+                <a:latin typeface="Courier New" panose="02070309020205020404" pitchFamily="49" charset="0"/>
+                <a:cs typeface="Courier New" panose="02070309020205020404" pitchFamily="49" charset="0"/>
+              </a:rPr>
+              <a:t>thingThree</a:t>
+            </a:r>
+            <a:r>
+              <a:rPr lang="en-US" b="1" dirty="0">
+                <a:solidFill>
+                  <a:srgbClr val="000080"/>
+                </a:solidFill>
+                <a:highlight>
+                  <a:srgbClr val="FFFFFF"/>
+                </a:highlight>
+                <a:latin typeface="Courier New" panose="02070309020205020404" pitchFamily="49" charset="0"/>
+                <a:cs typeface="Courier New" panose="02070309020205020404" pitchFamily="49" charset="0"/>
+              </a:rPr>
+              <a:t>(</a:t>
+            </a:r>
+            <a:r>
+              <a:rPr lang="en-US" dirty="0">
+                <a:solidFill>
+                  <a:srgbClr val="000000"/>
+                </a:solidFill>
+                <a:highlight>
+                  <a:srgbClr val="FFFFFF"/>
+                </a:highlight>
+                <a:latin typeface="Courier New" panose="02070309020205020404" pitchFamily="49" charset="0"/>
+                <a:cs typeface="Courier New" panose="02070309020205020404" pitchFamily="49" charset="0"/>
+              </a:rPr>
+              <a:t>value</a:t>
+            </a:r>
+            <a:r>
+              <a:rPr lang="en-US" b="1" dirty="0">
+                <a:solidFill>
+                  <a:srgbClr val="000080"/>
+                </a:solidFill>
+                <a:highlight>
+                  <a:srgbClr val="FFFFFF"/>
+                </a:highlight>
+                <a:latin typeface="Courier New" panose="02070309020205020404" pitchFamily="49" charset="0"/>
+                <a:cs typeface="Courier New" panose="02070309020205020404" pitchFamily="49" charset="0"/>
+              </a:rPr>
+              <a:t>)</a:t>
+            </a:r>
+            <a:r>
+              <a:rPr lang="en-US" dirty="0">
+                <a:solidFill>
+                  <a:srgbClr val="000000"/>
+                </a:solidFill>
+                <a:highlight>
+                  <a:srgbClr val="FFFFFF"/>
+                </a:highlight>
+                <a:latin typeface="Courier New" panose="02070309020205020404" pitchFamily="49" charset="0"/>
+                <a:cs typeface="Courier New" panose="02070309020205020404" pitchFamily="49" charset="0"/>
+              </a:rPr>
+              <a:t> </a:t>
+            </a:r>
+            <a:r>
+              <a:rPr lang="en-US" b="1" dirty="0">
+                <a:solidFill>
+                  <a:srgbClr val="000080"/>
+                </a:solidFill>
+                <a:highlight>
+                  <a:srgbClr val="FFFFFF"/>
+                </a:highlight>
+                <a:latin typeface="Courier New" panose="02070309020205020404" pitchFamily="49" charset="0"/>
+                <a:cs typeface="Courier New" panose="02070309020205020404" pitchFamily="49" charset="0"/>
+              </a:rPr>
+              <a:t>{</a:t>
+            </a:r>
+            <a:r>
+              <a:rPr lang="en-US" dirty="0">
+                <a:solidFill>
+                  <a:srgbClr val="000000"/>
+                </a:solidFill>
+                <a:highlight>
+                  <a:srgbClr val="FFFFFF"/>
+                </a:highlight>
+                <a:latin typeface="Courier New" panose="02070309020205020404" pitchFamily="49" charset="0"/>
+                <a:cs typeface="Courier New" panose="02070309020205020404" pitchFamily="49" charset="0"/>
+              </a:rPr>
+              <a:t> </a:t>
+            </a:r>
+            <a:r>
+              <a:rPr lang="en-US" b="1" dirty="0">
+                <a:solidFill>
+                  <a:srgbClr val="000080"/>
+                </a:solidFill>
+                <a:highlight>
+                  <a:srgbClr val="FFFFFF"/>
+                </a:highlight>
+                <a:latin typeface="Courier New" panose="02070309020205020404" pitchFamily="49" charset="0"/>
+                <a:cs typeface="Courier New" panose="02070309020205020404" pitchFamily="49" charset="0"/>
+              </a:rPr>
+              <a:t>...</a:t>
+            </a:r>
+            <a:r>
+              <a:rPr lang="en-US" dirty="0">
+                <a:solidFill>
+                  <a:srgbClr val="000000"/>
+                </a:solidFill>
+                <a:highlight>
+                  <a:srgbClr val="FFFFFF"/>
+                </a:highlight>
+                <a:latin typeface="Courier New" panose="02070309020205020404" pitchFamily="49" charset="0"/>
+                <a:cs typeface="Courier New" panose="02070309020205020404" pitchFamily="49" charset="0"/>
+              </a:rPr>
+              <a:t> </a:t>
+            </a:r>
+            <a:r>
+              <a:rPr lang="en-US" b="1" dirty="0" smtClean="0">
+                <a:solidFill>
+                  <a:srgbClr val="000080"/>
+                </a:solidFill>
+                <a:highlight>
+                  <a:srgbClr val="FFFFFF"/>
+                </a:highlight>
+                <a:latin typeface="Courier New" panose="02070309020205020404" pitchFamily="49" charset="0"/>
+                <a:cs typeface="Courier New" panose="02070309020205020404" pitchFamily="49" charset="0"/>
+              </a:rPr>
+              <a:t>}</a:t>
+            </a:r>
+          </a:p>
+          <a:p>
+            <a:endParaRPr lang="en-US" dirty="0">
+              <a:solidFill>
+                <a:srgbClr val="000000"/>
+              </a:solidFill>
+              <a:highlight>
+                <a:srgbClr val="FFFFFF"/>
+              </a:highlight>
+              <a:latin typeface="Courier New" panose="02070309020205020404" pitchFamily="49" charset="0"/>
+              <a:cs typeface="Courier New" panose="02070309020205020404" pitchFamily="49" charset="0"/>
+            </a:endParaRPr>
+          </a:p>
+          <a:p>
+            <a:r>
+              <a:rPr lang="en-US" b="1" dirty="0" err="1">
+                <a:solidFill>
+                  <a:srgbClr val="0000FF"/>
+                </a:solidFill>
+                <a:highlight>
+                  <a:srgbClr val="FFFFFF"/>
+                </a:highlight>
+                <a:latin typeface="Courier New" panose="02070309020205020404" pitchFamily="49" charset="0"/>
+                <a:cs typeface="Courier New" panose="02070309020205020404" pitchFamily="49" charset="0"/>
+              </a:rPr>
+              <a:t>async</a:t>
+            </a:r>
+            <a:r>
+              <a:rPr lang="en-US" dirty="0">
+                <a:solidFill>
+                  <a:srgbClr val="000000"/>
+                </a:solidFill>
+                <a:highlight>
+                  <a:srgbClr val="FFFFFF"/>
+                </a:highlight>
+                <a:latin typeface="Courier New" panose="02070309020205020404" pitchFamily="49" charset="0"/>
+                <a:cs typeface="Courier New" panose="02070309020205020404" pitchFamily="49" charset="0"/>
+              </a:rPr>
+              <a:t> </a:t>
+            </a:r>
+            <a:r>
+              <a:rPr lang="en-US" b="1" dirty="0">
+                <a:solidFill>
+                  <a:srgbClr val="0000FF"/>
+                </a:solidFill>
+                <a:highlight>
+                  <a:srgbClr val="FFFFFF"/>
+                </a:highlight>
+                <a:latin typeface="Courier New" panose="02070309020205020404" pitchFamily="49" charset="0"/>
+                <a:cs typeface="Courier New" panose="02070309020205020404" pitchFamily="49" charset="0"/>
+              </a:rPr>
+              <a:t>function</a:t>
+            </a:r>
+            <a:r>
+              <a:rPr lang="en-US" dirty="0">
+                <a:solidFill>
+                  <a:srgbClr val="000000"/>
+                </a:solidFill>
+                <a:highlight>
+                  <a:srgbClr val="FFFFFF"/>
+                </a:highlight>
+                <a:latin typeface="Courier New" panose="02070309020205020404" pitchFamily="49" charset="0"/>
+                <a:cs typeface="Courier New" panose="02070309020205020404" pitchFamily="49" charset="0"/>
+              </a:rPr>
+              <a:t> </a:t>
+            </a:r>
+            <a:r>
+              <a:rPr lang="en-US" dirty="0" err="1">
+                <a:solidFill>
+                  <a:srgbClr val="000000"/>
+                </a:solidFill>
+                <a:highlight>
+                  <a:srgbClr val="FFFFFF"/>
+                </a:highlight>
+                <a:latin typeface="Courier New" panose="02070309020205020404" pitchFamily="49" charset="0"/>
+                <a:cs typeface="Courier New" panose="02070309020205020404" pitchFamily="49" charset="0"/>
+              </a:rPr>
+              <a:t>doManyThings</a:t>
+            </a:r>
+            <a:r>
+              <a:rPr lang="en-US" b="1" dirty="0">
+                <a:solidFill>
+                  <a:srgbClr val="000080"/>
+                </a:solidFill>
+                <a:highlight>
+                  <a:srgbClr val="FFFFFF"/>
+                </a:highlight>
+                <a:latin typeface="Courier New" panose="02070309020205020404" pitchFamily="49" charset="0"/>
+                <a:cs typeface="Courier New" panose="02070309020205020404" pitchFamily="49" charset="0"/>
+              </a:rPr>
+              <a:t>()</a:t>
+            </a:r>
+            <a:r>
+              <a:rPr lang="en-US" dirty="0">
+                <a:solidFill>
+                  <a:srgbClr val="000000"/>
+                </a:solidFill>
+                <a:highlight>
+                  <a:srgbClr val="FFFFFF"/>
+                </a:highlight>
+                <a:latin typeface="Courier New" panose="02070309020205020404" pitchFamily="49" charset="0"/>
+                <a:cs typeface="Courier New" panose="02070309020205020404" pitchFamily="49" charset="0"/>
+              </a:rPr>
+              <a:t> </a:t>
+            </a:r>
+            <a:r>
+              <a:rPr lang="en-US" b="1" dirty="0">
+                <a:solidFill>
+                  <a:srgbClr val="000080"/>
+                </a:solidFill>
+                <a:highlight>
+                  <a:srgbClr val="FFFFFF"/>
+                </a:highlight>
+                <a:latin typeface="Courier New" panose="02070309020205020404" pitchFamily="49" charset="0"/>
+                <a:cs typeface="Courier New" panose="02070309020205020404" pitchFamily="49" charset="0"/>
+              </a:rPr>
+              <a:t>{</a:t>
+            </a:r>
+            <a:endParaRPr lang="en-US" dirty="0">
+              <a:solidFill>
+                <a:srgbClr val="000000"/>
+              </a:solidFill>
+              <a:highlight>
+                <a:srgbClr val="FFFFFF"/>
+              </a:highlight>
+              <a:latin typeface="Courier New" panose="02070309020205020404" pitchFamily="49" charset="0"/>
+              <a:cs typeface="Courier New" panose="02070309020205020404" pitchFamily="49" charset="0"/>
+            </a:endParaRPr>
+          </a:p>
+          <a:p>
+            <a:r>
+              <a:rPr lang="en-US" dirty="0">
+                <a:solidFill>
+                  <a:srgbClr val="000000"/>
+                </a:solidFill>
+                <a:highlight>
+                  <a:srgbClr val="FFFFFF"/>
+                </a:highlight>
+                <a:latin typeface="Courier New" panose="02070309020205020404" pitchFamily="49" charset="0"/>
+                <a:cs typeface="Courier New" panose="02070309020205020404" pitchFamily="49" charset="0"/>
+              </a:rPr>
+              <a:t>  </a:t>
+            </a:r>
+            <a:r>
+              <a:rPr lang="en-US" b="1" dirty="0" err="1">
+                <a:solidFill>
+                  <a:srgbClr val="0000FF"/>
+                </a:solidFill>
+                <a:highlight>
+                  <a:srgbClr val="FFFFFF"/>
+                </a:highlight>
+                <a:latin typeface="Courier New" panose="02070309020205020404" pitchFamily="49" charset="0"/>
+                <a:cs typeface="Courier New" panose="02070309020205020404" pitchFamily="49" charset="0"/>
+              </a:rPr>
+              <a:t>var</a:t>
+            </a:r>
+            <a:r>
+              <a:rPr lang="en-US" dirty="0">
+                <a:solidFill>
+                  <a:srgbClr val="000000"/>
+                </a:solidFill>
+                <a:highlight>
+                  <a:srgbClr val="FFFFFF"/>
+                </a:highlight>
+                <a:latin typeface="Courier New" panose="02070309020205020404" pitchFamily="49" charset="0"/>
+                <a:cs typeface="Courier New" panose="02070309020205020404" pitchFamily="49" charset="0"/>
+              </a:rPr>
+              <a:t> result </a:t>
+            </a:r>
+            <a:r>
+              <a:rPr lang="en-US" b="1" dirty="0">
+                <a:solidFill>
+                  <a:srgbClr val="000080"/>
+                </a:solidFill>
+                <a:highlight>
+                  <a:srgbClr val="FFFFFF"/>
+                </a:highlight>
+                <a:latin typeface="Courier New" panose="02070309020205020404" pitchFamily="49" charset="0"/>
+                <a:cs typeface="Courier New" panose="02070309020205020404" pitchFamily="49" charset="0"/>
+              </a:rPr>
+              <a:t>=</a:t>
+            </a:r>
+            <a:r>
+              <a:rPr lang="en-US" dirty="0">
+                <a:solidFill>
+                  <a:srgbClr val="000000"/>
+                </a:solidFill>
+                <a:highlight>
+                  <a:srgbClr val="FFFFFF"/>
+                </a:highlight>
+                <a:latin typeface="Courier New" panose="02070309020205020404" pitchFamily="49" charset="0"/>
+                <a:cs typeface="Courier New" panose="02070309020205020404" pitchFamily="49" charset="0"/>
+              </a:rPr>
+              <a:t> </a:t>
+            </a:r>
+            <a:r>
+              <a:rPr lang="en-US" b="1" dirty="0">
+                <a:solidFill>
+                  <a:srgbClr val="0000FF"/>
+                </a:solidFill>
+                <a:highlight>
+                  <a:srgbClr val="FFFFFF"/>
+                </a:highlight>
+                <a:latin typeface="Courier New" panose="02070309020205020404" pitchFamily="49" charset="0"/>
+                <a:cs typeface="Courier New" panose="02070309020205020404" pitchFamily="49" charset="0"/>
+              </a:rPr>
+              <a:t>await</a:t>
+            </a:r>
+            <a:r>
+              <a:rPr lang="en-US" dirty="0">
+                <a:solidFill>
+                  <a:srgbClr val="000000"/>
+                </a:solidFill>
+                <a:highlight>
+                  <a:srgbClr val="FFFFFF"/>
+                </a:highlight>
+                <a:latin typeface="Courier New" panose="02070309020205020404" pitchFamily="49" charset="0"/>
+                <a:cs typeface="Courier New" panose="02070309020205020404" pitchFamily="49" charset="0"/>
+              </a:rPr>
+              <a:t> </a:t>
+            </a:r>
+            <a:r>
+              <a:rPr lang="en-US" dirty="0" err="1">
+                <a:solidFill>
+                  <a:srgbClr val="000000"/>
+                </a:solidFill>
+                <a:highlight>
+                  <a:srgbClr val="FFFFFF"/>
+                </a:highlight>
+                <a:latin typeface="Courier New" panose="02070309020205020404" pitchFamily="49" charset="0"/>
+                <a:cs typeface="Courier New" panose="02070309020205020404" pitchFamily="49" charset="0"/>
+              </a:rPr>
+              <a:t>thingOne</a:t>
+            </a:r>
+            <a:r>
+              <a:rPr lang="en-US" b="1" dirty="0">
+                <a:solidFill>
+                  <a:srgbClr val="000080"/>
+                </a:solidFill>
+                <a:highlight>
+                  <a:srgbClr val="FFFFFF"/>
+                </a:highlight>
+                <a:latin typeface="Courier New" panose="02070309020205020404" pitchFamily="49" charset="0"/>
+                <a:cs typeface="Courier New" panose="02070309020205020404" pitchFamily="49" charset="0"/>
+              </a:rPr>
+              <a:t>();</a:t>
+            </a:r>
+            <a:endParaRPr lang="en-US" dirty="0">
+              <a:solidFill>
+                <a:srgbClr val="000000"/>
+              </a:solidFill>
+              <a:highlight>
+                <a:srgbClr val="FFFFFF"/>
+              </a:highlight>
+              <a:latin typeface="Courier New" panose="02070309020205020404" pitchFamily="49" charset="0"/>
+              <a:cs typeface="Courier New" panose="02070309020205020404" pitchFamily="49" charset="0"/>
+            </a:endParaRPr>
+          </a:p>
+          <a:p>
+            <a:r>
+              <a:rPr lang="en-US" dirty="0">
+                <a:solidFill>
+                  <a:srgbClr val="000000"/>
+                </a:solidFill>
+                <a:highlight>
+                  <a:srgbClr val="FFFFFF"/>
+                </a:highlight>
+                <a:latin typeface="Courier New" panose="02070309020205020404" pitchFamily="49" charset="0"/>
+                <a:cs typeface="Courier New" panose="02070309020205020404" pitchFamily="49" charset="0"/>
+              </a:rPr>
+              <a:t>  </a:t>
+            </a:r>
+            <a:r>
+              <a:rPr lang="en-US" b="1" dirty="0" err="1">
+                <a:solidFill>
+                  <a:srgbClr val="0000FF"/>
+                </a:solidFill>
+                <a:highlight>
+                  <a:srgbClr val="FFFFFF"/>
+                </a:highlight>
+                <a:latin typeface="Courier New" panose="02070309020205020404" pitchFamily="49" charset="0"/>
+                <a:cs typeface="Courier New" panose="02070309020205020404" pitchFamily="49" charset="0"/>
+              </a:rPr>
+              <a:t>var</a:t>
+            </a:r>
+            <a:r>
+              <a:rPr lang="en-US" dirty="0">
+                <a:solidFill>
+                  <a:srgbClr val="000000"/>
+                </a:solidFill>
+                <a:highlight>
+                  <a:srgbClr val="FFFFFF"/>
+                </a:highlight>
+                <a:latin typeface="Courier New" panose="02070309020205020404" pitchFamily="49" charset="0"/>
+                <a:cs typeface="Courier New" panose="02070309020205020404" pitchFamily="49" charset="0"/>
+              </a:rPr>
+              <a:t> </a:t>
+            </a:r>
+            <a:r>
+              <a:rPr lang="en-US" dirty="0" err="1">
+                <a:solidFill>
+                  <a:srgbClr val="000000"/>
+                </a:solidFill>
+                <a:highlight>
+                  <a:srgbClr val="FFFFFF"/>
+                </a:highlight>
+                <a:latin typeface="Courier New" panose="02070309020205020404" pitchFamily="49" charset="0"/>
+                <a:cs typeface="Courier New" panose="02070309020205020404" pitchFamily="49" charset="0"/>
+              </a:rPr>
+              <a:t>resultTwo</a:t>
+            </a:r>
+            <a:r>
+              <a:rPr lang="en-US" dirty="0">
+                <a:solidFill>
+                  <a:srgbClr val="000000"/>
+                </a:solidFill>
+                <a:highlight>
+                  <a:srgbClr val="FFFFFF"/>
+                </a:highlight>
+                <a:latin typeface="Courier New" panose="02070309020205020404" pitchFamily="49" charset="0"/>
+                <a:cs typeface="Courier New" panose="02070309020205020404" pitchFamily="49" charset="0"/>
+              </a:rPr>
+              <a:t> </a:t>
+            </a:r>
+            <a:r>
+              <a:rPr lang="en-US" b="1" dirty="0">
+                <a:solidFill>
+                  <a:srgbClr val="000080"/>
+                </a:solidFill>
+                <a:highlight>
+                  <a:srgbClr val="FFFFFF"/>
+                </a:highlight>
+                <a:latin typeface="Courier New" panose="02070309020205020404" pitchFamily="49" charset="0"/>
+                <a:cs typeface="Courier New" panose="02070309020205020404" pitchFamily="49" charset="0"/>
+              </a:rPr>
+              <a:t>=</a:t>
+            </a:r>
+            <a:r>
+              <a:rPr lang="en-US" dirty="0">
+                <a:solidFill>
+                  <a:srgbClr val="000000"/>
+                </a:solidFill>
+                <a:highlight>
+                  <a:srgbClr val="FFFFFF"/>
+                </a:highlight>
+                <a:latin typeface="Courier New" panose="02070309020205020404" pitchFamily="49" charset="0"/>
+                <a:cs typeface="Courier New" panose="02070309020205020404" pitchFamily="49" charset="0"/>
+              </a:rPr>
+              <a:t> </a:t>
+            </a:r>
+            <a:r>
+              <a:rPr lang="en-US" b="1" dirty="0">
+                <a:solidFill>
+                  <a:srgbClr val="0000FF"/>
+                </a:solidFill>
+                <a:highlight>
+                  <a:srgbClr val="FFFFFF"/>
+                </a:highlight>
+                <a:latin typeface="Courier New" panose="02070309020205020404" pitchFamily="49" charset="0"/>
+                <a:cs typeface="Courier New" panose="02070309020205020404" pitchFamily="49" charset="0"/>
+              </a:rPr>
+              <a:t>await</a:t>
+            </a:r>
+            <a:r>
+              <a:rPr lang="en-US" dirty="0">
+                <a:solidFill>
+                  <a:srgbClr val="000000"/>
+                </a:solidFill>
+                <a:highlight>
+                  <a:srgbClr val="FFFFFF"/>
+                </a:highlight>
+                <a:latin typeface="Courier New" panose="02070309020205020404" pitchFamily="49" charset="0"/>
+                <a:cs typeface="Courier New" panose="02070309020205020404" pitchFamily="49" charset="0"/>
+              </a:rPr>
+              <a:t> </a:t>
+            </a:r>
+            <a:r>
+              <a:rPr lang="en-US" dirty="0" err="1">
+                <a:solidFill>
+                  <a:srgbClr val="000000"/>
+                </a:solidFill>
+                <a:highlight>
+                  <a:srgbClr val="FFFFFF"/>
+                </a:highlight>
+                <a:latin typeface="Courier New" panose="02070309020205020404" pitchFamily="49" charset="0"/>
+                <a:cs typeface="Courier New" panose="02070309020205020404" pitchFamily="49" charset="0"/>
+              </a:rPr>
+              <a:t>thingTwo</a:t>
+            </a:r>
+            <a:r>
+              <a:rPr lang="en-US" b="1" dirty="0">
+                <a:solidFill>
+                  <a:srgbClr val="000080"/>
+                </a:solidFill>
+                <a:highlight>
+                  <a:srgbClr val="FFFFFF"/>
+                </a:highlight>
+                <a:latin typeface="Courier New" panose="02070309020205020404" pitchFamily="49" charset="0"/>
+                <a:cs typeface="Courier New" panose="02070309020205020404" pitchFamily="49" charset="0"/>
+              </a:rPr>
+              <a:t>(</a:t>
+            </a:r>
+            <a:r>
+              <a:rPr lang="en-US" dirty="0">
+                <a:solidFill>
+                  <a:srgbClr val="000000"/>
+                </a:solidFill>
+                <a:highlight>
+                  <a:srgbClr val="FFFFFF"/>
+                </a:highlight>
+                <a:latin typeface="Courier New" panose="02070309020205020404" pitchFamily="49" charset="0"/>
+                <a:cs typeface="Courier New" panose="02070309020205020404" pitchFamily="49" charset="0"/>
+              </a:rPr>
+              <a:t>result</a:t>
+            </a:r>
+            <a:r>
+              <a:rPr lang="en-US" b="1" dirty="0">
+                <a:solidFill>
+                  <a:srgbClr val="000080"/>
+                </a:solidFill>
+                <a:highlight>
+                  <a:srgbClr val="FFFFFF"/>
+                </a:highlight>
+                <a:latin typeface="Courier New" panose="02070309020205020404" pitchFamily="49" charset="0"/>
+                <a:cs typeface="Courier New" panose="02070309020205020404" pitchFamily="49" charset="0"/>
+              </a:rPr>
+              <a:t>);</a:t>
+            </a:r>
+            <a:endParaRPr lang="en-US" dirty="0">
+              <a:solidFill>
+                <a:srgbClr val="000000"/>
+              </a:solidFill>
+              <a:highlight>
+                <a:srgbClr val="FFFFFF"/>
+              </a:highlight>
+              <a:latin typeface="Courier New" panose="02070309020205020404" pitchFamily="49" charset="0"/>
+              <a:cs typeface="Courier New" panose="02070309020205020404" pitchFamily="49" charset="0"/>
+            </a:endParaRPr>
+          </a:p>
+          <a:p>
+            <a:r>
+              <a:rPr lang="en-US" dirty="0">
+                <a:solidFill>
+                  <a:srgbClr val="000000"/>
+                </a:solidFill>
+                <a:highlight>
+                  <a:srgbClr val="FFFFFF"/>
+                </a:highlight>
+                <a:latin typeface="Courier New" panose="02070309020205020404" pitchFamily="49" charset="0"/>
+                <a:cs typeface="Courier New" panose="02070309020205020404" pitchFamily="49" charset="0"/>
+              </a:rPr>
+              <a:t>  </a:t>
+            </a:r>
+            <a:r>
+              <a:rPr lang="en-US" b="1" dirty="0" err="1">
+                <a:solidFill>
+                  <a:srgbClr val="0000FF"/>
+                </a:solidFill>
+                <a:highlight>
+                  <a:srgbClr val="FFFFFF"/>
+                </a:highlight>
+                <a:latin typeface="Courier New" panose="02070309020205020404" pitchFamily="49" charset="0"/>
+                <a:cs typeface="Courier New" panose="02070309020205020404" pitchFamily="49" charset="0"/>
+              </a:rPr>
+              <a:t>var</a:t>
+            </a:r>
+            <a:r>
+              <a:rPr lang="en-US" dirty="0">
+                <a:solidFill>
+                  <a:srgbClr val="000000"/>
+                </a:solidFill>
+                <a:highlight>
+                  <a:srgbClr val="FFFFFF"/>
+                </a:highlight>
+                <a:latin typeface="Courier New" panose="02070309020205020404" pitchFamily="49" charset="0"/>
+                <a:cs typeface="Courier New" panose="02070309020205020404" pitchFamily="49" charset="0"/>
+              </a:rPr>
+              <a:t> </a:t>
+            </a:r>
+            <a:r>
+              <a:rPr lang="en-US" dirty="0" err="1">
+                <a:solidFill>
+                  <a:srgbClr val="000000"/>
+                </a:solidFill>
+                <a:highlight>
+                  <a:srgbClr val="FFFFFF"/>
+                </a:highlight>
+                <a:latin typeface="Courier New" panose="02070309020205020404" pitchFamily="49" charset="0"/>
+                <a:cs typeface="Courier New" panose="02070309020205020404" pitchFamily="49" charset="0"/>
+              </a:rPr>
+              <a:t>finalResult</a:t>
+            </a:r>
+            <a:r>
+              <a:rPr lang="en-US" dirty="0">
+                <a:solidFill>
+                  <a:srgbClr val="000000"/>
+                </a:solidFill>
+                <a:highlight>
+                  <a:srgbClr val="FFFFFF"/>
+                </a:highlight>
+                <a:latin typeface="Courier New" panose="02070309020205020404" pitchFamily="49" charset="0"/>
+                <a:cs typeface="Courier New" panose="02070309020205020404" pitchFamily="49" charset="0"/>
+              </a:rPr>
+              <a:t> </a:t>
+            </a:r>
+            <a:r>
+              <a:rPr lang="en-US" b="1" dirty="0">
+                <a:solidFill>
+                  <a:srgbClr val="000080"/>
+                </a:solidFill>
+                <a:highlight>
+                  <a:srgbClr val="FFFFFF"/>
+                </a:highlight>
+                <a:latin typeface="Courier New" panose="02070309020205020404" pitchFamily="49" charset="0"/>
+                <a:cs typeface="Courier New" panose="02070309020205020404" pitchFamily="49" charset="0"/>
+              </a:rPr>
+              <a:t>=</a:t>
+            </a:r>
+            <a:r>
+              <a:rPr lang="en-US" dirty="0">
+                <a:solidFill>
+                  <a:srgbClr val="000000"/>
+                </a:solidFill>
+                <a:highlight>
+                  <a:srgbClr val="FFFFFF"/>
+                </a:highlight>
+                <a:latin typeface="Courier New" panose="02070309020205020404" pitchFamily="49" charset="0"/>
+                <a:cs typeface="Courier New" panose="02070309020205020404" pitchFamily="49" charset="0"/>
+              </a:rPr>
+              <a:t> </a:t>
+            </a:r>
+            <a:r>
+              <a:rPr lang="en-US" b="1" dirty="0">
+                <a:solidFill>
+                  <a:srgbClr val="0000FF"/>
+                </a:solidFill>
+                <a:highlight>
+                  <a:srgbClr val="FFFFFF"/>
+                </a:highlight>
+                <a:latin typeface="Courier New" panose="02070309020205020404" pitchFamily="49" charset="0"/>
+                <a:cs typeface="Courier New" panose="02070309020205020404" pitchFamily="49" charset="0"/>
+              </a:rPr>
+              <a:t>await</a:t>
+            </a:r>
+            <a:r>
+              <a:rPr lang="en-US" dirty="0">
+                <a:solidFill>
+                  <a:srgbClr val="000000"/>
+                </a:solidFill>
+                <a:highlight>
+                  <a:srgbClr val="FFFFFF"/>
+                </a:highlight>
+                <a:latin typeface="Courier New" panose="02070309020205020404" pitchFamily="49" charset="0"/>
+                <a:cs typeface="Courier New" panose="02070309020205020404" pitchFamily="49" charset="0"/>
+              </a:rPr>
+              <a:t> </a:t>
+            </a:r>
+            <a:r>
+              <a:rPr lang="en-US" dirty="0" err="1">
+                <a:solidFill>
+                  <a:srgbClr val="000000"/>
+                </a:solidFill>
+                <a:highlight>
+                  <a:srgbClr val="FFFFFF"/>
+                </a:highlight>
+                <a:latin typeface="Courier New" panose="02070309020205020404" pitchFamily="49" charset="0"/>
+                <a:cs typeface="Courier New" panose="02070309020205020404" pitchFamily="49" charset="0"/>
+              </a:rPr>
+              <a:t>thingThree</a:t>
+            </a:r>
+            <a:r>
+              <a:rPr lang="en-US" b="1" dirty="0">
+                <a:solidFill>
+                  <a:srgbClr val="000080"/>
+                </a:solidFill>
+                <a:highlight>
+                  <a:srgbClr val="FFFFFF"/>
+                </a:highlight>
+                <a:latin typeface="Courier New" panose="02070309020205020404" pitchFamily="49" charset="0"/>
+                <a:cs typeface="Courier New" panose="02070309020205020404" pitchFamily="49" charset="0"/>
+              </a:rPr>
+              <a:t>(</a:t>
+            </a:r>
+            <a:r>
+              <a:rPr lang="en-US" dirty="0" err="1">
+                <a:solidFill>
+                  <a:srgbClr val="000000"/>
+                </a:solidFill>
+                <a:highlight>
+                  <a:srgbClr val="FFFFFF"/>
+                </a:highlight>
+                <a:latin typeface="Courier New" panose="02070309020205020404" pitchFamily="49" charset="0"/>
+                <a:cs typeface="Courier New" panose="02070309020205020404" pitchFamily="49" charset="0"/>
+              </a:rPr>
+              <a:t>resultTwo</a:t>
+            </a:r>
+            <a:r>
+              <a:rPr lang="en-US" b="1" dirty="0">
+                <a:solidFill>
+                  <a:srgbClr val="000080"/>
+                </a:solidFill>
+                <a:highlight>
+                  <a:srgbClr val="FFFFFF"/>
+                </a:highlight>
+                <a:latin typeface="Courier New" panose="02070309020205020404" pitchFamily="49" charset="0"/>
+                <a:cs typeface="Courier New" panose="02070309020205020404" pitchFamily="49" charset="0"/>
+              </a:rPr>
+              <a:t>);</a:t>
+            </a:r>
+            <a:endParaRPr lang="en-US" dirty="0">
+              <a:solidFill>
+                <a:srgbClr val="000000"/>
+              </a:solidFill>
+              <a:highlight>
+                <a:srgbClr val="FFFFFF"/>
+              </a:highlight>
+              <a:latin typeface="Courier New" panose="02070309020205020404" pitchFamily="49" charset="0"/>
+              <a:cs typeface="Courier New" panose="02070309020205020404" pitchFamily="49" charset="0"/>
+            </a:endParaRPr>
+          </a:p>
+          <a:p>
+            <a:r>
+              <a:rPr lang="en-US" dirty="0">
+                <a:solidFill>
+                  <a:srgbClr val="000000"/>
+                </a:solidFill>
+                <a:highlight>
+                  <a:srgbClr val="FFFFFF"/>
+                </a:highlight>
+                <a:latin typeface="Courier New" panose="02070309020205020404" pitchFamily="49" charset="0"/>
+                <a:cs typeface="Courier New" panose="02070309020205020404" pitchFamily="49" charset="0"/>
+              </a:rPr>
+              <a:t>  </a:t>
+            </a:r>
+            <a:r>
+              <a:rPr lang="en-US" b="1" dirty="0">
+                <a:solidFill>
+                  <a:srgbClr val="0000FF"/>
+                </a:solidFill>
+                <a:highlight>
+                  <a:srgbClr val="FFFFFF"/>
+                </a:highlight>
+                <a:latin typeface="Courier New" panose="02070309020205020404" pitchFamily="49" charset="0"/>
+                <a:cs typeface="Courier New" panose="02070309020205020404" pitchFamily="49" charset="0"/>
+              </a:rPr>
+              <a:t>return</a:t>
+            </a:r>
+            <a:r>
+              <a:rPr lang="en-US" dirty="0">
+                <a:solidFill>
+                  <a:srgbClr val="000000"/>
+                </a:solidFill>
+                <a:highlight>
+                  <a:srgbClr val="FFFFFF"/>
+                </a:highlight>
+                <a:latin typeface="Courier New" panose="02070309020205020404" pitchFamily="49" charset="0"/>
+                <a:cs typeface="Courier New" panose="02070309020205020404" pitchFamily="49" charset="0"/>
+              </a:rPr>
+              <a:t> </a:t>
+            </a:r>
+            <a:r>
+              <a:rPr lang="en-US" dirty="0" err="1">
+                <a:solidFill>
+                  <a:srgbClr val="000000"/>
+                </a:solidFill>
+                <a:highlight>
+                  <a:srgbClr val="FFFFFF"/>
+                </a:highlight>
+                <a:latin typeface="Courier New" panose="02070309020205020404" pitchFamily="49" charset="0"/>
+                <a:cs typeface="Courier New" panose="02070309020205020404" pitchFamily="49" charset="0"/>
+              </a:rPr>
+              <a:t>finalResult</a:t>
+            </a:r>
+            <a:r>
+              <a:rPr lang="en-US" b="1" dirty="0">
+                <a:solidFill>
+                  <a:srgbClr val="000080"/>
+                </a:solidFill>
+                <a:highlight>
+                  <a:srgbClr val="FFFFFF"/>
+                </a:highlight>
+                <a:latin typeface="Courier New" panose="02070309020205020404" pitchFamily="49" charset="0"/>
+                <a:cs typeface="Courier New" panose="02070309020205020404" pitchFamily="49" charset="0"/>
+              </a:rPr>
+              <a:t>;</a:t>
+            </a:r>
+            <a:endParaRPr lang="en-US" dirty="0">
+              <a:solidFill>
+                <a:srgbClr val="000000"/>
+              </a:solidFill>
+              <a:highlight>
+                <a:srgbClr val="FFFFFF"/>
+              </a:highlight>
+              <a:latin typeface="Courier New" panose="02070309020205020404" pitchFamily="49" charset="0"/>
+              <a:cs typeface="Courier New" panose="02070309020205020404" pitchFamily="49" charset="0"/>
+            </a:endParaRPr>
+          </a:p>
+          <a:p>
+            <a:r>
+              <a:rPr lang="en-US" b="1" dirty="0">
+                <a:solidFill>
+                  <a:srgbClr val="000080"/>
+                </a:solidFill>
+                <a:highlight>
+                  <a:srgbClr val="FFFFFF"/>
+                </a:highlight>
+                <a:latin typeface="Courier New" panose="02070309020205020404" pitchFamily="49" charset="0"/>
+                <a:cs typeface="Courier New" panose="02070309020205020404" pitchFamily="49" charset="0"/>
+              </a:rPr>
+              <a:t>}</a:t>
+            </a:r>
+            <a:endParaRPr lang="en-US" dirty="0">
+              <a:solidFill>
+                <a:srgbClr val="000000"/>
+              </a:solidFill>
+              <a:highlight>
+                <a:srgbClr val="FFFFFF"/>
+              </a:highlight>
+              <a:latin typeface="Courier New" panose="02070309020205020404" pitchFamily="49" charset="0"/>
+              <a:cs typeface="Courier New" panose="02070309020205020404" pitchFamily="49" charset="0"/>
+            </a:endParaRPr>
+          </a:p>
+          <a:p>
+            <a:r>
+              <a:rPr lang="en-US" dirty="0">
+                <a:solidFill>
+                  <a:srgbClr val="008000"/>
+                </a:solidFill>
+                <a:highlight>
+                  <a:srgbClr val="FFFFFF"/>
+                </a:highlight>
+                <a:latin typeface="Courier New" panose="02070309020205020404" pitchFamily="49" charset="0"/>
+                <a:cs typeface="Courier New" panose="02070309020205020404" pitchFamily="49" charset="0"/>
+              </a:rPr>
+              <a:t>// Call </a:t>
+            </a:r>
+            <a:r>
+              <a:rPr lang="en-US" dirty="0" err="1">
+                <a:solidFill>
+                  <a:srgbClr val="008000"/>
+                </a:solidFill>
+                <a:highlight>
+                  <a:srgbClr val="FFFFFF"/>
+                </a:highlight>
+                <a:latin typeface="Courier New" panose="02070309020205020404" pitchFamily="49" charset="0"/>
+                <a:cs typeface="Courier New" panose="02070309020205020404" pitchFamily="49" charset="0"/>
+              </a:rPr>
+              <a:t>doManyThings</a:t>
+            </a:r>
+            <a:r>
+              <a:rPr lang="en-US" dirty="0">
+                <a:solidFill>
+                  <a:srgbClr val="008000"/>
+                </a:solidFill>
+                <a:highlight>
+                  <a:srgbClr val="FFFFFF"/>
+                </a:highlight>
+                <a:latin typeface="Courier New" panose="02070309020205020404" pitchFamily="49" charset="0"/>
+                <a:cs typeface="Courier New" panose="02070309020205020404" pitchFamily="49" charset="0"/>
+              </a:rPr>
+              <a:t>()</a:t>
+            </a:r>
+            <a:endParaRPr lang="en-US" dirty="0">
+              <a:latin typeface="Courier New" panose="02070309020205020404" pitchFamily="49" charset="0"/>
+              <a:cs typeface="Courier New" panose="02070309020205020404" pitchFamily="49" charset="0"/>
+            </a:endParaRPr>
+          </a:p>
+        </p:txBody>
+      </p:sp>
+      <p:sp>
+        <p:nvSpPr>
+          <p:cNvPr id="4" name="Title 1"/>
+          <p:cNvSpPr>
+            <a:spLocks noGrp="1"/>
+          </p:cNvSpPr>
+          <p:nvPr>
+            <p:ph type="title"/>
+          </p:nvPr>
+        </p:nvSpPr>
+        <p:spPr>
+          <a:xfrm>
+            <a:off x="2960913" y="442482"/>
+            <a:ext cx="7572390" cy="1280890"/>
+          </a:xfrm>
+        </p:spPr>
+        <p:txBody>
+          <a:bodyPr>
+            <a:normAutofit/>
+          </a:bodyPr>
+          <a:lstStyle/>
+          <a:p>
+            <a:r>
+              <a:rPr lang="en-US" dirty="0" smtClean="0"/>
+              <a:t>Example</a:t>
+            </a:r>
+            <a:endParaRPr lang="en-US" dirty="0"/>
+          </a:p>
+        </p:txBody>
+      </p:sp>
+    </p:spTree>
+    <p:extLst>
+      <p:ext uri="{BB962C8B-B14F-4D97-AF65-F5344CB8AC3E}">
+        <p14:creationId xmlns:p14="http://schemas.microsoft.com/office/powerpoint/2010/main" val="867984222"/>
+      </p:ext>
+    </p:extLst>
+  </p:cSld>
+  <p:clrMapOvr>
+    <a:masterClrMapping/>
+  </p:clrMapOvr>
+  <p:timing>
+    <p:tnLst>
+      <p:par>
+        <p:cTn id="1" dur="indefinite" restart="never" nodeType="tmRoot">
+          <p:childTnLst>
+            <p:seq concurrent="1" nextAc="seek">
+              <p:cTn id="2" dur="indefinite" nodeType="mainSeq">
+                <p:childTnLst>
+                  <p:par>
+                    <p:cTn id="3" fill="hold">
+                      <p:stCondLst>
+                        <p:cond delay="indefinite"/>
+                      </p:stCondLst>
+                      <p:childTnLst>
+                        <p:par>
+                          <p:cTn id="4" fill="hold">
+                            <p:stCondLst>
+                              <p:cond delay="0"/>
+                            </p:stCondLst>
+                            <p:childTnLst>
+                              <p:par>
+                                <p:cTn id="5" presetID="26" presetClass="emph" presetSubtype="0" fill="hold" grpId="0" nodeType="clickEffect">
+                                  <p:stCondLst>
+                                    <p:cond delay="0"/>
+                                  </p:stCondLst>
+                                  <p:childTnLst>
+                                    <p:animEffect transition="out" filter="fade">
+                                      <p:cBhvr>
+                                        <p:cTn id="6" dur="500" tmFilter="0, 0; .2, .5; .8, .5; 1, 0"/>
+                                        <p:tgtEl>
+                                          <p:spTgt spid="4"/>
+                                        </p:tgtEl>
+                                      </p:cBhvr>
+                                    </p:animEffect>
+                                    <p:animScale>
+                                      <p:cBhvr>
+                                        <p:cTn id="7" dur="250" autoRev="1" fill="hold"/>
+                                        <p:tgtEl>
+                                          <p:spTgt spid="4"/>
+                                        </p:tgtEl>
+                                      </p:cBhvr>
+                                      <p:by x="105000" y="105000"/>
+                                    </p:animScale>
+                                  </p:childTnLst>
+                                </p:cTn>
+                              </p:par>
+                            </p:childTnLst>
+                          </p:cTn>
+                        </p:par>
+                      </p:childTnLst>
+                    </p:cTn>
+                  </p:par>
+                </p:childTnLst>
+              </p:cTn>
+              <p:prevCondLst>
+                <p:cond evt="onPrev" delay="0">
+                  <p:tgtEl>
+                    <p:sldTgt/>
+                  </p:tgtEl>
+                </p:cond>
+              </p:prevCondLst>
+              <p:nextCondLst>
+                <p:cond evt="onNext" delay="0">
+                  <p:tgtEl>
+                    <p:sldTgt/>
+                  </p:tgtEl>
+                </p:cond>
+              </p:nextCondLst>
+            </p:seq>
+          </p:childTnLst>
+        </p:cTn>
+      </p:par>
+    </p:tnLst>
+    <p:bldLst>
+      <p:bldP spid="4" grpId="0"/>
+    </p:bldLst>
+  </p:timing>
+</p:sld>
+</file>
+
+<file path=ppt/slides/slide11.xml><?xml version="1.0" encoding="utf-8"?>
+<p:sld xmlns:a="http://schemas.openxmlformats.org/drawingml/2006/main" xmlns:r="http://schemas.openxmlformats.org/officeDocument/2006/relationships" xmlns:p="http://schemas.openxmlformats.org/presentationml/2006/main">
+  <p:cSld>
+    <p:spTree>
+      <p:nvGrpSpPr>
+        <p:cNvPr id="1" name=""/>
+        <p:cNvGrpSpPr/>
+        <p:nvPr/>
+      </p:nvGrpSpPr>
+      <p:grpSpPr>
+        <a:xfrm>
+          <a:off x="0" y="0"/>
+          <a:ext cx="0" cy="0"/>
+          <a:chOff x="0" y="0"/>
+          <a:chExt cx="0" cy="0"/>
+        </a:xfrm>
+      </p:grpSpPr>
+      <p:sp>
+        <p:nvSpPr>
+          <p:cNvPr id="2" name="Title 1"/>
+          <p:cNvSpPr>
+            <a:spLocks noGrp="1"/>
+          </p:cNvSpPr>
+          <p:nvPr>
+            <p:ph type="title"/>
+          </p:nvPr>
+        </p:nvSpPr>
+        <p:spPr/>
+        <p:txBody>
+          <a:bodyPr>
+            <a:normAutofit/>
+          </a:bodyPr>
+          <a:lstStyle/>
+          <a:p>
+            <a:r>
+              <a:rPr lang="en-US" dirty="0"/>
+              <a:t>To keep in </a:t>
+            </a:r>
+            <a:r>
+              <a:rPr lang="en-US" dirty="0" smtClean="0"/>
+              <a:t>mind</a:t>
+            </a:r>
+            <a:endParaRPr lang="en-US" dirty="0"/>
+          </a:p>
+        </p:txBody>
+      </p:sp>
+      <p:sp>
+        <p:nvSpPr>
+          <p:cNvPr id="3" name="Rectangle 2"/>
+          <p:cNvSpPr/>
+          <p:nvPr/>
+        </p:nvSpPr>
+        <p:spPr>
+          <a:xfrm>
+            <a:off x="2592923" y="1264555"/>
+            <a:ext cx="6463991" cy="3385542"/>
+          </a:xfrm>
+          <a:prstGeom prst="rect">
+            <a:avLst/>
+          </a:prstGeom>
+        </p:spPr>
+        <p:txBody>
+          <a:bodyPr wrap="square">
+            <a:spAutoFit/>
+          </a:bodyPr>
+          <a:lstStyle/>
+          <a:p>
+            <a:r>
+              <a:rPr lang="en-US" sz="1400" dirty="0"/>
+              <a:t/>
+            </a:r>
+            <a:br>
+              <a:rPr lang="en-US" sz="1400" dirty="0"/>
+            </a:br>
+            <a:r>
+              <a:rPr lang="en-US" sz="2000" dirty="0">
+                <a:solidFill>
+                  <a:schemeClr val="bg2">
+                    <a:lumMod val="50000"/>
+                  </a:schemeClr>
+                </a:solidFill>
+                <a:latin typeface="+mj-lt"/>
+                <a:ea typeface="+mj-ea"/>
+                <a:cs typeface="+mj-cs"/>
+              </a:rPr>
+              <a:t>• Async functions are declared by prepending the word </a:t>
+            </a:r>
+            <a:r>
+              <a:rPr lang="en-US" sz="2000" dirty="0" err="1">
+                <a:solidFill>
+                  <a:schemeClr val="bg2">
+                    <a:lumMod val="50000"/>
+                  </a:schemeClr>
+                </a:solidFill>
+                <a:latin typeface="+mj-lt"/>
+                <a:ea typeface="+mj-ea"/>
+                <a:cs typeface="+mj-cs"/>
+              </a:rPr>
+              <a:t>async</a:t>
+            </a:r>
+            <a:r>
+              <a:rPr lang="en-US" sz="2000" dirty="0">
+                <a:solidFill>
+                  <a:schemeClr val="bg2">
+                    <a:lumMod val="50000"/>
+                  </a:schemeClr>
+                </a:solidFill>
+                <a:latin typeface="+mj-lt"/>
+                <a:ea typeface="+mj-ea"/>
+                <a:cs typeface="+mj-cs"/>
+              </a:rPr>
+              <a:t> in their </a:t>
+            </a:r>
+            <a:r>
+              <a:rPr lang="en-US" sz="2000" dirty="0" smtClean="0">
+                <a:solidFill>
+                  <a:schemeClr val="bg2">
+                    <a:lumMod val="50000"/>
+                  </a:schemeClr>
+                </a:solidFill>
+                <a:latin typeface="+mj-lt"/>
+                <a:ea typeface="+mj-ea"/>
+                <a:cs typeface="+mj-cs"/>
+              </a:rPr>
+              <a:t>declaration</a:t>
+            </a:r>
+          </a:p>
+          <a:p>
+            <a:r>
+              <a:rPr lang="en-US" sz="2000" dirty="0">
+                <a:solidFill>
+                  <a:schemeClr val="bg2">
+                    <a:lumMod val="50000"/>
+                  </a:schemeClr>
+                </a:solidFill>
+                <a:latin typeface="+mj-lt"/>
+                <a:ea typeface="+mj-ea"/>
+                <a:cs typeface="+mj-cs"/>
+              </a:rPr>
+              <a:t/>
+            </a:r>
+            <a:br>
+              <a:rPr lang="en-US" sz="2000" dirty="0">
+                <a:solidFill>
+                  <a:schemeClr val="bg2">
+                    <a:lumMod val="50000"/>
+                  </a:schemeClr>
+                </a:solidFill>
+                <a:latin typeface="+mj-lt"/>
+                <a:ea typeface="+mj-ea"/>
+                <a:cs typeface="+mj-cs"/>
+              </a:rPr>
+            </a:br>
+            <a:r>
+              <a:rPr lang="en-US" sz="2000" dirty="0">
+                <a:solidFill>
+                  <a:schemeClr val="bg2">
+                    <a:lumMod val="50000"/>
+                  </a:schemeClr>
+                </a:solidFill>
+                <a:latin typeface="+mj-lt"/>
+                <a:ea typeface="+mj-ea"/>
+                <a:cs typeface="+mj-cs"/>
+              </a:rPr>
+              <a:t>• Your code can be paused waiting for an Async Function with await</a:t>
+            </a:r>
+            <a:r>
+              <a:rPr lang="en-US" sz="2000" dirty="0" smtClean="0">
+                <a:solidFill>
+                  <a:schemeClr val="bg2">
+                    <a:lumMod val="50000"/>
+                  </a:schemeClr>
+                </a:solidFill>
+                <a:latin typeface="+mj-lt"/>
+                <a:ea typeface="+mj-ea"/>
+                <a:cs typeface="+mj-cs"/>
+              </a:rPr>
+              <a:t>.</a:t>
+            </a:r>
+          </a:p>
+          <a:p>
+            <a:r>
+              <a:rPr lang="en-US" sz="2000" dirty="0">
+                <a:solidFill>
+                  <a:schemeClr val="bg2">
+                    <a:lumMod val="50000"/>
+                  </a:schemeClr>
+                </a:solidFill>
+                <a:latin typeface="+mj-lt"/>
+                <a:ea typeface="+mj-ea"/>
+                <a:cs typeface="+mj-cs"/>
+              </a:rPr>
+              <a:t/>
+            </a:r>
+            <a:br>
+              <a:rPr lang="en-US" sz="2000" dirty="0">
+                <a:solidFill>
+                  <a:schemeClr val="bg2">
+                    <a:lumMod val="50000"/>
+                  </a:schemeClr>
+                </a:solidFill>
+                <a:latin typeface="+mj-lt"/>
+                <a:ea typeface="+mj-ea"/>
+                <a:cs typeface="+mj-cs"/>
+              </a:rPr>
+            </a:br>
+            <a:r>
+              <a:rPr lang="en-US" sz="2000" dirty="0">
+                <a:solidFill>
+                  <a:schemeClr val="bg2">
+                    <a:lumMod val="50000"/>
+                  </a:schemeClr>
+                </a:solidFill>
+                <a:latin typeface="+mj-lt"/>
+                <a:ea typeface="+mj-ea"/>
+                <a:cs typeface="+mj-cs"/>
+              </a:rPr>
+              <a:t>• await returns whatever the </a:t>
+            </a:r>
+            <a:r>
+              <a:rPr lang="en-US" sz="2000" dirty="0" err="1">
+                <a:solidFill>
+                  <a:schemeClr val="bg2">
+                    <a:lumMod val="50000"/>
+                  </a:schemeClr>
+                </a:solidFill>
+                <a:latin typeface="+mj-lt"/>
+                <a:ea typeface="+mj-ea"/>
+                <a:cs typeface="+mj-cs"/>
+              </a:rPr>
+              <a:t>async</a:t>
+            </a:r>
+            <a:r>
+              <a:rPr lang="en-US" sz="2000" dirty="0">
+                <a:solidFill>
+                  <a:schemeClr val="bg2">
+                    <a:lumMod val="50000"/>
+                  </a:schemeClr>
+                </a:solidFill>
+                <a:latin typeface="+mj-lt"/>
+                <a:ea typeface="+mj-ea"/>
+                <a:cs typeface="+mj-cs"/>
+              </a:rPr>
+              <a:t> function returns when it is done</a:t>
+            </a:r>
+            <a:r>
+              <a:rPr lang="en-US" sz="2000" dirty="0" smtClean="0">
+                <a:solidFill>
+                  <a:schemeClr val="bg2">
+                    <a:lumMod val="50000"/>
+                  </a:schemeClr>
+                </a:solidFill>
+                <a:latin typeface="+mj-lt"/>
+                <a:ea typeface="+mj-ea"/>
+                <a:cs typeface="+mj-cs"/>
+              </a:rPr>
+              <a:t>.</a:t>
+            </a:r>
+          </a:p>
+          <a:p>
+            <a:r>
+              <a:rPr lang="en-US" sz="2000" dirty="0">
+                <a:solidFill>
+                  <a:schemeClr val="bg2">
+                    <a:lumMod val="50000"/>
+                  </a:schemeClr>
+                </a:solidFill>
+                <a:latin typeface="+mj-lt"/>
+                <a:ea typeface="+mj-ea"/>
+                <a:cs typeface="+mj-cs"/>
+              </a:rPr>
+              <a:t/>
+            </a:r>
+            <a:br>
+              <a:rPr lang="en-US" sz="2000" dirty="0">
+                <a:solidFill>
+                  <a:schemeClr val="bg2">
+                    <a:lumMod val="50000"/>
+                  </a:schemeClr>
+                </a:solidFill>
+                <a:latin typeface="+mj-lt"/>
+                <a:ea typeface="+mj-ea"/>
+                <a:cs typeface="+mj-cs"/>
+              </a:rPr>
+            </a:br>
+            <a:r>
+              <a:rPr lang="en-US" sz="2000" dirty="0">
+                <a:solidFill>
+                  <a:schemeClr val="bg2">
+                    <a:lumMod val="50000"/>
+                  </a:schemeClr>
+                </a:solidFill>
+                <a:latin typeface="+mj-lt"/>
+                <a:ea typeface="+mj-ea"/>
+                <a:cs typeface="+mj-cs"/>
+              </a:rPr>
+              <a:t>• await can only be used inside an </a:t>
+            </a:r>
+            <a:r>
+              <a:rPr lang="en-US" sz="2000" dirty="0" err="1">
+                <a:solidFill>
+                  <a:schemeClr val="bg2">
+                    <a:lumMod val="50000"/>
+                  </a:schemeClr>
+                </a:solidFill>
+                <a:latin typeface="+mj-lt"/>
+                <a:ea typeface="+mj-ea"/>
+                <a:cs typeface="+mj-cs"/>
+              </a:rPr>
+              <a:t>async</a:t>
+            </a:r>
+            <a:r>
+              <a:rPr lang="en-US" sz="2000" dirty="0">
+                <a:solidFill>
+                  <a:schemeClr val="bg2">
+                    <a:lumMod val="50000"/>
+                  </a:schemeClr>
+                </a:solidFill>
+                <a:latin typeface="+mj-lt"/>
+                <a:ea typeface="+mj-ea"/>
+                <a:cs typeface="+mj-cs"/>
+              </a:rPr>
+              <a:t> function.</a:t>
+            </a:r>
+          </a:p>
+        </p:txBody>
+      </p:sp>
+    </p:spTree>
+    <p:extLst>
+      <p:ext uri="{BB962C8B-B14F-4D97-AF65-F5344CB8AC3E}">
+        <p14:creationId xmlns:p14="http://schemas.microsoft.com/office/powerpoint/2010/main" val="2183354277"/>
+      </p:ext>
+    </p:extLst>
+  </p:cSld>
+  <p:clrMapOvr>
+    <a:masterClrMapping/>
+  </p:clrMapOvr>
+  <p:timing>
+    <p:tnLst>
+      <p:par>
+        <p:cTn id="1" dur="indefinite" restart="never" nodeType="tmRoot"/>
+      </p:par>
+    </p:tnLst>
+  </p:timing>
+</p:sld>
+</file>
+
+<file path=ppt/slides/slide12.xml><?xml version="1.0" encoding="utf-8"?>
+<p:sld xmlns:a="http://schemas.openxmlformats.org/drawingml/2006/main" xmlns:r="http://schemas.openxmlformats.org/officeDocument/2006/relationships" xmlns:p="http://schemas.openxmlformats.org/presentationml/2006/main">
+  <p:cSld>
+    <p:bg>
+      <p:bgPr>
+        <a:gradFill>
+          <a:gsLst>
+            <a:gs pos="0">
+              <a:schemeClr val="bg2">
+                <a:tint val="90000"/>
+                <a:satMod val="92000"/>
+                <a:lumMod val="120000"/>
+              </a:schemeClr>
+            </a:gs>
+            <a:gs pos="100000">
+              <a:schemeClr val="bg2">
+                <a:shade val="98000"/>
+                <a:satMod val="120000"/>
+                <a:lumMod val="98000"/>
+              </a:schemeClr>
+            </a:gs>
+          </a:gsLst>
+          <a:path path="circle">
+            <a:fillToRect l="50000" t="50000" r="100000" b="100000"/>
+          </a:path>
+        </a:gradFill>
+        <a:effectLst/>
+      </p:bgPr>
+    </p:bg>
+    <p:spTree>
+      <p:nvGrpSpPr>
+        <p:cNvPr id="1" name=""/>
+        <p:cNvGrpSpPr/>
+        <p:nvPr/>
+      </p:nvGrpSpPr>
+      <p:grpSpPr>
+        <a:xfrm>
+          <a:off x="0" y="0"/>
+          <a:ext cx="0" cy="0"/>
+          <a:chOff x="0" y="0"/>
+          <a:chExt cx="0" cy="0"/>
+        </a:xfrm>
+      </p:grpSpPr>
+      <p:sp>
+        <p:nvSpPr>
+          <p:cNvPr id="2" name="Title 1"/>
+          <p:cNvSpPr>
+            <a:spLocks noGrp="1"/>
+          </p:cNvSpPr>
+          <p:nvPr>
+            <p:ph type="title"/>
+          </p:nvPr>
+        </p:nvSpPr>
+        <p:spPr/>
+        <p:txBody>
+          <a:bodyPr/>
+          <a:lstStyle/>
+          <a:p>
+            <a:r>
+              <a:rPr lang="en-US" dirty="0" smtClean="0"/>
+              <a:t>Lets see </a:t>
+            </a:r>
+            <a:r>
+              <a:rPr lang="en-US" dirty="0"/>
+              <a:t>how </a:t>
+            </a:r>
+            <a:r>
+              <a:rPr lang="en-US" dirty="0" err="1"/>
+              <a:t>async</a:t>
+            </a:r>
+            <a:r>
+              <a:rPr lang="en-US" dirty="0"/>
+              <a:t>/await roughly translates into Promises</a:t>
+            </a:r>
+            <a:endParaRPr lang="en-US" dirty="0"/>
+          </a:p>
+        </p:txBody>
+      </p:sp>
+      <p:sp>
+        <p:nvSpPr>
+          <p:cNvPr id="3" name="Rectangle 2"/>
+          <p:cNvSpPr/>
+          <p:nvPr/>
+        </p:nvSpPr>
+        <p:spPr>
+          <a:xfrm>
+            <a:off x="3048000" y="1997839"/>
+            <a:ext cx="6096000" cy="3447098"/>
+          </a:xfrm>
+          <a:prstGeom prst="rect">
+            <a:avLst/>
+          </a:prstGeom>
+          <a:solidFill>
+            <a:schemeClr val="bg1"/>
+          </a:solidFill>
+        </p:spPr>
+        <p:txBody>
+          <a:bodyPr>
+            <a:spAutoFit/>
+          </a:bodyPr>
+          <a:lstStyle/>
+          <a:p>
+            <a:r>
+              <a:rPr lang="en-US" sz="2000" dirty="0">
+                <a:solidFill>
+                  <a:srgbClr val="008000"/>
+                </a:solidFill>
+                <a:highlight>
+                  <a:srgbClr val="FFFFFF"/>
+                </a:highlight>
+                <a:latin typeface="Courier New" panose="02070309020205020404" pitchFamily="49" charset="0"/>
+                <a:cs typeface="Courier New" panose="02070309020205020404" pitchFamily="49" charset="0"/>
+              </a:rPr>
+              <a:t>// Async/Await version</a:t>
+            </a:r>
+          </a:p>
+          <a:p>
+            <a:r>
+              <a:rPr lang="en-US" sz="2000" b="1" dirty="0" err="1">
+                <a:solidFill>
+                  <a:srgbClr val="0000FF"/>
+                </a:solidFill>
+                <a:highlight>
+                  <a:srgbClr val="FFFFFF"/>
+                </a:highlight>
+                <a:latin typeface="Courier New" panose="02070309020205020404" pitchFamily="49" charset="0"/>
+                <a:cs typeface="Courier New" panose="02070309020205020404" pitchFamily="49" charset="0"/>
+              </a:rPr>
+              <a:t>async</a:t>
+            </a:r>
+            <a:r>
+              <a:rPr lang="en-US" sz="2000" dirty="0">
+                <a:solidFill>
+                  <a:srgbClr val="000000"/>
+                </a:solidFill>
+                <a:highlight>
+                  <a:srgbClr val="FFFFFF"/>
+                </a:highlight>
+                <a:latin typeface="Courier New" panose="02070309020205020404" pitchFamily="49" charset="0"/>
+                <a:cs typeface="Courier New" panose="02070309020205020404" pitchFamily="49" charset="0"/>
+              </a:rPr>
+              <a:t> </a:t>
+            </a:r>
+            <a:r>
+              <a:rPr lang="en-US" sz="2000" b="1" dirty="0">
+                <a:solidFill>
+                  <a:srgbClr val="0000FF"/>
+                </a:solidFill>
+                <a:highlight>
+                  <a:srgbClr val="FFFFFF"/>
+                </a:highlight>
+                <a:latin typeface="Courier New" panose="02070309020205020404" pitchFamily="49" charset="0"/>
+                <a:cs typeface="Courier New" panose="02070309020205020404" pitchFamily="49" charset="0"/>
+              </a:rPr>
+              <a:t>function</a:t>
+            </a:r>
+            <a:r>
+              <a:rPr lang="en-US" sz="2000" dirty="0">
+                <a:solidFill>
+                  <a:srgbClr val="000000"/>
+                </a:solidFill>
+                <a:highlight>
+                  <a:srgbClr val="FFFFFF"/>
+                </a:highlight>
+                <a:latin typeface="Courier New" panose="02070309020205020404" pitchFamily="49" charset="0"/>
+                <a:cs typeface="Courier New" panose="02070309020205020404" pitchFamily="49" charset="0"/>
+              </a:rPr>
+              <a:t> </a:t>
+            </a:r>
+            <a:r>
+              <a:rPr lang="en-US" sz="2000" dirty="0" err="1">
+                <a:solidFill>
+                  <a:srgbClr val="000000"/>
+                </a:solidFill>
+                <a:highlight>
+                  <a:srgbClr val="FFFFFF"/>
+                </a:highlight>
+                <a:latin typeface="Courier New" panose="02070309020205020404" pitchFamily="49" charset="0"/>
+                <a:cs typeface="Courier New" panose="02070309020205020404" pitchFamily="49" charset="0"/>
+              </a:rPr>
+              <a:t>helloAsync</a:t>
+            </a:r>
+            <a:r>
+              <a:rPr lang="en-US" sz="2000" b="1" dirty="0">
+                <a:solidFill>
+                  <a:srgbClr val="000080"/>
+                </a:solidFill>
+                <a:highlight>
+                  <a:srgbClr val="FFFFFF"/>
+                </a:highlight>
+                <a:latin typeface="Courier New" panose="02070309020205020404" pitchFamily="49" charset="0"/>
+                <a:cs typeface="Courier New" panose="02070309020205020404" pitchFamily="49" charset="0"/>
+              </a:rPr>
+              <a:t>()</a:t>
+            </a:r>
+            <a:r>
+              <a:rPr lang="en-US" sz="2000" dirty="0">
+                <a:solidFill>
+                  <a:srgbClr val="000000"/>
+                </a:solidFill>
+                <a:highlight>
+                  <a:srgbClr val="FFFFFF"/>
+                </a:highlight>
+                <a:latin typeface="Courier New" panose="02070309020205020404" pitchFamily="49" charset="0"/>
+                <a:cs typeface="Courier New" panose="02070309020205020404" pitchFamily="49" charset="0"/>
+              </a:rPr>
+              <a:t> </a:t>
+            </a:r>
+            <a:r>
+              <a:rPr lang="en-US" sz="2000" b="1" dirty="0">
+                <a:solidFill>
+                  <a:srgbClr val="000080"/>
+                </a:solidFill>
+                <a:highlight>
+                  <a:srgbClr val="FFFFFF"/>
+                </a:highlight>
+                <a:latin typeface="Courier New" panose="02070309020205020404" pitchFamily="49" charset="0"/>
+                <a:cs typeface="Courier New" panose="02070309020205020404" pitchFamily="49" charset="0"/>
+              </a:rPr>
+              <a:t>{</a:t>
+            </a:r>
+            <a:endParaRPr lang="en-US" sz="2000" dirty="0">
+              <a:solidFill>
+                <a:srgbClr val="000000"/>
+              </a:solidFill>
+              <a:highlight>
+                <a:srgbClr val="FFFFFF"/>
+              </a:highlight>
+              <a:latin typeface="Courier New" panose="02070309020205020404" pitchFamily="49" charset="0"/>
+              <a:cs typeface="Courier New" panose="02070309020205020404" pitchFamily="49" charset="0"/>
+            </a:endParaRPr>
+          </a:p>
+          <a:p>
+            <a:r>
+              <a:rPr lang="en-US" sz="2000" dirty="0">
+                <a:solidFill>
+                  <a:srgbClr val="000000"/>
+                </a:solidFill>
+                <a:highlight>
+                  <a:srgbClr val="FFFFFF"/>
+                </a:highlight>
+                <a:latin typeface="Courier New" panose="02070309020205020404" pitchFamily="49" charset="0"/>
+                <a:cs typeface="Courier New" panose="02070309020205020404" pitchFamily="49" charset="0"/>
+              </a:rPr>
+              <a:t>  </a:t>
+            </a:r>
+            <a:r>
+              <a:rPr lang="en-US" sz="2000" b="1" dirty="0">
+                <a:solidFill>
+                  <a:srgbClr val="0000FF"/>
+                </a:solidFill>
+                <a:highlight>
+                  <a:srgbClr val="FFFFFF"/>
+                </a:highlight>
+                <a:latin typeface="Courier New" panose="02070309020205020404" pitchFamily="49" charset="0"/>
+                <a:cs typeface="Courier New" panose="02070309020205020404" pitchFamily="49" charset="0"/>
+              </a:rPr>
+              <a:t>return</a:t>
+            </a:r>
+            <a:r>
+              <a:rPr lang="en-US" sz="2000" dirty="0">
+                <a:solidFill>
+                  <a:srgbClr val="000000"/>
+                </a:solidFill>
+                <a:highlight>
+                  <a:srgbClr val="FFFFFF"/>
+                </a:highlight>
+                <a:latin typeface="Courier New" panose="02070309020205020404" pitchFamily="49" charset="0"/>
+                <a:cs typeface="Courier New" panose="02070309020205020404" pitchFamily="49" charset="0"/>
+              </a:rPr>
+              <a:t> </a:t>
+            </a:r>
+            <a:r>
+              <a:rPr lang="en-US" sz="2000" dirty="0">
+                <a:solidFill>
+                  <a:srgbClr val="808080"/>
+                </a:solidFill>
+                <a:highlight>
+                  <a:srgbClr val="FFFFFF"/>
+                </a:highlight>
+                <a:latin typeface="Courier New" panose="02070309020205020404" pitchFamily="49" charset="0"/>
+                <a:cs typeface="Courier New" panose="02070309020205020404" pitchFamily="49" charset="0"/>
+              </a:rPr>
+              <a:t>"hello"</a:t>
+            </a:r>
+            <a:r>
+              <a:rPr lang="en-US" sz="2000" b="1" dirty="0">
+                <a:solidFill>
+                  <a:srgbClr val="000080"/>
+                </a:solidFill>
+                <a:highlight>
+                  <a:srgbClr val="FFFFFF"/>
+                </a:highlight>
+                <a:latin typeface="Courier New" panose="02070309020205020404" pitchFamily="49" charset="0"/>
+                <a:cs typeface="Courier New" panose="02070309020205020404" pitchFamily="49" charset="0"/>
+              </a:rPr>
+              <a:t>;</a:t>
+            </a:r>
+            <a:endParaRPr lang="en-US" sz="2000" dirty="0">
+              <a:solidFill>
+                <a:srgbClr val="000000"/>
+              </a:solidFill>
+              <a:highlight>
+                <a:srgbClr val="FFFFFF"/>
+              </a:highlight>
+              <a:latin typeface="Courier New" panose="02070309020205020404" pitchFamily="49" charset="0"/>
+              <a:cs typeface="Courier New" panose="02070309020205020404" pitchFamily="49" charset="0"/>
+            </a:endParaRPr>
+          </a:p>
+          <a:p>
+            <a:r>
+              <a:rPr lang="en-US" sz="2000" b="1" dirty="0">
+                <a:solidFill>
+                  <a:srgbClr val="000080"/>
+                </a:solidFill>
+                <a:highlight>
+                  <a:srgbClr val="FFFFFF"/>
+                </a:highlight>
+                <a:latin typeface="Courier New" panose="02070309020205020404" pitchFamily="49" charset="0"/>
+                <a:cs typeface="Courier New" panose="02070309020205020404" pitchFamily="49" charset="0"/>
+              </a:rPr>
+              <a:t>}</a:t>
+            </a:r>
+            <a:endParaRPr lang="en-US" sz="2000" dirty="0">
+              <a:solidFill>
+                <a:srgbClr val="000000"/>
+              </a:solidFill>
+              <a:highlight>
+                <a:srgbClr val="FFFFFF"/>
+              </a:highlight>
+              <a:latin typeface="Courier New" panose="02070309020205020404" pitchFamily="49" charset="0"/>
+              <a:cs typeface="Courier New" panose="02070309020205020404" pitchFamily="49" charset="0"/>
+            </a:endParaRPr>
+          </a:p>
+          <a:p>
+            <a:r>
+              <a:rPr lang="en-US" sz="2000" dirty="0">
+                <a:solidFill>
+                  <a:srgbClr val="008000"/>
+                </a:solidFill>
+                <a:highlight>
+                  <a:srgbClr val="FFFFFF"/>
+                </a:highlight>
+                <a:latin typeface="Courier New" panose="02070309020205020404" pitchFamily="49" charset="0"/>
+                <a:cs typeface="Courier New" panose="02070309020205020404" pitchFamily="49" charset="0"/>
+              </a:rPr>
+              <a:t>// Promises version</a:t>
+            </a:r>
+          </a:p>
+          <a:p>
+            <a:r>
+              <a:rPr lang="en-US" sz="2000" b="1" dirty="0">
+                <a:solidFill>
+                  <a:srgbClr val="0000FF"/>
+                </a:solidFill>
+                <a:highlight>
+                  <a:srgbClr val="FFFFFF"/>
+                </a:highlight>
+                <a:latin typeface="Courier New" panose="02070309020205020404" pitchFamily="49" charset="0"/>
+                <a:cs typeface="Courier New" panose="02070309020205020404" pitchFamily="49" charset="0"/>
+              </a:rPr>
+              <a:t>function</a:t>
+            </a:r>
+            <a:r>
+              <a:rPr lang="en-US" sz="2000" dirty="0">
+                <a:solidFill>
+                  <a:srgbClr val="000000"/>
+                </a:solidFill>
+                <a:highlight>
+                  <a:srgbClr val="FFFFFF"/>
+                </a:highlight>
+                <a:latin typeface="Courier New" panose="02070309020205020404" pitchFamily="49" charset="0"/>
+                <a:cs typeface="Courier New" panose="02070309020205020404" pitchFamily="49" charset="0"/>
+              </a:rPr>
+              <a:t> </a:t>
+            </a:r>
+            <a:r>
+              <a:rPr lang="en-US" sz="2000" dirty="0" err="1">
+                <a:solidFill>
+                  <a:srgbClr val="000000"/>
+                </a:solidFill>
+                <a:highlight>
+                  <a:srgbClr val="FFFFFF"/>
+                </a:highlight>
+                <a:latin typeface="Courier New" panose="02070309020205020404" pitchFamily="49" charset="0"/>
+                <a:cs typeface="Courier New" panose="02070309020205020404" pitchFamily="49" charset="0"/>
+              </a:rPr>
+              <a:t>helloAsync</a:t>
+            </a:r>
+            <a:r>
+              <a:rPr lang="en-US" sz="2000" b="1" dirty="0">
+                <a:solidFill>
+                  <a:srgbClr val="000080"/>
+                </a:solidFill>
+                <a:highlight>
+                  <a:srgbClr val="FFFFFF"/>
+                </a:highlight>
+                <a:latin typeface="Courier New" panose="02070309020205020404" pitchFamily="49" charset="0"/>
+                <a:cs typeface="Courier New" panose="02070309020205020404" pitchFamily="49" charset="0"/>
+              </a:rPr>
+              <a:t>()</a:t>
+            </a:r>
+            <a:r>
+              <a:rPr lang="en-US" sz="2000" dirty="0">
+                <a:solidFill>
+                  <a:srgbClr val="000000"/>
+                </a:solidFill>
+                <a:highlight>
+                  <a:srgbClr val="FFFFFF"/>
+                </a:highlight>
+                <a:latin typeface="Courier New" panose="02070309020205020404" pitchFamily="49" charset="0"/>
+                <a:cs typeface="Courier New" panose="02070309020205020404" pitchFamily="49" charset="0"/>
+              </a:rPr>
+              <a:t> </a:t>
+            </a:r>
+            <a:r>
+              <a:rPr lang="en-US" sz="2000" b="1" dirty="0">
+                <a:solidFill>
+                  <a:srgbClr val="000080"/>
+                </a:solidFill>
+                <a:highlight>
+                  <a:srgbClr val="FFFFFF"/>
+                </a:highlight>
+                <a:latin typeface="Courier New" panose="02070309020205020404" pitchFamily="49" charset="0"/>
+                <a:cs typeface="Courier New" panose="02070309020205020404" pitchFamily="49" charset="0"/>
+              </a:rPr>
+              <a:t>{</a:t>
+            </a:r>
+            <a:endParaRPr lang="en-US" sz="2000" dirty="0">
+              <a:solidFill>
+                <a:srgbClr val="000000"/>
+              </a:solidFill>
+              <a:highlight>
+                <a:srgbClr val="FFFFFF"/>
+              </a:highlight>
+              <a:latin typeface="Courier New" panose="02070309020205020404" pitchFamily="49" charset="0"/>
+              <a:cs typeface="Courier New" panose="02070309020205020404" pitchFamily="49" charset="0"/>
+            </a:endParaRPr>
+          </a:p>
+          <a:p>
+            <a:r>
+              <a:rPr lang="en-US" sz="2000" dirty="0">
+                <a:solidFill>
+                  <a:srgbClr val="000000"/>
+                </a:solidFill>
+                <a:highlight>
+                  <a:srgbClr val="FFFFFF"/>
+                </a:highlight>
+                <a:latin typeface="Courier New" panose="02070309020205020404" pitchFamily="49" charset="0"/>
+                <a:cs typeface="Courier New" panose="02070309020205020404" pitchFamily="49" charset="0"/>
+              </a:rPr>
+              <a:t>  </a:t>
+            </a:r>
+            <a:r>
+              <a:rPr lang="en-US" sz="2000" b="1" dirty="0">
+                <a:solidFill>
+                  <a:srgbClr val="0000FF"/>
+                </a:solidFill>
+                <a:highlight>
+                  <a:srgbClr val="FFFFFF"/>
+                </a:highlight>
+                <a:latin typeface="Courier New" panose="02070309020205020404" pitchFamily="49" charset="0"/>
+                <a:cs typeface="Courier New" panose="02070309020205020404" pitchFamily="49" charset="0"/>
+              </a:rPr>
+              <a:t>return</a:t>
+            </a:r>
+            <a:r>
+              <a:rPr lang="en-US" sz="2000" dirty="0">
+                <a:solidFill>
+                  <a:srgbClr val="000000"/>
+                </a:solidFill>
+                <a:highlight>
+                  <a:srgbClr val="FFFFFF"/>
+                </a:highlight>
+                <a:latin typeface="Courier New" panose="02070309020205020404" pitchFamily="49" charset="0"/>
+                <a:cs typeface="Courier New" panose="02070309020205020404" pitchFamily="49" charset="0"/>
+              </a:rPr>
+              <a:t> </a:t>
+            </a:r>
+            <a:r>
+              <a:rPr lang="en-US" sz="2000" b="1" dirty="0">
+                <a:solidFill>
+                  <a:srgbClr val="0000FF"/>
+                </a:solidFill>
+                <a:highlight>
+                  <a:srgbClr val="FFFFFF"/>
+                </a:highlight>
+                <a:latin typeface="Courier New" panose="02070309020205020404" pitchFamily="49" charset="0"/>
+                <a:cs typeface="Courier New" panose="02070309020205020404" pitchFamily="49" charset="0"/>
+              </a:rPr>
+              <a:t>new</a:t>
+            </a:r>
+            <a:r>
+              <a:rPr lang="en-US" sz="2000" dirty="0">
+                <a:solidFill>
+                  <a:srgbClr val="000000"/>
+                </a:solidFill>
+                <a:highlight>
+                  <a:srgbClr val="FFFFFF"/>
+                </a:highlight>
+                <a:latin typeface="Courier New" panose="02070309020205020404" pitchFamily="49" charset="0"/>
+                <a:cs typeface="Courier New" panose="02070309020205020404" pitchFamily="49" charset="0"/>
+              </a:rPr>
+              <a:t> Promise</a:t>
+            </a:r>
+            <a:r>
+              <a:rPr lang="en-US" sz="2000" b="1" dirty="0">
+                <a:solidFill>
+                  <a:srgbClr val="000080"/>
+                </a:solidFill>
+                <a:highlight>
+                  <a:srgbClr val="FFFFFF"/>
+                </a:highlight>
+                <a:latin typeface="Courier New" panose="02070309020205020404" pitchFamily="49" charset="0"/>
+                <a:cs typeface="Courier New" panose="02070309020205020404" pitchFamily="49" charset="0"/>
+              </a:rPr>
+              <a:t>(</a:t>
+            </a:r>
+            <a:r>
+              <a:rPr lang="en-US" sz="2000" b="1" dirty="0">
+                <a:solidFill>
+                  <a:srgbClr val="0000FF"/>
+                </a:solidFill>
+                <a:highlight>
+                  <a:srgbClr val="FFFFFF"/>
+                </a:highlight>
+                <a:latin typeface="Courier New" panose="02070309020205020404" pitchFamily="49" charset="0"/>
+                <a:cs typeface="Courier New" panose="02070309020205020404" pitchFamily="49" charset="0"/>
+              </a:rPr>
+              <a:t>function</a:t>
+            </a:r>
+            <a:r>
+              <a:rPr lang="en-US" sz="2000" dirty="0">
+                <a:solidFill>
+                  <a:srgbClr val="000000"/>
+                </a:solidFill>
+                <a:highlight>
+                  <a:srgbClr val="FFFFFF"/>
+                </a:highlight>
+                <a:latin typeface="Courier New" panose="02070309020205020404" pitchFamily="49" charset="0"/>
+                <a:cs typeface="Courier New" panose="02070309020205020404" pitchFamily="49" charset="0"/>
+              </a:rPr>
+              <a:t> </a:t>
+            </a:r>
+            <a:r>
+              <a:rPr lang="en-US" sz="2000" b="1" dirty="0">
+                <a:solidFill>
+                  <a:srgbClr val="000080"/>
+                </a:solidFill>
+                <a:highlight>
+                  <a:srgbClr val="FFFFFF"/>
+                </a:highlight>
+                <a:latin typeface="Courier New" panose="02070309020205020404" pitchFamily="49" charset="0"/>
+                <a:cs typeface="Courier New" panose="02070309020205020404" pitchFamily="49" charset="0"/>
+              </a:rPr>
+              <a:t>(</a:t>
+            </a:r>
+            <a:r>
+              <a:rPr lang="en-US" sz="2000" dirty="0">
+                <a:solidFill>
+                  <a:srgbClr val="000000"/>
+                </a:solidFill>
+                <a:highlight>
+                  <a:srgbClr val="FFFFFF"/>
+                </a:highlight>
+                <a:latin typeface="Courier New" panose="02070309020205020404" pitchFamily="49" charset="0"/>
+                <a:cs typeface="Courier New" panose="02070309020205020404" pitchFamily="49" charset="0"/>
+              </a:rPr>
+              <a:t>resolve</a:t>
+            </a:r>
+            <a:r>
+              <a:rPr lang="en-US" sz="2000" b="1" dirty="0">
+                <a:solidFill>
+                  <a:srgbClr val="000080"/>
+                </a:solidFill>
+                <a:highlight>
+                  <a:srgbClr val="FFFFFF"/>
+                </a:highlight>
+                <a:latin typeface="Courier New" panose="02070309020205020404" pitchFamily="49" charset="0"/>
+                <a:cs typeface="Courier New" panose="02070309020205020404" pitchFamily="49" charset="0"/>
+              </a:rPr>
+              <a:t>)</a:t>
+            </a:r>
+            <a:r>
+              <a:rPr lang="en-US" sz="2000" dirty="0">
+                <a:solidFill>
+                  <a:srgbClr val="000000"/>
+                </a:solidFill>
+                <a:highlight>
+                  <a:srgbClr val="FFFFFF"/>
+                </a:highlight>
+                <a:latin typeface="Courier New" panose="02070309020205020404" pitchFamily="49" charset="0"/>
+                <a:cs typeface="Courier New" panose="02070309020205020404" pitchFamily="49" charset="0"/>
+              </a:rPr>
+              <a:t> </a:t>
+            </a:r>
+            <a:r>
+              <a:rPr lang="en-US" sz="2000" b="1" dirty="0">
+                <a:solidFill>
+                  <a:srgbClr val="000080"/>
+                </a:solidFill>
+                <a:highlight>
+                  <a:srgbClr val="FFFFFF"/>
+                </a:highlight>
+                <a:latin typeface="Courier New" panose="02070309020205020404" pitchFamily="49" charset="0"/>
+                <a:cs typeface="Courier New" panose="02070309020205020404" pitchFamily="49" charset="0"/>
+              </a:rPr>
+              <a:t>{</a:t>
+            </a:r>
+            <a:endParaRPr lang="en-US" sz="2000" dirty="0">
+              <a:solidFill>
+                <a:srgbClr val="000000"/>
+              </a:solidFill>
+              <a:highlight>
+                <a:srgbClr val="FFFFFF"/>
+              </a:highlight>
+              <a:latin typeface="Courier New" panose="02070309020205020404" pitchFamily="49" charset="0"/>
+              <a:cs typeface="Courier New" panose="02070309020205020404" pitchFamily="49" charset="0"/>
+            </a:endParaRPr>
+          </a:p>
+          <a:p>
+            <a:r>
+              <a:rPr lang="en-US" sz="2000" dirty="0">
+                <a:solidFill>
+                  <a:srgbClr val="000000"/>
+                </a:solidFill>
+                <a:highlight>
+                  <a:srgbClr val="FFFFFF"/>
+                </a:highlight>
+                <a:latin typeface="Courier New" panose="02070309020205020404" pitchFamily="49" charset="0"/>
+                <a:cs typeface="Courier New" panose="02070309020205020404" pitchFamily="49" charset="0"/>
+              </a:rPr>
+              <a:t>    resolve</a:t>
+            </a:r>
+            <a:r>
+              <a:rPr lang="en-US" sz="2000" b="1" dirty="0">
+                <a:solidFill>
+                  <a:srgbClr val="000080"/>
+                </a:solidFill>
+                <a:highlight>
+                  <a:srgbClr val="FFFFFF"/>
+                </a:highlight>
+                <a:latin typeface="Courier New" panose="02070309020205020404" pitchFamily="49" charset="0"/>
+                <a:cs typeface="Courier New" panose="02070309020205020404" pitchFamily="49" charset="0"/>
+              </a:rPr>
+              <a:t>(</a:t>
+            </a:r>
+            <a:r>
+              <a:rPr lang="en-US" sz="2000" dirty="0">
+                <a:solidFill>
+                  <a:srgbClr val="808080"/>
+                </a:solidFill>
+                <a:highlight>
+                  <a:srgbClr val="FFFFFF"/>
+                </a:highlight>
+                <a:latin typeface="Courier New" panose="02070309020205020404" pitchFamily="49" charset="0"/>
+                <a:cs typeface="Courier New" panose="02070309020205020404" pitchFamily="49" charset="0"/>
+              </a:rPr>
+              <a:t>"hello"</a:t>
+            </a:r>
+            <a:r>
+              <a:rPr lang="en-US" sz="2000" b="1" dirty="0">
+                <a:solidFill>
+                  <a:srgbClr val="000080"/>
+                </a:solidFill>
+                <a:highlight>
+                  <a:srgbClr val="FFFFFF"/>
+                </a:highlight>
+                <a:latin typeface="Courier New" panose="02070309020205020404" pitchFamily="49" charset="0"/>
+                <a:cs typeface="Courier New" panose="02070309020205020404" pitchFamily="49" charset="0"/>
+              </a:rPr>
+              <a:t>);</a:t>
+            </a:r>
+            <a:endParaRPr lang="en-US" sz="2000" dirty="0">
+              <a:solidFill>
+                <a:srgbClr val="000000"/>
+              </a:solidFill>
+              <a:highlight>
+                <a:srgbClr val="FFFFFF"/>
+              </a:highlight>
+              <a:latin typeface="Courier New" panose="02070309020205020404" pitchFamily="49" charset="0"/>
+              <a:cs typeface="Courier New" panose="02070309020205020404" pitchFamily="49" charset="0"/>
+            </a:endParaRPr>
+          </a:p>
+          <a:p>
+            <a:r>
+              <a:rPr lang="en-US" sz="2000" dirty="0">
+                <a:solidFill>
+                  <a:srgbClr val="000000"/>
+                </a:solidFill>
+                <a:highlight>
+                  <a:srgbClr val="FFFFFF"/>
+                </a:highlight>
+                <a:latin typeface="Courier New" panose="02070309020205020404" pitchFamily="49" charset="0"/>
+                <a:cs typeface="Courier New" panose="02070309020205020404" pitchFamily="49" charset="0"/>
+              </a:rPr>
+              <a:t>  </a:t>
+            </a:r>
+            <a:r>
+              <a:rPr lang="en-US" sz="2000" b="1" dirty="0">
+                <a:solidFill>
+                  <a:srgbClr val="000080"/>
+                </a:solidFill>
+                <a:highlight>
+                  <a:srgbClr val="FFFFFF"/>
+                </a:highlight>
+                <a:latin typeface="Courier New" panose="02070309020205020404" pitchFamily="49" charset="0"/>
+                <a:cs typeface="Courier New" panose="02070309020205020404" pitchFamily="49" charset="0"/>
+              </a:rPr>
+              <a:t>});</a:t>
+            </a:r>
+            <a:endParaRPr lang="en-US" sz="2000" dirty="0">
+              <a:solidFill>
+                <a:srgbClr val="000000"/>
+              </a:solidFill>
+              <a:highlight>
+                <a:srgbClr val="FFFFFF"/>
+              </a:highlight>
+              <a:latin typeface="Courier New" panose="02070309020205020404" pitchFamily="49" charset="0"/>
+              <a:cs typeface="Courier New" panose="02070309020205020404" pitchFamily="49" charset="0"/>
+            </a:endParaRPr>
+          </a:p>
+          <a:p>
+            <a:r>
+              <a:rPr lang="en-US" sz="2000" b="1" dirty="0">
+                <a:solidFill>
+                  <a:srgbClr val="000080"/>
+                </a:solidFill>
+                <a:highlight>
+                  <a:srgbClr val="FFFFFF"/>
+                </a:highlight>
+                <a:latin typeface="Courier New" panose="02070309020205020404" pitchFamily="49" charset="0"/>
+                <a:cs typeface="Courier New" panose="02070309020205020404" pitchFamily="49" charset="0"/>
+              </a:rPr>
+              <a:t>}</a:t>
+            </a:r>
+            <a:endParaRPr lang="en-US" sz="2000" dirty="0">
+              <a:latin typeface="Courier New" panose="02070309020205020404" pitchFamily="49" charset="0"/>
+              <a:cs typeface="Courier New" panose="02070309020205020404" pitchFamily="49" charset="0"/>
+            </a:endParaRPr>
+          </a:p>
+        </p:txBody>
+      </p:sp>
+    </p:spTree>
+    <p:extLst>
+      <p:ext uri="{BB962C8B-B14F-4D97-AF65-F5344CB8AC3E}">
+        <p14:creationId xmlns:p14="http://schemas.microsoft.com/office/powerpoint/2010/main" val="3403874278"/>
+      </p:ext>
+    </p:extLst>
+  </p:cSld>
+  <p:clrMapOvr>
+    <a:masterClrMapping/>
+  </p:clrMapOvr>
+  <p:timing>
+    <p:tnLst>
+      <p:par>
+        <p:cTn id="1" dur="indefinite" restart="never" nodeType="tmRoot"/>
+      </p:par>
+    </p:tnLst>
+  </p:timing>
+</p:sld>
+</file>
+
 <file path=ppt/slides/slide2.xml><?xml version="1.0" encoding="utf-8"?>
 <p:sld xmlns:a="http://schemas.openxmlformats.org/drawingml/2006/main" xmlns:r="http://schemas.openxmlformats.org/officeDocument/2006/relationships" xmlns:p="http://schemas.openxmlformats.org/presentationml/2006/main">
   <p:cSld>
@@ -8645,7 +11846,7 @@
         </p:nvSpPr>
         <p:spPr>
           <a:xfrm>
-            <a:off x="2410044" y="2466978"/>
+            <a:off x="2508518" y="2495114"/>
             <a:ext cx="8911687" cy="1280890"/>
           </a:xfrm>
         </p:spPr>
@@ -8713,8 +11914,8 @@
         </p:nvSpPr>
         <p:spPr>
           <a:xfrm>
-            <a:off x="2711645" y="3001551"/>
-            <a:ext cx="9203690" cy="824862"/>
+            <a:off x="2402155" y="2706130"/>
+            <a:ext cx="10174361" cy="824862"/>
           </a:xfrm>
         </p:spPr>
         <p:txBody>
@@ -8724,21 +11925,33 @@
           <a:lstStyle/>
           <a:p>
             <a:r>
-              <a:rPr lang="en-US" sz="2800" dirty="0"/>
+              <a:rPr lang="en-US" sz="3200" dirty="0"/>
               <a:t>Before</a:t>
             </a:r>
             <a:r>
-              <a:rPr lang="en-US" sz="2800" dirty="0"/>
-              <a:t> jumping directly to Async consider this</a:t>
-            </a:r>
-            <a:r>
-              <a:rPr lang="en-US" sz="2800" dirty="0" smtClean="0"/>
+              <a:rPr lang="en-US" sz="3200" dirty="0"/>
+              <a:t> </a:t>
+            </a:r>
+            <a:r>
+              <a:rPr lang="en-US" sz="3200" dirty="0"/>
+              <a:t>jumping directly to </a:t>
+            </a:r>
+            <a:r>
+              <a:rPr lang="en-US" sz="3200" dirty="0" smtClean="0"/>
+              <a:t>Async, </a:t>
+            </a:r>
+            <a:r>
+              <a:rPr lang="en-US" sz="3200" dirty="0"/>
+              <a:t>consider this</a:t>
+            </a:r>
+            <a:r>
+              <a:rPr lang="en-US" sz="3200" dirty="0" smtClean="0"/>
               <a:t/>
             </a:r>
             <a:br>
-              <a:rPr lang="en-US" sz="2800" dirty="0" smtClean="0"/>
+              <a:rPr lang="en-US" sz="3200" dirty="0" smtClean="0"/>
             </a:br>
-            <a:endParaRPr lang="en-US" sz="2800" dirty="0"/>
+            <a:endParaRPr lang="en-US" sz="3200" dirty="0"/>
           </a:p>
         </p:txBody>
       </p:sp>
@@ -8750,8 +11963,8 @@
         </p:nvSpPr>
         <p:spPr>
           <a:xfrm>
-            <a:off x="2711645" y="4234376"/>
-            <a:ext cx="8332764" cy="1323439"/>
+            <a:off x="2206171" y="3530992"/>
+            <a:ext cx="9811658" cy="2246769"/>
           </a:xfrm>
           <a:prstGeom prst="rect">
             <a:avLst/>
@@ -8764,7 +11977,7 @@
           <a:lstStyle/>
           <a:p>
             <a:r>
-              <a:rPr lang="en-US" sz="2000" dirty="0">
+              <a:rPr lang="en-US" sz="2800" dirty="0">
                 <a:solidFill>
                   <a:schemeClr val="bg2">
                     <a:lumMod val="50000"/>
@@ -8774,10 +11987,10 @@
                 <a:ea typeface="+mj-ea"/>
                 <a:cs typeface="+mj-cs"/>
               </a:rPr>
-              <a:t>Suppose if we want to do a task after completing a different task or if we want to perform tasks one after </a:t>
-            </a:r>
-            <a:r>
-              <a:rPr lang="en-US" sz="2000" dirty="0" smtClean="0">
+              <a:t>Suppose if we want to do a task after completing a different task or if we want to perform </a:t>
+            </a:r>
+            <a:r>
+              <a:rPr lang="en-US" sz="2800" dirty="0" smtClean="0">
                 <a:solidFill>
                   <a:schemeClr val="bg2">
                     <a:lumMod val="50000"/>
@@ -8787,10 +12000,10 @@
                 <a:ea typeface="+mj-ea"/>
                 <a:cs typeface="+mj-cs"/>
               </a:rPr>
-              <a:t>the other </a:t>
-            </a:r>
-            <a:r>
-              <a:rPr lang="en-US" sz="2000" dirty="0">
+              <a:t>certain number of tasks </a:t>
+            </a:r>
+            <a:r>
+              <a:rPr lang="en-US" sz="2800" dirty="0">
                 <a:solidFill>
                   <a:schemeClr val="bg2">
                     <a:lumMod val="50000"/>
@@ -8800,10 +12013,10 @@
                 <a:ea typeface="+mj-ea"/>
                 <a:cs typeface="+mj-cs"/>
               </a:rPr>
-              <a:t>and not simultaneously</a:t>
-            </a:r>
-            <a:r>
-              <a:rPr lang="en-US" sz="2000" dirty="0" smtClean="0">
+              <a:t>one after </a:t>
+            </a:r>
+            <a:r>
+              <a:rPr lang="en-US" sz="2800" dirty="0">
                 <a:solidFill>
                   <a:schemeClr val="bg2">
                     <a:lumMod val="50000"/>
@@ -8813,9 +12026,114 @@
                 <a:ea typeface="+mj-ea"/>
                 <a:cs typeface="+mj-cs"/>
               </a:rPr>
-              <a:t>. How will you achieve this without using Async function.</a:t>
-            </a:r>
-            <a:endParaRPr lang="en-US" sz="2000" dirty="0">
+              <a:t>the other </a:t>
+            </a:r>
+            <a:r>
+              <a:rPr lang="en-US" sz="2800" dirty="0">
+                <a:solidFill>
+                  <a:schemeClr val="bg2">
+                    <a:lumMod val="50000"/>
+                  </a:schemeClr>
+                </a:solidFill>
+                <a:latin typeface="+mj-lt"/>
+                <a:ea typeface="+mj-ea"/>
+                <a:cs typeface="+mj-cs"/>
+              </a:rPr>
+              <a:t>and not simultaneously</a:t>
+            </a:r>
+            <a:r>
+              <a:rPr lang="en-US" sz="2800" dirty="0" smtClean="0">
+                <a:solidFill>
+                  <a:schemeClr val="bg2">
+                    <a:lumMod val="50000"/>
+                  </a:schemeClr>
+                </a:solidFill>
+                <a:latin typeface="+mj-lt"/>
+                <a:ea typeface="+mj-ea"/>
+                <a:cs typeface="+mj-cs"/>
+              </a:rPr>
+              <a:t>.</a:t>
+            </a:r>
+          </a:p>
+          <a:p>
+            <a:endParaRPr lang="en-US" sz="2800" dirty="0" smtClean="0">
+              <a:solidFill>
+                <a:schemeClr val="bg2">
+                  <a:lumMod val="50000"/>
+                </a:schemeClr>
+              </a:solidFill>
+              <a:latin typeface="+mj-lt"/>
+              <a:ea typeface="+mj-ea"/>
+              <a:cs typeface="+mj-cs"/>
+            </a:endParaRPr>
+          </a:p>
+          <a:p>
+            <a:r>
+              <a:rPr lang="en-US" sz="2800" dirty="0" smtClean="0">
+                <a:solidFill>
+                  <a:schemeClr val="bg2">
+                    <a:lumMod val="50000"/>
+                  </a:schemeClr>
+                </a:solidFill>
+                <a:latin typeface="+mj-lt"/>
+                <a:ea typeface="+mj-ea"/>
+                <a:cs typeface="+mj-cs"/>
+              </a:rPr>
+              <a:t>How </a:t>
+            </a:r>
+            <a:r>
+              <a:rPr lang="en-US" sz="2800" dirty="0">
+                <a:solidFill>
+                  <a:schemeClr val="bg2">
+                    <a:lumMod val="50000"/>
+                  </a:schemeClr>
+                </a:solidFill>
+                <a:latin typeface="+mj-lt"/>
+                <a:ea typeface="+mj-ea"/>
+                <a:cs typeface="+mj-cs"/>
+              </a:rPr>
+              <a:t>will you achieve this </a:t>
+            </a:r>
+            <a:r>
+              <a:rPr lang="en-US" sz="2800" b="1" dirty="0">
+                <a:solidFill>
+                  <a:schemeClr val="bg2">
+                    <a:lumMod val="50000"/>
+                  </a:schemeClr>
+                </a:solidFill>
+                <a:latin typeface="+mj-lt"/>
+                <a:ea typeface="+mj-ea"/>
+                <a:cs typeface="+mj-cs"/>
+              </a:rPr>
+              <a:t>without using Async </a:t>
+            </a:r>
+            <a:r>
+              <a:rPr lang="en-US" sz="2800" b="1" dirty="0" smtClean="0">
+                <a:solidFill>
+                  <a:schemeClr val="bg2">
+                    <a:lumMod val="50000"/>
+                  </a:schemeClr>
+                </a:solidFill>
+                <a:latin typeface="+mj-lt"/>
+                <a:ea typeface="+mj-ea"/>
+                <a:cs typeface="+mj-cs"/>
+              </a:rPr>
+              <a:t>function</a:t>
+            </a:r>
+            <a:r>
+              <a:rPr lang="en-US" sz="2800" dirty="0" smtClean="0">
+                <a:solidFill>
+                  <a:schemeClr val="bg2">
+                    <a:lumMod val="50000"/>
+                  </a:schemeClr>
+                </a:solidFill>
+                <a:latin typeface="+mj-lt"/>
+                <a:ea typeface="+mj-ea"/>
+                <a:cs typeface="+mj-cs"/>
+              </a:rPr>
+              <a:t>?</a:t>
+            </a:r>
+            <a:endParaRPr lang="en-US" sz="2800" dirty="0">
               <a:solidFill>
                 <a:schemeClr val="bg2">
                   <a:lumMod val="50000"/>
@@ -8841,9 +12159,88 @@
   <p:timing>
     <p:tnLst>
       <p:par>
-        <p:cTn id="1" dur="indefinite" restart="never" nodeType="tmRoot"/>
+        <p:cTn id="1" dur="indefinite" restart="never" nodeType="tmRoot">
+          <p:childTnLst>
+            <p:seq concurrent="1" nextAc="seek">
+              <p:cTn id="2" dur="indefinite" nodeType="mainSeq">
+                <p:childTnLst>
+                  <p:par>
+                    <p:cTn id="3" fill="hold">
+                      <p:stCondLst>
+                        <p:cond delay="indefinite"/>
+                      </p:stCondLst>
+                      <p:childTnLst>
+                        <p:par>
+                          <p:cTn id="4" fill="hold">
+                            <p:stCondLst>
+                              <p:cond delay="0"/>
+                            </p:stCondLst>
+                            <p:childTnLst>
+                              <p:par>
+                                <p:cTn id="5" presetID="10" presetClass="entr" presetSubtype="0" fill="hold" grpId="0" nodeType="clickEffect">
+                                  <p:stCondLst>
+                                    <p:cond delay="0"/>
+                                  </p:stCondLst>
+                                  <p:childTnLst>
+                                    <p:set>
+                                      <p:cBhvr>
+                                        <p:cTn id="6" dur="1" fill="hold">
+                                          <p:stCondLst>
+                                            <p:cond delay="0"/>
+                                          </p:stCondLst>
+                                        </p:cTn>
+                                        <p:tgtEl>
+                                          <p:spTgt spid="3"/>
+                                        </p:tgtEl>
+                                        <p:attrNameLst>
+                                          <p:attrName>style.visibility</p:attrName>
+                                        </p:attrNameLst>
+                                      </p:cBhvr>
+                                      <p:to>
+                                        <p:strVal val="visible"/>
+                                      </p:to>
+                                    </p:set>
+                                    <p:animEffect transition="in" filter="fade">
+                                      <p:cBhvr>
+                                        <p:cTn id="7" dur="500"/>
+                                        <p:tgtEl>
+                                          <p:spTgt spid="3"/>
+                                        </p:tgtEl>
+                                      </p:cBhvr>
+                                    </p:animEffect>
+                                  </p:childTnLst>
+                                </p:cTn>
+                              </p:par>
+                            </p:childTnLst>
+                          </p:cTn>
+                        </p:par>
+                      </p:childTnLst>
+                    </p:cTn>
+                  </p:par>
+                </p:childTnLst>
+              </p:cTn>
+              <p:prevCondLst>
+                <p:cond evt="onPrev" delay="0">
+                  <p:tgtEl>
+                    <p:sldTgt/>
+                  </p:tgtEl>
+                </p:cond>
+              </p:prevCondLst>
+              <p:nextCondLst>
+                <p:cond evt="onNext" delay="0">
+                  <p:tgtEl>
+                    <p:sldTgt/>
+                  </p:tgtEl>
+                </p:cond>
+              </p:nextCondLst>
+            </p:seq>
+          </p:childTnLst>
+        </p:cTn>
       </p:par>
     </p:tnLst>
+    <p:bldLst>
+      <p:bldP spid="3" grpId="0"/>
+    </p:bldLst>
   </p:timing>
 </p:sld>
 </file>
@@ -9345,6 +12742,8 @@
                 <a:highlight>
                   <a:srgbClr val="FFFFFF"/>
                 </a:highlight>
+                <a:latin typeface="Courier New" panose="02070309020205020404" pitchFamily="49" charset="0"/>
+                <a:cs typeface="Courier New" panose="02070309020205020404" pitchFamily="49" charset="0"/>
               </a:rPr>
               <a:t>doThingOne</a:t>
             </a:r>
@@ -9356,6 +12755,8 @@
                 <a:highlight>
                   <a:srgbClr val="FFFFFF"/>
                 </a:highlight>
+                <a:latin typeface="Courier New" panose="02070309020205020404" pitchFamily="49" charset="0"/>
+                <a:cs typeface="Courier New" panose="02070309020205020404" pitchFamily="49" charset="0"/>
               </a:rPr>
               <a:t>(</a:t>
             </a:r>
@@ -9367,6 +12768,8 @@
                 <a:highlight>
                   <a:srgbClr val="FFFFFF"/>
                 </a:highlight>
+                <a:latin typeface="Courier New" panose="02070309020205020404" pitchFamily="49" charset="0"/>
+                <a:cs typeface="Courier New" panose="02070309020205020404" pitchFamily="49" charset="0"/>
               </a:rPr>
               <a:t>function</a:t>
             </a:r>
@@ -9378,6 +12781,8 @@
                 <a:highlight>
                   <a:srgbClr val="FFFFFF"/>
                 </a:highlight>
+                <a:latin typeface="Courier New" panose="02070309020205020404" pitchFamily="49" charset="0"/>
+                <a:cs typeface="Courier New" panose="02070309020205020404" pitchFamily="49" charset="0"/>
               </a:rPr>
               <a:t>()</a:t>
             </a:r>
@@ -9389,6 +12794,8 @@
                 <a:highlight>
                   <a:srgbClr val="FFFFFF"/>
                 </a:highlight>
+                <a:latin typeface="Courier New" panose="02070309020205020404" pitchFamily="49" charset="0"/>
+                <a:cs typeface="Courier New" panose="02070309020205020404" pitchFamily="49" charset="0"/>
               </a:rPr>
               <a:t> </a:t>
             </a:r>
@@ -9400,6 +12807,8 @@
                 <a:highlight>
                   <a:srgbClr val="FFFFFF"/>
                 </a:highlight>
+                <a:latin typeface="Courier New" panose="02070309020205020404" pitchFamily="49" charset="0"/>
+                <a:cs typeface="Courier New" panose="02070309020205020404" pitchFamily="49" charset="0"/>
               </a:rPr>
               <a:t>{</a:t>
             </a:r>
@@ -9410,6 +12819,8 @@
               <a:highlight>
                 <a:srgbClr val="FFFFFF"/>
               </a:highlight>
+              <a:latin typeface="Courier New" panose="02070309020205020404" pitchFamily="49" charset="0"/>
+              <a:cs typeface="Courier New" panose="02070309020205020404" pitchFamily="49" charset="0"/>
             </a:endParaRPr>
           </a:p>
           <a:p>
@@ -9421,6 +12832,8 @@
                 <a:highlight>
                   <a:srgbClr val="FFFFFF"/>
                 </a:highlight>
+                <a:latin typeface="Courier New" panose="02070309020205020404" pitchFamily="49" charset="0"/>
+                <a:cs typeface="Courier New" panose="02070309020205020404" pitchFamily="49" charset="0"/>
               </a:rPr>
               <a:t>  </a:t>
             </a:r>
@@ -9432,6 +12845,8 @@
                 <a:highlight>
                   <a:srgbClr val="FFFFFF"/>
                 </a:highlight>
+                <a:latin typeface="Courier New" panose="02070309020205020404" pitchFamily="49" charset="0"/>
+                <a:cs typeface="Courier New" panose="02070309020205020404" pitchFamily="49" charset="0"/>
               </a:rPr>
               <a:t>doThingTwo</a:t>
             </a:r>
@@ -9443,6 +12858,8 @@
                 <a:highlight>
                   <a:srgbClr val="FFFFFF"/>
                 </a:highlight>
+                <a:latin typeface="Courier New" panose="02070309020205020404" pitchFamily="49" charset="0"/>
+                <a:cs typeface="Courier New" panose="02070309020205020404" pitchFamily="49" charset="0"/>
               </a:rPr>
               <a:t>(</a:t>
             </a:r>
@@ -9454,6 +12871,8 @@
                 <a:highlight>
                   <a:srgbClr val="FFFFFF"/>
                 </a:highlight>
+                <a:latin typeface="Courier New" panose="02070309020205020404" pitchFamily="49" charset="0"/>
+                <a:cs typeface="Courier New" panose="02070309020205020404" pitchFamily="49" charset="0"/>
               </a:rPr>
               <a:t>function</a:t>
             </a:r>
@@ -9465,6 +12884,8 @@
                 <a:highlight>
                   <a:srgbClr val="FFFFFF"/>
                 </a:highlight>
+                <a:latin typeface="Courier New" panose="02070309020205020404" pitchFamily="49" charset="0"/>
+                <a:cs typeface="Courier New" panose="02070309020205020404" pitchFamily="49" charset="0"/>
               </a:rPr>
               <a:t>()</a:t>
             </a:r>
@@ -9476,6 +12897,8 @@
                 <a:highlight>
                   <a:srgbClr val="FFFFFF"/>
                 </a:highlight>
+                <a:latin typeface="Courier New" panose="02070309020205020404" pitchFamily="49" charset="0"/>
+                <a:cs typeface="Courier New" panose="02070309020205020404" pitchFamily="49" charset="0"/>
               </a:rPr>
               <a:t> </a:t>
             </a:r>
@@ -9487,6 +12910,8 @@
                 <a:highlight>
                   <a:srgbClr val="FFFFFF"/>
                 </a:highlight>
+                <a:latin typeface="Courier New" panose="02070309020205020404" pitchFamily="49" charset="0"/>
+                <a:cs typeface="Courier New" panose="02070309020205020404" pitchFamily="49" charset="0"/>
               </a:rPr>
               <a:t>{</a:t>
             </a:r>
@@ -9497,6 +12922,8 @@
               <a:highlight>
                 <a:srgbClr val="FFFFFF"/>
               </a:highlight>
+              <a:latin typeface="Courier New" panose="02070309020205020404" pitchFamily="49" charset="0"/>
+              <a:cs typeface="Courier New" panose="02070309020205020404" pitchFamily="49" charset="0"/>
             </a:endParaRPr>
           </a:p>
           <a:p>
@@ -9508,6 +12935,8 @@
                 <a:highlight>
                   <a:srgbClr val="FFFFFF"/>
                 </a:highlight>
+                <a:latin typeface="Courier New" panose="02070309020205020404" pitchFamily="49" charset="0"/>
+                <a:cs typeface="Courier New" panose="02070309020205020404" pitchFamily="49" charset="0"/>
               </a:rPr>
               <a:t>    </a:t>
             </a:r>
@@ -9519,6 +12948,8 @@
                 <a:highlight>
                   <a:srgbClr val="FFFFFF"/>
                 </a:highlight>
+                <a:latin typeface="Courier New" panose="02070309020205020404" pitchFamily="49" charset="0"/>
+                <a:cs typeface="Courier New" panose="02070309020205020404" pitchFamily="49" charset="0"/>
               </a:rPr>
               <a:t>doThingThree</a:t>
             </a:r>
@@ -9530,6 +12961,8 @@
                 <a:highlight>
                   <a:srgbClr val="FFFFFF"/>
                 </a:highlight>
+                <a:latin typeface="Courier New" panose="02070309020205020404" pitchFamily="49" charset="0"/>
+                <a:cs typeface="Courier New" panose="02070309020205020404" pitchFamily="49" charset="0"/>
               </a:rPr>
               <a:t>(</a:t>
             </a:r>
@@ -9541,6 +12974,8 @@
                 <a:highlight>
                   <a:srgbClr val="FFFFFF"/>
                 </a:highlight>
+                <a:latin typeface="Courier New" panose="02070309020205020404" pitchFamily="49" charset="0"/>
+                <a:cs typeface="Courier New" panose="02070309020205020404" pitchFamily="49" charset="0"/>
               </a:rPr>
               <a:t>function</a:t>
             </a:r>
@@ -9552,6 +12987,8 @@
                 <a:highlight>
                   <a:srgbClr val="FFFFFF"/>
                 </a:highlight>
+                <a:latin typeface="Courier New" panose="02070309020205020404" pitchFamily="49" charset="0"/>
+                <a:cs typeface="Courier New" panose="02070309020205020404" pitchFamily="49" charset="0"/>
               </a:rPr>
               <a:t>()</a:t>
             </a:r>
@@ -9563,6 +13000,8 @@
                 <a:highlight>
                   <a:srgbClr val="FFFFFF"/>
                 </a:highlight>
+                <a:latin typeface="Courier New" panose="02070309020205020404" pitchFamily="49" charset="0"/>
+                <a:cs typeface="Courier New" panose="02070309020205020404" pitchFamily="49" charset="0"/>
               </a:rPr>
               <a:t> </a:t>
             </a:r>
@@ -9574,6 +13013,8 @@
                 <a:highlight>
                   <a:srgbClr val="FFFFFF"/>
                 </a:highlight>
+                <a:latin typeface="Courier New" panose="02070309020205020404" pitchFamily="49" charset="0"/>
+                <a:cs typeface="Courier New" panose="02070309020205020404" pitchFamily="49" charset="0"/>
               </a:rPr>
               <a:t>{</a:t>
             </a:r>
@@ -9584,6 +13025,8 @@
               <a:highlight>
                 <a:srgbClr val="FFFFFF"/>
               </a:highlight>
+              <a:latin typeface="Courier New" panose="02070309020205020404" pitchFamily="49" charset="0"/>
+              <a:cs typeface="Courier New" panose="02070309020205020404" pitchFamily="49" charset="0"/>
             </a:endParaRPr>
           </a:p>
           <a:p>
@@ -9595,6 +13038,8 @@
                 <a:highlight>
                   <a:srgbClr val="FFFFFF"/>
                 </a:highlight>
+                <a:latin typeface="Courier New" panose="02070309020205020404" pitchFamily="49" charset="0"/>
+                <a:cs typeface="Courier New" panose="02070309020205020404" pitchFamily="49" charset="0"/>
               </a:rPr>
               <a:t>      </a:t>
             </a:r>
@@ -9606,6 +13051,8 @@
                 <a:highlight>
                   <a:srgbClr val="FFFFFF"/>
                 </a:highlight>
+                <a:latin typeface="Courier New" panose="02070309020205020404" pitchFamily="49" charset="0"/>
+                <a:cs typeface="Courier New" panose="02070309020205020404" pitchFamily="49" charset="0"/>
               </a:rPr>
               <a:t>doThingFour</a:t>
             </a:r>
@@ -9617,6 +13064,8 @@
                 <a:highlight>
                   <a:srgbClr val="FFFFFF"/>
                 </a:highlight>
+                <a:latin typeface="Courier New" panose="02070309020205020404" pitchFamily="49" charset="0"/>
+                <a:cs typeface="Courier New" panose="02070309020205020404" pitchFamily="49" charset="0"/>
               </a:rPr>
               <a:t>(</a:t>
             </a:r>
@@ -9628,6 +13077,8 @@
                 <a:highlight>
                   <a:srgbClr val="FFFFFF"/>
                 </a:highlight>
+                <a:latin typeface="Courier New" panose="02070309020205020404" pitchFamily="49" charset="0"/>
+                <a:cs typeface="Courier New" panose="02070309020205020404" pitchFamily="49" charset="0"/>
               </a:rPr>
               <a:t>function</a:t>
             </a:r>
@@ -9639,6 +13090,8 @@
                 <a:highlight>
                   <a:srgbClr val="FFFFFF"/>
                 </a:highlight>
+                <a:latin typeface="Courier New" panose="02070309020205020404" pitchFamily="49" charset="0"/>
+                <a:cs typeface="Courier New" panose="02070309020205020404" pitchFamily="49" charset="0"/>
               </a:rPr>
               <a:t>()</a:t>
             </a:r>
@@ -9650,6 +13103,8 @@
                 <a:highlight>
                   <a:srgbClr val="FFFFFF"/>
                 </a:highlight>
+                <a:latin typeface="Courier New" panose="02070309020205020404" pitchFamily="49" charset="0"/>
+                <a:cs typeface="Courier New" panose="02070309020205020404" pitchFamily="49" charset="0"/>
               </a:rPr>
               <a:t> </a:t>
             </a:r>
@@ -9661,6 +13116,8 @@
                 <a:highlight>
                   <a:srgbClr val="FFFFFF"/>
                 </a:highlight>
+                <a:latin typeface="Courier New" panose="02070309020205020404" pitchFamily="49" charset="0"/>
+                <a:cs typeface="Courier New" panose="02070309020205020404" pitchFamily="49" charset="0"/>
               </a:rPr>
               <a:t>{</a:t>
             </a:r>
@@ -9671,6 +13128,8 @@
               <a:highlight>
                 <a:srgbClr val="FFFFFF"/>
               </a:highlight>
+              <a:latin typeface="Courier New" panose="02070309020205020404" pitchFamily="49" charset="0"/>
+              <a:cs typeface="Courier New" panose="02070309020205020404" pitchFamily="49" charset="0"/>
             </a:endParaRPr>
           </a:p>
           <a:p>
@@ -9682,6 +13141,8 @@
                 <a:highlight>
                   <a:srgbClr val="FFFFFF"/>
                 </a:highlight>
+                <a:latin typeface="Courier New" panose="02070309020205020404" pitchFamily="49" charset="0"/>
+                <a:cs typeface="Courier New" panose="02070309020205020404" pitchFamily="49" charset="0"/>
               </a:rPr>
               <a:t>        </a:t>
             </a:r>
@@ -9693,6 +13154,8 @@
                 <a:highlight>
                   <a:srgbClr val="FFFFFF"/>
                 </a:highlight>
+                <a:latin typeface="Courier New" panose="02070309020205020404" pitchFamily="49" charset="0"/>
+                <a:cs typeface="Courier New" panose="02070309020205020404" pitchFamily="49" charset="0"/>
               </a:rPr>
               <a:t>// What the hell?</a:t>
             </a:r>
@@ -9706,6 +13169,8 @@
                 <a:highlight>
                   <a:srgbClr val="FFFFFF"/>
                 </a:highlight>
+                <a:latin typeface="Courier New" panose="02070309020205020404" pitchFamily="49" charset="0"/>
+                <a:cs typeface="Courier New" panose="02070309020205020404" pitchFamily="49" charset="0"/>
               </a:rPr>
               <a:t>      </a:t>
             </a:r>
@@ -9717,6 +13182,8 @@
                 <a:highlight>
                   <a:srgbClr val="FFFFFF"/>
                 </a:highlight>
+                <a:latin typeface="Courier New" panose="02070309020205020404" pitchFamily="49" charset="0"/>
+                <a:cs typeface="Courier New" panose="02070309020205020404" pitchFamily="49" charset="0"/>
               </a:rPr>
               <a:t>});</a:t>
             </a:r>
@@ -9727,6 +13194,8 @@
               <a:highlight>
                 <a:srgbClr val="FFFFFF"/>
               </a:highlight>
+              <a:latin typeface="Courier New" panose="02070309020205020404" pitchFamily="49" charset="0"/>
+              <a:cs typeface="Courier New" panose="02070309020205020404" pitchFamily="49" charset="0"/>
             </a:endParaRPr>
           </a:p>
           <a:p>
@@ -9738,6 +13207,8 @@
                 <a:highlight>
                   <a:srgbClr val="FFFFFF"/>
                 </a:highlight>
+                <a:latin typeface="Courier New" panose="02070309020205020404" pitchFamily="49" charset="0"/>
+                <a:cs typeface="Courier New" panose="02070309020205020404" pitchFamily="49" charset="0"/>
               </a:rPr>
               <a:t>    </a:t>
             </a:r>
@@ -9749,6 +13220,8 @@
                 <a:highlight>
                   <a:srgbClr val="FFFFFF"/>
                 </a:highlight>
+                <a:latin typeface="Courier New" panose="02070309020205020404" pitchFamily="49" charset="0"/>
+                <a:cs typeface="Courier New" panose="02070309020205020404" pitchFamily="49" charset="0"/>
               </a:rPr>
               <a:t>});</a:t>
             </a:r>
@@ -9759,6 +13232,8 @@
               <a:highlight>
                 <a:srgbClr val="FFFFFF"/>
               </a:highlight>
+              <a:latin typeface="Courier New" panose="02070309020205020404" pitchFamily="49" charset="0"/>
+              <a:cs typeface="Courier New" panose="02070309020205020404" pitchFamily="49" charset="0"/>
             </a:endParaRPr>
           </a:p>
           <a:p>
@@ -9770,6 +13245,8 @@
                 <a:highlight>
                   <a:srgbClr val="FFFFFF"/>
                 </a:highlight>
+                <a:latin typeface="Courier New" panose="02070309020205020404" pitchFamily="49" charset="0"/>
+                <a:cs typeface="Courier New" panose="02070309020205020404" pitchFamily="49" charset="0"/>
               </a:rPr>
               <a:t>  </a:t>
             </a:r>
@@ -9781,6 +13258,8 @@
                 <a:highlight>
                   <a:srgbClr val="FFFFFF"/>
                 </a:highlight>
+                <a:latin typeface="Courier New" panose="02070309020205020404" pitchFamily="49" charset="0"/>
+                <a:cs typeface="Courier New" panose="02070309020205020404" pitchFamily="49" charset="0"/>
               </a:rPr>
               <a:t>});</a:t>
             </a:r>
@@ -9791,6 +13270,8 @@
               <a:highlight>
                 <a:srgbClr val="FFFFFF"/>
               </a:highlight>
+              <a:latin typeface="Courier New" panose="02070309020205020404" pitchFamily="49" charset="0"/>
+              <a:cs typeface="Courier New" panose="02070309020205020404" pitchFamily="49" charset="0"/>
             </a:endParaRPr>
           </a:p>
           <a:p>
@@ -9802,10 +13283,15 @@
                 <a:highlight>
                   <a:srgbClr val="FFFFFF"/>
                 </a:highlight>
+                <a:latin typeface="Courier New" panose="02070309020205020404" pitchFamily="49" charset="0"/>
+                <a:cs typeface="Courier New" panose="02070309020205020404" pitchFamily="49" charset="0"/>
               </a:rPr>
               <a:t>});</a:t>
             </a:r>
-            <a:endParaRPr lang="en-US" dirty="0"/>
+            <a:endParaRPr lang="en-US" dirty="0">
+              <a:latin typeface="Courier New" panose="02070309020205020404" pitchFamily="49" charset="0"/>
+              <a:cs typeface="Courier New" panose="02070309020205020404" pitchFamily="49" charset="0"/>
+            </a:endParaRPr>
           </a:p>
         </p:txBody>
       </p:sp>
@@ -9817,8 +13303,8 @@
         </p:nvSpPr>
         <p:spPr>
           <a:xfrm>
-            <a:off x="2466315" y="6174592"/>
-            <a:ext cx="8332764" cy="369332"/>
+            <a:off x="2466315" y="6097501"/>
+            <a:ext cx="8332764" cy="584775"/>
           </a:xfrm>
           <a:prstGeom prst="rect">
             <a:avLst/>
@@ -9832,9 +13318,13 @@
           <a:p>
             <a:r>
               <a:rPr lang="en-US" dirty="0"/>
-              <a:t>This is called Callback hell.</a:t>
-            </a:r>
-            <a:endParaRPr lang="en-US" sz="2000" dirty="0">
+              <a:t>This is called </a:t>
+            </a:r>
+            <a:r>
+              <a:rPr lang="en-US" sz="3200" dirty="0"/>
+              <a:t>Callback hell.</a:t>
+            </a:r>
+            <a:endParaRPr lang="en-US" sz="3600" dirty="0">
               <a:solidFill>
                 <a:schemeClr val="bg2">
                   <a:lumMod val="50000"/>
@@ -9860,9 +13350,250 @@
   <p:timing>
     <p:tnLst>
       <p:par>
-        <p:cTn id="1" dur="indefinite" restart="never" nodeType="tmRoot"/>
+        <p:cTn id="1" dur="indefinite" restart="never" nodeType="tmRoot">
+          <p:childTnLst>
+            <p:seq concurrent="1" nextAc="seek">
+              <p:cTn id="2" dur="indefinite" nodeType="mainSeq">
+                <p:childTnLst>
+                  <p:par>
+                    <p:cTn id="3" fill="hold">
+                      <p:stCondLst>
+                        <p:cond delay="indefinite"/>
+                      </p:stCondLst>
+                      <p:childTnLst>
+                        <p:par>
+                          <p:cTn id="4" fill="hold">
+                            <p:stCondLst>
+                              <p:cond delay="0"/>
+                            </p:stCondLst>
+                            <p:childTnLst>
+                              <p:par>
+                                <p:cTn id="5" presetID="10" presetClass="entr" presetSubtype="0" fill="hold" grpId="0" nodeType="clickEffect">
+                                  <p:stCondLst>
+                                    <p:cond delay="0"/>
+                                  </p:stCondLst>
+                                  <p:childTnLst>
+                                    <p:set>
+                                      <p:cBhvr>
+                                        <p:cTn id="6" dur="1" fill="hold">
+                                          <p:stCondLst>
+                                            <p:cond delay="0"/>
+                                          </p:stCondLst>
+                                        </p:cTn>
+                                        <p:tgtEl>
+                                          <p:spTgt spid="3"/>
+                                        </p:tgtEl>
+                                        <p:attrNameLst>
+                                          <p:attrName>style.visibility</p:attrName>
+                                        </p:attrNameLst>
+                                      </p:cBhvr>
+                                      <p:to>
+                                        <p:strVal val="visible"/>
+                                      </p:to>
+                                    </p:set>
+                                    <p:animEffect transition="in" filter="fade">
+                                      <p:cBhvr>
+                                        <p:cTn id="7" dur="500"/>
+                                        <p:tgtEl>
+                                          <p:spTgt spid="3"/>
+                                        </p:tgtEl>
+                                      </p:cBhvr>
+                                    </p:animEffect>
+                                  </p:childTnLst>
+                                </p:cTn>
+                              </p:par>
+                            </p:childTnLst>
+                          </p:cTn>
+                        </p:par>
+                      </p:childTnLst>
+                    </p:cTn>
+                  </p:par>
+                  <p:par>
+                    <p:cTn id="8" fill="hold">
+                      <p:stCondLst>
+                        <p:cond delay="indefinite"/>
+                      </p:stCondLst>
+                      <p:childTnLst>
+                        <p:par>
+                          <p:cTn id="9" fill="hold">
+                            <p:stCondLst>
+                              <p:cond delay="0"/>
+                            </p:stCondLst>
+                            <p:childTnLst>
+                              <p:par>
+                                <p:cTn id="10" presetID="10" presetClass="entr" presetSubtype="0" fill="hold" grpId="0" nodeType="clickEffect">
+                                  <p:stCondLst>
+                                    <p:cond delay="0"/>
+                                  </p:stCondLst>
+                                  <p:childTnLst>
+                                    <p:set>
+                                      <p:cBhvr>
+                                        <p:cTn id="11" dur="1" fill="hold">
+                                          <p:stCondLst>
+                                            <p:cond delay="0"/>
+                                          </p:stCondLst>
+                                        </p:cTn>
+                                        <p:tgtEl>
+                                          <p:spTgt spid="4"/>
+                                        </p:tgtEl>
+                                        <p:attrNameLst>
+                                          <p:attrName>style.visibility</p:attrName>
+                                        </p:attrNameLst>
+                                      </p:cBhvr>
+                                      <p:to>
+                                        <p:strVal val="visible"/>
+                                      </p:to>
+                                    </p:set>
+                                    <p:animEffect transition="in" filter="fade">
+                                      <p:cBhvr>
+                                        <p:cTn id="12" dur="500"/>
+                                        <p:tgtEl>
+                                          <p:spTgt spid="4"/>
+                                        </p:tgtEl>
+                                      </p:cBhvr>
+                                    </p:animEffect>
+                                  </p:childTnLst>
+                                </p:cTn>
+                              </p:par>
+                            </p:childTnLst>
+                          </p:cTn>
+                        </p:par>
+                      </p:childTnLst>
+                    </p:cTn>
+                  </p:par>
+                  <p:par>
+                    <p:cTn id="13" fill="hold">
+                      <p:stCondLst>
+                        <p:cond delay="indefinite"/>
+                      </p:stCondLst>
+                      <p:childTnLst>
+                        <p:par>
+                          <p:cTn id="14" fill="hold">
+                            <p:stCondLst>
+                              <p:cond delay="0"/>
+                            </p:stCondLst>
+                            <p:childTnLst>
+                              <p:par>
+                                <p:cTn id="15" presetID="10" presetClass="entr" presetSubtype="0" fill="hold" grpId="0" nodeType="clickEffect">
+                                  <p:stCondLst>
+                                    <p:cond delay="0"/>
+                                  </p:stCondLst>
+                                  <p:childTnLst>
+                                    <p:set>
+                                      <p:cBhvr>
+                                        <p:cTn id="16" dur="1" fill="hold">
+                                          <p:stCondLst>
+                                            <p:cond delay="0"/>
+                                          </p:stCondLst>
+                                        </p:cTn>
+                                        <p:tgtEl>
+                                          <p:spTgt spid="5"/>
+                                        </p:tgtEl>
+                                        <p:attrNameLst>
+                                          <p:attrName>style.visibility</p:attrName>
+                                        </p:attrNameLst>
+                                      </p:cBhvr>
+                                      <p:to>
+                                        <p:strVal val="visible"/>
+                                      </p:to>
+                                    </p:set>
+                                    <p:animEffect transition="in" filter="fade">
+                                      <p:cBhvr>
+                                        <p:cTn id="17" dur="500"/>
+                                        <p:tgtEl>
+                                          <p:spTgt spid="5"/>
+                                        </p:tgtEl>
+                                      </p:cBhvr>
+                                    </p:animEffect>
+                                  </p:childTnLst>
+                                </p:cTn>
+                              </p:par>
+                            </p:childTnLst>
+                          </p:cTn>
+                        </p:par>
+                      </p:childTnLst>
+                    </p:cTn>
+                  </p:par>
+                  <p:par>
+                    <p:cTn id="18" fill="hold">
+                      <p:stCondLst>
+                        <p:cond delay="indefinite"/>
+                      </p:stCondLst>
+                      <p:childTnLst>
+                        <p:par>
+                          <p:cTn id="19" fill="hold">
+                            <p:stCondLst>
+                              <p:cond delay="0"/>
+                            </p:stCondLst>
+                            <p:childTnLst>
+                              <p:par>
+                                <p:cTn id="20" presetID="10" presetClass="entr" presetSubtype="0" fill="hold" grpId="0" nodeType="clickEffect">
+                                  <p:stCondLst>
+                                    <p:cond delay="0"/>
+                                  </p:stCondLst>
+                                  <p:childTnLst>
+                                    <p:set>
+                                      <p:cBhvr>
+                                        <p:cTn id="21" dur="1" fill="hold">
+                                          <p:stCondLst>
+                                            <p:cond delay="0"/>
+                                          </p:stCondLst>
+                                        </p:cTn>
+                                        <p:tgtEl>
+                                          <p:spTgt spid="6"/>
+                                        </p:tgtEl>
+                                        <p:attrNameLst>
+                                          <p:attrName>style.visibility</p:attrName>
+                                        </p:attrNameLst>
+                                      </p:cBhvr>
+                                      <p:to>
+                                        <p:strVal val="visible"/>
+                                      </p:to>
+                                    </p:set>
+                                    <p:animEffect transition="in" filter="fade">
+                                      <p:cBhvr>
+                                        <p:cTn id="22" dur="500"/>
+                                        <p:tgtEl>
+                                          <p:spTgt spid="6"/>
+                                        </p:tgtEl>
+                                      </p:cBhvr>
+                                    </p:animEffect>
+                                  </p:childTnLst>
+                                </p:cTn>
+                              </p:par>
+                            </p:childTnLst>
+                          </p:cTn>
+                        </p:par>
+                      </p:childTnLst>
+                    </p:cTn>
+                  </p:par>
+                </p:childTnLst>
+              </p:cTn>
+              <p:prevCondLst>
+                <p:cond evt="onPrev" delay="0">
+                  <p:tgtEl>
+                    <p:sldTgt/>
+                  </p:tgtEl>
+                </p:cond>
+              </p:prevCondLst>
+              <p:nextCondLst>
+                <p:cond evt="onNext" delay="0">
+                  <p:tgtEl>
+                    <p:sldTgt/>
+                  </p:tgtEl>
+                </p:cond>
+              </p:nextCondLst>
+            </p:seq>
+          </p:childTnLst>
+        </p:cTn>
       </p:par>
     </p:tnLst>
+    <p:bldLst>
+      <p:bldP spid="3" grpId="0" animBg="1"/>
+      <p:bldP spid="4" grpId="0"/>
+      <p:bldP spid="5" grpId="0" animBg="1"/>
+      <p:bldP spid="6" grpId="0"/>
+    </p:bldLst>
   </p:timing>
 </p:sld>
 </file>
@@ -9896,7 +13627,2144 @@
         </p:nvSpPr>
         <p:spPr>
           <a:xfrm>
-            <a:off x="3175327" y="2640923"/>
+            <a:off x="2508518" y="2762399"/>
+            <a:ext cx="8911687" cy="1280890"/>
+          </a:xfrm>
+        </p:spPr>
+        <p:txBody>
+          <a:bodyPr>
+            <a:normAutofit/>
+          </a:bodyPr>
+          <a:lstStyle/>
+          <a:p>
+            <a:r>
+              <a:rPr lang="en" sz="6600" dirty="0" smtClean="0"/>
+              <a:t>   Promises</a:t>
+            </a:r>
+            <a:endParaRPr lang="en" sz="6600" dirty="0"/>
+          </a:p>
+        </p:txBody>
+      </p:sp>
+      <p:sp>
+        <p:nvSpPr>
+          <p:cNvPr id="3" name="Rectangle 2"/>
+          <p:cNvSpPr/>
+          <p:nvPr/>
+        </p:nvSpPr>
+        <p:spPr>
+          <a:xfrm>
+            <a:off x="3174609" y="4043289"/>
+            <a:ext cx="6096000" cy="1384995"/>
+          </a:xfrm>
+          <a:prstGeom prst="rect">
+            <a:avLst/>
+          </a:prstGeom>
+        </p:spPr>
+        <p:txBody>
+          <a:bodyPr>
+            <a:spAutoFit/>
+          </a:bodyPr>
+          <a:lstStyle/>
+          <a:p>
+            <a:r>
+              <a:rPr lang="en-US" sz="2800" dirty="0">
+                <a:solidFill>
+                  <a:schemeClr val="bg2">
+                    <a:lumMod val="50000"/>
+                  </a:schemeClr>
+                </a:solidFill>
+                <a:latin typeface="+mj-lt"/>
+                <a:ea typeface="+mj-ea"/>
+                <a:cs typeface="+mj-cs"/>
+              </a:rPr>
+              <a:t>A Promise is an object which represents an asynchronous task that will eventually finish. </a:t>
+            </a:r>
+          </a:p>
+        </p:txBody>
+      </p:sp>
+    </p:spTree>
+    <p:extLst>
+      <p:ext uri="{BB962C8B-B14F-4D97-AF65-F5344CB8AC3E}">
+        <p14:creationId xmlns:p14="http://schemas.microsoft.com/office/powerpoint/2010/main" val="92806219"/>
+      </p:ext>
+    </p:extLst>
+  </p:cSld>
+  <p:clrMapOvr>
+    <a:masterClrMapping/>
+  </p:clrMapOvr>
+  <p:timing>
+    <p:tnLst>
+      <p:par>
+        <p:cTn id="1" dur="indefinite" restart="never" nodeType="tmRoot">
+          <p:childTnLst>
+            <p:seq concurrent="1" nextAc="seek">
+              <p:cTn id="2" dur="indefinite" nodeType="mainSeq">
+                <p:childTnLst>
+                  <p:par>
+                    <p:cTn id="3" fill="hold">
+                      <p:stCondLst>
+                        <p:cond delay="indefinite"/>
+                      </p:stCondLst>
+                      <p:childTnLst>
+                        <p:par>
+                          <p:cTn id="4" fill="hold">
+                            <p:stCondLst>
+                              <p:cond delay="0"/>
+                            </p:stCondLst>
+                            <p:childTnLst>
+                              <p:par>
+                                <p:cTn id="5" presetID="10" presetClass="entr" presetSubtype="0" fill="hold" grpId="0" nodeType="clickEffect">
+                                  <p:stCondLst>
+                                    <p:cond delay="0"/>
+                                  </p:stCondLst>
+                                  <p:childTnLst>
+                                    <p:set>
+                                      <p:cBhvr>
+                                        <p:cTn id="6" dur="1" fill="hold">
+                                          <p:stCondLst>
+                                            <p:cond delay="0"/>
+                                          </p:stCondLst>
+                                        </p:cTn>
+                                        <p:tgtEl>
+                                          <p:spTgt spid="3"/>
+                                        </p:tgtEl>
+                                        <p:attrNameLst>
+                                          <p:attrName>style.visibility</p:attrName>
+                                        </p:attrNameLst>
+                                      </p:cBhvr>
+                                      <p:to>
+                                        <p:strVal val="visible"/>
+                                      </p:to>
+                                    </p:set>
+                                    <p:animEffect transition="in" filter="fade">
+                                      <p:cBhvr>
+                                        <p:cTn id="7" dur="500"/>
+                                        <p:tgtEl>
+                                          <p:spTgt spid="3"/>
+                                        </p:tgtEl>
+                                      </p:cBhvr>
+                                    </p:animEffect>
+                                  </p:childTnLst>
+                                </p:cTn>
+                              </p:par>
+                            </p:childTnLst>
+                          </p:cTn>
+                        </p:par>
+                      </p:childTnLst>
+                    </p:cTn>
+                  </p:par>
+                </p:childTnLst>
+              </p:cTn>
+              <p:prevCondLst>
+                <p:cond evt="onPrev" delay="0">
+                  <p:tgtEl>
+                    <p:sldTgt/>
+                  </p:tgtEl>
+                </p:cond>
+              </p:prevCondLst>
+              <p:nextCondLst>
+                <p:cond evt="onNext" delay="0">
+                  <p:tgtEl>
+                    <p:sldTgt/>
+                  </p:tgtEl>
+                </p:cond>
+              </p:nextCondLst>
+            </p:seq>
+          </p:childTnLst>
+        </p:cTn>
+      </p:par>
+    </p:tnLst>
+    <p:bldLst>
+      <p:bldP spid="3" grpId="0"/>
+    </p:bldLst>
+  </p:timing>
+</p:sld>
+</file>
+
+<file path=ppt/slides/slide7.xml><?xml version="1.0" encoding="utf-8"?>
+<p:sld xmlns:a="http://schemas.openxmlformats.org/drawingml/2006/main" xmlns:r="http://schemas.openxmlformats.org/officeDocument/2006/relationships" xmlns:p="http://schemas.openxmlformats.org/presentationml/2006/main">
+  <p:cSld>
+    <p:spTree>
+      <p:nvGrpSpPr>
+        <p:cNvPr id="1" name=""/>
+        <p:cNvGrpSpPr/>
+        <p:nvPr/>
+      </p:nvGrpSpPr>
+      <p:grpSpPr>
+        <a:xfrm>
+          <a:off x="0" y="0"/>
+          <a:ext cx="0" cy="0"/>
+          <a:chOff x="0" y="0"/>
+          <a:chExt cx="0" cy="0"/>
+        </a:xfrm>
+      </p:grpSpPr>
+      <p:sp>
+        <p:nvSpPr>
+          <p:cNvPr id="2" name="Title 1"/>
+          <p:cNvSpPr>
+            <a:spLocks noGrp="1"/>
+          </p:cNvSpPr>
+          <p:nvPr>
+            <p:ph type="title"/>
+          </p:nvPr>
+        </p:nvSpPr>
+        <p:spPr>
+          <a:xfrm>
+            <a:off x="2592924" y="167466"/>
+            <a:ext cx="8911687" cy="1280890"/>
+          </a:xfrm>
+        </p:spPr>
+        <p:txBody>
+          <a:bodyPr/>
+          <a:lstStyle/>
+          <a:p>
+            <a:r>
+              <a:rPr lang="en-US" dirty="0"/>
+              <a:t>They look like this when </a:t>
+            </a:r>
+            <a:r>
+              <a:rPr lang="en-US" dirty="0" smtClean="0"/>
+              <a:t>used</a:t>
+            </a:r>
+            <a:endParaRPr lang="en-US" dirty="0"/>
+          </a:p>
+        </p:txBody>
+      </p:sp>
+      <p:sp>
+        <p:nvSpPr>
+          <p:cNvPr id="5" name="Rectangle 4"/>
+          <p:cNvSpPr/>
+          <p:nvPr/>
+        </p:nvSpPr>
+        <p:spPr>
+          <a:xfrm>
+            <a:off x="2723553" y="983899"/>
+            <a:ext cx="8911688" cy="2308324"/>
+          </a:xfrm>
+          <a:prstGeom prst="rect">
+            <a:avLst/>
+          </a:prstGeom>
+          <a:solidFill>
+            <a:schemeClr val="bg1"/>
+          </a:solidFill>
+        </p:spPr>
+        <p:txBody>
+          <a:bodyPr wrap="square">
+            <a:spAutoFit/>
+          </a:bodyPr>
+          <a:lstStyle/>
+          <a:p>
+            <a:r>
+              <a:rPr lang="en-US" b="1" dirty="0">
+                <a:solidFill>
+                  <a:srgbClr val="0000FF"/>
+                </a:solidFill>
+                <a:highlight>
+                  <a:srgbClr val="FFFFFF"/>
+                </a:highlight>
+                <a:latin typeface="Courier New" panose="02070309020205020404" pitchFamily="49" charset="0"/>
+                <a:cs typeface="Courier New" panose="02070309020205020404" pitchFamily="49" charset="0"/>
+              </a:rPr>
+              <a:t>let</a:t>
+            </a:r>
+            <a:r>
+              <a:rPr lang="en-US" dirty="0">
+                <a:solidFill>
+                  <a:srgbClr val="000000"/>
+                </a:solidFill>
+                <a:highlight>
+                  <a:srgbClr val="FFFFFF"/>
+                </a:highlight>
+                <a:latin typeface="Courier New" panose="02070309020205020404" pitchFamily="49" charset="0"/>
+                <a:cs typeface="Courier New" panose="02070309020205020404" pitchFamily="49" charset="0"/>
+              </a:rPr>
+              <a:t> promise </a:t>
+            </a:r>
+            <a:r>
+              <a:rPr lang="en-US" b="1" dirty="0">
+                <a:solidFill>
+                  <a:srgbClr val="000080"/>
+                </a:solidFill>
+                <a:highlight>
+                  <a:srgbClr val="FFFFFF"/>
+                </a:highlight>
+                <a:latin typeface="Courier New" panose="02070309020205020404" pitchFamily="49" charset="0"/>
+                <a:cs typeface="Courier New" panose="02070309020205020404" pitchFamily="49" charset="0"/>
+              </a:rPr>
+              <a:t>=</a:t>
+            </a:r>
+            <a:r>
+              <a:rPr lang="en-US" dirty="0">
+                <a:solidFill>
+                  <a:srgbClr val="000000"/>
+                </a:solidFill>
+                <a:highlight>
+                  <a:srgbClr val="FFFFFF"/>
+                </a:highlight>
+                <a:latin typeface="Courier New" panose="02070309020205020404" pitchFamily="49" charset="0"/>
+                <a:cs typeface="Courier New" panose="02070309020205020404" pitchFamily="49" charset="0"/>
+              </a:rPr>
+              <a:t> </a:t>
+            </a:r>
+            <a:r>
+              <a:rPr lang="en-US" b="1" dirty="0">
+                <a:solidFill>
+                  <a:srgbClr val="0000FF"/>
+                </a:solidFill>
+                <a:highlight>
+                  <a:srgbClr val="FFFFFF"/>
+                </a:highlight>
+                <a:latin typeface="Courier New" panose="02070309020205020404" pitchFamily="49" charset="0"/>
+                <a:cs typeface="Courier New" panose="02070309020205020404" pitchFamily="49" charset="0"/>
+              </a:rPr>
+              <a:t>new</a:t>
+            </a:r>
+            <a:r>
+              <a:rPr lang="en-US" dirty="0">
+                <a:solidFill>
+                  <a:srgbClr val="000000"/>
+                </a:solidFill>
+                <a:highlight>
+                  <a:srgbClr val="FFFFFF"/>
+                </a:highlight>
+                <a:latin typeface="Courier New" panose="02070309020205020404" pitchFamily="49" charset="0"/>
+                <a:cs typeface="Courier New" panose="02070309020205020404" pitchFamily="49" charset="0"/>
+              </a:rPr>
+              <a:t> Promise</a:t>
+            </a:r>
+            <a:r>
+              <a:rPr lang="en-US" b="1" dirty="0">
+                <a:solidFill>
+                  <a:srgbClr val="000080"/>
+                </a:solidFill>
+                <a:highlight>
+                  <a:srgbClr val="FFFFFF"/>
+                </a:highlight>
+                <a:latin typeface="Courier New" panose="02070309020205020404" pitchFamily="49" charset="0"/>
+                <a:cs typeface="Courier New" panose="02070309020205020404" pitchFamily="49" charset="0"/>
+              </a:rPr>
+              <a:t>(</a:t>
+            </a:r>
+            <a:r>
+              <a:rPr lang="en-US" b="1" dirty="0">
+                <a:solidFill>
+                  <a:srgbClr val="0000FF"/>
+                </a:solidFill>
+                <a:highlight>
+                  <a:srgbClr val="FFFFFF"/>
+                </a:highlight>
+                <a:latin typeface="Courier New" panose="02070309020205020404" pitchFamily="49" charset="0"/>
+                <a:cs typeface="Courier New" panose="02070309020205020404" pitchFamily="49" charset="0"/>
+              </a:rPr>
+              <a:t>function</a:t>
+            </a:r>
+            <a:r>
+              <a:rPr lang="en-US" b="1" dirty="0">
+                <a:solidFill>
+                  <a:srgbClr val="000080"/>
+                </a:solidFill>
+                <a:highlight>
+                  <a:srgbClr val="FFFFFF"/>
+                </a:highlight>
+                <a:latin typeface="Courier New" panose="02070309020205020404" pitchFamily="49" charset="0"/>
+                <a:cs typeface="Courier New" panose="02070309020205020404" pitchFamily="49" charset="0"/>
+              </a:rPr>
+              <a:t>(</a:t>
+            </a:r>
+            <a:r>
+              <a:rPr lang="en-US" dirty="0">
+                <a:solidFill>
+                  <a:srgbClr val="000000"/>
+                </a:solidFill>
+                <a:highlight>
+                  <a:srgbClr val="FFFFFF"/>
+                </a:highlight>
+                <a:latin typeface="Courier New" panose="02070309020205020404" pitchFamily="49" charset="0"/>
+                <a:cs typeface="Courier New" panose="02070309020205020404" pitchFamily="49" charset="0"/>
+              </a:rPr>
+              <a:t>resolve</a:t>
+            </a:r>
+            <a:r>
+              <a:rPr lang="en-US" b="1" dirty="0">
+                <a:solidFill>
+                  <a:srgbClr val="000080"/>
+                </a:solidFill>
+                <a:highlight>
+                  <a:srgbClr val="FFFFFF"/>
+                </a:highlight>
+                <a:latin typeface="Courier New" panose="02070309020205020404" pitchFamily="49" charset="0"/>
+                <a:cs typeface="Courier New" panose="02070309020205020404" pitchFamily="49" charset="0"/>
+              </a:rPr>
+              <a:t>,</a:t>
+            </a:r>
+            <a:r>
+              <a:rPr lang="en-US" dirty="0">
+                <a:solidFill>
+                  <a:srgbClr val="000000"/>
+                </a:solidFill>
+                <a:highlight>
+                  <a:srgbClr val="FFFFFF"/>
+                </a:highlight>
+                <a:latin typeface="Courier New" panose="02070309020205020404" pitchFamily="49" charset="0"/>
+                <a:cs typeface="Courier New" panose="02070309020205020404" pitchFamily="49" charset="0"/>
+              </a:rPr>
+              <a:t> reject</a:t>
+            </a:r>
+            <a:r>
+              <a:rPr lang="en-US" b="1" dirty="0">
+                <a:solidFill>
+                  <a:srgbClr val="000080"/>
+                </a:solidFill>
+                <a:highlight>
+                  <a:srgbClr val="FFFFFF"/>
+                </a:highlight>
+                <a:latin typeface="Courier New" panose="02070309020205020404" pitchFamily="49" charset="0"/>
+                <a:cs typeface="Courier New" panose="02070309020205020404" pitchFamily="49" charset="0"/>
+              </a:rPr>
+              <a:t>)</a:t>
+            </a:r>
+            <a:r>
+              <a:rPr lang="en-US" dirty="0">
+                <a:solidFill>
+                  <a:srgbClr val="000000"/>
+                </a:solidFill>
+                <a:highlight>
+                  <a:srgbClr val="FFFFFF"/>
+                </a:highlight>
+                <a:latin typeface="Courier New" panose="02070309020205020404" pitchFamily="49" charset="0"/>
+                <a:cs typeface="Courier New" panose="02070309020205020404" pitchFamily="49" charset="0"/>
+              </a:rPr>
+              <a:t> </a:t>
+            </a:r>
+            <a:r>
+              <a:rPr lang="en-US" b="1" dirty="0">
+                <a:solidFill>
+                  <a:srgbClr val="000080"/>
+                </a:solidFill>
+                <a:highlight>
+                  <a:srgbClr val="FFFFFF"/>
+                </a:highlight>
+                <a:latin typeface="Courier New" panose="02070309020205020404" pitchFamily="49" charset="0"/>
+                <a:cs typeface="Courier New" panose="02070309020205020404" pitchFamily="49" charset="0"/>
+              </a:rPr>
+              <a:t>{</a:t>
+            </a:r>
+            <a:endParaRPr lang="en-US" dirty="0">
+              <a:solidFill>
+                <a:srgbClr val="000000"/>
+              </a:solidFill>
+              <a:highlight>
+                <a:srgbClr val="FFFFFF"/>
+              </a:highlight>
+              <a:latin typeface="Courier New" panose="02070309020205020404" pitchFamily="49" charset="0"/>
+              <a:cs typeface="Courier New" panose="02070309020205020404" pitchFamily="49" charset="0"/>
+            </a:endParaRPr>
+          </a:p>
+          <a:p>
+            <a:r>
+              <a:rPr lang="en-US" dirty="0">
+                <a:solidFill>
+                  <a:srgbClr val="000000"/>
+                </a:solidFill>
+                <a:highlight>
+                  <a:srgbClr val="FFFFFF"/>
+                </a:highlight>
+                <a:latin typeface="Courier New" panose="02070309020205020404" pitchFamily="49" charset="0"/>
+                <a:cs typeface="Courier New" panose="02070309020205020404" pitchFamily="49" charset="0"/>
+              </a:rPr>
+              <a:t>  </a:t>
+            </a:r>
+            <a:r>
+              <a:rPr lang="en-US" dirty="0">
+                <a:solidFill>
+                  <a:srgbClr val="008000"/>
+                </a:solidFill>
+                <a:highlight>
+                  <a:srgbClr val="FFFFFF"/>
+                </a:highlight>
+                <a:latin typeface="Courier New" panose="02070309020205020404" pitchFamily="49" charset="0"/>
+                <a:cs typeface="Courier New" panose="02070309020205020404" pitchFamily="49" charset="0"/>
+              </a:rPr>
+              <a:t>// the function is executed automatically when the promise is constructed</a:t>
+            </a:r>
+          </a:p>
+          <a:p>
+            <a:endParaRPr lang="en-US" dirty="0">
+              <a:solidFill>
+                <a:srgbClr val="000000"/>
+              </a:solidFill>
+              <a:highlight>
+                <a:srgbClr val="FFFFFF"/>
+              </a:highlight>
+              <a:latin typeface="Courier New" panose="02070309020205020404" pitchFamily="49" charset="0"/>
+              <a:cs typeface="Courier New" panose="02070309020205020404" pitchFamily="49" charset="0"/>
+            </a:endParaRPr>
+          </a:p>
+          <a:p>
+            <a:r>
+              <a:rPr lang="en-US" dirty="0">
+                <a:solidFill>
+                  <a:srgbClr val="000000"/>
+                </a:solidFill>
+                <a:highlight>
+                  <a:srgbClr val="FFFFFF"/>
+                </a:highlight>
+                <a:latin typeface="Courier New" panose="02070309020205020404" pitchFamily="49" charset="0"/>
+                <a:cs typeface="Courier New" panose="02070309020205020404" pitchFamily="49" charset="0"/>
+              </a:rPr>
+              <a:t>  </a:t>
+            </a:r>
+            <a:r>
+              <a:rPr lang="en-US" dirty="0">
+                <a:solidFill>
+                  <a:srgbClr val="008000"/>
+                </a:solidFill>
+                <a:highlight>
+                  <a:srgbClr val="FFFFFF"/>
+                </a:highlight>
+                <a:latin typeface="Courier New" panose="02070309020205020404" pitchFamily="49" charset="0"/>
+                <a:cs typeface="Courier New" panose="02070309020205020404" pitchFamily="49" charset="0"/>
+              </a:rPr>
+              <a:t>// after 1 second signal that the job is done with the result "done!"</a:t>
+            </a:r>
+          </a:p>
+          <a:p>
+            <a:r>
+              <a:rPr lang="en-US" dirty="0">
+                <a:solidFill>
+                  <a:srgbClr val="000000"/>
+                </a:solidFill>
+                <a:highlight>
+                  <a:srgbClr val="FFFFFF"/>
+                </a:highlight>
+                <a:latin typeface="Courier New" panose="02070309020205020404" pitchFamily="49" charset="0"/>
+                <a:cs typeface="Courier New" panose="02070309020205020404" pitchFamily="49" charset="0"/>
+              </a:rPr>
+              <a:t>  </a:t>
+            </a:r>
+            <a:r>
+              <a:rPr lang="en-US" b="1" dirty="0" err="1">
+                <a:solidFill>
+                  <a:srgbClr val="804000"/>
+                </a:solidFill>
+                <a:highlight>
+                  <a:srgbClr val="FFFFFF"/>
+                </a:highlight>
+                <a:latin typeface="Courier New" panose="02070309020205020404" pitchFamily="49" charset="0"/>
+                <a:cs typeface="Courier New" panose="02070309020205020404" pitchFamily="49" charset="0"/>
+              </a:rPr>
+              <a:t>setTimeout</a:t>
+            </a:r>
+            <a:r>
+              <a:rPr lang="en-US" b="1" dirty="0">
+                <a:solidFill>
+                  <a:srgbClr val="000080"/>
+                </a:solidFill>
+                <a:highlight>
+                  <a:srgbClr val="FFFFFF"/>
+                </a:highlight>
+                <a:latin typeface="Courier New" panose="02070309020205020404" pitchFamily="49" charset="0"/>
+                <a:cs typeface="Courier New" panose="02070309020205020404" pitchFamily="49" charset="0"/>
+              </a:rPr>
+              <a:t>(()</a:t>
+            </a:r>
+            <a:r>
+              <a:rPr lang="en-US" dirty="0">
+                <a:solidFill>
+                  <a:srgbClr val="000000"/>
+                </a:solidFill>
+                <a:highlight>
+                  <a:srgbClr val="FFFFFF"/>
+                </a:highlight>
+                <a:latin typeface="Courier New" panose="02070309020205020404" pitchFamily="49" charset="0"/>
+                <a:cs typeface="Courier New" panose="02070309020205020404" pitchFamily="49" charset="0"/>
+              </a:rPr>
+              <a:t> </a:t>
+            </a:r>
+            <a:r>
+              <a:rPr lang="en-US" b="1" dirty="0">
+                <a:solidFill>
+                  <a:srgbClr val="000080"/>
+                </a:solidFill>
+                <a:highlight>
+                  <a:srgbClr val="FFFFFF"/>
+                </a:highlight>
+                <a:latin typeface="Courier New" panose="02070309020205020404" pitchFamily="49" charset="0"/>
+                <a:cs typeface="Courier New" panose="02070309020205020404" pitchFamily="49" charset="0"/>
+              </a:rPr>
+              <a:t>=&gt;</a:t>
+            </a:r>
+            <a:r>
+              <a:rPr lang="en-US" dirty="0">
+                <a:solidFill>
+                  <a:srgbClr val="000000"/>
+                </a:solidFill>
+                <a:highlight>
+                  <a:srgbClr val="FFFFFF"/>
+                </a:highlight>
+                <a:latin typeface="Courier New" panose="02070309020205020404" pitchFamily="49" charset="0"/>
+                <a:cs typeface="Courier New" panose="02070309020205020404" pitchFamily="49" charset="0"/>
+              </a:rPr>
+              <a:t> resolve</a:t>
+            </a:r>
+            <a:r>
+              <a:rPr lang="en-US" b="1" dirty="0">
+                <a:solidFill>
+                  <a:srgbClr val="000080"/>
+                </a:solidFill>
+                <a:highlight>
+                  <a:srgbClr val="FFFFFF"/>
+                </a:highlight>
+                <a:latin typeface="Courier New" panose="02070309020205020404" pitchFamily="49" charset="0"/>
+                <a:cs typeface="Courier New" panose="02070309020205020404" pitchFamily="49" charset="0"/>
+              </a:rPr>
+              <a:t>(</a:t>
+            </a:r>
+            <a:r>
+              <a:rPr lang="en-US" dirty="0">
+                <a:solidFill>
+                  <a:srgbClr val="808080"/>
+                </a:solidFill>
+                <a:highlight>
+                  <a:srgbClr val="FFFFFF"/>
+                </a:highlight>
+                <a:latin typeface="Courier New" panose="02070309020205020404" pitchFamily="49" charset="0"/>
+                <a:cs typeface="Courier New" panose="02070309020205020404" pitchFamily="49" charset="0"/>
+              </a:rPr>
+              <a:t>"done!"</a:t>
+            </a:r>
+            <a:r>
+              <a:rPr lang="en-US" b="1" dirty="0">
+                <a:solidFill>
+                  <a:srgbClr val="000080"/>
+                </a:solidFill>
+                <a:highlight>
+                  <a:srgbClr val="FFFFFF"/>
+                </a:highlight>
+                <a:latin typeface="Courier New" panose="02070309020205020404" pitchFamily="49" charset="0"/>
+                <a:cs typeface="Courier New" panose="02070309020205020404" pitchFamily="49" charset="0"/>
+              </a:rPr>
+              <a:t>),</a:t>
+            </a:r>
+            <a:r>
+              <a:rPr lang="en-US" dirty="0">
+                <a:solidFill>
+                  <a:srgbClr val="000000"/>
+                </a:solidFill>
+                <a:highlight>
+                  <a:srgbClr val="FFFFFF"/>
+                </a:highlight>
+                <a:latin typeface="Courier New" panose="02070309020205020404" pitchFamily="49" charset="0"/>
+                <a:cs typeface="Courier New" panose="02070309020205020404" pitchFamily="49" charset="0"/>
+              </a:rPr>
+              <a:t> </a:t>
+            </a:r>
+            <a:r>
+              <a:rPr lang="en-US" dirty="0">
+                <a:solidFill>
+                  <a:srgbClr val="FF8000"/>
+                </a:solidFill>
+                <a:highlight>
+                  <a:srgbClr val="FFFFFF"/>
+                </a:highlight>
+                <a:latin typeface="Courier New" panose="02070309020205020404" pitchFamily="49" charset="0"/>
+                <a:cs typeface="Courier New" panose="02070309020205020404" pitchFamily="49" charset="0"/>
+              </a:rPr>
+              <a:t>1000</a:t>
+            </a:r>
+            <a:r>
+              <a:rPr lang="en-US" b="1" dirty="0">
+                <a:solidFill>
+                  <a:srgbClr val="000080"/>
+                </a:solidFill>
+                <a:highlight>
+                  <a:srgbClr val="FFFFFF"/>
+                </a:highlight>
+                <a:latin typeface="Courier New" panose="02070309020205020404" pitchFamily="49" charset="0"/>
+                <a:cs typeface="Courier New" panose="02070309020205020404" pitchFamily="49" charset="0"/>
+              </a:rPr>
+              <a:t>);</a:t>
+            </a:r>
+            <a:endParaRPr lang="en-US" dirty="0">
+              <a:solidFill>
+                <a:srgbClr val="000000"/>
+              </a:solidFill>
+              <a:highlight>
+                <a:srgbClr val="FFFFFF"/>
+              </a:highlight>
+              <a:latin typeface="Courier New" panose="02070309020205020404" pitchFamily="49" charset="0"/>
+              <a:cs typeface="Courier New" panose="02070309020205020404" pitchFamily="49" charset="0"/>
+            </a:endParaRPr>
+          </a:p>
+          <a:p>
+            <a:r>
+              <a:rPr lang="en-US" b="1" dirty="0">
+                <a:solidFill>
+                  <a:srgbClr val="000080"/>
+                </a:solidFill>
+                <a:highlight>
+                  <a:srgbClr val="FFFFFF"/>
+                </a:highlight>
+                <a:latin typeface="Courier New" panose="02070309020205020404" pitchFamily="49" charset="0"/>
+                <a:cs typeface="Courier New" panose="02070309020205020404" pitchFamily="49" charset="0"/>
+              </a:rPr>
+              <a:t>});</a:t>
+            </a:r>
+            <a:endParaRPr lang="en-US" dirty="0">
+              <a:latin typeface="Courier New" panose="02070309020205020404" pitchFamily="49" charset="0"/>
+              <a:cs typeface="Courier New" panose="02070309020205020404" pitchFamily="49" charset="0"/>
+            </a:endParaRPr>
+          </a:p>
+        </p:txBody>
+      </p:sp>
+      <p:pic>
+        <p:nvPicPr>
+          <p:cNvPr id="6" name="Picture 5"/>
+          <p:cNvPicPr>
+            <a:picLocks noChangeAspect="1"/>
+          </p:cNvPicPr>
+          <p:nvPr/>
+        </p:nvPicPr>
+        <p:blipFill>
+          <a:blip r:embed="rId3">
+            <a:extLst>
+              <a:ext uri="{28A0092B-C50C-407E-A947-70E740481C1C}">
+                <a14:useLocalDpi xmlns:a14="http://schemas.microsoft.com/office/drawing/2010/main" val="0"/>
+              </a:ext>
+            </a:extLst>
+          </a:blip>
+          <a:stretch>
+            <a:fillRect/>
+          </a:stretch>
+        </p:blipFill>
+        <p:spPr>
+          <a:xfrm>
+            <a:off x="2723553" y="3631293"/>
+            <a:ext cx="8911688" cy="2900136"/>
+          </a:xfrm>
+          <a:prstGeom prst="rect">
+            <a:avLst/>
+          </a:prstGeom>
+        </p:spPr>
+      </p:pic>
+    </p:spTree>
+    <p:extLst>
+      <p:ext uri="{BB962C8B-B14F-4D97-AF65-F5344CB8AC3E}">
+        <p14:creationId xmlns:p14="http://schemas.microsoft.com/office/powerpoint/2010/main" val="3991154328"/>
+      </p:ext>
+    </p:extLst>
+  </p:cSld>
+  <p:clrMapOvr>
+    <a:masterClrMapping/>
+  </p:clrMapOvr>
+  <p:timing>
+    <p:tnLst>
+      <p:par>
+        <p:cTn id="1" dur="indefinite" restart="never" nodeType="tmRoot">
+          <p:childTnLst>
+            <p:seq concurrent="1" nextAc="seek">
+              <p:cTn id="2" dur="indefinite" nodeType="mainSeq">
+                <p:childTnLst>
+                  <p:par>
+                    <p:cTn id="3" fill="hold">
+                      <p:stCondLst>
+                        <p:cond delay="indefinite"/>
+                      </p:stCondLst>
+                      <p:childTnLst>
+                        <p:par>
+                          <p:cTn id="4" fill="hold">
+                            <p:stCondLst>
+                              <p:cond delay="0"/>
+                            </p:stCondLst>
+                            <p:childTnLst>
+                              <p:par>
+                                <p:cTn id="5" presetID="10" presetClass="entr" presetSubtype="0" fill="hold" nodeType="clickEffect">
+                                  <p:stCondLst>
+                                    <p:cond delay="0"/>
+                                  </p:stCondLst>
+                                  <p:childTnLst>
+                                    <p:set>
+                                      <p:cBhvr>
+                                        <p:cTn id="6" dur="1" fill="hold">
+                                          <p:stCondLst>
+                                            <p:cond delay="0"/>
+                                          </p:stCondLst>
+                                        </p:cTn>
+                                        <p:tgtEl>
+                                          <p:spTgt spid="6"/>
+                                        </p:tgtEl>
+                                        <p:attrNameLst>
+                                          <p:attrName>style.visibility</p:attrName>
+                                        </p:attrNameLst>
+                                      </p:cBhvr>
+                                      <p:to>
+                                        <p:strVal val="visible"/>
+                                      </p:to>
+                                    </p:set>
+                                    <p:animEffect transition="in" filter="fade">
+                                      <p:cBhvr>
+                                        <p:cTn id="7" dur="500"/>
+                                        <p:tgtEl>
+                                          <p:spTgt spid="6"/>
+                                        </p:tgtEl>
+                                      </p:cBhvr>
+                                    </p:animEffect>
+                                  </p:childTnLst>
+                                </p:cTn>
+                              </p:par>
+                            </p:childTnLst>
+                          </p:cTn>
+                        </p:par>
+                      </p:childTnLst>
+                    </p:cTn>
+                  </p:par>
+                </p:childTnLst>
+              </p:cTn>
+              <p:prevCondLst>
+                <p:cond evt="onPrev" delay="0">
+                  <p:tgtEl>
+                    <p:sldTgt/>
+                  </p:tgtEl>
+                </p:cond>
+              </p:prevCondLst>
+              <p:nextCondLst>
+                <p:cond evt="onNext" delay="0">
+                  <p:tgtEl>
+                    <p:sldTgt/>
+                  </p:tgtEl>
+                </p:cond>
+              </p:nextCondLst>
+            </p:seq>
+          </p:childTnLst>
+        </p:cTn>
+      </p:par>
+    </p:tnLst>
+  </p:timing>
+</p:sld>
+</file>
+
+<file path=ppt/slides/slide8.xml><?xml version="1.0" encoding="utf-8"?>
+<p:sld xmlns:a="http://schemas.openxmlformats.org/drawingml/2006/main" xmlns:r="http://schemas.openxmlformats.org/officeDocument/2006/relationships" xmlns:p="http://schemas.openxmlformats.org/presentationml/2006/main">
+  <p:cSld>
+    <p:spTree>
+      <p:nvGrpSpPr>
+        <p:cNvPr id="1" name=""/>
+        <p:cNvGrpSpPr/>
+        <p:nvPr/>
+      </p:nvGrpSpPr>
+      <p:grpSpPr>
+        <a:xfrm>
+          <a:off x="0" y="0"/>
+          <a:ext cx="0" cy="0"/>
+          <a:chOff x="0" y="0"/>
+          <a:chExt cx="0" cy="0"/>
+        </a:xfrm>
+      </p:grpSpPr>
+      <p:sp>
+        <p:nvSpPr>
+          <p:cNvPr id="2" name="Title 1"/>
+          <p:cNvSpPr>
+            <a:spLocks noGrp="1"/>
+          </p:cNvSpPr>
+          <p:nvPr>
+            <p:ph type="title"/>
+          </p:nvPr>
+        </p:nvSpPr>
+        <p:spPr>
+          <a:xfrm>
+            <a:off x="2897724" y="624110"/>
+            <a:ext cx="8911687" cy="1280890"/>
+          </a:xfrm>
+        </p:spPr>
+        <p:txBody>
+          <a:bodyPr>
+            <a:normAutofit/>
+          </a:bodyPr>
+          <a:lstStyle/>
+          <a:p>
+            <a:r>
+              <a:rPr lang="en-US" sz="2400" dirty="0"/>
+              <a:t>Promises have some other very interesting properties, which allow them to be chained. Lets say we have other functions that return a Promise. We could do this:</a:t>
+            </a:r>
+            <a:endParaRPr lang="en-US" sz="2400" dirty="0"/>
+          </a:p>
+        </p:txBody>
+      </p:sp>
+      <p:sp>
+        <p:nvSpPr>
+          <p:cNvPr id="3" name="Rectangle 2"/>
+          <p:cNvSpPr/>
+          <p:nvPr/>
+        </p:nvSpPr>
+        <p:spPr>
+          <a:xfrm>
+            <a:off x="2897724" y="2037700"/>
+            <a:ext cx="6096000" cy="4524315"/>
+          </a:xfrm>
+          <a:prstGeom prst="rect">
+            <a:avLst/>
+          </a:prstGeom>
+          <a:solidFill>
+            <a:schemeClr val="bg1"/>
+          </a:solidFill>
+        </p:spPr>
+        <p:txBody>
+          <a:bodyPr>
+            <a:spAutoFit/>
+          </a:bodyPr>
+          <a:lstStyle/>
+          <a:p>
+            <a:r>
+              <a:rPr lang="en-US" dirty="0">
+                <a:solidFill>
+                  <a:srgbClr val="000000"/>
+                </a:solidFill>
+                <a:highlight>
+                  <a:srgbClr val="FFFFFF"/>
+                </a:highlight>
+                <a:latin typeface="Courier New" panose="02070309020205020404" pitchFamily="49" charset="0"/>
+                <a:cs typeface="Courier New" panose="02070309020205020404" pitchFamily="49" charset="0"/>
+              </a:rPr>
+              <a:t> </a:t>
+            </a:r>
+            <a:r>
+              <a:rPr lang="en-US" dirty="0" err="1">
+                <a:solidFill>
+                  <a:srgbClr val="000000"/>
+                </a:solidFill>
+                <a:highlight>
+                  <a:srgbClr val="FFFFFF"/>
+                </a:highlight>
+                <a:latin typeface="Courier New" panose="02070309020205020404" pitchFamily="49" charset="0"/>
+                <a:cs typeface="Courier New" panose="02070309020205020404" pitchFamily="49" charset="0"/>
+              </a:rPr>
+              <a:t>buyCoffee</a:t>
+            </a:r>
+            <a:r>
+              <a:rPr lang="en-US" b="1" dirty="0">
+                <a:solidFill>
+                  <a:srgbClr val="000080"/>
+                </a:solidFill>
+                <a:highlight>
+                  <a:srgbClr val="FFFFFF"/>
+                </a:highlight>
+                <a:latin typeface="Courier New" panose="02070309020205020404" pitchFamily="49" charset="0"/>
+                <a:cs typeface="Courier New" panose="02070309020205020404" pitchFamily="49" charset="0"/>
+              </a:rPr>
+              <a:t>()</a:t>
+            </a:r>
+            <a:endParaRPr lang="en-US" dirty="0">
+              <a:solidFill>
+                <a:srgbClr val="000000"/>
+              </a:solidFill>
+              <a:highlight>
+                <a:srgbClr val="FFFFFF"/>
+              </a:highlight>
+              <a:latin typeface="Courier New" panose="02070309020205020404" pitchFamily="49" charset="0"/>
+              <a:cs typeface="Courier New" panose="02070309020205020404" pitchFamily="49" charset="0"/>
+            </a:endParaRPr>
+          </a:p>
+          <a:p>
+            <a:r>
+              <a:rPr lang="en-US" dirty="0">
+                <a:solidFill>
+                  <a:srgbClr val="000000"/>
+                </a:solidFill>
+                <a:highlight>
+                  <a:srgbClr val="FFFFFF"/>
+                </a:highlight>
+                <a:latin typeface="Courier New" panose="02070309020205020404" pitchFamily="49" charset="0"/>
+                <a:cs typeface="Courier New" panose="02070309020205020404" pitchFamily="49" charset="0"/>
+              </a:rPr>
+              <a:t>  </a:t>
+            </a:r>
+            <a:r>
+              <a:rPr lang="en-US" b="1" dirty="0">
+                <a:solidFill>
+                  <a:srgbClr val="000080"/>
+                </a:solidFill>
+                <a:highlight>
+                  <a:srgbClr val="FFFFFF"/>
+                </a:highlight>
+                <a:latin typeface="Courier New" panose="02070309020205020404" pitchFamily="49" charset="0"/>
+                <a:cs typeface="Courier New" panose="02070309020205020404" pitchFamily="49" charset="0"/>
+              </a:rPr>
+              <a:t>.</a:t>
+            </a:r>
+            <a:r>
+              <a:rPr lang="en-US" dirty="0">
+                <a:solidFill>
+                  <a:srgbClr val="000000"/>
+                </a:solidFill>
+                <a:highlight>
+                  <a:srgbClr val="FFFFFF"/>
+                </a:highlight>
+                <a:latin typeface="Courier New" panose="02070309020205020404" pitchFamily="49" charset="0"/>
+                <a:cs typeface="Courier New" panose="02070309020205020404" pitchFamily="49" charset="0"/>
+              </a:rPr>
+              <a:t>then</a:t>
+            </a:r>
+            <a:r>
+              <a:rPr lang="en-US" b="1" dirty="0">
+                <a:solidFill>
+                  <a:srgbClr val="000080"/>
+                </a:solidFill>
+                <a:highlight>
+                  <a:srgbClr val="FFFFFF"/>
+                </a:highlight>
+                <a:latin typeface="Courier New" panose="02070309020205020404" pitchFamily="49" charset="0"/>
+                <a:cs typeface="Courier New" panose="02070309020205020404" pitchFamily="49" charset="0"/>
+              </a:rPr>
+              <a:t>(</a:t>
+            </a:r>
+            <a:r>
+              <a:rPr lang="en-US" b="1" dirty="0">
+                <a:solidFill>
+                  <a:srgbClr val="0000FF"/>
+                </a:solidFill>
+                <a:highlight>
+                  <a:srgbClr val="FFFFFF"/>
+                </a:highlight>
+                <a:latin typeface="Courier New" panose="02070309020205020404" pitchFamily="49" charset="0"/>
+                <a:cs typeface="Courier New" panose="02070309020205020404" pitchFamily="49" charset="0"/>
+              </a:rPr>
+              <a:t>function</a:t>
+            </a:r>
+            <a:r>
+              <a:rPr lang="en-US" b="1" dirty="0">
+                <a:solidFill>
+                  <a:srgbClr val="000080"/>
+                </a:solidFill>
+                <a:highlight>
+                  <a:srgbClr val="FFFFFF"/>
+                </a:highlight>
+                <a:latin typeface="Courier New" panose="02070309020205020404" pitchFamily="49" charset="0"/>
+                <a:cs typeface="Courier New" panose="02070309020205020404" pitchFamily="49" charset="0"/>
+              </a:rPr>
+              <a:t>()</a:t>
+            </a:r>
+            <a:r>
+              <a:rPr lang="en-US" dirty="0">
+                <a:solidFill>
+                  <a:srgbClr val="000000"/>
+                </a:solidFill>
+                <a:highlight>
+                  <a:srgbClr val="FFFFFF"/>
+                </a:highlight>
+                <a:latin typeface="Courier New" panose="02070309020205020404" pitchFamily="49" charset="0"/>
+                <a:cs typeface="Courier New" panose="02070309020205020404" pitchFamily="49" charset="0"/>
+              </a:rPr>
+              <a:t> </a:t>
+            </a:r>
+            <a:r>
+              <a:rPr lang="en-US" b="1" dirty="0">
+                <a:solidFill>
+                  <a:srgbClr val="000080"/>
+                </a:solidFill>
+                <a:highlight>
+                  <a:srgbClr val="FFFFFF"/>
+                </a:highlight>
+                <a:latin typeface="Courier New" panose="02070309020205020404" pitchFamily="49" charset="0"/>
+                <a:cs typeface="Courier New" panose="02070309020205020404" pitchFamily="49" charset="0"/>
+              </a:rPr>
+              <a:t>{</a:t>
+            </a:r>
+            <a:endParaRPr lang="en-US" dirty="0">
+              <a:solidFill>
+                <a:srgbClr val="000000"/>
+              </a:solidFill>
+              <a:highlight>
+                <a:srgbClr val="FFFFFF"/>
+              </a:highlight>
+              <a:latin typeface="Courier New" panose="02070309020205020404" pitchFamily="49" charset="0"/>
+              <a:cs typeface="Courier New" panose="02070309020205020404" pitchFamily="49" charset="0"/>
+            </a:endParaRPr>
+          </a:p>
+          <a:p>
+            <a:r>
+              <a:rPr lang="en-US" dirty="0">
+                <a:solidFill>
+                  <a:srgbClr val="000000"/>
+                </a:solidFill>
+                <a:highlight>
+                  <a:srgbClr val="FFFFFF"/>
+                </a:highlight>
+                <a:latin typeface="Courier New" panose="02070309020205020404" pitchFamily="49" charset="0"/>
+                <a:cs typeface="Courier New" panose="02070309020205020404" pitchFamily="49" charset="0"/>
+              </a:rPr>
+              <a:t>    </a:t>
+            </a:r>
+            <a:r>
+              <a:rPr lang="en-US" b="1" dirty="0">
+                <a:solidFill>
+                  <a:srgbClr val="0000FF"/>
+                </a:solidFill>
+                <a:highlight>
+                  <a:srgbClr val="FFFFFF"/>
+                </a:highlight>
+                <a:latin typeface="Courier New" panose="02070309020205020404" pitchFamily="49" charset="0"/>
+                <a:cs typeface="Courier New" panose="02070309020205020404" pitchFamily="49" charset="0"/>
+              </a:rPr>
+              <a:t>return</a:t>
+            </a:r>
+            <a:r>
+              <a:rPr lang="en-US" dirty="0">
+                <a:solidFill>
+                  <a:srgbClr val="000000"/>
+                </a:solidFill>
+                <a:highlight>
+                  <a:srgbClr val="FFFFFF"/>
+                </a:highlight>
+                <a:latin typeface="Courier New" panose="02070309020205020404" pitchFamily="49" charset="0"/>
+                <a:cs typeface="Courier New" panose="02070309020205020404" pitchFamily="49" charset="0"/>
+              </a:rPr>
+              <a:t> </a:t>
+            </a:r>
+            <a:r>
+              <a:rPr lang="en-US" dirty="0" err="1">
+                <a:solidFill>
+                  <a:srgbClr val="000000"/>
+                </a:solidFill>
+                <a:highlight>
+                  <a:srgbClr val="FFFFFF"/>
+                </a:highlight>
+                <a:latin typeface="Courier New" panose="02070309020205020404" pitchFamily="49" charset="0"/>
+                <a:cs typeface="Courier New" panose="02070309020205020404" pitchFamily="49" charset="0"/>
+              </a:rPr>
+              <a:t>drinkCoffee</a:t>
+            </a:r>
+            <a:r>
+              <a:rPr lang="en-US" b="1" dirty="0">
+                <a:solidFill>
+                  <a:srgbClr val="000080"/>
+                </a:solidFill>
+                <a:highlight>
+                  <a:srgbClr val="FFFFFF"/>
+                </a:highlight>
+                <a:latin typeface="Courier New" panose="02070309020205020404" pitchFamily="49" charset="0"/>
+                <a:cs typeface="Courier New" panose="02070309020205020404" pitchFamily="49" charset="0"/>
+              </a:rPr>
+              <a:t>();</a:t>
+            </a:r>
+            <a:endParaRPr lang="en-US" dirty="0">
+              <a:solidFill>
+                <a:srgbClr val="000000"/>
+              </a:solidFill>
+              <a:highlight>
+                <a:srgbClr val="FFFFFF"/>
+              </a:highlight>
+              <a:latin typeface="Courier New" panose="02070309020205020404" pitchFamily="49" charset="0"/>
+              <a:cs typeface="Courier New" panose="02070309020205020404" pitchFamily="49" charset="0"/>
+            </a:endParaRPr>
+          </a:p>
+          <a:p>
+            <a:r>
+              <a:rPr lang="en-US" dirty="0">
+                <a:solidFill>
+                  <a:srgbClr val="000000"/>
+                </a:solidFill>
+                <a:highlight>
+                  <a:srgbClr val="FFFFFF"/>
+                </a:highlight>
+                <a:latin typeface="Courier New" panose="02070309020205020404" pitchFamily="49" charset="0"/>
+                <a:cs typeface="Courier New" panose="02070309020205020404" pitchFamily="49" charset="0"/>
+              </a:rPr>
+              <a:t>  </a:t>
+            </a:r>
+            <a:r>
+              <a:rPr lang="en-US" b="1" dirty="0">
+                <a:solidFill>
+                  <a:srgbClr val="000080"/>
+                </a:solidFill>
+                <a:highlight>
+                  <a:srgbClr val="FFFFFF"/>
+                </a:highlight>
+                <a:latin typeface="Courier New" panose="02070309020205020404" pitchFamily="49" charset="0"/>
+                <a:cs typeface="Courier New" panose="02070309020205020404" pitchFamily="49" charset="0"/>
+              </a:rPr>
+              <a:t>})</a:t>
+            </a:r>
+            <a:endParaRPr lang="en-US" dirty="0">
+              <a:solidFill>
+                <a:srgbClr val="000000"/>
+              </a:solidFill>
+              <a:highlight>
+                <a:srgbClr val="FFFFFF"/>
+              </a:highlight>
+              <a:latin typeface="Courier New" panose="02070309020205020404" pitchFamily="49" charset="0"/>
+              <a:cs typeface="Courier New" panose="02070309020205020404" pitchFamily="49" charset="0"/>
+            </a:endParaRPr>
+          </a:p>
+          <a:p>
+            <a:r>
+              <a:rPr lang="en-US" dirty="0">
+                <a:solidFill>
+                  <a:srgbClr val="000000"/>
+                </a:solidFill>
+                <a:highlight>
+                  <a:srgbClr val="FFFFFF"/>
+                </a:highlight>
+                <a:latin typeface="Courier New" panose="02070309020205020404" pitchFamily="49" charset="0"/>
+                <a:cs typeface="Courier New" panose="02070309020205020404" pitchFamily="49" charset="0"/>
+              </a:rPr>
+              <a:t>  </a:t>
+            </a:r>
+            <a:r>
+              <a:rPr lang="en-US" b="1" dirty="0">
+                <a:solidFill>
+                  <a:srgbClr val="000080"/>
+                </a:solidFill>
+                <a:highlight>
+                  <a:srgbClr val="FFFFFF"/>
+                </a:highlight>
+                <a:latin typeface="Courier New" panose="02070309020205020404" pitchFamily="49" charset="0"/>
+                <a:cs typeface="Courier New" panose="02070309020205020404" pitchFamily="49" charset="0"/>
+              </a:rPr>
+              <a:t>.</a:t>
+            </a:r>
+            <a:r>
+              <a:rPr lang="en-US" dirty="0">
+                <a:solidFill>
+                  <a:srgbClr val="000000"/>
+                </a:solidFill>
+                <a:highlight>
+                  <a:srgbClr val="FFFFFF"/>
+                </a:highlight>
+                <a:latin typeface="Courier New" panose="02070309020205020404" pitchFamily="49" charset="0"/>
+                <a:cs typeface="Courier New" panose="02070309020205020404" pitchFamily="49" charset="0"/>
+              </a:rPr>
+              <a:t>then</a:t>
+            </a:r>
+            <a:r>
+              <a:rPr lang="en-US" b="1" dirty="0">
+                <a:solidFill>
+                  <a:srgbClr val="000080"/>
+                </a:solidFill>
+                <a:highlight>
+                  <a:srgbClr val="FFFFFF"/>
+                </a:highlight>
+                <a:latin typeface="Courier New" panose="02070309020205020404" pitchFamily="49" charset="0"/>
+                <a:cs typeface="Courier New" panose="02070309020205020404" pitchFamily="49" charset="0"/>
+              </a:rPr>
+              <a:t>(</a:t>
+            </a:r>
+            <a:r>
+              <a:rPr lang="en-US" b="1" dirty="0">
+                <a:solidFill>
+                  <a:srgbClr val="0000FF"/>
+                </a:solidFill>
+                <a:highlight>
+                  <a:srgbClr val="FFFFFF"/>
+                </a:highlight>
+                <a:latin typeface="Courier New" panose="02070309020205020404" pitchFamily="49" charset="0"/>
+                <a:cs typeface="Courier New" panose="02070309020205020404" pitchFamily="49" charset="0"/>
+              </a:rPr>
+              <a:t>function</a:t>
+            </a:r>
+            <a:r>
+              <a:rPr lang="en-US" b="1" dirty="0">
+                <a:solidFill>
+                  <a:srgbClr val="000080"/>
+                </a:solidFill>
+                <a:highlight>
+                  <a:srgbClr val="FFFFFF"/>
+                </a:highlight>
+                <a:latin typeface="Courier New" panose="02070309020205020404" pitchFamily="49" charset="0"/>
+                <a:cs typeface="Courier New" panose="02070309020205020404" pitchFamily="49" charset="0"/>
+              </a:rPr>
+              <a:t>()</a:t>
+            </a:r>
+            <a:r>
+              <a:rPr lang="en-US" dirty="0">
+                <a:solidFill>
+                  <a:srgbClr val="000000"/>
+                </a:solidFill>
+                <a:highlight>
+                  <a:srgbClr val="FFFFFF"/>
+                </a:highlight>
+                <a:latin typeface="Courier New" panose="02070309020205020404" pitchFamily="49" charset="0"/>
+                <a:cs typeface="Courier New" panose="02070309020205020404" pitchFamily="49" charset="0"/>
+              </a:rPr>
+              <a:t> </a:t>
+            </a:r>
+            <a:r>
+              <a:rPr lang="en-US" b="1" dirty="0">
+                <a:solidFill>
+                  <a:srgbClr val="000080"/>
+                </a:solidFill>
+                <a:highlight>
+                  <a:srgbClr val="FFFFFF"/>
+                </a:highlight>
+                <a:latin typeface="Courier New" panose="02070309020205020404" pitchFamily="49" charset="0"/>
+                <a:cs typeface="Courier New" panose="02070309020205020404" pitchFamily="49" charset="0"/>
+              </a:rPr>
+              <a:t>{</a:t>
+            </a:r>
+            <a:endParaRPr lang="en-US" dirty="0">
+              <a:solidFill>
+                <a:srgbClr val="000000"/>
+              </a:solidFill>
+              <a:highlight>
+                <a:srgbClr val="FFFFFF"/>
+              </a:highlight>
+              <a:latin typeface="Courier New" panose="02070309020205020404" pitchFamily="49" charset="0"/>
+              <a:cs typeface="Courier New" panose="02070309020205020404" pitchFamily="49" charset="0"/>
+            </a:endParaRPr>
+          </a:p>
+          <a:p>
+            <a:r>
+              <a:rPr lang="en-US" dirty="0">
+                <a:solidFill>
+                  <a:srgbClr val="000000"/>
+                </a:solidFill>
+                <a:highlight>
+                  <a:srgbClr val="FFFFFF"/>
+                </a:highlight>
+                <a:latin typeface="Courier New" panose="02070309020205020404" pitchFamily="49" charset="0"/>
+                <a:cs typeface="Courier New" panose="02070309020205020404" pitchFamily="49" charset="0"/>
+              </a:rPr>
+              <a:t>    </a:t>
+            </a:r>
+            <a:r>
+              <a:rPr lang="en-US" b="1" dirty="0">
+                <a:solidFill>
+                  <a:srgbClr val="0000FF"/>
+                </a:solidFill>
+                <a:highlight>
+                  <a:srgbClr val="FFFFFF"/>
+                </a:highlight>
+                <a:latin typeface="Courier New" panose="02070309020205020404" pitchFamily="49" charset="0"/>
+                <a:cs typeface="Courier New" panose="02070309020205020404" pitchFamily="49" charset="0"/>
+              </a:rPr>
+              <a:t>return</a:t>
+            </a:r>
+            <a:r>
+              <a:rPr lang="en-US" dirty="0">
+                <a:solidFill>
+                  <a:srgbClr val="000000"/>
+                </a:solidFill>
+                <a:highlight>
+                  <a:srgbClr val="FFFFFF"/>
+                </a:highlight>
+                <a:latin typeface="Courier New" panose="02070309020205020404" pitchFamily="49" charset="0"/>
+                <a:cs typeface="Courier New" panose="02070309020205020404" pitchFamily="49" charset="0"/>
+              </a:rPr>
+              <a:t> </a:t>
+            </a:r>
+            <a:r>
+              <a:rPr lang="en-US" dirty="0" err="1">
+                <a:solidFill>
+                  <a:srgbClr val="000000"/>
+                </a:solidFill>
+                <a:highlight>
+                  <a:srgbClr val="FFFFFF"/>
+                </a:highlight>
+                <a:latin typeface="Courier New" panose="02070309020205020404" pitchFamily="49" charset="0"/>
+                <a:cs typeface="Courier New" panose="02070309020205020404" pitchFamily="49" charset="0"/>
+              </a:rPr>
+              <a:t>doWork</a:t>
+            </a:r>
+            <a:r>
+              <a:rPr lang="en-US" b="1" dirty="0">
+                <a:solidFill>
+                  <a:srgbClr val="000080"/>
+                </a:solidFill>
+                <a:highlight>
+                  <a:srgbClr val="FFFFFF"/>
+                </a:highlight>
+                <a:latin typeface="Courier New" panose="02070309020205020404" pitchFamily="49" charset="0"/>
+                <a:cs typeface="Courier New" panose="02070309020205020404" pitchFamily="49" charset="0"/>
+              </a:rPr>
+              <a:t>();</a:t>
+            </a:r>
+            <a:endParaRPr lang="en-US" dirty="0">
+              <a:solidFill>
+                <a:srgbClr val="000000"/>
+              </a:solidFill>
+              <a:highlight>
+                <a:srgbClr val="FFFFFF"/>
+              </a:highlight>
+              <a:latin typeface="Courier New" panose="02070309020205020404" pitchFamily="49" charset="0"/>
+              <a:cs typeface="Courier New" panose="02070309020205020404" pitchFamily="49" charset="0"/>
+            </a:endParaRPr>
+          </a:p>
+          <a:p>
+            <a:r>
+              <a:rPr lang="en-US" dirty="0">
+                <a:solidFill>
+                  <a:srgbClr val="000000"/>
+                </a:solidFill>
+                <a:highlight>
+                  <a:srgbClr val="FFFFFF"/>
+                </a:highlight>
+                <a:latin typeface="Courier New" panose="02070309020205020404" pitchFamily="49" charset="0"/>
+                <a:cs typeface="Courier New" panose="02070309020205020404" pitchFamily="49" charset="0"/>
+              </a:rPr>
+              <a:t>  </a:t>
+            </a:r>
+            <a:r>
+              <a:rPr lang="en-US" b="1" dirty="0">
+                <a:solidFill>
+                  <a:srgbClr val="000080"/>
+                </a:solidFill>
+                <a:highlight>
+                  <a:srgbClr val="FFFFFF"/>
+                </a:highlight>
+                <a:latin typeface="Courier New" panose="02070309020205020404" pitchFamily="49" charset="0"/>
+                <a:cs typeface="Courier New" panose="02070309020205020404" pitchFamily="49" charset="0"/>
+              </a:rPr>
+              <a:t>})</a:t>
+            </a:r>
+            <a:endParaRPr lang="en-US" dirty="0">
+              <a:solidFill>
+                <a:srgbClr val="000000"/>
+              </a:solidFill>
+              <a:highlight>
+                <a:srgbClr val="FFFFFF"/>
+              </a:highlight>
+              <a:latin typeface="Courier New" panose="02070309020205020404" pitchFamily="49" charset="0"/>
+              <a:cs typeface="Courier New" panose="02070309020205020404" pitchFamily="49" charset="0"/>
+            </a:endParaRPr>
+          </a:p>
+          <a:p>
+            <a:r>
+              <a:rPr lang="en-US" dirty="0">
+                <a:solidFill>
+                  <a:srgbClr val="000000"/>
+                </a:solidFill>
+                <a:highlight>
+                  <a:srgbClr val="FFFFFF"/>
+                </a:highlight>
+                <a:latin typeface="Courier New" panose="02070309020205020404" pitchFamily="49" charset="0"/>
+                <a:cs typeface="Courier New" panose="02070309020205020404" pitchFamily="49" charset="0"/>
+              </a:rPr>
+              <a:t>  </a:t>
+            </a:r>
+            <a:r>
+              <a:rPr lang="en-US" b="1" dirty="0">
+                <a:solidFill>
+                  <a:srgbClr val="000080"/>
+                </a:solidFill>
+                <a:highlight>
+                  <a:srgbClr val="FFFFFF"/>
+                </a:highlight>
+                <a:latin typeface="Courier New" panose="02070309020205020404" pitchFamily="49" charset="0"/>
+                <a:cs typeface="Courier New" panose="02070309020205020404" pitchFamily="49" charset="0"/>
+              </a:rPr>
+              <a:t>.</a:t>
+            </a:r>
+            <a:r>
+              <a:rPr lang="en-US" dirty="0">
+                <a:solidFill>
+                  <a:srgbClr val="000000"/>
+                </a:solidFill>
+                <a:highlight>
+                  <a:srgbClr val="FFFFFF"/>
+                </a:highlight>
+                <a:latin typeface="Courier New" panose="02070309020205020404" pitchFamily="49" charset="0"/>
+                <a:cs typeface="Courier New" panose="02070309020205020404" pitchFamily="49" charset="0"/>
+              </a:rPr>
+              <a:t>then</a:t>
+            </a:r>
+            <a:r>
+              <a:rPr lang="en-US" b="1" dirty="0">
+                <a:solidFill>
+                  <a:srgbClr val="000080"/>
+                </a:solidFill>
+                <a:highlight>
+                  <a:srgbClr val="FFFFFF"/>
+                </a:highlight>
+                <a:latin typeface="Courier New" panose="02070309020205020404" pitchFamily="49" charset="0"/>
+                <a:cs typeface="Courier New" panose="02070309020205020404" pitchFamily="49" charset="0"/>
+              </a:rPr>
+              <a:t>(</a:t>
+            </a:r>
+            <a:r>
+              <a:rPr lang="en-US" b="1" dirty="0">
+                <a:solidFill>
+                  <a:srgbClr val="0000FF"/>
+                </a:solidFill>
+                <a:highlight>
+                  <a:srgbClr val="FFFFFF"/>
+                </a:highlight>
+                <a:latin typeface="Courier New" panose="02070309020205020404" pitchFamily="49" charset="0"/>
+                <a:cs typeface="Courier New" panose="02070309020205020404" pitchFamily="49" charset="0"/>
+              </a:rPr>
+              <a:t>function</a:t>
+            </a:r>
+            <a:r>
+              <a:rPr lang="en-US" b="1" dirty="0">
+                <a:solidFill>
+                  <a:srgbClr val="000080"/>
+                </a:solidFill>
+                <a:highlight>
+                  <a:srgbClr val="FFFFFF"/>
+                </a:highlight>
+                <a:latin typeface="Courier New" panose="02070309020205020404" pitchFamily="49" charset="0"/>
+                <a:cs typeface="Courier New" panose="02070309020205020404" pitchFamily="49" charset="0"/>
+              </a:rPr>
+              <a:t>()</a:t>
+            </a:r>
+            <a:r>
+              <a:rPr lang="en-US" dirty="0">
+                <a:solidFill>
+                  <a:srgbClr val="000000"/>
+                </a:solidFill>
+                <a:highlight>
+                  <a:srgbClr val="FFFFFF"/>
+                </a:highlight>
+                <a:latin typeface="Courier New" panose="02070309020205020404" pitchFamily="49" charset="0"/>
+                <a:cs typeface="Courier New" panose="02070309020205020404" pitchFamily="49" charset="0"/>
+              </a:rPr>
+              <a:t> </a:t>
+            </a:r>
+            <a:r>
+              <a:rPr lang="en-US" b="1" dirty="0">
+                <a:solidFill>
+                  <a:srgbClr val="000080"/>
+                </a:solidFill>
+                <a:highlight>
+                  <a:srgbClr val="FFFFFF"/>
+                </a:highlight>
+                <a:latin typeface="Courier New" panose="02070309020205020404" pitchFamily="49" charset="0"/>
+                <a:cs typeface="Courier New" panose="02070309020205020404" pitchFamily="49" charset="0"/>
+              </a:rPr>
+              <a:t>{</a:t>
+            </a:r>
+            <a:endParaRPr lang="en-US" dirty="0">
+              <a:solidFill>
+                <a:srgbClr val="000000"/>
+              </a:solidFill>
+              <a:highlight>
+                <a:srgbClr val="FFFFFF"/>
+              </a:highlight>
+              <a:latin typeface="Courier New" panose="02070309020205020404" pitchFamily="49" charset="0"/>
+              <a:cs typeface="Courier New" panose="02070309020205020404" pitchFamily="49" charset="0"/>
+            </a:endParaRPr>
+          </a:p>
+          <a:p>
+            <a:r>
+              <a:rPr lang="en-US" dirty="0">
+                <a:solidFill>
+                  <a:srgbClr val="000000"/>
+                </a:solidFill>
+                <a:highlight>
+                  <a:srgbClr val="FFFFFF"/>
+                </a:highlight>
+                <a:latin typeface="Courier New" panose="02070309020205020404" pitchFamily="49" charset="0"/>
+                <a:cs typeface="Courier New" panose="02070309020205020404" pitchFamily="49" charset="0"/>
+              </a:rPr>
+              <a:t>    </a:t>
+            </a:r>
+            <a:r>
+              <a:rPr lang="en-US" b="1" dirty="0">
+                <a:solidFill>
+                  <a:srgbClr val="0000FF"/>
+                </a:solidFill>
+                <a:highlight>
+                  <a:srgbClr val="FFFFFF"/>
+                </a:highlight>
+                <a:latin typeface="Courier New" panose="02070309020205020404" pitchFamily="49" charset="0"/>
+                <a:cs typeface="Courier New" panose="02070309020205020404" pitchFamily="49" charset="0"/>
+              </a:rPr>
+              <a:t>return</a:t>
+            </a:r>
+            <a:r>
+              <a:rPr lang="en-US" dirty="0">
+                <a:solidFill>
+                  <a:srgbClr val="000000"/>
+                </a:solidFill>
+                <a:highlight>
+                  <a:srgbClr val="FFFFFF"/>
+                </a:highlight>
+                <a:latin typeface="Courier New" panose="02070309020205020404" pitchFamily="49" charset="0"/>
+                <a:cs typeface="Courier New" panose="02070309020205020404" pitchFamily="49" charset="0"/>
+              </a:rPr>
+              <a:t> </a:t>
+            </a:r>
+            <a:r>
+              <a:rPr lang="en-US" dirty="0" err="1">
+                <a:solidFill>
+                  <a:srgbClr val="000000"/>
+                </a:solidFill>
+                <a:highlight>
+                  <a:srgbClr val="FFFFFF"/>
+                </a:highlight>
+                <a:latin typeface="Courier New" panose="02070309020205020404" pitchFamily="49" charset="0"/>
+                <a:cs typeface="Courier New" panose="02070309020205020404" pitchFamily="49" charset="0"/>
+              </a:rPr>
+              <a:t>getTired</a:t>
+            </a:r>
+            <a:r>
+              <a:rPr lang="en-US" b="1" dirty="0">
+                <a:solidFill>
+                  <a:srgbClr val="000080"/>
+                </a:solidFill>
+                <a:highlight>
+                  <a:srgbClr val="FFFFFF"/>
+                </a:highlight>
+                <a:latin typeface="Courier New" panose="02070309020205020404" pitchFamily="49" charset="0"/>
+                <a:cs typeface="Courier New" panose="02070309020205020404" pitchFamily="49" charset="0"/>
+              </a:rPr>
+              <a:t>();</a:t>
+            </a:r>
+            <a:endParaRPr lang="en-US" dirty="0">
+              <a:solidFill>
+                <a:srgbClr val="000000"/>
+              </a:solidFill>
+              <a:highlight>
+                <a:srgbClr val="FFFFFF"/>
+              </a:highlight>
+              <a:latin typeface="Courier New" panose="02070309020205020404" pitchFamily="49" charset="0"/>
+              <a:cs typeface="Courier New" panose="02070309020205020404" pitchFamily="49" charset="0"/>
+            </a:endParaRPr>
+          </a:p>
+          <a:p>
+            <a:r>
+              <a:rPr lang="en-US" dirty="0">
+                <a:solidFill>
+                  <a:srgbClr val="000000"/>
+                </a:solidFill>
+                <a:highlight>
+                  <a:srgbClr val="FFFFFF"/>
+                </a:highlight>
+                <a:latin typeface="Courier New" panose="02070309020205020404" pitchFamily="49" charset="0"/>
+                <a:cs typeface="Courier New" panose="02070309020205020404" pitchFamily="49" charset="0"/>
+              </a:rPr>
+              <a:t>  </a:t>
+            </a:r>
+            <a:r>
+              <a:rPr lang="en-US" b="1" dirty="0">
+                <a:solidFill>
+                  <a:srgbClr val="000080"/>
+                </a:solidFill>
+                <a:highlight>
+                  <a:srgbClr val="FFFFFF"/>
+                </a:highlight>
+                <a:latin typeface="Courier New" panose="02070309020205020404" pitchFamily="49" charset="0"/>
+                <a:cs typeface="Courier New" panose="02070309020205020404" pitchFamily="49" charset="0"/>
+              </a:rPr>
+              <a:t>})</a:t>
+            </a:r>
+            <a:endParaRPr lang="en-US" dirty="0">
+              <a:solidFill>
+                <a:srgbClr val="000000"/>
+              </a:solidFill>
+              <a:highlight>
+                <a:srgbClr val="FFFFFF"/>
+              </a:highlight>
+              <a:latin typeface="Courier New" panose="02070309020205020404" pitchFamily="49" charset="0"/>
+              <a:cs typeface="Courier New" panose="02070309020205020404" pitchFamily="49" charset="0"/>
+            </a:endParaRPr>
+          </a:p>
+          <a:p>
+            <a:r>
+              <a:rPr lang="en-US" dirty="0">
+                <a:solidFill>
+                  <a:srgbClr val="000000"/>
+                </a:solidFill>
+                <a:highlight>
+                  <a:srgbClr val="FFFFFF"/>
+                </a:highlight>
+                <a:latin typeface="Courier New" panose="02070309020205020404" pitchFamily="49" charset="0"/>
+                <a:cs typeface="Courier New" panose="02070309020205020404" pitchFamily="49" charset="0"/>
+              </a:rPr>
+              <a:t>  </a:t>
+            </a:r>
+            <a:r>
+              <a:rPr lang="en-US" b="1" dirty="0">
+                <a:solidFill>
+                  <a:srgbClr val="000080"/>
+                </a:solidFill>
+                <a:highlight>
+                  <a:srgbClr val="FFFFFF"/>
+                </a:highlight>
+                <a:latin typeface="Courier New" panose="02070309020205020404" pitchFamily="49" charset="0"/>
+                <a:cs typeface="Courier New" panose="02070309020205020404" pitchFamily="49" charset="0"/>
+              </a:rPr>
+              <a:t>.</a:t>
+            </a:r>
+            <a:r>
+              <a:rPr lang="en-US" dirty="0">
+                <a:solidFill>
+                  <a:srgbClr val="000000"/>
+                </a:solidFill>
+                <a:highlight>
+                  <a:srgbClr val="FFFFFF"/>
+                </a:highlight>
+                <a:latin typeface="Courier New" panose="02070309020205020404" pitchFamily="49" charset="0"/>
+                <a:cs typeface="Courier New" panose="02070309020205020404" pitchFamily="49" charset="0"/>
+              </a:rPr>
+              <a:t>then</a:t>
+            </a:r>
+            <a:r>
+              <a:rPr lang="en-US" b="1" dirty="0">
+                <a:solidFill>
+                  <a:srgbClr val="000080"/>
+                </a:solidFill>
+                <a:highlight>
+                  <a:srgbClr val="FFFFFF"/>
+                </a:highlight>
+                <a:latin typeface="Courier New" panose="02070309020205020404" pitchFamily="49" charset="0"/>
+                <a:cs typeface="Courier New" panose="02070309020205020404" pitchFamily="49" charset="0"/>
+              </a:rPr>
+              <a:t>(</a:t>
+            </a:r>
+            <a:r>
+              <a:rPr lang="en-US" b="1" dirty="0">
+                <a:solidFill>
+                  <a:srgbClr val="0000FF"/>
+                </a:solidFill>
+                <a:highlight>
+                  <a:srgbClr val="FFFFFF"/>
+                </a:highlight>
+                <a:latin typeface="Courier New" panose="02070309020205020404" pitchFamily="49" charset="0"/>
+                <a:cs typeface="Courier New" panose="02070309020205020404" pitchFamily="49" charset="0"/>
+              </a:rPr>
+              <a:t>function</a:t>
+            </a:r>
+            <a:r>
+              <a:rPr lang="en-US" b="1" dirty="0">
+                <a:solidFill>
+                  <a:srgbClr val="000080"/>
+                </a:solidFill>
+                <a:highlight>
+                  <a:srgbClr val="FFFFFF"/>
+                </a:highlight>
+                <a:latin typeface="Courier New" panose="02070309020205020404" pitchFamily="49" charset="0"/>
+                <a:cs typeface="Courier New" panose="02070309020205020404" pitchFamily="49" charset="0"/>
+              </a:rPr>
+              <a:t>()</a:t>
+            </a:r>
+            <a:r>
+              <a:rPr lang="en-US" dirty="0">
+                <a:solidFill>
+                  <a:srgbClr val="000000"/>
+                </a:solidFill>
+                <a:highlight>
+                  <a:srgbClr val="FFFFFF"/>
+                </a:highlight>
+                <a:latin typeface="Courier New" panose="02070309020205020404" pitchFamily="49" charset="0"/>
+                <a:cs typeface="Courier New" panose="02070309020205020404" pitchFamily="49" charset="0"/>
+              </a:rPr>
+              <a:t> </a:t>
+            </a:r>
+            <a:r>
+              <a:rPr lang="en-US" b="1" dirty="0">
+                <a:solidFill>
+                  <a:srgbClr val="000080"/>
+                </a:solidFill>
+                <a:highlight>
+                  <a:srgbClr val="FFFFFF"/>
+                </a:highlight>
+                <a:latin typeface="Courier New" panose="02070309020205020404" pitchFamily="49" charset="0"/>
+                <a:cs typeface="Courier New" panose="02070309020205020404" pitchFamily="49" charset="0"/>
+              </a:rPr>
+              <a:t>{</a:t>
+            </a:r>
+            <a:endParaRPr lang="en-US" dirty="0">
+              <a:solidFill>
+                <a:srgbClr val="000000"/>
+              </a:solidFill>
+              <a:highlight>
+                <a:srgbClr val="FFFFFF"/>
+              </a:highlight>
+              <a:latin typeface="Courier New" panose="02070309020205020404" pitchFamily="49" charset="0"/>
+              <a:cs typeface="Courier New" panose="02070309020205020404" pitchFamily="49" charset="0"/>
+            </a:endParaRPr>
+          </a:p>
+          <a:p>
+            <a:r>
+              <a:rPr lang="en-US" dirty="0">
+                <a:solidFill>
+                  <a:srgbClr val="000000"/>
+                </a:solidFill>
+                <a:highlight>
+                  <a:srgbClr val="FFFFFF"/>
+                </a:highlight>
+                <a:latin typeface="Courier New" panose="02070309020205020404" pitchFamily="49" charset="0"/>
+                <a:cs typeface="Courier New" panose="02070309020205020404" pitchFamily="49" charset="0"/>
+              </a:rPr>
+              <a:t>    </a:t>
+            </a:r>
+            <a:r>
+              <a:rPr lang="en-US" b="1" dirty="0">
+                <a:solidFill>
+                  <a:srgbClr val="0000FF"/>
+                </a:solidFill>
+                <a:highlight>
+                  <a:srgbClr val="FFFFFF"/>
+                </a:highlight>
+                <a:latin typeface="Courier New" panose="02070309020205020404" pitchFamily="49" charset="0"/>
+                <a:cs typeface="Courier New" panose="02070309020205020404" pitchFamily="49" charset="0"/>
+              </a:rPr>
+              <a:t>return</a:t>
+            </a:r>
+            <a:r>
+              <a:rPr lang="en-US" dirty="0">
+                <a:solidFill>
+                  <a:srgbClr val="000000"/>
+                </a:solidFill>
+                <a:highlight>
+                  <a:srgbClr val="FFFFFF"/>
+                </a:highlight>
+                <a:latin typeface="Courier New" panose="02070309020205020404" pitchFamily="49" charset="0"/>
+                <a:cs typeface="Courier New" panose="02070309020205020404" pitchFamily="49" charset="0"/>
+              </a:rPr>
+              <a:t> </a:t>
+            </a:r>
+            <a:r>
+              <a:rPr lang="en-US" dirty="0" err="1">
+                <a:solidFill>
+                  <a:srgbClr val="000000"/>
+                </a:solidFill>
+                <a:highlight>
+                  <a:srgbClr val="FFFFFF"/>
+                </a:highlight>
+                <a:latin typeface="Courier New" panose="02070309020205020404" pitchFamily="49" charset="0"/>
+                <a:cs typeface="Courier New" panose="02070309020205020404" pitchFamily="49" charset="0"/>
+              </a:rPr>
+              <a:t>goToSleep</a:t>
+            </a:r>
+            <a:r>
+              <a:rPr lang="en-US" b="1" dirty="0">
+                <a:solidFill>
+                  <a:srgbClr val="000080"/>
+                </a:solidFill>
+                <a:highlight>
+                  <a:srgbClr val="FFFFFF"/>
+                </a:highlight>
+                <a:latin typeface="Courier New" panose="02070309020205020404" pitchFamily="49" charset="0"/>
+                <a:cs typeface="Courier New" panose="02070309020205020404" pitchFamily="49" charset="0"/>
+              </a:rPr>
+              <a:t>();</a:t>
+            </a:r>
+            <a:endParaRPr lang="en-US" dirty="0">
+              <a:solidFill>
+                <a:srgbClr val="000000"/>
+              </a:solidFill>
+              <a:highlight>
+                <a:srgbClr val="FFFFFF"/>
+              </a:highlight>
+              <a:latin typeface="Courier New" panose="02070309020205020404" pitchFamily="49" charset="0"/>
+              <a:cs typeface="Courier New" panose="02070309020205020404" pitchFamily="49" charset="0"/>
+            </a:endParaRPr>
+          </a:p>
+          <a:p>
+            <a:r>
+              <a:rPr lang="en-US" dirty="0">
+                <a:solidFill>
+                  <a:srgbClr val="000000"/>
+                </a:solidFill>
+                <a:highlight>
+                  <a:srgbClr val="FFFFFF"/>
+                </a:highlight>
+                <a:latin typeface="Courier New" panose="02070309020205020404" pitchFamily="49" charset="0"/>
+                <a:cs typeface="Courier New" panose="02070309020205020404" pitchFamily="49" charset="0"/>
+              </a:rPr>
+              <a:t>  </a:t>
+            </a:r>
+            <a:r>
+              <a:rPr lang="en-US" b="1" dirty="0">
+                <a:solidFill>
+                  <a:srgbClr val="000080"/>
+                </a:solidFill>
+                <a:highlight>
+                  <a:srgbClr val="FFFFFF"/>
+                </a:highlight>
+                <a:latin typeface="Courier New" panose="02070309020205020404" pitchFamily="49" charset="0"/>
+                <a:cs typeface="Courier New" panose="02070309020205020404" pitchFamily="49" charset="0"/>
+              </a:rPr>
+              <a:t>})</a:t>
+            </a:r>
+            <a:endParaRPr lang="en-US" dirty="0">
+              <a:solidFill>
+                <a:srgbClr val="000000"/>
+              </a:solidFill>
+              <a:highlight>
+                <a:srgbClr val="FFFFFF"/>
+              </a:highlight>
+              <a:latin typeface="Courier New" panose="02070309020205020404" pitchFamily="49" charset="0"/>
+              <a:cs typeface="Courier New" panose="02070309020205020404" pitchFamily="49" charset="0"/>
+            </a:endParaRPr>
+          </a:p>
+          <a:p>
+            <a:r>
+              <a:rPr lang="en-US" dirty="0">
+                <a:solidFill>
+                  <a:srgbClr val="000000"/>
+                </a:solidFill>
+                <a:highlight>
+                  <a:srgbClr val="FFFFFF"/>
+                </a:highlight>
+                <a:latin typeface="Courier New" panose="02070309020205020404" pitchFamily="49" charset="0"/>
+                <a:cs typeface="Courier New" panose="02070309020205020404" pitchFamily="49" charset="0"/>
+              </a:rPr>
+              <a:t>  </a:t>
+            </a:r>
+            <a:r>
+              <a:rPr lang="en-US" b="1" dirty="0">
+                <a:solidFill>
+                  <a:srgbClr val="000080"/>
+                </a:solidFill>
+                <a:highlight>
+                  <a:srgbClr val="FFFFFF"/>
+                </a:highlight>
+                <a:latin typeface="Courier New" panose="02070309020205020404" pitchFamily="49" charset="0"/>
+                <a:cs typeface="Courier New" panose="02070309020205020404" pitchFamily="49" charset="0"/>
+              </a:rPr>
+              <a:t>.</a:t>
+            </a:r>
+            <a:r>
+              <a:rPr lang="en-US" dirty="0">
+                <a:solidFill>
+                  <a:srgbClr val="000000"/>
+                </a:solidFill>
+                <a:highlight>
+                  <a:srgbClr val="FFFFFF"/>
+                </a:highlight>
+                <a:latin typeface="Courier New" panose="02070309020205020404" pitchFamily="49" charset="0"/>
+                <a:cs typeface="Courier New" panose="02070309020205020404" pitchFamily="49" charset="0"/>
+              </a:rPr>
+              <a:t>then</a:t>
+            </a:r>
+            <a:r>
+              <a:rPr lang="en-US" b="1" dirty="0">
+                <a:solidFill>
+                  <a:srgbClr val="000080"/>
+                </a:solidFill>
+                <a:highlight>
+                  <a:srgbClr val="FFFFFF"/>
+                </a:highlight>
+                <a:latin typeface="Courier New" panose="02070309020205020404" pitchFamily="49" charset="0"/>
+                <a:cs typeface="Courier New" panose="02070309020205020404" pitchFamily="49" charset="0"/>
+              </a:rPr>
+              <a:t>(</a:t>
+            </a:r>
+            <a:r>
+              <a:rPr lang="en-US" b="1" dirty="0">
+                <a:solidFill>
+                  <a:srgbClr val="0000FF"/>
+                </a:solidFill>
+                <a:highlight>
+                  <a:srgbClr val="FFFFFF"/>
+                </a:highlight>
+                <a:latin typeface="Courier New" panose="02070309020205020404" pitchFamily="49" charset="0"/>
+                <a:cs typeface="Courier New" panose="02070309020205020404" pitchFamily="49" charset="0"/>
+              </a:rPr>
+              <a:t>function</a:t>
+            </a:r>
+            <a:r>
+              <a:rPr lang="en-US" b="1" dirty="0">
+                <a:solidFill>
+                  <a:srgbClr val="000080"/>
+                </a:solidFill>
+                <a:highlight>
+                  <a:srgbClr val="FFFFFF"/>
+                </a:highlight>
+                <a:latin typeface="Courier New" panose="02070309020205020404" pitchFamily="49" charset="0"/>
+                <a:cs typeface="Courier New" panose="02070309020205020404" pitchFamily="49" charset="0"/>
+              </a:rPr>
+              <a:t>()</a:t>
+            </a:r>
+            <a:r>
+              <a:rPr lang="en-US" dirty="0">
+                <a:solidFill>
+                  <a:srgbClr val="000000"/>
+                </a:solidFill>
+                <a:highlight>
+                  <a:srgbClr val="FFFFFF"/>
+                </a:highlight>
+                <a:latin typeface="Courier New" panose="02070309020205020404" pitchFamily="49" charset="0"/>
+                <a:cs typeface="Courier New" panose="02070309020205020404" pitchFamily="49" charset="0"/>
+              </a:rPr>
+              <a:t> </a:t>
+            </a:r>
+            <a:r>
+              <a:rPr lang="en-US" b="1" dirty="0">
+                <a:solidFill>
+                  <a:srgbClr val="000080"/>
+                </a:solidFill>
+                <a:highlight>
+                  <a:srgbClr val="FFFFFF"/>
+                </a:highlight>
+                <a:latin typeface="Courier New" panose="02070309020205020404" pitchFamily="49" charset="0"/>
+                <a:cs typeface="Courier New" panose="02070309020205020404" pitchFamily="49" charset="0"/>
+              </a:rPr>
+              <a:t>{</a:t>
+            </a:r>
+            <a:endParaRPr lang="en-US" dirty="0">
+              <a:solidFill>
+                <a:srgbClr val="000000"/>
+              </a:solidFill>
+              <a:highlight>
+                <a:srgbClr val="FFFFFF"/>
+              </a:highlight>
+              <a:latin typeface="Courier New" panose="02070309020205020404" pitchFamily="49" charset="0"/>
+              <a:cs typeface="Courier New" panose="02070309020205020404" pitchFamily="49" charset="0"/>
+            </a:endParaRPr>
+          </a:p>
+          <a:p>
+            <a:r>
+              <a:rPr lang="en-US" dirty="0">
+                <a:solidFill>
+                  <a:srgbClr val="000000"/>
+                </a:solidFill>
+                <a:highlight>
+                  <a:srgbClr val="FFFFFF"/>
+                </a:highlight>
+                <a:latin typeface="Courier New" panose="02070309020205020404" pitchFamily="49" charset="0"/>
+                <a:cs typeface="Courier New" panose="02070309020205020404" pitchFamily="49" charset="0"/>
+              </a:rPr>
+              <a:t>    </a:t>
+            </a:r>
+            <a:r>
+              <a:rPr lang="en-US" b="1" dirty="0">
+                <a:solidFill>
+                  <a:srgbClr val="0000FF"/>
+                </a:solidFill>
+                <a:highlight>
+                  <a:srgbClr val="FFFFFF"/>
+                </a:highlight>
+                <a:latin typeface="Courier New" panose="02070309020205020404" pitchFamily="49" charset="0"/>
+                <a:cs typeface="Courier New" panose="02070309020205020404" pitchFamily="49" charset="0"/>
+              </a:rPr>
+              <a:t>return</a:t>
+            </a:r>
+            <a:r>
+              <a:rPr lang="en-US" dirty="0">
+                <a:solidFill>
+                  <a:srgbClr val="000000"/>
+                </a:solidFill>
+                <a:highlight>
+                  <a:srgbClr val="FFFFFF"/>
+                </a:highlight>
+                <a:latin typeface="Courier New" panose="02070309020205020404" pitchFamily="49" charset="0"/>
+                <a:cs typeface="Courier New" panose="02070309020205020404" pitchFamily="49" charset="0"/>
+              </a:rPr>
+              <a:t> </a:t>
+            </a:r>
+            <a:r>
+              <a:rPr lang="en-US" dirty="0" err="1">
+                <a:solidFill>
+                  <a:srgbClr val="000000"/>
+                </a:solidFill>
+                <a:highlight>
+                  <a:srgbClr val="FFFFFF"/>
+                </a:highlight>
+                <a:latin typeface="Courier New" panose="02070309020205020404" pitchFamily="49" charset="0"/>
+                <a:cs typeface="Courier New" panose="02070309020205020404" pitchFamily="49" charset="0"/>
+              </a:rPr>
+              <a:t>wakeUp</a:t>
+            </a:r>
+            <a:r>
+              <a:rPr lang="en-US" b="1" dirty="0">
+                <a:solidFill>
+                  <a:srgbClr val="000080"/>
+                </a:solidFill>
+                <a:highlight>
+                  <a:srgbClr val="FFFFFF"/>
+                </a:highlight>
+                <a:latin typeface="Courier New" panose="02070309020205020404" pitchFamily="49" charset="0"/>
+                <a:cs typeface="Courier New" panose="02070309020205020404" pitchFamily="49" charset="0"/>
+              </a:rPr>
+              <a:t>();</a:t>
+            </a:r>
+            <a:endParaRPr lang="en-US" dirty="0">
+              <a:solidFill>
+                <a:srgbClr val="000000"/>
+              </a:solidFill>
+              <a:highlight>
+                <a:srgbClr val="FFFFFF"/>
+              </a:highlight>
+              <a:latin typeface="Courier New" panose="02070309020205020404" pitchFamily="49" charset="0"/>
+              <a:cs typeface="Courier New" panose="02070309020205020404" pitchFamily="49" charset="0"/>
+            </a:endParaRPr>
+          </a:p>
+          <a:p>
+            <a:r>
+              <a:rPr lang="en-US" dirty="0">
+                <a:solidFill>
+                  <a:srgbClr val="000000"/>
+                </a:solidFill>
+                <a:highlight>
+                  <a:srgbClr val="FFFFFF"/>
+                </a:highlight>
+                <a:latin typeface="Courier New" panose="02070309020205020404" pitchFamily="49" charset="0"/>
+                <a:cs typeface="Courier New" panose="02070309020205020404" pitchFamily="49" charset="0"/>
+              </a:rPr>
+              <a:t>  </a:t>
+            </a:r>
+            <a:r>
+              <a:rPr lang="en-US" b="1" dirty="0">
+                <a:solidFill>
+                  <a:srgbClr val="000080"/>
+                </a:solidFill>
+                <a:highlight>
+                  <a:srgbClr val="FFFFFF"/>
+                </a:highlight>
+                <a:latin typeface="Courier New" panose="02070309020205020404" pitchFamily="49" charset="0"/>
+                <a:cs typeface="Courier New" panose="02070309020205020404" pitchFamily="49" charset="0"/>
+              </a:rPr>
+              <a:t>});</a:t>
+            </a:r>
+            <a:endParaRPr lang="en-US" dirty="0">
+              <a:latin typeface="Courier New" panose="02070309020205020404" pitchFamily="49" charset="0"/>
+              <a:cs typeface="Courier New" panose="02070309020205020404" pitchFamily="49" charset="0"/>
+            </a:endParaRPr>
+          </a:p>
+        </p:txBody>
+      </p:sp>
+    </p:spTree>
+    <p:extLst>
+      <p:ext uri="{BB962C8B-B14F-4D97-AF65-F5344CB8AC3E}">
+        <p14:creationId xmlns:p14="http://schemas.microsoft.com/office/powerpoint/2010/main" val="3298691578"/>
+      </p:ext>
+    </p:extLst>
+  </p:cSld>
+  <p:clrMapOvr>
+    <a:masterClrMapping/>
+  </p:clrMapOvr>
+  <p:timing>
+    <p:tnLst>
+      <p:par>
+        <p:cTn id="1" dur="indefinite" restart="never" nodeType="tmRoot"/>
+      </p:par>
+    </p:tnLst>
+  </p:timing>
+</p:sld>
+</file>
+
+<file path=ppt/slides/slide9.xml><?xml version="1.0" encoding="utf-8"?>
+<p:sld xmlns:a="http://schemas.openxmlformats.org/drawingml/2006/main" xmlns:r="http://schemas.openxmlformats.org/officeDocument/2006/relationships" xmlns:p="http://schemas.openxmlformats.org/presentationml/2006/main">
+  <p:cSld>
+    <p:spTree>
+      <p:nvGrpSpPr>
+        <p:cNvPr id="1" name=""/>
+        <p:cNvGrpSpPr/>
+        <p:nvPr/>
+      </p:nvGrpSpPr>
+      <p:grpSpPr>
+        <a:xfrm>
+          <a:off x="0" y="0"/>
+          <a:ext cx="0" cy="0"/>
+          <a:chOff x="0" y="0"/>
+          <a:chExt cx="0" cy="0"/>
+        </a:xfrm>
+      </p:grpSpPr>
+      <p:sp>
+        <p:nvSpPr>
+          <p:cNvPr id="2" name="Title 1"/>
+          <p:cNvSpPr>
+            <a:spLocks noGrp="1"/>
+          </p:cNvSpPr>
+          <p:nvPr>
+            <p:ph type="title"/>
+          </p:nvPr>
+        </p:nvSpPr>
+        <p:spPr>
+          <a:xfrm>
+            <a:off x="3175327" y="1356882"/>
             <a:ext cx="7572390" cy="1280890"/>
           </a:xfrm>
         </p:spPr>
@@ -10086,8 +15954,8 @@
         </p:nvSpPr>
         <p:spPr>
           <a:xfrm>
-            <a:off x="3175327" y="3492749"/>
-            <a:ext cx="7572390" cy="2893983"/>
+            <a:off x="3175326" y="2211859"/>
+            <a:ext cx="7695873" cy="3593855"/>
           </a:xfrm>
           <a:prstGeom prst="rect">
             <a:avLst/>
@@ -10095,7 +15963,7 @@
         </p:spPr>
         <p:txBody>
           <a:bodyPr vert="horz" lIns="91440" tIns="45720" rIns="91440" bIns="45720" rtlCol="0" anchor="t">
-            <a:normAutofit/>
+            <a:normAutofit lnSpcReduction="10000"/>
           </a:bodyPr>
           <a:lstStyle>
             <a:lvl1pPr algn="l" defTabSz="457200" rtl="0" eaLnBrk="1" latinLnBrk="0" hangingPunct="1">
@@ -10233,7 +16101,47 @@
               </a:rPr>
               <a:t>result.</a:t>
             </a:r>
+          </a:p>
+          <a:p>
             <a:endParaRPr lang="en-US" sz="2800" dirty="0">
+              <a:solidFill>
+                <a:schemeClr val="bg2">
+                  <a:lumMod val="50000"/>
+                </a:schemeClr>
+              </a:solidFill>
+            </a:endParaRPr>
+          </a:p>
+          <a:p>
+            <a:r>
+              <a:rPr lang="en-US" sz="2800" dirty="0" smtClean="0">
+                <a:solidFill>
+                  <a:schemeClr val="bg2">
+                    <a:lumMod val="50000"/>
+                  </a:schemeClr>
+                </a:solidFill>
+              </a:rPr>
+              <a:t>Or </a:t>
+            </a:r>
+          </a:p>
+          <a:p>
+            <a:endParaRPr lang="en-US" sz="2800" dirty="0">
+              <a:solidFill>
+                <a:schemeClr val="bg2">
+                  <a:lumMod val="50000"/>
+                </a:schemeClr>
+              </a:solidFill>
+            </a:endParaRPr>
+          </a:p>
+          <a:p>
+            <a:r>
+              <a:rPr lang="en-US" sz="2800" dirty="0" smtClean="0"/>
+              <a:t>Async </a:t>
+            </a:r>
+            <a:r>
+              <a:rPr lang="en-US" sz="2800" dirty="0"/>
+              <a:t>functions are functions that return promises.</a:t>
+            </a:r>
+            <a:endParaRPr lang="en-US" sz="2000" dirty="0">
               <a:solidFill>
                 <a:schemeClr val="bg2">
                   <a:lumMod val="50000"/>
@@ -10420,6 +16328,236 @@
                       </p:childTnLst>
                     </p:cTn>
                   </p:par>
+                  <p:par>
+                    <p:cTn id="15" fill="hold">
+                      <p:stCondLst>
+                        <p:cond delay="indefinite"/>
+                      </p:stCondLst>
+                      <p:childTnLst>
+                        <p:par>
+                          <p:cTn id="16" fill="hold">
+                            <p:stCondLst>
+                              <p:cond delay="0"/>
+                            </p:stCondLst>
+                            <p:childTnLst>
+                              <p:par>
+                                <p:cTn id="17" presetID="53" presetClass="entr" presetSubtype="16" fill="hold" nodeType="clickEffect">
+                                  <p:stCondLst>
+                                    <p:cond delay="0"/>
+                                  </p:stCondLst>
+                                  <p:childTnLst>
+                                    <p:set>
+                                      <p:cBhvr>
+                                        <p:cTn id="18" dur="1" fill="hold">
+                                          <p:stCondLst>
+                                            <p:cond delay="0"/>
+                                          </p:stCondLst>
+                                        </p:cTn>
+                                        <p:tgtEl>
+                                          <p:spTgt spid="5">
+                                            <p:txEl>
+                                              <p:pRg st="2" end="2"/>
+                                            </p:txEl>
+                                          </p:spTgt>
+                                        </p:tgtEl>
+                                        <p:attrNameLst>
+                                          <p:attrName>style.visibility</p:attrName>
+                                        </p:attrNameLst>
+                                      </p:cBhvr>
+                                      <p:to>
+                                        <p:strVal val="visible"/>
+                                      </p:to>
+                                    </p:set>
+                                    <p:anim calcmode="lin" valueType="num">
+                                      <p:cBhvr>
+                                        <p:cTn id="19" dur="500" fill="hold"/>
+                                        <p:tgtEl>
+                                          <p:spTgt spid="5">
+                                            <p:txEl>
+                                              <p:pRg st="2" end="2"/>
+                                            </p:txEl>
+                                          </p:spTgt>
+                                        </p:tgtEl>
+                                        <p:attrNameLst>
+                                          <p:attrName>ppt_w</p:attrName>
+                                        </p:attrNameLst>
+                                      </p:cBhvr>
+                                      <p:tavLst>
+                                        <p:tav tm="0">
+                                          <p:val>
+                                            <p:fltVal val="0"/>
+                                          </p:val>
+                                        </p:tav>
+                                        <p:tav tm="100000">
+                                          <p:val>
+                                            <p:strVal val="#ppt_w"/>
+                                          </p:val>
+                                        </p:tav>
+                                      </p:tavLst>
+                                    </p:anim>
+                                    <p:anim calcmode="lin" valueType="num">
+                                      <p:cBhvr>
+                                        <p:cTn id="20" dur="500" fill="hold"/>
+                                        <p:tgtEl>
+                                          <p:spTgt spid="5">
+                                            <p:txEl>
+                                              <p:pRg st="2" end="2"/>
+                                            </p:txEl>
+                                          </p:spTgt>
+                                        </p:tgtEl>
+                                        <p:attrNameLst>
+                                          <p:attrName>ppt_h</p:attrName>
+                                        </p:attrNameLst>
+                                      </p:cBhvr>
+                                      <p:tavLst>
+                                        <p:tav tm="0">
+                                          <p:val>
+                                            <p:fltVal val="0"/>
+                                          </p:val>
+                                        </p:tav>
+                                        <p:tav tm="100000">
+                                          <p:val>
+                                            <p:strVal val="#ppt_h"/>
+                                          </p:val>
+                                        </p:tav>
+                                      </p:tavLst>
+                                    </p:anim>
+                                    <p:animEffect transition="in" filter="fade">
+                                      <p:cBhvr>
+                                        <p:cTn id="21" dur="500"/>
+                                        <p:tgtEl>
+                                          <p:spTgt spid="5">
+                                            <p:txEl>
+                                              <p:pRg st="2" end="2"/>
+                                            </p:txEl>
+                                          </p:spTgt>
+                                        </p:tgtEl>
+                                      </p:cBhvr>
+                                    </p:animEffect>
+                                  </p:childTnLst>
+                                </p:cTn>
+                              </p:par>
+                            </p:childTnLst>
+                          </p:cTn>
+                        </p:par>
+                      </p:childTnLst>
+                    </p:cTn>
+                  </p:par>
+                  <p:par>
+                    <p:cTn id="22" fill="hold">
+                      <p:stCondLst>
+                        <p:cond delay="indefinite"/>
+                      </p:stCondLst>
+                      <p:childTnLst>
+                        <p:par>
+                          <p:cTn id="23" fill="hold">
+                            <p:stCondLst>
+                              <p:cond delay="0"/>
+                            </p:stCondLst>
+                            <p:childTnLst>
+                              <p:par>
+                                <p:cTn id="24" presetID="53" presetClass="entr" presetSubtype="16" fill="hold" nodeType="clickEffect">
+                                  <p:stCondLst>
+                                    <p:cond delay="0"/>
+                                  </p:stCondLst>
+                                  <p:childTnLst>
+                                    <p:set>
+                                      <p:cBhvr>
+                                        <p:cTn id="25" dur="1" fill="hold">
+                                          <p:stCondLst>
+                                            <p:cond delay="0"/>
+                                          </p:stCondLst>
+                                        </p:cTn>
+                                        <p:tgtEl>
+                                          <p:spTgt spid="5">
+                                            <p:txEl>
+                                              <p:pRg st="4" end="4"/>
+                                            </p:txEl>
+                                          </p:spTgt>
+                                        </p:tgtEl>
+                                        <p:attrNameLst>
+                                          <p:attrName>style.visibility</p:attrName>
+                                        </p:attrNameLst>
+                                      </p:cBhvr>
+                                      <p:to>
+                                        <p:strVal val="visible"/>
+                                      </p:to>
+                                    </p:set>
+                                    <p:anim calcmode="lin" valueType="num">
+                                      <p:cBhvr>
+                                        <p:cTn id="26" dur="500" fill="hold"/>
+                                        <p:tgtEl>
+                                          <p:spTgt spid="5">
+                                            <p:txEl>
+                                              <p:pRg st="4" end="4"/>
+                                            </p:txEl>
+                                          </p:spTgt>
+                                        </p:tgtEl>
+                                        <p:attrNameLst>
+                                          <p:attrName>ppt_w</p:attrName>
+                                        </p:attrNameLst>
+                                      </p:cBhvr>
+                                      <p:tavLst>
+                                        <p:tav tm="0">
+                                          <p:val>
+                                            <p:fltVal val="0"/>
+                                          </p:val>
+                                        </p:tav>
+                                        <p:tav tm="100000">
+                                          <p:val>
+                                            <p:strVal val="#ppt_w"/>
+                                          </p:val>
+                                        </p:tav>
+                                      </p:tavLst>
+                                    </p:anim>
+                                    <p:anim calcmode="lin" valueType="num">
+                                      <p:cBhvr>
+                                        <p:cTn id="27" dur="500" fill="hold"/>
+                                        <p:tgtEl>
+                                          <p:spTgt spid="5">
+                                            <p:txEl>
+                                              <p:pRg st="4" end="4"/>
+                                            </p:txEl>
+                                          </p:spTgt>
+                                        </p:tgtEl>
+                                        <p:attrNameLst>
+                                          <p:attrName>ppt_h</p:attrName>
+                                        </p:attrNameLst>
+                                      </p:cBhvr>
+                                      <p:tavLst>
+                                        <p:tav tm="0">
+                                          <p:val>
+                                            <p:fltVal val="0"/>
+                                          </p:val>
+                                        </p:tav>
+                                        <p:tav tm="100000">
+                                          <p:val>
+                                            <p:strVal val="#ppt_h"/>
+                                          </p:val>
+                                        </p:tav>
+                                      </p:tavLst>
+                                    </p:anim>
+                                    <p:animEffect transition="in" filter="fade">
+                                      <p:cBhvr>
+                                        <p:cTn id="28" dur="500"/>
+                                        <p:tgtEl>
+                                          <p:spTgt spid="5">
+                                            <p:txEl>
+                                              <p:pRg st="4" end="4"/>
+                                            </p:txEl>
+                                          </p:spTgt>
+                                        </p:tgtEl>
+                                      </p:cBhvr>
+                                    </p:animEffect>
+                                  </p:childTnLst>
+                                </p:cTn>
+                              </p:par>
+                            </p:childTnLst>
+                          </p:cTn>
+                        </p:par>
+                      </p:childTnLst>
+                    </p:cTn>
+                  </p:par>
                 </p:childTnLst>
               </p:cTn>
               <p:prevCondLst>
@@ -10444,124 +16582,6 @@
     <p:bldLst>
       <p:bldP spid="2" grpId="0"/>
     </p:bldLst>
-  </p:timing>
-</p:sld>
-</file>
-
-<file path=ppt/slides/slide7.xml><?xml version="1.0" encoding="utf-8"?>
-<p:sld xmlns:a="http://schemas.openxmlformats.org/drawingml/2006/main" xmlns:r="http://schemas.openxmlformats.org/officeDocument/2006/relationships" xmlns:p="http://schemas.openxmlformats.org/presentationml/2006/main">
-  <p:cSld>
-    <p:spTree>
-      <p:nvGrpSpPr>
-        <p:cNvPr id="1" name=""/>
-        <p:cNvGrpSpPr/>
-        <p:nvPr/>
-      </p:nvGrpSpPr>
-      <p:grpSpPr>
-        <a:xfrm>
-          <a:off x="0" y="0"/>
-          <a:ext cx="0" cy="0"/>
-          <a:chOff x="0" y="0"/>
-          <a:chExt cx="0" cy="0"/>
-        </a:xfrm>
-      </p:grpSpPr>
-      <p:sp>
-        <p:nvSpPr>
-          <p:cNvPr id="2" name="Title 1"/>
-          <p:cNvSpPr>
-            <a:spLocks noGrp="1"/>
-          </p:cNvSpPr>
-          <p:nvPr>
-            <p:ph type="title"/>
-          </p:nvPr>
-        </p:nvSpPr>
-        <p:spPr/>
-        <p:txBody>
-          <a:bodyPr>
-            <a:normAutofit/>
-          </a:bodyPr>
-          <a:lstStyle/>
-          <a:p>
-            <a:r>
-              <a:rPr lang="en" dirty="0" smtClean="0"/>
-              <a:t>Understanding a Promise</a:t>
-            </a:r>
-            <a:endParaRPr lang="en" dirty="0"/>
-          </a:p>
-        </p:txBody>
-      </p:sp>
-    </p:spTree>
-    <p:extLst>
-      <p:ext uri="{BB962C8B-B14F-4D97-AF65-F5344CB8AC3E}">
-        <p14:creationId xmlns:p14="http://schemas.microsoft.com/office/powerpoint/2010/main" val="92806219"/>
-      </p:ext>
-    </p:extLst>
-  </p:cSld>
-  <p:clrMapOvr>
-    <a:masterClrMapping/>
-  </p:clrMapOvr>
-  <p:timing>
-    <p:tnLst>
-      <p:par>
-        <p:cTn id="1" dur="indefinite" restart="never" nodeType="tmRoot"/>
-      </p:par>
-    </p:tnLst>
-  </p:timing>
-</p:sld>
-</file>
-
-<file path=ppt/slides/slide8.xml><?xml version="1.0" encoding="utf-8"?>
-<p:sld xmlns:a="http://schemas.openxmlformats.org/drawingml/2006/main" xmlns:r="http://schemas.openxmlformats.org/officeDocument/2006/relationships" xmlns:p="http://schemas.openxmlformats.org/presentationml/2006/main">
-  <p:cSld>
-    <p:spTree>
-      <p:nvGrpSpPr>
-        <p:cNvPr id="1" name=""/>
-        <p:cNvGrpSpPr/>
-        <p:nvPr/>
-      </p:nvGrpSpPr>
-      <p:grpSpPr>
-        <a:xfrm>
-          <a:off x="0" y="0"/>
-          <a:ext cx="0" cy="0"/>
-          <a:chOff x="0" y="0"/>
-          <a:chExt cx="0" cy="0"/>
-        </a:xfrm>
-      </p:grpSpPr>
-      <p:sp>
-        <p:nvSpPr>
-          <p:cNvPr id="2" name="Title 1"/>
-          <p:cNvSpPr>
-            <a:spLocks noGrp="1"/>
-          </p:cNvSpPr>
-          <p:nvPr>
-            <p:ph type="title"/>
-          </p:nvPr>
-        </p:nvSpPr>
-        <p:spPr/>
-        <p:txBody>
-          <a:bodyPr/>
-          <a:lstStyle/>
-          <a:p>
-            <a:endParaRPr lang="en-US" dirty="0"/>
-          </a:p>
-        </p:txBody>
-      </p:sp>
-    </p:spTree>
-    <p:extLst>
-      <p:ext uri="{BB962C8B-B14F-4D97-AF65-F5344CB8AC3E}">
-        <p14:creationId xmlns:p14="http://schemas.microsoft.com/office/powerpoint/2010/main" val="3991154328"/>
-      </p:ext>
-    </p:extLst>
-  </p:cSld>
-  <p:clrMapOvr>
-    <a:masterClrMapping/>
-  </p:clrMapOvr>
-  <p:timing>
-    <p:tnLst>
-      <p:par>
-        <p:cTn id="1" dur="indefinite" restart="never" nodeType="tmRoot"/>
-      </p:par>
-    </p:tnLst>
   </p:timing>
 </p:sld>
 </file>
@@ -10807,4 +16827,265 @@
     </a:ext>
   </a:extLst>
 </a:theme>
+</file>
+
+<file path=ppt/theme/theme2.xml><?xml version="1.0" encoding="utf-8"?>
+<a:theme xmlns:a="http://schemas.openxmlformats.org/drawingml/2006/main" name="Office Theme">
+  <a:themeElements>
+    <a:clrScheme name="Office">
+      <a:dk1>
+        <a:sysClr val="windowText" lastClr="000000"/>
+      </a:dk1>
+      <a:lt1>
+        <a:sysClr val="window" lastClr="FFFFFF"/>
+      </a:lt1>
+      <a:dk2>
+        <a:srgbClr val="44546A"/>
+      </a:dk2>
+      <a:lt2>
+        <a:srgbClr val="E7E6E6"/>
+      </a:lt2>
+      <a:accent1>
+        <a:srgbClr val="5B9BD5"/>
+      </a:accent1>
+      <a:accent2>
+        <a:srgbClr val="ED7D31"/>
+      </a:accent2>
+      <a:accent3>
+        <a:srgbClr val="A5A5A5"/>
+      </a:accent3>
+      <a:accent4>
+        <a:srgbClr val="FFC000"/>
+      </a:accent4>
+      <a:accent5>
+        <a:srgbClr val="4472C4"/>
+      </a:accent5>
+      <a:accent6>
+        <a:srgbClr val="70AD47"/>
+      </a:accent6>
+      <a:hlink>
+        <a:srgbClr val="0563C1"/>
+      </a:hlink>
+      <a:folHlink>
+        <a:srgbClr val="954F72"/>
+      </a:folHlink>
+    </a:clrScheme>
+    <a:fontScheme name="Office">
+      <a:majorFont>
+        <a:latin typeface="Calibri Light" panose="020F0302020204030204"/>
+        <a:ea typeface=""/>
+        <a:cs typeface=""/>
+        <a:font script="Jpan" typeface="游ゴシック Light"/>
+        <a:font script="Hang" typeface="맑은 고딕"/>
+        <a:font script="Hans" typeface="等线 Light"/>
+        <a:font script="Hant" typeface="新細明體"/>
+        <a:font script="Arab" typeface="Times New Roman"/>
+        <a:font script="Hebr" typeface="Times New Roman"/>
+        <a:font script="Thai" typeface="Angsana New"/>
+        <a:font script="Ethi" typeface="Nyala"/>
+        <a:font script="Beng" typeface="Vrinda"/>
+        <a:font script="Gujr" typeface="Shruti"/>
+        <a:font script="Khmr" typeface="MoolBoran"/>
+        <a:font script="Knda" typeface="Tunga"/>
+        <a:font script="Guru" typeface="Raavi"/>
+        <a:font script="Cans" typeface="Euphemia"/>
+        <a:font script="Cher" typeface="Plantagenet Cherokee"/>
+        <a:font script="Yiii" typeface="Microsoft Yi Baiti"/>
+        <a:font script="Tibt" typeface="Microsoft Himalaya"/>
+        <a:font script="Thaa" typeface="MV Boli"/>
+        <a:font script="Deva" typeface="Mangal"/>
+        <a:font script="Telu" typeface="Gautami"/>
+        <a:font script="Taml" typeface="Latha"/>
+        <a:font script="Syrc" typeface="Estrangelo Edessa"/>
+        <a:font script="Orya" typeface="Kalinga"/>
+        <a:font script="Mlym" typeface="Kartika"/>
+        <a:font script="Laoo" typeface="DokChampa"/>
+        <a:font script="Sinh" typeface="Iskoola Pota"/>
+        <a:font script="Mong" typeface="Mongolian Baiti"/>
+        <a:font script="Viet" typeface="Times New Roman"/>
+        <a:font script="Uigh" typeface="Microsoft Uighur"/>
+        <a:font script="Geor" typeface="Sylfaen"/>
+      </a:majorFont>
+      <a:minorFont>
+        <a:latin typeface="Calibri" panose="020F0502020204030204"/>
+        <a:ea typeface=""/>
+        <a:cs typeface=""/>
+        <a:font script="Jpan" typeface="游ゴシック"/>
+        <a:font script="Hang" typeface="맑은 고딕"/>
+        <a:font script="Hans" typeface="等线"/>
+        <a:font script="Hant" typeface="新細明體"/>
+        <a:font script="Arab" typeface="Arial"/>
+        <a:font script="Hebr" typeface="Arial"/>
+        <a:font script="Thai" typeface="Cordia New"/>
+        <a:font script="Ethi" typeface="Nyala"/>
+        <a:font script="Beng" typeface="Vrinda"/>
+        <a:font script="Gujr" typeface="Shruti"/>
+        <a:font script="Khmr" typeface="DaunPenh"/>
+        <a:font script="Knda" typeface="Tunga"/>
+        <a:font script="Guru" typeface="Raavi"/>
+        <a:font script="Cans" typeface="Euphemia"/>
+        <a:font script="Cher" typeface="Plantagenet Cherokee"/>
+        <a:font script="Yiii" typeface="Microsoft Yi Baiti"/>
+        <a:font script="Tibt" typeface="Microsoft Himalaya"/>
+        <a:font script="Thaa" typeface="MV Boli"/>
+        <a:font script="Deva" typeface="Mangal"/>
+        <a:font script="Telu" typeface="Gautami"/>
+        <a:font script="Taml" typeface="Latha"/>
+        <a:font script="Syrc" typeface="Estrangelo Edessa"/>
+        <a:font script="Orya" typeface="Kalinga"/>
+        <a:font script="Mlym" typeface="Kartika"/>
+        <a:font script="Laoo" typeface="DokChampa"/>
+        <a:font script="Sinh" typeface="Iskoola Pota"/>
+        <a:font script="Mong" typeface="Mongolian Baiti"/>
+        <a:font script="Viet" typeface="Arial"/>
+        <a:font script="Uigh" typeface="Microsoft Uighur"/>
+        <a:font script="Geor" typeface="Sylfaen"/>
+      </a:minorFont>
+    </a:fontScheme>
+    <a:fmtScheme name="Office">
+      <a:fillStyleLst>
+        <a:solidFill>
+          <a:schemeClr val="phClr"/>
+        </a:solidFill>
+        <a:gradFill rotWithShape="1">
+          <a:gsLst>
+            <a:gs pos="0">
+              <a:schemeClr val="phClr">
+                <a:lumMod val="110000"/>
+                <a:satMod val="105000"/>
+                <a:tint val="67000"/>
+              </a:schemeClr>
+            </a:gs>
+            <a:gs pos="50000">
+              <a:schemeClr val="phClr">
+                <a:lumMod val="105000"/>
+                <a:satMod val="103000"/>
+                <a:tint val="73000"/>
+              </a:schemeClr>
+            </a:gs>
+            <a:gs pos="100000">
+              <a:schemeClr val="phClr">
+                <a:lumMod val="105000"/>
+                <a:satMod val="109000"/>
+                <a:tint val="81000"/>
+              </a:schemeClr>
+            </a:gs>
+          </a:gsLst>
+          <a:lin ang="5400000" scaled="0"/>
+        </a:gradFill>
+        <a:gradFill rotWithShape="1">
+          <a:gsLst>
+            <a:gs pos="0">
+              <a:schemeClr val="phClr">
+                <a:satMod val="103000"/>
+                <a:lumMod val="102000"/>
+                <a:tint val="94000"/>
+              </a:schemeClr>
+            </a:gs>
+            <a:gs pos="50000">
+              <a:schemeClr val="phClr">
+                <a:satMod val="110000"/>
+                <a:lumMod val="100000"/>
+                <a:shade val="100000"/>
+              </a:schemeClr>
+            </a:gs>
+            <a:gs pos="100000">
+              <a:schemeClr val="phClr">
+                <a:lumMod val="99000"/>
+                <a:satMod val="120000"/>
+                <a:shade val="78000"/>
+              </a:schemeClr>
+            </a:gs>
+          </a:gsLst>
+          <a:lin ang="5400000" scaled="0"/>
+        </a:gradFill>
+      </a:fillStyleLst>
+      <a:lnStyleLst>
+        <a:ln w="6350" cap="flat" cmpd="sng" algn="ctr">
+          <a:solidFill>
+            <a:schemeClr val="phClr"/>
+          </a:solidFill>
+          <a:prstDash val="solid"/>
+          <a:miter lim="800000"/>
+        </a:ln>
+        <a:ln w="12700" cap="flat" cmpd="sng" algn="ctr">
+          <a:solidFill>
+            <a:schemeClr val="phClr"/>
+          </a:solidFill>
+          <a:prstDash val="solid"/>
+          <a:miter lim="800000"/>
+        </a:ln>
+        <a:ln w="19050" cap="flat" cmpd="sng" algn="ctr">
+          <a:solidFill>
+            <a:schemeClr val="phClr"/>
+          </a:solidFill>
+          <a:prstDash val="solid"/>
+          <a:miter lim="800000"/>
+        </a:ln>
+      </a:lnStyleLst>
+      <a:effectStyleLst>
+        <a:effectStyle>
+          <a:effectLst/>
+        </a:effectStyle>
+        <a:effectStyle>
+          <a:effectLst/>
+        </a:effectStyle>
+        <a:effectStyle>
+          <a:effectLst>
+            <a:outerShdw blurRad="57150" dist="19050" dir="5400000" algn="ctr" rotWithShape="0">
+              <a:srgbClr val="000000">
+                <a:alpha val="63000"/>
+              </a:srgbClr>
+            </a:outerShdw>
+          </a:effectLst>
+        </a:effectStyle>
+      </a:effectStyleLst>
+      <a:bgFillStyleLst>
+        <a:solidFill>
+          <a:schemeClr val="phClr"/>
+        </a:solidFill>
+        <a:solidFill>
+          <a:schemeClr val="phClr">
+            <a:tint val="95000"/>
+            <a:satMod val="170000"/>
+          </a:schemeClr>
+        </a:solidFill>
+        <a:gradFill rotWithShape="1">
+          <a:gsLst>
+            <a:gs pos="0">
+              <a:schemeClr val="phClr">
+                <a:tint val="93000"/>
+                <a:satMod val="150000"/>
+                <a:shade val="98000"/>
+                <a:lumMod val="102000"/>
+              </a:schemeClr>
+            </a:gs>
+            <a:gs pos="50000">
+              <a:schemeClr val="phClr">
+                <a:tint val="98000"/>
+                <a:satMod val="130000"/>
+                <a:shade val="90000"/>
+                <a:lumMod val="103000"/>
+              </a:schemeClr>
+            </a:gs>
+            <a:gs pos="100000">
+              <a:schemeClr val="phClr">
+                <a:shade val="63000"/>
+                <a:satMod val="120000"/>
+              </a:schemeClr>
+            </a:gs>
+          </a:gsLst>
+          <a:lin ang="5400000" scaled="0"/>
+        </a:gradFill>
+      </a:bgFillStyleLst>
+    </a:fmtScheme>
+  </a:themeElements>
+  <a:objectDefaults/>
+  <a:extraClrSchemeLst/>
+  <a:extLst>
+    <a:ext uri="{05A4C25C-085E-4340-85A3-A5531E510DB2}">
+      <thm15:themeFamily xmlns:thm15="http://schemas.microsoft.com/office/thememl/2012/main" name="Office Theme" id="{62F939B6-93AF-4DB8-9C6B-D6C7DFDC589F}" vid="{4A3C46E8-61CC-4603-A589-7422A47A8E4A}"/>
+    </a:ext>
+  </a:extLst>
+</a:theme>
 </file>
--- a/SPHERO.pptx
+++ b/SPHERO.pptx
@@ -10289,79 +10289,9 @@
   <p:timing>
     <p:tnLst>
       <p:par>
-        <p:cTn id="1" dur="indefinite" restart="never" nodeType="tmRoot">
-          <p:childTnLst>
-            <p:seq concurrent="1" nextAc="seek">
-              <p:cTn id="2" dur="indefinite" nodeType="mainSeq">
-                <p:childTnLst>
-                  <p:par>
-                    <p:cTn id="3" fill="hold">
-                      <p:stCondLst>
-                        <p:cond delay="indefinite"/>
-                      </p:stCondLst>
-                      <p:childTnLst>
-                        <p:par>
-                          <p:cTn id="4" fill="hold">
-                            <p:stCondLst>
-                              <p:cond delay="0"/>
-                            </p:stCondLst>
-                            <p:childTnLst>
-                              <p:par>
-                                <p:cTn id="5" presetID="26" presetClass="emph" presetSubtype="0" fill="hold" grpId="0" nodeType="clickEffect">
-                                  <p:stCondLst>
-                                    <p:cond delay="0"/>
-                                  </p:stCondLst>
-                                  <p:childTnLst>
-                                    <p:animEffect transition="out" filter="fade">
-                                      <p:cBhvr>
-                                        <p:cTn id="6" dur="500" tmFilter="0, 0; .2, .5; .8, .5; 1, 0"/>
-                                        <p:tgtEl>
-                                          <p:spTgt spid="4"/>
-                                        </p:tgtEl>
-                                      </p:cBhvr>
-                                    </p:animEffect>
-                                    <p:animScale>
-                                      <p:cBhvr>
-                                        <p:cTn id="7" dur="250" autoRev="1" fill="hold"/>
-                                        <p:tgtEl>
-                                          <p:spTgt spid="4"/>
-                                        </p:tgtEl>
-                                      </p:cBhvr>
-                                      <p:by x="105000" y="105000"/>
-                                    </p:animScale>
-                                  </p:childTnLst>
-                                </p:cTn>
-                              </p:par>
-                            </p:childTnLst>
-                          </p:cTn>
-                        </p:par>
-                      </p:childTnLst>
-                    </p:cTn>
-                  </p:par>
-                </p:childTnLst>
-              </p:cTn>
-              <p:prevCondLst>
-                <p:cond evt="onPrev" delay="0">
-                  <p:tgtEl>
-                    <p:sldTgt/>
-                  </p:tgtEl>
-                </p:cond>
-              </p:prevCondLst>
-              <p:nextCondLst>
-                <p:cond evt="onNext" delay="0">
-                  <p:tgtEl>
-                    <p:sldTgt/>
-                  </p:tgtEl>
-                </p:cond>
-              </p:nextCondLst>
-            </p:seq>
-          </p:childTnLst>
-        </p:cTn>
+        <p:cTn id="1" dur="indefinite" restart="never" nodeType="tmRoot"/>
       </p:par>
     </p:tnLst>
-    <p:bldLst>
-      <p:bldP spid="4" grpId="0"/>
-    </p:bldLst>
   </p:timing>
 </p:sld>
 </file>
@@ -10393,7 +10323,12 @@
             <p:ph type="title"/>
           </p:nvPr>
         </p:nvSpPr>
-        <p:spPr/>
+        <p:spPr>
+          <a:xfrm>
+            <a:off x="2738065" y="622293"/>
+            <a:ext cx="8911687" cy="1280890"/>
+          </a:xfrm>
+        </p:spPr>
         <p:txBody>
           <a:bodyPr>
             <a:normAutofit/>
@@ -10420,8 +10355,8 @@
         </p:nvSpPr>
         <p:spPr>
           <a:xfrm>
-            <a:off x="2592923" y="1264555"/>
-            <a:ext cx="6463991" cy="3385542"/>
+            <a:off x="2738065" y="1453240"/>
+            <a:ext cx="9018506" cy="4616648"/>
           </a:xfrm>
           <a:prstGeom prst="rect">
             <a:avLst/>
@@ -10441,6 +10376,261 @@
               <a:rPr lang="en-US" sz="1400" dirty="0"/>
             </a:br>
             <a:r>
+              <a:rPr lang="en-US" sz="2800" dirty="0">
+                <a:solidFill>
+                  <a:schemeClr val="tx1">
+                    <a:lumMod val="50000"/>
+                    <a:lumOff val="50000"/>
+                  </a:schemeClr>
+                </a:solidFill>
+                <a:latin typeface="+mj-lt"/>
+                <a:ea typeface="+mj-ea"/>
+                <a:cs typeface="+mj-cs"/>
+              </a:rPr>
+              <a:t>• Async functions are declared by prepending the word </a:t>
+            </a:r>
+            <a:r>
+              <a:rPr lang="en-US" sz="2800" dirty="0" err="1">
+                <a:solidFill>
+                  <a:schemeClr val="tx1">
+                    <a:lumMod val="50000"/>
+                    <a:lumOff val="50000"/>
+                  </a:schemeClr>
+                </a:solidFill>
+                <a:latin typeface="+mj-lt"/>
+                <a:ea typeface="+mj-ea"/>
+                <a:cs typeface="+mj-cs"/>
+              </a:rPr>
+              <a:t>async</a:t>
+            </a:r>
+            <a:r>
+              <a:rPr lang="en-US" sz="2800" dirty="0">
+                <a:solidFill>
+                  <a:schemeClr val="tx1">
+                    <a:lumMod val="50000"/>
+                    <a:lumOff val="50000"/>
+                  </a:schemeClr>
+                </a:solidFill>
+                <a:latin typeface="+mj-lt"/>
+                <a:ea typeface="+mj-ea"/>
+                <a:cs typeface="+mj-cs"/>
+              </a:rPr>
+              <a:t> in their declaration</a:t>
+            </a:r>
+          </a:p>
+          <a:p>
+            <a:r>
+              <a:rPr lang="en-US" sz="2800" dirty="0">
+                <a:solidFill>
+                  <a:schemeClr val="tx1">
+                    <a:lumMod val="50000"/>
+                    <a:lumOff val="50000"/>
+                  </a:schemeClr>
+                </a:solidFill>
+                <a:latin typeface="+mj-lt"/>
+                <a:ea typeface="+mj-ea"/>
+                <a:cs typeface="+mj-cs"/>
+              </a:rPr>
+              <a:t/>
+            </a:r>
+            <a:br>
+              <a:rPr lang="en-US" sz="2800" dirty="0">
+                <a:solidFill>
+                  <a:schemeClr val="tx1">
+                    <a:lumMod val="50000"/>
+                    <a:lumOff val="50000"/>
+                  </a:schemeClr>
+                </a:solidFill>
+                <a:latin typeface="+mj-lt"/>
+                <a:ea typeface="+mj-ea"/>
+                <a:cs typeface="+mj-cs"/>
+              </a:rPr>
+            </a:br>
+            <a:r>
+              <a:rPr lang="en-US" sz="2800" dirty="0">
+                <a:solidFill>
+                  <a:schemeClr val="tx1">
+                    <a:lumMod val="50000"/>
+                    <a:lumOff val="50000"/>
+                  </a:schemeClr>
+                </a:solidFill>
+                <a:latin typeface="+mj-lt"/>
+                <a:ea typeface="+mj-ea"/>
+                <a:cs typeface="+mj-cs"/>
+              </a:rPr>
+              <a:t>• Your code can be paused waiting for an Async Function with await</a:t>
+            </a:r>
+            <a:r>
+              <a:rPr lang="en-US" sz="2800" dirty="0">
+                <a:solidFill>
+                  <a:schemeClr val="tx1">
+                    <a:lumMod val="50000"/>
+                    <a:lumOff val="50000"/>
+                  </a:schemeClr>
+                </a:solidFill>
+                <a:latin typeface="+mj-lt"/>
+                <a:ea typeface="+mj-ea"/>
+                <a:cs typeface="+mj-cs"/>
+              </a:rPr>
+              <a:t>.</a:t>
+            </a:r>
+          </a:p>
+          <a:p>
+            <a:r>
+              <a:rPr lang="en-US" sz="2800" dirty="0">
+                <a:solidFill>
+                  <a:schemeClr val="tx1">
+                    <a:lumMod val="50000"/>
+                    <a:lumOff val="50000"/>
+                  </a:schemeClr>
+                </a:solidFill>
+                <a:latin typeface="+mj-lt"/>
+                <a:ea typeface="+mj-ea"/>
+                <a:cs typeface="+mj-cs"/>
+              </a:rPr>
+              <a:t/>
+            </a:r>
+            <a:br>
+              <a:rPr lang="en-US" sz="2800" dirty="0">
+                <a:solidFill>
+                  <a:schemeClr val="tx1">
+                    <a:lumMod val="50000"/>
+                    <a:lumOff val="50000"/>
+                  </a:schemeClr>
+                </a:solidFill>
+                <a:latin typeface="+mj-lt"/>
+                <a:ea typeface="+mj-ea"/>
+                <a:cs typeface="+mj-cs"/>
+              </a:rPr>
+            </a:br>
+            <a:r>
+              <a:rPr lang="en-US" sz="2800" dirty="0">
+                <a:solidFill>
+                  <a:schemeClr val="tx1">
+                    <a:lumMod val="50000"/>
+                    <a:lumOff val="50000"/>
+                  </a:schemeClr>
+                </a:solidFill>
+                <a:latin typeface="+mj-lt"/>
+                <a:ea typeface="+mj-ea"/>
+                <a:cs typeface="+mj-cs"/>
+              </a:rPr>
+              <a:t>• await returns whatever the </a:t>
+            </a:r>
+            <a:r>
+              <a:rPr lang="en-US" sz="2800" dirty="0" err="1">
+                <a:solidFill>
+                  <a:schemeClr val="tx1">
+                    <a:lumMod val="50000"/>
+                    <a:lumOff val="50000"/>
+                  </a:schemeClr>
+                </a:solidFill>
+                <a:latin typeface="+mj-lt"/>
+                <a:ea typeface="+mj-ea"/>
+                <a:cs typeface="+mj-cs"/>
+              </a:rPr>
+              <a:t>async</a:t>
+            </a:r>
+            <a:r>
+              <a:rPr lang="en-US" sz="2800" dirty="0">
+                <a:solidFill>
+                  <a:schemeClr val="tx1">
+                    <a:lumMod val="50000"/>
+                    <a:lumOff val="50000"/>
+                  </a:schemeClr>
+                </a:solidFill>
+                <a:latin typeface="+mj-lt"/>
+                <a:ea typeface="+mj-ea"/>
+                <a:cs typeface="+mj-cs"/>
+              </a:rPr>
+              <a:t> function returns when it is done</a:t>
+            </a:r>
+            <a:r>
+              <a:rPr lang="en-US" sz="2800" dirty="0">
+                <a:solidFill>
+                  <a:schemeClr val="tx1">
+                    <a:lumMod val="50000"/>
+                    <a:lumOff val="50000"/>
+                  </a:schemeClr>
+                </a:solidFill>
+                <a:latin typeface="+mj-lt"/>
+                <a:ea typeface="+mj-ea"/>
+                <a:cs typeface="+mj-cs"/>
+              </a:rPr>
+              <a:t>.</a:t>
+            </a:r>
+          </a:p>
+          <a:p>
+            <a:r>
+              <a:rPr lang="en-US" sz="2800" dirty="0">
+                <a:solidFill>
+                  <a:schemeClr val="tx1">
+                    <a:lumMod val="50000"/>
+                    <a:lumOff val="50000"/>
+                  </a:schemeClr>
+                </a:solidFill>
+                <a:latin typeface="+mj-lt"/>
+                <a:ea typeface="+mj-ea"/>
+                <a:cs typeface="+mj-cs"/>
+              </a:rPr>
+              <a:t/>
+            </a:r>
+            <a:br>
+              <a:rPr lang="en-US" sz="2800" dirty="0">
+                <a:solidFill>
+                  <a:schemeClr val="tx1">
+                    <a:lumMod val="50000"/>
+                    <a:lumOff val="50000"/>
+                  </a:schemeClr>
+                </a:solidFill>
+                <a:latin typeface="+mj-lt"/>
+                <a:ea typeface="+mj-ea"/>
+                <a:cs typeface="+mj-cs"/>
+              </a:rPr>
+            </a:br>
+            <a:r>
+              <a:rPr lang="en-US" sz="2800" dirty="0">
+                <a:solidFill>
+                  <a:schemeClr val="tx1">
+                    <a:lumMod val="50000"/>
+                    <a:lumOff val="50000"/>
+                  </a:schemeClr>
+                </a:solidFill>
+                <a:latin typeface="+mj-lt"/>
+                <a:ea typeface="+mj-ea"/>
+                <a:cs typeface="+mj-cs"/>
+              </a:rPr>
+              <a:t>• await can only be used inside an </a:t>
+            </a:r>
+            <a:r>
+              <a:rPr lang="en-US" sz="2800" dirty="0" err="1">
+                <a:solidFill>
+                  <a:schemeClr val="tx1">
+                    <a:lumMod val="50000"/>
+                    <a:lumOff val="50000"/>
+                  </a:schemeClr>
+                </a:solidFill>
+                <a:latin typeface="+mj-lt"/>
+                <a:ea typeface="+mj-ea"/>
+                <a:cs typeface="+mj-cs"/>
+              </a:rPr>
+              <a:t>async</a:t>
+            </a:r>
+            <a:r>
+              <a:rPr lang="en-US" sz="2800" dirty="0">
+                <a:solidFill>
+                  <a:schemeClr val="tx1">
+                    <a:lumMod val="50000"/>
+                    <a:lumOff val="50000"/>
+                  </a:schemeClr>
+                </a:solidFill>
+                <a:latin typeface="+mj-lt"/>
+                <a:ea typeface="+mj-ea"/>
+                <a:cs typeface="+mj-cs"/>
+              </a:rPr>
+              <a:t> function</a:t>
+            </a:r>
+            <a:r>
               <a:rPr lang="en-US" sz="2000" dirty="0">
                 <a:solidFill>
                   <a:schemeClr val="bg2">
@@ -10451,244 +10641,7 @@
                 <a:ea typeface="+mj-ea"/>
                 <a:cs typeface="+mj-cs"/>
               </a:rPr>
-              <a:t>• Async functions are declared by prepending the word </a:t>
-            </a:r>
-            <a:r>
-              <a:rPr lang="en-US" sz="2000" dirty="0" err="1">
-                <a:solidFill>
-                  <a:schemeClr val="bg2">
-                    <a:lumMod val="50000"/>
-                  </a:schemeClr>
-                </a:solidFill>
-                <a:latin typeface="+mj-lt"/>
-                <a:ea typeface="+mj-ea"/>
-                <a:cs typeface="+mj-cs"/>
-              </a:rPr>
-              <a:t>async</a:t>
-            </a:r>
-            <a:r>
-              <a:rPr lang="en-US" sz="2000" dirty="0">
-                <a:solidFill>
-                  <a:schemeClr val="bg2">
-                    <a:lumMod val="50000"/>
-                  </a:schemeClr>
-                </a:solidFill>
-                <a:latin typeface="+mj-lt"/>
-                <a:ea typeface="+mj-ea"/>
-                <a:cs typeface="+mj-cs"/>
-              </a:rPr>
-              <a:t> in their </a:t>
-            </a:r>
-            <a:r>
-              <a:rPr lang="en-US" sz="2000" dirty="0" smtClean="0">
-                <a:solidFill>
-                  <a:schemeClr val="bg2">
-                    <a:lumMod val="50000"/>
-                  </a:schemeClr>
-                </a:solidFill>
-                <a:latin typeface="+mj-lt"/>
-                <a:ea typeface="+mj-ea"/>
-                <a:cs typeface="+mj-cs"/>
-              </a:rPr>
-              <a:t>declaration</a:t>
-            </a:r>
-          </a:p>
-          <a:p>
-            <a:r>
-              <a:rPr lang="en-US" sz="2000" dirty="0">
-                <a:solidFill>
-                  <a:schemeClr val="bg2">
-                    <a:lumMod val="50000"/>
-                  </a:schemeClr>
-                </a:solidFill>
-                <a:latin typeface="+mj-lt"/>
-                <a:ea typeface="+mj-ea"/>
-                <a:cs typeface="+mj-cs"/>
-              </a:rPr>
-              <a:t/>
-            </a:r>
-            <a:br>
-              <a:rPr lang="en-US" sz="2000" dirty="0">
-                <a:solidFill>
-                  <a:schemeClr val="bg2">
-                    <a:lumMod val="50000"/>
-                  </a:schemeClr>
-                </a:solidFill>
-                <a:latin typeface="+mj-lt"/>
-                <a:ea typeface="+mj-ea"/>
-                <a:cs typeface="+mj-cs"/>
-              </a:rPr>
-            </a:br>
-            <a:r>
-              <a:rPr lang="en-US" sz="2000" dirty="0">
-                <a:solidFill>
-                  <a:schemeClr val="bg2">
-                    <a:lumMod val="50000"/>
-                  </a:schemeClr>
-                </a:solidFill>
-                <a:latin typeface="+mj-lt"/>
-                <a:ea typeface="+mj-ea"/>
-                <a:cs typeface="+mj-cs"/>
-              </a:rPr>
-              <a:t>• Your code can be paused waiting for an Async Function with await</a:t>
-            </a:r>
-            <a:r>
-              <a:rPr lang="en-US" sz="2000" dirty="0" smtClean="0">
-                <a:solidFill>
-                  <a:schemeClr val="bg2">
-                    <a:lumMod val="50000"/>
-                  </a:schemeClr>
-                </a:solidFill>
-                <a:latin typeface="+mj-lt"/>
-                <a:ea typeface="+mj-ea"/>
-                <a:cs typeface="+mj-cs"/>
-              </a:rPr>
               <a:t>.</a:t>
-            </a:r>
-          </a:p>
-          <a:p>
-            <a:r>
-              <a:rPr lang="en-US" sz="2000" dirty="0">
-                <a:solidFill>
-                  <a:schemeClr val="bg2">
-                    <a:lumMod val="50000"/>
-                  </a:schemeClr>
-                </a:solidFill>
-                <a:latin typeface="+mj-lt"/>
-                <a:ea typeface="+mj-ea"/>
-                <a:cs typeface="+mj-cs"/>
-              </a:rPr>
-              <a:t/>
-            </a:r>
-            <a:br>
-              <a:rPr lang="en-US" sz="2000" dirty="0">
-                <a:solidFill>
-                  <a:schemeClr val="bg2">
-                    <a:lumMod val="50000"/>
-                  </a:schemeClr>
-                </a:solidFill>
-                <a:latin typeface="+mj-lt"/>
-                <a:ea typeface="+mj-ea"/>
-                <a:cs typeface="+mj-cs"/>
-              </a:rPr>
-            </a:br>
-            <a:r>
-              <a:rPr lang="en-US" sz="2000" dirty="0">
-                <a:solidFill>
-                  <a:schemeClr val="bg2">
-                    <a:lumMod val="50000"/>
-                  </a:schemeClr>
-                </a:solidFill>
-                <a:latin typeface="+mj-lt"/>
-                <a:ea typeface="+mj-ea"/>
-                <a:cs typeface="+mj-cs"/>
-              </a:rPr>
-              <a:t>• await returns whatever the </a:t>
-            </a:r>
-            <a:r>
-              <a:rPr lang="en-US" sz="2000" dirty="0" err="1">
-                <a:solidFill>
-                  <a:schemeClr val="bg2">
-                    <a:lumMod val="50000"/>
-                  </a:schemeClr>
-                </a:solidFill>
-                <a:latin typeface="+mj-lt"/>
-                <a:ea typeface="+mj-ea"/>
-                <a:cs typeface="+mj-cs"/>
-              </a:rPr>
-              <a:t>async</a:t>
-            </a:r>
-            <a:r>
-              <a:rPr lang="en-US" sz="2000" dirty="0">
-                <a:solidFill>
-                  <a:schemeClr val="bg2">
-                    <a:lumMod val="50000"/>
-                  </a:schemeClr>
-                </a:solidFill>
-                <a:latin typeface="+mj-lt"/>
-                <a:ea typeface="+mj-ea"/>
-                <a:cs typeface="+mj-cs"/>
-              </a:rPr>
-              <a:t> function returns when it is done</a:t>
-            </a:r>
-            <a:r>
-              <a:rPr lang="en-US" sz="2000" dirty="0" smtClean="0">
-                <a:solidFill>
-                  <a:schemeClr val="bg2">
-                    <a:lumMod val="50000"/>
-                  </a:schemeClr>
-                </a:solidFill>
-                <a:latin typeface="+mj-lt"/>
-                <a:ea typeface="+mj-ea"/>
-                <a:cs typeface="+mj-cs"/>
-              </a:rPr>
-              <a:t>.</a:t>
-            </a:r>
-          </a:p>
-          <a:p>
-            <a:r>
-              <a:rPr lang="en-US" sz="2000" dirty="0">
-                <a:solidFill>
-                  <a:schemeClr val="bg2">
-                    <a:lumMod val="50000"/>
-                  </a:schemeClr>
-                </a:solidFill>
-                <a:latin typeface="+mj-lt"/>
-                <a:ea typeface="+mj-ea"/>
-                <a:cs typeface="+mj-cs"/>
-              </a:rPr>
-              <a:t/>
-            </a:r>
-            <a:br>
-              <a:rPr lang="en-US" sz="2000" dirty="0">
-                <a:solidFill>
-                  <a:schemeClr val="bg2">
-                    <a:lumMod val="50000"/>
-                  </a:schemeClr>
-                </a:solidFill>
-                <a:latin typeface="+mj-lt"/>
-                <a:ea typeface="+mj-ea"/>
-                <a:cs typeface="+mj-cs"/>
-              </a:rPr>
-            </a:br>
-            <a:r>
-              <a:rPr lang="en-US" sz="2000" dirty="0">
-                <a:solidFill>
-                  <a:schemeClr val="bg2">
-                    <a:lumMod val="50000"/>
-                  </a:schemeClr>
-                </a:solidFill>
-                <a:latin typeface="+mj-lt"/>
-                <a:ea typeface="+mj-ea"/>
-                <a:cs typeface="+mj-cs"/>
-              </a:rPr>
-              <a:t>• await can only be used inside an </a:t>
-            </a:r>
-            <a:r>
-              <a:rPr lang="en-US" sz="2000" dirty="0" err="1">
-                <a:solidFill>
-                  <a:schemeClr val="bg2">
-                    <a:lumMod val="50000"/>
-                  </a:schemeClr>
-                </a:solidFill>
-                <a:latin typeface="+mj-lt"/>
-                <a:ea typeface="+mj-ea"/>
-                <a:cs typeface="+mj-cs"/>
-              </a:rPr>
-              <a:t>async</a:t>
-            </a:r>
-            <a:r>
-              <a:rPr lang="en-US" sz="2000" dirty="0">
-                <a:solidFill>
-                  <a:schemeClr val="bg2">
-                    <a:lumMod val="50000"/>
-                  </a:schemeClr>
-                </a:solidFill>
-                <a:latin typeface="+mj-lt"/>
-                <a:ea typeface="+mj-ea"/>
-                <a:cs typeface="+mj-cs"/>
-              </a:rPr>
-              <a:t> function.</a:t>
             </a:r>
           </a:p>
         </p:txBody>
@@ -11914,8 +11867,8 @@
         </p:nvSpPr>
         <p:spPr>
           <a:xfrm>
-            <a:off x="2402155" y="2706130"/>
-            <a:ext cx="10174361" cy="824862"/>
+            <a:off x="2315070" y="2525486"/>
+            <a:ext cx="10174361" cy="1005506"/>
           </a:xfrm>
         </p:spPr>
         <p:txBody>
@@ -11979,8 +11932,9 @@
             <a:r>
               <a:rPr lang="en-US" sz="2800" dirty="0">
                 <a:solidFill>
-                  <a:schemeClr val="bg2">
+                  <a:schemeClr val="tx1">
                     <a:lumMod val="50000"/>
+                    <a:lumOff val="50000"/>
                   </a:schemeClr>
                 </a:solidFill>
                 <a:latin typeface="+mj-lt"/>
@@ -11992,8 +11946,9 @@
             <a:r>
               <a:rPr lang="en-US" sz="2800" dirty="0" smtClean="0">
                 <a:solidFill>
-                  <a:schemeClr val="bg2">
+                  <a:schemeClr val="tx1">
                     <a:lumMod val="50000"/>
+                    <a:lumOff val="50000"/>
                   </a:schemeClr>
                 </a:solidFill>
                 <a:latin typeface="+mj-lt"/>
@@ -12005,8 +11960,9 @@
             <a:r>
               <a:rPr lang="en-US" sz="2800" dirty="0">
                 <a:solidFill>
-                  <a:schemeClr val="bg2">
+                  <a:schemeClr val="tx1">
                     <a:lumMod val="50000"/>
+                    <a:lumOff val="50000"/>
                   </a:schemeClr>
                 </a:solidFill>
                 <a:latin typeface="+mj-lt"/>
@@ -12018,8 +11974,9 @@
             <a:r>
               <a:rPr lang="en-US" sz="2800" dirty="0">
                 <a:solidFill>
-                  <a:schemeClr val="bg2">
+                  <a:schemeClr val="tx1">
                     <a:lumMod val="50000"/>
+                    <a:lumOff val="50000"/>
                   </a:schemeClr>
                 </a:solidFill>
                 <a:latin typeface="+mj-lt"/>
@@ -12031,8 +11988,9 @@
             <a:r>
               <a:rPr lang="en-US" sz="2800" dirty="0">
                 <a:solidFill>
-                  <a:schemeClr val="bg2">
+                  <a:schemeClr val="tx1">
                     <a:lumMod val="50000"/>
+                    <a:lumOff val="50000"/>
                   </a:schemeClr>
                 </a:solidFill>
                 <a:latin typeface="+mj-lt"/>
@@ -12044,8 +12002,9 @@
             <a:r>
               <a:rPr lang="en-US" sz="2800" dirty="0" smtClean="0">
                 <a:solidFill>
-                  <a:schemeClr val="bg2">
+                  <a:schemeClr val="tx1">
                     <a:lumMod val="50000"/>
+                    <a:lumOff val="50000"/>
                   </a:schemeClr>
                 </a:solidFill>
                 <a:latin typeface="+mj-lt"/>
@@ -12058,8 +12017,9 @@
           <a:p>
             <a:endParaRPr lang="en-US" sz="2800" dirty="0" smtClean="0">
               <a:solidFill>
-                <a:schemeClr val="bg2">
+                <a:schemeClr val="tx1">
                   <a:lumMod val="50000"/>
+                  <a:lumOff val="50000"/>
                 </a:schemeClr>
               </a:solidFill>
               <a:latin typeface="+mj-lt"/>
@@ -12071,8 +12031,9 @@
             <a:r>
               <a:rPr lang="en-US" sz="2800" dirty="0" smtClean="0">
                 <a:solidFill>
-                  <a:schemeClr val="bg2">
+                  <a:schemeClr val="tx1">
                     <a:lumMod val="50000"/>
+                    <a:lumOff val="50000"/>
                   </a:schemeClr>
                 </a:solidFill>
                 <a:latin typeface="+mj-lt"/>
@@ -12084,8 +12045,9 @@
             <a:r>
               <a:rPr lang="en-US" sz="2800" dirty="0">
                 <a:solidFill>
-                  <a:schemeClr val="bg2">
+                  <a:schemeClr val="tx1">
                     <a:lumMod val="50000"/>
+                    <a:lumOff val="50000"/>
                   </a:schemeClr>
                 </a:solidFill>
                 <a:latin typeface="+mj-lt"/>
@@ -12097,8 +12059,9 @@
             <a:r>
               <a:rPr lang="en-US" sz="2800" b="1" dirty="0">
                 <a:solidFill>
-                  <a:schemeClr val="bg2">
+                  <a:schemeClr val="tx1">
                     <a:lumMod val="50000"/>
+                    <a:lumOff val="50000"/>
                   </a:schemeClr>
                 </a:solidFill>
                 <a:latin typeface="+mj-lt"/>
@@ -12110,8 +12073,9 @@
             <a:r>
               <a:rPr lang="en-US" sz="2800" b="1" dirty="0" smtClean="0">
                 <a:solidFill>
-                  <a:schemeClr val="bg2">
+                  <a:schemeClr val="tx1">
                     <a:lumMod val="50000"/>
+                    <a:lumOff val="50000"/>
                   </a:schemeClr>
                 </a:solidFill>
                 <a:latin typeface="+mj-lt"/>
@@ -12123,8 +12087,9 @@
             <a:r>
               <a:rPr lang="en-US" sz="2800" dirty="0" smtClean="0">
                 <a:solidFill>
-                  <a:schemeClr val="bg2">
+                  <a:schemeClr val="tx1">
                     <a:lumMod val="50000"/>
+                    <a:lumOff val="50000"/>
                   </a:schemeClr>
                 </a:solidFill>
                 <a:latin typeface="+mj-lt"/>
@@ -12135,8 +12100,9 @@
             </a:r>
             <a:endParaRPr lang="en-US" sz="2800" dirty="0">
               <a:solidFill>
-                <a:schemeClr val="bg2">
+                <a:schemeClr val="tx1">
                   <a:lumMod val="50000"/>
+                  <a:lumOff val="50000"/>
                 </a:schemeClr>
               </a:solidFill>
               <a:latin typeface="+mj-lt"/>
@@ -13653,7 +13619,7 @@
         </p:nvSpPr>
         <p:spPr>
           <a:xfrm>
-            <a:off x="3174609" y="4043289"/>
+            <a:off x="3319751" y="4086773"/>
             <a:ext cx="6096000" cy="1384995"/>
           </a:xfrm>
           <a:prstGeom prst="rect">
@@ -13669,8 +13635,9 @@
             <a:r>
               <a:rPr lang="en-US" sz="2800" dirty="0">
                 <a:solidFill>
-                  <a:schemeClr val="bg2">
+                  <a:schemeClr val="tx1">
                     <a:lumMod val="50000"/>
+                    <a:lumOff val="50000"/>
                   </a:schemeClr>
                 </a:solidFill>
                 <a:latin typeface="+mj-lt"/>

--- a/SPHERO.pptx
+++ b/SPHERO.pptx
@@ -5,7 +5,7 @@
     <p:sldMasterId id="2147483648" r:id="rId1"/>
   </p:sldMasterIdLst>
   <p:notesMasterIdLst>
-    <p:notesMasterId r:id="rId14"/>
+    <p:notesMasterId r:id="rId15"/>
   </p:notesMasterIdLst>
   <p:sldIdLst>
     <p:sldId id="256" r:id="rId2"/>
@@ -20,6 +20,7 @@
     <p:sldId id="266" r:id="rId11"/>
     <p:sldId id="265" r:id="rId12"/>
     <p:sldId id="267" r:id="rId13"/>
+    <p:sldId id="268" r:id="rId14"/>
   </p:sldIdLst>
   <p:sldSz cx="12192000" cy="6858000"/>
   <p:notesSz cx="6858000" cy="9144000"/>
@@ -11413,6 +11414,188 @@
     <p:extLst>
       <p:ext uri="{BB962C8B-B14F-4D97-AF65-F5344CB8AC3E}">
         <p14:creationId xmlns:p14="http://schemas.microsoft.com/office/powerpoint/2010/main" val="3403874278"/>
+      </p:ext>
+    </p:extLst>
+  </p:cSld>
+  <p:clrMapOvr>
+    <a:masterClrMapping/>
+  </p:clrMapOvr>
+  <p:timing>
+    <p:tnLst>
+      <p:par>
+        <p:cTn id="1" dur="indefinite" restart="never" nodeType="tmRoot"/>
+      </p:par>
+    </p:tnLst>
+  </p:timing>
+</p:sld>
+</file>
+
+<file path=ppt/slides/slide13.xml><?xml version="1.0" encoding="utf-8"?>
+<p:sld xmlns:a="http://schemas.openxmlformats.org/drawingml/2006/main" xmlns:r="http://schemas.openxmlformats.org/officeDocument/2006/relationships" xmlns:p="http://schemas.openxmlformats.org/presentationml/2006/main">
+  <p:cSld>
+    <p:spTree>
+      <p:nvGrpSpPr>
+        <p:cNvPr id="1" name=""/>
+        <p:cNvGrpSpPr/>
+        <p:nvPr/>
+      </p:nvGrpSpPr>
+      <p:grpSpPr>
+        <a:xfrm>
+          <a:off x="0" y="0"/>
+          <a:ext cx="0" cy="0"/>
+          <a:chOff x="0" y="0"/>
+          <a:chExt cx="0" cy="0"/>
+        </a:xfrm>
+      </p:grpSpPr>
+      <p:sp>
+        <p:nvSpPr>
+          <p:cNvPr id="2" name="Title 1"/>
+          <p:cNvSpPr>
+            <a:spLocks noGrp="1"/>
+          </p:cNvSpPr>
+          <p:nvPr>
+            <p:ph type="title"/>
+          </p:nvPr>
+        </p:nvSpPr>
+        <p:spPr/>
+        <p:txBody>
+          <a:bodyPr/>
+          <a:lstStyle/>
+          <a:p>
+            <a:r>
+              <a:rPr lang="en-US" dirty="0" smtClean="0"/>
+              <a:t>References</a:t>
+            </a:r>
+            <a:endParaRPr lang="en-US" dirty="0"/>
+          </a:p>
+        </p:txBody>
+      </p:sp>
+      <p:sp>
+        <p:nvSpPr>
+          <p:cNvPr id="3" name="Rectangle 2"/>
+          <p:cNvSpPr/>
+          <p:nvPr/>
+        </p:nvSpPr>
+        <p:spPr>
+          <a:xfrm>
+            <a:off x="2592924" y="2274838"/>
+            <a:ext cx="8771762" cy="2031325"/>
+          </a:xfrm>
+          <a:prstGeom prst="rect">
+            <a:avLst/>
+          </a:prstGeom>
+        </p:spPr>
+        <p:txBody>
+          <a:bodyPr wrap="square">
+            <a:spAutoFit/>
+          </a:bodyPr>
+          <a:lstStyle/>
+          <a:p>
+            <a:r>
+              <a:rPr lang="en-US" dirty="0" smtClean="0">
+                <a:hlinkClick r:id="rId2"/>
+              </a:rPr>
+              <a:t>https</a:t>
+            </a:r>
+            <a:r>
+              <a:rPr lang="en-US" dirty="0">
+                <a:hlinkClick r:id="rId2"/>
+              </a:rPr>
+              <a:t>://</a:t>
+            </a:r>
+            <a:r>
+              <a:rPr lang="en-US" dirty="0" smtClean="0">
+                <a:hlinkClick r:id="rId2"/>
+              </a:rPr>
+              <a:t>developer.mozilla.org/en-US/docs/Web/JavaScript/Reference/Statements/async_function</a:t>
+            </a:r>
+            <a:endParaRPr lang="en-US" dirty="0"/>
+          </a:p>
+          <a:p>
+            <a:endParaRPr lang="en-US" dirty="0"/>
+          </a:p>
+          <a:p>
+            <a:r>
+              <a:rPr lang="en-US" dirty="0">
+                <a:hlinkClick r:id="rId3"/>
+              </a:rPr>
+              <a:t>https://</a:t>
+            </a:r>
+            <a:r>
+              <a:rPr lang="en-US" dirty="0" smtClean="0">
+                <a:hlinkClick r:id="rId3"/>
+              </a:rPr>
+              <a:t>developers.google.com/web/fundamentals/primers/promises</a:t>
+            </a:r>
+            <a:endParaRPr lang="en-US" dirty="0" smtClean="0"/>
+          </a:p>
+          <a:p>
+            <a:endParaRPr lang="en-US" dirty="0"/>
+          </a:p>
+          <a:p>
+            <a:r>
+              <a:rPr lang="en-US" dirty="0">
+                <a:hlinkClick r:id="rId4"/>
+              </a:rPr>
+              <a:t>https://</a:t>
+            </a:r>
+            <a:r>
+              <a:rPr lang="en-US" dirty="0" smtClean="0">
+                <a:hlinkClick r:id="rId4"/>
+              </a:rPr>
+              <a:t>javascript.info/promise-basics</a:t>
+            </a:r>
+            <a:endParaRPr lang="en-US" dirty="0" smtClean="0"/>
+          </a:p>
+          <a:p>
+            <a:endParaRPr lang="en-US" dirty="0"/>
+          </a:p>
+        </p:txBody>
+      </p:sp>
+      <p:sp>
+        <p:nvSpPr>
+          <p:cNvPr id="4" name="Rectangle 3"/>
+          <p:cNvSpPr/>
+          <p:nvPr/>
+        </p:nvSpPr>
+        <p:spPr>
+          <a:xfrm>
+            <a:off x="2592924" y="4165378"/>
+            <a:ext cx="6096000" cy="923330"/>
+          </a:xfrm>
+          <a:prstGeom prst="rect">
+            <a:avLst/>
+          </a:prstGeom>
+        </p:spPr>
+        <p:txBody>
+          <a:bodyPr>
+            <a:spAutoFit/>
+          </a:bodyPr>
+          <a:lstStyle/>
+          <a:p>
+            <a:r>
+              <a:rPr lang="en-US" dirty="0">
+                <a:hlinkClick r:id="rId5"/>
+              </a:rPr>
+              <a:t>https://medium.com/@</a:t>
+            </a:r>
+            <a:r>
+              <a:rPr lang="en-US" dirty="0" smtClean="0">
+                <a:hlinkClick r:id="rId5"/>
+              </a:rPr>
+              <a:t>rafaelvidaurre?source=post_header_lockup</a:t>
+            </a:r>
+            <a:endParaRPr lang="en-US" dirty="0" smtClean="0"/>
+          </a:p>
+          <a:p>
+            <a:endParaRPr lang="en-US" dirty="0" smtClean="0"/>
+          </a:p>
+        </p:txBody>
+      </p:sp>
+    </p:spTree>
+    <p:extLst>
+      <p:ext uri="{BB962C8B-B14F-4D97-AF65-F5344CB8AC3E}">
+        <p14:creationId xmlns:p14="http://schemas.microsoft.com/office/powerpoint/2010/main" val="2339336131"/>
       </p:ext>
     </p:extLst>
   </p:cSld>
